--- a/Database, Day 00 presentation.pptx
+++ b/Database, Day 00 presentation.pptx
@@ -1,6 +1,6 @@
 
 <file path=ppt/presentation.xml><?xml version="1.0" encoding="utf-8"?>
-<p:presentation xmlns:a="http://schemas.openxmlformats.org/drawingml/2006/main" xmlns:r="http://schemas.openxmlformats.org/officeDocument/2006/relationships" xmlns:mc="http://schemas.openxmlformats.org/markup-compatibility/2006" xmlns:mv="urn:schemas-microsoft-com:mac:vml" xmlns:p="http://schemas.openxmlformats.org/presentationml/2006/main" xmlns:c="http://schemas.openxmlformats.org/drawingml/2006/chart" xmlns:dgm="http://schemas.openxmlformats.org/drawingml/2006/diagram" xmlns:o="urn:schemas-microsoft-com:office:office" xmlns:v="urn:schemas-microsoft-com:vml" xmlns:pvml="urn:schemas-microsoft-com:office:powerpoint" xmlns:com="http://schemas.openxmlformats.org/drawingml/2006/compatibility" xmlns:p14="http://schemas.microsoft.com/office/powerpoint/2010/main" xmlns:p15="http://schemas.microsoft.com/office/powerpoint/2012/main" autoCompressPictures="0" embedTrueTypeFonts="1" strictFirstAndLastChars="0" saveSubsetFonts="1">
+<p:presentation xmlns:a="http://schemas.openxmlformats.org/drawingml/2006/main" xmlns:r="http://schemas.openxmlformats.org/officeDocument/2006/relationships" xmlns:mc="http://schemas.openxmlformats.org/markup-compatibility/2006" xmlns:mv="urn:schemas-microsoft-com:mac:vml" xmlns:p="http://schemas.openxmlformats.org/presentationml/2006/main" xmlns:c="http://schemas.openxmlformats.org/drawingml/2006/chart" xmlns:dgm="http://schemas.openxmlformats.org/drawingml/2006/diagram" xmlns:o="urn:schemas-microsoft-com:office:office" xmlns:v="urn:schemas-microsoft-com:vml" xmlns:pvml="urn:schemas-microsoft-com:office:powerpoint" xmlns:com="http://schemas.openxmlformats.org/drawingml/2006/compatibility" xmlns:p14="http://schemas.microsoft.com/office/powerpoint/2010/main" xmlns:p15="http://schemas.microsoft.com/office/powerpoint/2012/main" xmlns:ahyp="http://schemas.microsoft.com/office/drawing/2018/hyperlinkcolor" autoCompressPictures="0" embedTrueTypeFonts="1" strictFirstAndLastChars="0" saveSubsetFonts="1">
   <p:sldMasterIdLst>
     <p:sldMasterId id="2147483659" r:id="rId4"/>
   </p:sldMasterIdLst>
@@ -277,7 +277,7 @@
 </file>
 
 <file path=ppt/notesMasters/notesMaster1.xml><?xml version="1.0" encoding="utf-8"?>
-<p:notesMaster xmlns:a="http://schemas.openxmlformats.org/drawingml/2006/main" xmlns:r="http://schemas.openxmlformats.org/officeDocument/2006/relationships" xmlns:mc="http://schemas.openxmlformats.org/markup-compatibility/2006" xmlns:mv="urn:schemas-microsoft-com:mac:vml" xmlns:p="http://schemas.openxmlformats.org/presentationml/2006/main" xmlns:c="http://schemas.openxmlformats.org/drawingml/2006/chart" xmlns:dgm="http://schemas.openxmlformats.org/drawingml/2006/diagram" xmlns:o="urn:schemas-microsoft-com:office:office" xmlns:v="urn:schemas-microsoft-com:vml" xmlns:pvml="urn:schemas-microsoft-com:office:powerpoint" xmlns:com="http://schemas.openxmlformats.org/drawingml/2006/compatibility" xmlns:p14="http://schemas.microsoft.com/office/powerpoint/2010/main" xmlns:p15="http://schemas.microsoft.com/office/powerpoint/2012/main">
+<p:notesMaster xmlns:a="http://schemas.openxmlformats.org/drawingml/2006/main" xmlns:r="http://schemas.openxmlformats.org/officeDocument/2006/relationships" xmlns:mc="http://schemas.openxmlformats.org/markup-compatibility/2006" xmlns:mv="urn:schemas-microsoft-com:mac:vml" xmlns:p="http://schemas.openxmlformats.org/presentationml/2006/main" xmlns:c="http://schemas.openxmlformats.org/drawingml/2006/chart" xmlns:dgm="http://schemas.openxmlformats.org/drawingml/2006/diagram" xmlns:o="urn:schemas-microsoft-com:office:office" xmlns:v="urn:schemas-microsoft-com:vml" xmlns:pvml="urn:schemas-microsoft-com:office:powerpoint" xmlns:com="http://schemas.openxmlformats.org/drawingml/2006/compatibility" xmlns:p14="http://schemas.microsoft.com/office/powerpoint/2010/main" xmlns:p15="http://schemas.microsoft.com/office/powerpoint/2012/main" xmlns:ahyp="http://schemas.microsoft.com/office/drawing/2018/hyperlinkcolor">
   <p:cSld>
     <p:spTree>
       <p:nvGrpSpPr>
@@ -703,7 +703,7 @@
 </file>
 
 <file path=ppt/notesSlides/notesSlide1.xml><?xml version="1.0" encoding="utf-8"?>
-<p:notes xmlns:a="http://schemas.openxmlformats.org/drawingml/2006/main" xmlns:r="http://schemas.openxmlformats.org/officeDocument/2006/relationships" xmlns:mc="http://schemas.openxmlformats.org/markup-compatibility/2006" xmlns:mv="urn:schemas-microsoft-com:mac:vml" xmlns:p="http://schemas.openxmlformats.org/presentationml/2006/main" xmlns:c="http://schemas.openxmlformats.org/drawingml/2006/chart" xmlns:dgm="http://schemas.openxmlformats.org/drawingml/2006/diagram" xmlns:o="urn:schemas-microsoft-com:office:office" xmlns:v="urn:schemas-microsoft-com:vml" xmlns:pvml="urn:schemas-microsoft-com:office:powerpoint" xmlns:com="http://schemas.openxmlformats.org/drawingml/2006/compatibility" xmlns:p14="http://schemas.microsoft.com/office/powerpoint/2010/main" xmlns:p15="http://schemas.microsoft.com/office/powerpoint/2012/main" showMasterPhAnim="0" showMasterSp="0">
+<p:notes xmlns:a="http://schemas.openxmlformats.org/drawingml/2006/main" xmlns:r="http://schemas.openxmlformats.org/officeDocument/2006/relationships" xmlns:mc="http://schemas.openxmlformats.org/markup-compatibility/2006" xmlns:mv="urn:schemas-microsoft-com:mac:vml" xmlns:p="http://schemas.openxmlformats.org/presentationml/2006/main" xmlns:c="http://schemas.openxmlformats.org/drawingml/2006/chart" xmlns:dgm="http://schemas.openxmlformats.org/drawingml/2006/diagram" xmlns:o="urn:schemas-microsoft-com:office:office" xmlns:v="urn:schemas-microsoft-com:vml" xmlns:pvml="urn:schemas-microsoft-com:office:powerpoint" xmlns:com="http://schemas.openxmlformats.org/drawingml/2006/compatibility" xmlns:p14="http://schemas.microsoft.com/office/powerpoint/2010/main" xmlns:p15="http://schemas.microsoft.com/office/powerpoint/2012/main" xmlns:ahyp="http://schemas.microsoft.com/office/drawing/2018/hyperlinkcolor" showMasterPhAnim="0" showMasterSp="0">
   <p:cSld>
     <p:spTree>
       <p:nvGrpSpPr>
@@ -802,7 +802,7 @@
 </file>
 
 <file path=ppt/notesSlides/notesSlide2.xml><?xml version="1.0" encoding="utf-8"?>
-<p:notes xmlns:a="http://schemas.openxmlformats.org/drawingml/2006/main" xmlns:r="http://schemas.openxmlformats.org/officeDocument/2006/relationships" xmlns:mc="http://schemas.openxmlformats.org/markup-compatibility/2006" xmlns:mv="urn:schemas-microsoft-com:mac:vml" xmlns:p="http://schemas.openxmlformats.org/presentationml/2006/main" xmlns:c="http://schemas.openxmlformats.org/drawingml/2006/chart" xmlns:dgm="http://schemas.openxmlformats.org/drawingml/2006/diagram" xmlns:o="urn:schemas-microsoft-com:office:office" xmlns:v="urn:schemas-microsoft-com:vml" xmlns:pvml="urn:schemas-microsoft-com:office:powerpoint" xmlns:com="http://schemas.openxmlformats.org/drawingml/2006/compatibility" xmlns:p14="http://schemas.microsoft.com/office/powerpoint/2010/main" xmlns:p15="http://schemas.microsoft.com/office/powerpoint/2012/main" showMasterPhAnim="0" showMasterSp="0">
+<p:notes xmlns:a="http://schemas.openxmlformats.org/drawingml/2006/main" xmlns:r="http://schemas.openxmlformats.org/officeDocument/2006/relationships" xmlns:mc="http://schemas.openxmlformats.org/markup-compatibility/2006" xmlns:mv="urn:schemas-microsoft-com:mac:vml" xmlns:p="http://schemas.openxmlformats.org/presentationml/2006/main" xmlns:c="http://schemas.openxmlformats.org/drawingml/2006/chart" xmlns:dgm="http://schemas.openxmlformats.org/drawingml/2006/diagram" xmlns:o="urn:schemas-microsoft-com:office:office" xmlns:v="urn:schemas-microsoft-com:vml" xmlns:pvml="urn:schemas-microsoft-com:office:powerpoint" xmlns:com="http://schemas.openxmlformats.org/drawingml/2006/compatibility" xmlns:p14="http://schemas.microsoft.com/office/powerpoint/2010/main" xmlns:p15="http://schemas.microsoft.com/office/powerpoint/2012/main" xmlns:ahyp="http://schemas.microsoft.com/office/drawing/2018/hyperlinkcolor" showMasterPhAnim="0" showMasterSp="0">
   <p:cSld>
     <p:spTree>
       <p:nvGrpSpPr>
@@ -901,7 +901,7 @@
 </file>
 
 <file path=ppt/notesSlides/notesSlide3.xml><?xml version="1.0" encoding="utf-8"?>
-<p:notes xmlns:a="http://schemas.openxmlformats.org/drawingml/2006/main" xmlns:r="http://schemas.openxmlformats.org/officeDocument/2006/relationships" xmlns:mc="http://schemas.openxmlformats.org/markup-compatibility/2006" xmlns:mv="urn:schemas-microsoft-com:mac:vml" xmlns:p="http://schemas.openxmlformats.org/presentationml/2006/main" xmlns:c="http://schemas.openxmlformats.org/drawingml/2006/chart" xmlns:dgm="http://schemas.openxmlformats.org/drawingml/2006/diagram" xmlns:o="urn:schemas-microsoft-com:office:office" xmlns:v="urn:schemas-microsoft-com:vml" xmlns:pvml="urn:schemas-microsoft-com:office:powerpoint" xmlns:com="http://schemas.openxmlformats.org/drawingml/2006/compatibility" xmlns:p14="http://schemas.microsoft.com/office/powerpoint/2010/main" xmlns:p15="http://schemas.microsoft.com/office/powerpoint/2012/main" showMasterPhAnim="0" showMasterSp="0">
+<p:notes xmlns:a="http://schemas.openxmlformats.org/drawingml/2006/main" xmlns:r="http://schemas.openxmlformats.org/officeDocument/2006/relationships" xmlns:mc="http://schemas.openxmlformats.org/markup-compatibility/2006" xmlns:mv="urn:schemas-microsoft-com:mac:vml" xmlns:p="http://schemas.openxmlformats.org/presentationml/2006/main" xmlns:c="http://schemas.openxmlformats.org/drawingml/2006/chart" xmlns:dgm="http://schemas.openxmlformats.org/drawingml/2006/diagram" xmlns:o="urn:schemas-microsoft-com:office:office" xmlns:v="urn:schemas-microsoft-com:vml" xmlns:pvml="urn:schemas-microsoft-com:office:powerpoint" xmlns:com="http://schemas.openxmlformats.org/drawingml/2006/compatibility" xmlns:p14="http://schemas.microsoft.com/office/powerpoint/2010/main" xmlns:p15="http://schemas.microsoft.com/office/powerpoint/2012/main" xmlns:ahyp="http://schemas.microsoft.com/office/drawing/2018/hyperlinkcolor" showMasterPhAnim="0" showMasterSp="0">
   <p:cSld>
     <p:spTree>
       <p:nvGrpSpPr>
@@ -1000,7 +1000,7 @@
 </file>
 
 <file path=ppt/notesSlides/notesSlide4.xml><?xml version="1.0" encoding="utf-8"?>
-<p:notes xmlns:a="http://schemas.openxmlformats.org/drawingml/2006/main" xmlns:r="http://schemas.openxmlformats.org/officeDocument/2006/relationships" xmlns:mc="http://schemas.openxmlformats.org/markup-compatibility/2006" xmlns:mv="urn:schemas-microsoft-com:mac:vml" xmlns:p="http://schemas.openxmlformats.org/presentationml/2006/main" xmlns:c="http://schemas.openxmlformats.org/drawingml/2006/chart" xmlns:dgm="http://schemas.openxmlformats.org/drawingml/2006/diagram" xmlns:o="urn:schemas-microsoft-com:office:office" xmlns:v="urn:schemas-microsoft-com:vml" xmlns:pvml="urn:schemas-microsoft-com:office:powerpoint" xmlns:com="http://schemas.openxmlformats.org/drawingml/2006/compatibility" xmlns:p14="http://schemas.microsoft.com/office/powerpoint/2010/main" xmlns:p15="http://schemas.microsoft.com/office/powerpoint/2012/main" showMasterPhAnim="0" showMasterSp="0">
+<p:notes xmlns:a="http://schemas.openxmlformats.org/drawingml/2006/main" xmlns:r="http://schemas.openxmlformats.org/officeDocument/2006/relationships" xmlns:mc="http://schemas.openxmlformats.org/markup-compatibility/2006" xmlns:mv="urn:schemas-microsoft-com:mac:vml" xmlns:p="http://schemas.openxmlformats.org/presentationml/2006/main" xmlns:c="http://schemas.openxmlformats.org/drawingml/2006/chart" xmlns:dgm="http://schemas.openxmlformats.org/drawingml/2006/diagram" xmlns:o="urn:schemas-microsoft-com:office:office" xmlns:v="urn:schemas-microsoft-com:vml" xmlns:pvml="urn:schemas-microsoft-com:office:powerpoint" xmlns:com="http://schemas.openxmlformats.org/drawingml/2006/compatibility" xmlns:p14="http://schemas.microsoft.com/office/powerpoint/2010/main" xmlns:p15="http://schemas.microsoft.com/office/powerpoint/2012/main" xmlns:ahyp="http://schemas.microsoft.com/office/drawing/2018/hyperlinkcolor" showMasterPhAnim="0" showMasterSp="0">
   <p:cSld>
     <p:spTree>
       <p:nvGrpSpPr>
@@ -1099,7 +1099,7 @@
 </file>
 
 <file path=ppt/notesSlides/notesSlide5.xml><?xml version="1.0" encoding="utf-8"?>
-<p:notes xmlns:a="http://schemas.openxmlformats.org/drawingml/2006/main" xmlns:r="http://schemas.openxmlformats.org/officeDocument/2006/relationships" xmlns:mc="http://schemas.openxmlformats.org/markup-compatibility/2006" xmlns:mv="urn:schemas-microsoft-com:mac:vml" xmlns:p="http://schemas.openxmlformats.org/presentationml/2006/main" xmlns:c="http://schemas.openxmlformats.org/drawingml/2006/chart" xmlns:dgm="http://schemas.openxmlformats.org/drawingml/2006/diagram" xmlns:o="urn:schemas-microsoft-com:office:office" xmlns:v="urn:schemas-microsoft-com:vml" xmlns:pvml="urn:schemas-microsoft-com:office:powerpoint" xmlns:com="http://schemas.openxmlformats.org/drawingml/2006/compatibility" xmlns:p14="http://schemas.microsoft.com/office/powerpoint/2010/main" xmlns:p15="http://schemas.microsoft.com/office/powerpoint/2012/main" showMasterPhAnim="0" showMasterSp="0">
+<p:notes xmlns:a="http://schemas.openxmlformats.org/drawingml/2006/main" xmlns:r="http://schemas.openxmlformats.org/officeDocument/2006/relationships" xmlns:mc="http://schemas.openxmlformats.org/markup-compatibility/2006" xmlns:mv="urn:schemas-microsoft-com:mac:vml" xmlns:p="http://schemas.openxmlformats.org/presentationml/2006/main" xmlns:c="http://schemas.openxmlformats.org/drawingml/2006/chart" xmlns:dgm="http://schemas.openxmlformats.org/drawingml/2006/diagram" xmlns:o="urn:schemas-microsoft-com:office:office" xmlns:v="urn:schemas-microsoft-com:vml" xmlns:pvml="urn:schemas-microsoft-com:office:powerpoint" xmlns:com="http://schemas.openxmlformats.org/drawingml/2006/compatibility" xmlns:p14="http://schemas.microsoft.com/office/powerpoint/2010/main" xmlns:p15="http://schemas.microsoft.com/office/powerpoint/2012/main" xmlns:ahyp="http://schemas.microsoft.com/office/drawing/2018/hyperlinkcolor" showMasterPhAnim="0" showMasterSp="0">
   <p:cSld>
     <p:spTree>
       <p:nvGrpSpPr>
@@ -1198,7 +1198,7 @@
 </file>
 
 <file path=ppt/notesSlides/notesSlide6.xml><?xml version="1.0" encoding="utf-8"?>
-<p:notes xmlns:a="http://schemas.openxmlformats.org/drawingml/2006/main" xmlns:r="http://schemas.openxmlformats.org/officeDocument/2006/relationships" xmlns:mc="http://schemas.openxmlformats.org/markup-compatibility/2006" xmlns:mv="urn:schemas-microsoft-com:mac:vml" xmlns:p="http://schemas.openxmlformats.org/presentationml/2006/main" xmlns:c="http://schemas.openxmlformats.org/drawingml/2006/chart" xmlns:dgm="http://schemas.openxmlformats.org/drawingml/2006/diagram" xmlns:o="urn:schemas-microsoft-com:office:office" xmlns:v="urn:schemas-microsoft-com:vml" xmlns:pvml="urn:schemas-microsoft-com:office:powerpoint" xmlns:com="http://schemas.openxmlformats.org/drawingml/2006/compatibility" xmlns:p14="http://schemas.microsoft.com/office/powerpoint/2010/main" xmlns:p15="http://schemas.microsoft.com/office/powerpoint/2012/main" showMasterPhAnim="0" showMasterSp="0">
+<p:notes xmlns:a="http://schemas.openxmlformats.org/drawingml/2006/main" xmlns:r="http://schemas.openxmlformats.org/officeDocument/2006/relationships" xmlns:mc="http://schemas.openxmlformats.org/markup-compatibility/2006" xmlns:mv="urn:schemas-microsoft-com:mac:vml" xmlns:p="http://schemas.openxmlformats.org/presentationml/2006/main" xmlns:c="http://schemas.openxmlformats.org/drawingml/2006/chart" xmlns:dgm="http://schemas.openxmlformats.org/drawingml/2006/diagram" xmlns:o="urn:schemas-microsoft-com:office:office" xmlns:v="urn:schemas-microsoft-com:vml" xmlns:pvml="urn:schemas-microsoft-com:office:powerpoint" xmlns:com="http://schemas.openxmlformats.org/drawingml/2006/compatibility" xmlns:p14="http://schemas.microsoft.com/office/powerpoint/2010/main" xmlns:p15="http://schemas.microsoft.com/office/powerpoint/2012/main" xmlns:ahyp="http://schemas.microsoft.com/office/drawing/2018/hyperlinkcolor" showMasterPhAnim="0" showMasterSp="0">
   <p:cSld>
     <p:spTree>
       <p:nvGrpSpPr>
@@ -1297,7 +1297,7 @@
 </file>
 
 <file path=ppt/notesSlides/notesSlide7.xml><?xml version="1.0" encoding="utf-8"?>
-<p:notes xmlns:a="http://schemas.openxmlformats.org/drawingml/2006/main" xmlns:r="http://schemas.openxmlformats.org/officeDocument/2006/relationships" xmlns:mc="http://schemas.openxmlformats.org/markup-compatibility/2006" xmlns:mv="urn:schemas-microsoft-com:mac:vml" xmlns:p="http://schemas.openxmlformats.org/presentationml/2006/main" xmlns:c="http://schemas.openxmlformats.org/drawingml/2006/chart" xmlns:dgm="http://schemas.openxmlformats.org/drawingml/2006/diagram" xmlns:o="urn:schemas-microsoft-com:office:office" xmlns:v="urn:schemas-microsoft-com:vml" xmlns:pvml="urn:schemas-microsoft-com:office:powerpoint" xmlns:com="http://schemas.openxmlformats.org/drawingml/2006/compatibility" xmlns:p14="http://schemas.microsoft.com/office/powerpoint/2010/main" xmlns:p15="http://schemas.microsoft.com/office/powerpoint/2012/main" showMasterPhAnim="0" showMasterSp="0">
+<p:notes xmlns:a="http://schemas.openxmlformats.org/drawingml/2006/main" xmlns:r="http://schemas.openxmlformats.org/officeDocument/2006/relationships" xmlns:mc="http://schemas.openxmlformats.org/markup-compatibility/2006" xmlns:mv="urn:schemas-microsoft-com:mac:vml" xmlns:p="http://schemas.openxmlformats.org/presentationml/2006/main" xmlns:c="http://schemas.openxmlformats.org/drawingml/2006/chart" xmlns:dgm="http://schemas.openxmlformats.org/drawingml/2006/diagram" xmlns:o="urn:schemas-microsoft-com:office:office" xmlns:v="urn:schemas-microsoft-com:vml" xmlns:pvml="urn:schemas-microsoft-com:office:powerpoint" xmlns:com="http://schemas.openxmlformats.org/drawingml/2006/compatibility" xmlns:p14="http://schemas.microsoft.com/office/powerpoint/2010/main" xmlns:p15="http://schemas.microsoft.com/office/powerpoint/2012/main" xmlns:ahyp="http://schemas.microsoft.com/office/drawing/2018/hyperlinkcolor" showMasterPhAnim="0" showMasterSp="0">
   <p:cSld>
     <p:spTree>
       <p:nvGrpSpPr>
@@ -1315,7 +1315,7 @@
       </p:grpSpPr>
       <p:sp>
         <p:nvSpPr>
-          <p:cNvPr id="122" name="Google Shape;122;g8cb6e9acb3_0_6:notes"/>
+          <p:cNvPr id="122" name="Google Shape;122;g8eb12ba7dd_0_0:notes"/>
           <p:cNvSpPr/>
           <p:nvPr>
             <p:ph idx="2" type="sldImg"/>
@@ -1350,7 +1350,7 @@
       </p:sp>
       <p:sp>
         <p:nvSpPr>
-          <p:cNvPr id="123" name="Google Shape;123;g8cb6e9acb3_0_6:notes"/>
+          <p:cNvPr id="123" name="Google Shape;123;g8eb12ba7dd_0_0:notes"/>
           <p:cNvSpPr txBox="1"/>
           <p:nvPr>
             <p:ph idx="1" type="body"/>
@@ -1396,7 +1396,7 @@
 </file>
 
 <file path=ppt/notesSlides/notesSlide8.xml><?xml version="1.0" encoding="utf-8"?>
-<p:notes xmlns:a="http://schemas.openxmlformats.org/drawingml/2006/main" xmlns:r="http://schemas.openxmlformats.org/officeDocument/2006/relationships" xmlns:mc="http://schemas.openxmlformats.org/markup-compatibility/2006" xmlns:mv="urn:schemas-microsoft-com:mac:vml" xmlns:p="http://schemas.openxmlformats.org/presentationml/2006/main" xmlns:c="http://schemas.openxmlformats.org/drawingml/2006/chart" xmlns:dgm="http://schemas.openxmlformats.org/drawingml/2006/diagram" xmlns:o="urn:schemas-microsoft-com:office:office" xmlns:v="urn:schemas-microsoft-com:vml" xmlns:pvml="urn:schemas-microsoft-com:office:powerpoint" xmlns:com="http://schemas.openxmlformats.org/drawingml/2006/compatibility" xmlns:p14="http://schemas.microsoft.com/office/powerpoint/2010/main" xmlns:p15="http://schemas.microsoft.com/office/powerpoint/2012/main" showMasterPhAnim="0" showMasterSp="0">
+<p:notes xmlns:a="http://schemas.openxmlformats.org/drawingml/2006/main" xmlns:r="http://schemas.openxmlformats.org/officeDocument/2006/relationships" xmlns:mc="http://schemas.openxmlformats.org/markup-compatibility/2006" xmlns:mv="urn:schemas-microsoft-com:mac:vml" xmlns:p="http://schemas.openxmlformats.org/presentationml/2006/main" xmlns:c="http://schemas.openxmlformats.org/drawingml/2006/chart" xmlns:dgm="http://schemas.openxmlformats.org/drawingml/2006/diagram" xmlns:o="urn:schemas-microsoft-com:office:office" xmlns:v="urn:schemas-microsoft-com:vml" xmlns:pvml="urn:schemas-microsoft-com:office:powerpoint" xmlns:com="http://schemas.openxmlformats.org/drawingml/2006/compatibility" xmlns:p14="http://schemas.microsoft.com/office/powerpoint/2010/main" xmlns:p15="http://schemas.microsoft.com/office/powerpoint/2012/main" xmlns:ahyp="http://schemas.microsoft.com/office/drawing/2018/hyperlinkcolor" showMasterPhAnim="0" showMasterSp="0">
   <p:cSld>
     <p:spTree>
       <p:nvGrpSpPr>
@@ -1495,7 +1495,7 @@
 </file>
 
 <file path=ppt/slideLayouts/slideLayout1.xml><?xml version="1.0" encoding="utf-8"?>
-<p:sldLayout xmlns:a="http://schemas.openxmlformats.org/drawingml/2006/main" xmlns:r="http://schemas.openxmlformats.org/officeDocument/2006/relationships" xmlns:mc="http://schemas.openxmlformats.org/markup-compatibility/2006" xmlns:mv="urn:schemas-microsoft-com:mac:vml" xmlns:p="http://schemas.openxmlformats.org/presentationml/2006/main" xmlns:c="http://schemas.openxmlformats.org/drawingml/2006/chart" xmlns:dgm="http://schemas.openxmlformats.org/drawingml/2006/diagram" xmlns:o="urn:schemas-microsoft-com:office:office" xmlns:v="urn:schemas-microsoft-com:vml" xmlns:pvml="urn:schemas-microsoft-com:office:powerpoint" xmlns:com="http://schemas.openxmlformats.org/drawingml/2006/compatibility" xmlns:p14="http://schemas.microsoft.com/office/powerpoint/2010/main" xmlns:p15="http://schemas.microsoft.com/office/powerpoint/2012/main" matchingName="Title slide" type="title">
+<p:sldLayout xmlns:a="http://schemas.openxmlformats.org/drawingml/2006/main" xmlns:r="http://schemas.openxmlformats.org/officeDocument/2006/relationships" xmlns:mc="http://schemas.openxmlformats.org/markup-compatibility/2006" xmlns:mv="urn:schemas-microsoft-com:mac:vml" xmlns:p="http://schemas.openxmlformats.org/presentationml/2006/main" xmlns:c="http://schemas.openxmlformats.org/drawingml/2006/chart" xmlns:dgm="http://schemas.openxmlformats.org/drawingml/2006/diagram" xmlns:o="urn:schemas-microsoft-com:office:office" xmlns:v="urn:schemas-microsoft-com:vml" xmlns:pvml="urn:schemas-microsoft-com:office:powerpoint" xmlns:com="http://schemas.openxmlformats.org/drawingml/2006/compatibility" xmlns:p14="http://schemas.microsoft.com/office/powerpoint/2010/main" xmlns:p15="http://schemas.microsoft.com/office/powerpoint/2012/main" xmlns:ahyp="http://schemas.microsoft.com/office/drawing/2018/hyperlinkcolor" matchingName="Title slide" type="title">
   <p:cSld name="TITLE">
     <p:bg>
       <p:bgPr>
@@ -2237,7 +2237,7 @@
 </file>
 
 <file path=ppt/slideLayouts/slideLayout10.xml><?xml version="1.0" encoding="utf-8"?>
-<p:sldLayout xmlns:a="http://schemas.openxmlformats.org/drawingml/2006/main" xmlns:r="http://schemas.openxmlformats.org/officeDocument/2006/relationships" xmlns:mc="http://schemas.openxmlformats.org/markup-compatibility/2006" xmlns:mv="urn:schemas-microsoft-com:mac:vml" xmlns:p="http://schemas.openxmlformats.org/presentationml/2006/main" xmlns:c="http://schemas.openxmlformats.org/drawingml/2006/chart" xmlns:dgm="http://schemas.openxmlformats.org/drawingml/2006/diagram" xmlns:o="urn:schemas-microsoft-com:office:office" xmlns:v="urn:schemas-microsoft-com:vml" xmlns:pvml="urn:schemas-microsoft-com:office:powerpoint" xmlns:com="http://schemas.openxmlformats.org/drawingml/2006/compatibility" xmlns:p14="http://schemas.microsoft.com/office/powerpoint/2010/main" xmlns:p15="http://schemas.microsoft.com/office/powerpoint/2012/main" matchingName="Big number">
+<p:sldLayout xmlns:a="http://schemas.openxmlformats.org/drawingml/2006/main" xmlns:r="http://schemas.openxmlformats.org/officeDocument/2006/relationships" xmlns:mc="http://schemas.openxmlformats.org/markup-compatibility/2006" xmlns:mv="urn:schemas-microsoft-com:mac:vml" xmlns:p="http://schemas.openxmlformats.org/presentationml/2006/main" xmlns:c="http://schemas.openxmlformats.org/drawingml/2006/chart" xmlns:dgm="http://schemas.openxmlformats.org/drawingml/2006/diagram" xmlns:o="urn:schemas-microsoft-com:office:office" xmlns:v="urn:schemas-microsoft-com:vml" xmlns:pvml="urn:schemas-microsoft-com:office:powerpoint" xmlns:com="http://schemas.openxmlformats.org/drawingml/2006/compatibility" xmlns:p14="http://schemas.microsoft.com/office/powerpoint/2010/main" xmlns:p15="http://schemas.microsoft.com/office/powerpoint/2012/main" xmlns:ahyp="http://schemas.microsoft.com/office/drawing/2018/hyperlinkcolor" matchingName="Big number">
   <p:cSld name="BIG_NUMBER">
     <p:bg>
       <p:bgPr>
@@ -2956,7 +2956,7 @@
 </file>
 
 <file path=ppt/slideLayouts/slideLayout11.xml><?xml version="1.0" encoding="utf-8"?>
-<p:sldLayout xmlns:a="http://schemas.openxmlformats.org/drawingml/2006/main" xmlns:r="http://schemas.openxmlformats.org/officeDocument/2006/relationships" xmlns:mc="http://schemas.openxmlformats.org/markup-compatibility/2006" xmlns:mv="urn:schemas-microsoft-com:mac:vml" xmlns:p="http://schemas.openxmlformats.org/presentationml/2006/main" xmlns:c="http://schemas.openxmlformats.org/drawingml/2006/chart" xmlns:dgm="http://schemas.openxmlformats.org/drawingml/2006/diagram" xmlns:o="urn:schemas-microsoft-com:office:office" xmlns:v="urn:schemas-microsoft-com:vml" xmlns:pvml="urn:schemas-microsoft-com:office:powerpoint" xmlns:com="http://schemas.openxmlformats.org/drawingml/2006/compatibility" xmlns:p14="http://schemas.microsoft.com/office/powerpoint/2010/main" xmlns:p15="http://schemas.microsoft.com/office/powerpoint/2012/main" matchingName="Blank" type="blank">
+<p:sldLayout xmlns:a="http://schemas.openxmlformats.org/drawingml/2006/main" xmlns:r="http://schemas.openxmlformats.org/officeDocument/2006/relationships" xmlns:mc="http://schemas.openxmlformats.org/markup-compatibility/2006" xmlns:mv="urn:schemas-microsoft-com:mac:vml" xmlns:p="http://schemas.openxmlformats.org/presentationml/2006/main" xmlns:c="http://schemas.openxmlformats.org/drawingml/2006/chart" xmlns:dgm="http://schemas.openxmlformats.org/drawingml/2006/diagram" xmlns:o="urn:schemas-microsoft-com:office:office" xmlns:v="urn:schemas-microsoft-com:vml" xmlns:pvml="urn:schemas-microsoft-com:office:powerpoint" xmlns:com="http://schemas.openxmlformats.org/drawingml/2006/compatibility" xmlns:p14="http://schemas.microsoft.com/office/powerpoint/2010/main" xmlns:p15="http://schemas.microsoft.com/office/powerpoint/2012/main" xmlns:ahyp="http://schemas.microsoft.com/office/drawing/2018/hyperlinkcolor" matchingName="Blank" type="blank">
   <p:cSld name="BLANK">
     <p:spTree>
       <p:nvGrpSpPr>
@@ -3094,7 +3094,7 @@
 </file>
 
 <file path=ppt/slideLayouts/slideLayout2.xml><?xml version="1.0" encoding="utf-8"?>
-<p:sldLayout xmlns:a="http://schemas.openxmlformats.org/drawingml/2006/main" xmlns:r="http://schemas.openxmlformats.org/officeDocument/2006/relationships" xmlns:mc="http://schemas.openxmlformats.org/markup-compatibility/2006" xmlns:mv="urn:schemas-microsoft-com:mac:vml" xmlns:p="http://schemas.openxmlformats.org/presentationml/2006/main" xmlns:c="http://schemas.openxmlformats.org/drawingml/2006/chart" xmlns:dgm="http://schemas.openxmlformats.org/drawingml/2006/diagram" xmlns:o="urn:schemas-microsoft-com:office:office" xmlns:v="urn:schemas-microsoft-com:vml" xmlns:pvml="urn:schemas-microsoft-com:office:powerpoint" xmlns:com="http://schemas.openxmlformats.org/drawingml/2006/compatibility" xmlns:p14="http://schemas.microsoft.com/office/powerpoint/2010/main" xmlns:p15="http://schemas.microsoft.com/office/powerpoint/2012/main" matchingName="Section header" type="secHead">
+<p:sldLayout xmlns:a="http://schemas.openxmlformats.org/drawingml/2006/main" xmlns:r="http://schemas.openxmlformats.org/officeDocument/2006/relationships" xmlns:mc="http://schemas.openxmlformats.org/markup-compatibility/2006" xmlns:mv="urn:schemas-microsoft-com:mac:vml" xmlns:p="http://schemas.openxmlformats.org/presentationml/2006/main" xmlns:c="http://schemas.openxmlformats.org/drawingml/2006/chart" xmlns:dgm="http://schemas.openxmlformats.org/drawingml/2006/diagram" xmlns:o="urn:schemas-microsoft-com:office:office" xmlns:v="urn:schemas-microsoft-com:vml" xmlns:pvml="urn:schemas-microsoft-com:office:powerpoint" xmlns:com="http://schemas.openxmlformats.org/drawingml/2006/compatibility" xmlns:p14="http://schemas.microsoft.com/office/powerpoint/2010/main" xmlns:p15="http://schemas.microsoft.com/office/powerpoint/2012/main" xmlns:ahyp="http://schemas.microsoft.com/office/drawing/2018/hyperlinkcolor" matchingName="Section header" type="secHead">
   <p:cSld name="SECTION_HEADER">
     <p:bg>
       <p:bgPr>
@@ -3621,7 +3621,7 @@
 </file>
 
 <file path=ppt/slideLayouts/slideLayout3.xml><?xml version="1.0" encoding="utf-8"?>
-<p:sldLayout xmlns:a="http://schemas.openxmlformats.org/drawingml/2006/main" xmlns:r="http://schemas.openxmlformats.org/officeDocument/2006/relationships" xmlns:mc="http://schemas.openxmlformats.org/markup-compatibility/2006" xmlns:mv="urn:schemas-microsoft-com:mac:vml" xmlns:p="http://schemas.openxmlformats.org/presentationml/2006/main" xmlns:c="http://schemas.openxmlformats.org/drawingml/2006/chart" xmlns:dgm="http://schemas.openxmlformats.org/drawingml/2006/diagram" xmlns:o="urn:schemas-microsoft-com:office:office" xmlns:v="urn:schemas-microsoft-com:vml" xmlns:pvml="urn:schemas-microsoft-com:office:powerpoint" xmlns:com="http://schemas.openxmlformats.org/drawingml/2006/compatibility" xmlns:p14="http://schemas.microsoft.com/office/powerpoint/2010/main" xmlns:p15="http://schemas.microsoft.com/office/powerpoint/2012/main" matchingName="Title and body" type="tx">
+<p:sldLayout xmlns:a="http://schemas.openxmlformats.org/drawingml/2006/main" xmlns:r="http://schemas.openxmlformats.org/officeDocument/2006/relationships" xmlns:mc="http://schemas.openxmlformats.org/markup-compatibility/2006" xmlns:mv="urn:schemas-microsoft-com:mac:vml" xmlns:p="http://schemas.openxmlformats.org/presentationml/2006/main" xmlns:c="http://schemas.openxmlformats.org/drawingml/2006/chart" xmlns:dgm="http://schemas.openxmlformats.org/drawingml/2006/diagram" xmlns:o="urn:schemas-microsoft-com:office:office" xmlns:v="urn:schemas-microsoft-com:vml" xmlns:pvml="urn:schemas-microsoft-com:office:powerpoint" xmlns:com="http://schemas.openxmlformats.org/drawingml/2006/compatibility" xmlns:p14="http://schemas.microsoft.com/office/powerpoint/2010/main" xmlns:p15="http://schemas.microsoft.com/office/powerpoint/2012/main" xmlns:ahyp="http://schemas.microsoft.com/office/drawing/2018/hyperlinkcolor" matchingName="Title and body" type="tx">
   <p:cSld name="TITLE_AND_BODY">
     <p:spTree>
       <p:nvGrpSpPr>
@@ -4203,7 +4203,7 @@
 </file>
 
 <file path=ppt/slideLayouts/slideLayout4.xml><?xml version="1.0" encoding="utf-8"?>
-<p:sldLayout xmlns:a="http://schemas.openxmlformats.org/drawingml/2006/main" xmlns:r="http://schemas.openxmlformats.org/officeDocument/2006/relationships" xmlns:mc="http://schemas.openxmlformats.org/markup-compatibility/2006" xmlns:mv="urn:schemas-microsoft-com:mac:vml" xmlns:p="http://schemas.openxmlformats.org/presentationml/2006/main" xmlns:c="http://schemas.openxmlformats.org/drawingml/2006/chart" xmlns:dgm="http://schemas.openxmlformats.org/drawingml/2006/diagram" xmlns:o="urn:schemas-microsoft-com:office:office" xmlns:v="urn:schemas-microsoft-com:vml" xmlns:pvml="urn:schemas-microsoft-com:office:powerpoint" xmlns:com="http://schemas.openxmlformats.org/drawingml/2006/compatibility" xmlns:p14="http://schemas.microsoft.com/office/powerpoint/2010/main" xmlns:p15="http://schemas.microsoft.com/office/powerpoint/2012/main" matchingName="Title and two columns" type="twoColTx">
+<p:sldLayout xmlns:a="http://schemas.openxmlformats.org/drawingml/2006/main" xmlns:r="http://schemas.openxmlformats.org/officeDocument/2006/relationships" xmlns:mc="http://schemas.openxmlformats.org/markup-compatibility/2006" xmlns:mv="urn:schemas-microsoft-com:mac:vml" xmlns:p="http://schemas.openxmlformats.org/presentationml/2006/main" xmlns:c="http://schemas.openxmlformats.org/drawingml/2006/chart" xmlns:dgm="http://schemas.openxmlformats.org/drawingml/2006/diagram" xmlns:o="urn:schemas-microsoft-com:office:office" xmlns:v="urn:schemas-microsoft-com:vml" xmlns:pvml="urn:schemas-microsoft-com:office:powerpoint" xmlns:com="http://schemas.openxmlformats.org/drawingml/2006/compatibility" xmlns:p14="http://schemas.microsoft.com/office/powerpoint/2010/main" xmlns:p15="http://schemas.microsoft.com/office/powerpoint/2012/main" xmlns:ahyp="http://schemas.microsoft.com/office/drawing/2018/hyperlinkcolor" matchingName="Title and two columns" type="twoColTx">
   <p:cSld name="TITLE_AND_TWO_COLUMNS">
     <p:spTree>
       <p:nvGrpSpPr>
@@ -4716,7 +4716,7 @@
 </file>
 
 <file path=ppt/slideLayouts/slideLayout5.xml><?xml version="1.0" encoding="utf-8"?>
-<p:sldLayout xmlns:a="http://schemas.openxmlformats.org/drawingml/2006/main" xmlns:r="http://schemas.openxmlformats.org/officeDocument/2006/relationships" xmlns:mc="http://schemas.openxmlformats.org/markup-compatibility/2006" xmlns:mv="urn:schemas-microsoft-com:mac:vml" xmlns:p="http://schemas.openxmlformats.org/presentationml/2006/main" xmlns:c="http://schemas.openxmlformats.org/drawingml/2006/chart" xmlns:dgm="http://schemas.openxmlformats.org/drawingml/2006/diagram" xmlns:o="urn:schemas-microsoft-com:office:office" xmlns:v="urn:schemas-microsoft-com:vml" xmlns:pvml="urn:schemas-microsoft-com:office:powerpoint" xmlns:com="http://schemas.openxmlformats.org/drawingml/2006/compatibility" xmlns:p14="http://schemas.microsoft.com/office/powerpoint/2010/main" xmlns:p15="http://schemas.microsoft.com/office/powerpoint/2012/main" matchingName="Title only" type="titleOnly">
+<p:sldLayout xmlns:a="http://schemas.openxmlformats.org/drawingml/2006/main" xmlns:r="http://schemas.openxmlformats.org/officeDocument/2006/relationships" xmlns:mc="http://schemas.openxmlformats.org/markup-compatibility/2006" xmlns:mv="urn:schemas-microsoft-com:mac:vml" xmlns:p="http://schemas.openxmlformats.org/presentationml/2006/main" xmlns:c="http://schemas.openxmlformats.org/drawingml/2006/chart" xmlns:dgm="http://schemas.openxmlformats.org/drawingml/2006/diagram" xmlns:o="urn:schemas-microsoft-com:office:office" xmlns:v="urn:schemas-microsoft-com:vml" xmlns:pvml="urn:schemas-microsoft-com:office:powerpoint" xmlns:com="http://schemas.openxmlformats.org/drawingml/2006/compatibility" xmlns:p14="http://schemas.microsoft.com/office/powerpoint/2010/main" xmlns:p15="http://schemas.microsoft.com/office/powerpoint/2012/main" xmlns:ahyp="http://schemas.microsoft.com/office/drawing/2018/hyperlinkcolor" matchingName="Title only" type="titleOnly">
   <p:cSld name="TITLE_ONLY">
     <p:spTree>
       <p:nvGrpSpPr>
@@ -4979,7 +4979,7 @@
 </file>
 
 <file path=ppt/slideLayouts/slideLayout6.xml><?xml version="1.0" encoding="utf-8"?>
-<p:sldLayout xmlns:a="http://schemas.openxmlformats.org/drawingml/2006/main" xmlns:r="http://schemas.openxmlformats.org/officeDocument/2006/relationships" xmlns:mc="http://schemas.openxmlformats.org/markup-compatibility/2006" xmlns:mv="urn:schemas-microsoft-com:mac:vml" xmlns:p="http://schemas.openxmlformats.org/presentationml/2006/main" xmlns:c="http://schemas.openxmlformats.org/drawingml/2006/chart" xmlns:dgm="http://schemas.openxmlformats.org/drawingml/2006/diagram" xmlns:o="urn:schemas-microsoft-com:office:office" xmlns:v="urn:schemas-microsoft-com:vml" xmlns:pvml="urn:schemas-microsoft-com:office:powerpoint" xmlns:com="http://schemas.openxmlformats.org/drawingml/2006/compatibility" xmlns:p14="http://schemas.microsoft.com/office/powerpoint/2010/main" xmlns:p15="http://schemas.microsoft.com/office/powerpoint/2012/main" matchingName="One column text">
+<p:sldLayout xmlns:a="http://schemas.openxmlformats.org/drawingml/2006/main" xmlns:r="http://schemas.openxmlformats.org/officeDocument/2006/relationships" xmlns:mc="http://schemas.openxmlformats.org/markup-compatibility/2006" xmlns:mv="urn:schemas-microsoft-com:mac:vml" xmlns:p="http://schemas.openxmlformats.org/presentationml/2006/main" xmlns:c="http://schemas.openxmlformats.org/drawingml/2006/chart" xmlns:dgm="http://schemas.openxmlformats.org/drawingml/2006/diagram" xmlns:o="urn:schemas-microsoft-com:office:office" xmlns:v="urn:schemas-microsoft-com:vml" xmlns:pvml="urn:schemas-microsoft-com:office:powerpoint" xmlns:com="http://schemas.openxmlformats.org/drawingml/2006/compatibility" xmlns:p14="http://schemas.microsoft.com/office/powerpoint/2010/main" xmlns:p15="http://schemas.microsoft.com/office/powerpoint/2012/main" xmlns:ahyp="http://schemas.microsoft.com/office/drawing/2018/hyperlinkcolor" matchingName="One column text">
   <p:cSld name="ONE_COLUMN_TEXT">
     <p:spTree>
       <p:nvGrpSpPr>
@@ -5367,7 +5367,7 @@
 </file>
 
 <file path=ppt/slideLayouts/slideLayout7.xml><?xml version="1.0" encoding="utf-8"?>
-<p:sldLayout xmlns:a="http://schemas.openxmlformats.org/drawingml/2006/main" xmlns:r="http://schemas.openxmlformats.org/officeDocument/2006/relationships" xmlns:mc="http://schemas.openxmlformats.org/markup-compatibility/2006" xmlns:mv="urn:schemas-microsoft-com:mac:vml" xmlns:p="http://schemas.openxmlformats.org/presentationml/2006/main" xmlns:c="http://schemas.openxmlformats.org/drawingml/2006/chart" xmlns:dgm="http://schemas.openxmlformats.org/drawingml/2006/diagram" xmlns:o="urn:schemas-microsoft-com:office:office" xmlns:v="urn:schemas-microsoft-com:vml" xmlns:pvml="urn:schemas-microsoft-com:office:powerpoint" xmlns:com="http://schemas.openxmlformats.org/drawingml/2006/compatibility" xmlns:p14="http://schemas.microsoft.com/office/powerpoint/2010/main" xmlns:p15="http://schemas.microsoft.com/office/powerpoint/2012/main" matchingName="Main point">
+<p:sldLayout xmlns:a="http://schemas.openxmlformats.org/drawingml/2006/main" xmlns:r="http://schemas.openxmlformats.org/officeDocument/2006/relationships" xmlns:mc="http://schemas.openxmlformats.org/markup-compatibility/2006" xmlns:mv="urn:schemas-microsoft-com:mac:vml" xmlns:p="http://schemas.openxmlformats.org/presentationml/2006/main" xmlns:c="http://schemas.openxmlformats.org/drawingml/2006/chart" xmlns:dgm="http://schemas.openxmlformats.org/drawingml/2006/diagram" xmlns:o="urn:schemas-microsoft-com:office:office" xmlns:v="urn:schemas-microsoft-com:vml" xmlns:pvml="urn:schemas-microsoft-com:office:powerpoint" xmlns:com="http://schemas.openxmlformats.org/drawingml/2006/compatibility" xmlns:p14="http://schemas.microsoft.com/office/powerpoint/2010/main" xmlns:p15="http://schemas.microsoft.com/office/powerpoint/2012/main" xmlns:ahyp="http://schemas.microsoft.com/office/drawing/2018/hyperlinkcolor" matchingName="Main point">
   <p:cSld name="MAIN_POINT">
     <p:bg>
       <p:bgPr>
@@ -5894,7 +5894,7 @@
 </file>
 
 <file path=ppt/slideLayouts/slideLayout8.xml><?xml version="1.0" encoding="utf-8"?>
-<p:sldLayout xmlns:a="http://schemas.openxmlformats.org/drawingml/2006/main" xmlns:r="http://schemas.openxmlformats.org/officeDocument/2006/relationships" xmlns:mc="http://schemas.openxmlformats.org/markup-compatibility/2006" xmlns:mv="urn:schemas-microsoft-com:mac:vml" xmlns:p="http://schemas.openxmlformats.org/presentationml/2006/main" xmlns:c="http://schemas.openxmlformats.org/drawingml/2006/chart" xmlns:dgm="http://schemas.openxmlformats.org/drawingml/2006/diagram" xmlns:o="urn:schemas-microsoft-com:office:office" xmlns:v="urn:schemas-microsoft-com:vml" xmlns:pvml="urn:schemas-microsoft-com:office:powerpoint" xmlns:com="http://schemas.openxmlformats.org/drawingml/2006/compatibility" xmlns:p14="http://schemas.microsoft.com/office/powerpoint/2010/main" xmlns:p15="http://schemas.microsoft.com/office/powerpoint/2012/main" matchingName="Section title and description">
+<p:sldLayout xmlns:a="http://schemas.openxmlformats.org/drawingml/2006/main" xmlns:r="http://schemas.openxmlformats.org/officeDocument/2006/relationships" xmlns:mc="http://schemas.openxmlformats.org/markup-compatibility/2006" xmlns:mv="urn:schemas-microsoft-com:mac:vml" xmlns:p="http://schemas.openxmlformats.org/presentationml/2006/main" xmlns:c="http://schemas.openxmlformats.org/drawingml/2006/chart" xmlns:dgm="http://schemas.openxmlformats.org/drawingml/2006/diagram" xmlns:o="urn:schemas-microsoft-com:office:office" xmlns:v="urn:schemas-microsoft-com:vml" xmlns:pvml="urn:schemas-microsoft-com:office:powerpoint" xmlns:com="http://schemas.openxmlformats.org/drawingml/2006/compatibility" xmlns:p14="http://schemas.microsoft.com/office/powerpoint/2010/main" xmlns:p15="http://schemas.microsoft.com/office/powerpoint/2012/main" xmlns:ahyp="http://schemas.microsoft.com/office/drawing/2018/hyperlinkcolor" matchingName="Section title and description">
   <p:cSld name="SECTION_TITLE_AND_DESCRIPTION">
     <p:spTree>
       <p:nvGrpSpPr>
@@ -6530,7 +6530,7 @@
 </file>
 
 <file path=ppt/slideLayouts/slideLayout9.xml><?xml version="1.0" encoding="utf-8"?>
-<p:sldLayout xmlns:a="http://schemas.openxmlformats.org/drawingml/2006/main" xmlns:r="http://schemas.openxmlformats.org/officeDocument/2006/relationships" xmlns:mc="http://schemas.openxmlformats.org/markup-compatibility/2006" xmlns:mv="urn:schemas-microsoft-com:mac:vml" xmlns:p="http://schemas.openxmlformats.org/presentationml/2006/main" xmlns:c="http://schemas.openxmlformats.org/drawingml/2006/chart" xmlns:dgm="http://schemas.openxmlformats.org/drawingml/2006/diagram" xmlns:o="urn:schemas-microsoft-com:office:office" xmlns:v="urn:schemas-microsoft-com:vml" xmlns:pvml="urn:schemas-microsoft-com:office:powerpoint" xmlns:com="http://schemas.openxmlformats.org/drawingml/2006/compatibility" xmlns:p14="http://schemas.microsoft.com/office/powerpoint/2010/main" xmlns:p15="http://schemas.microsoft.com/office/powerpoint/2012/main" matchingName="Caption">
+<p:sldLayout xmlns:a="http://schemas.openxmlformats.org/drawingml/2006/main" xmlns:r="http://schemas.openxmlformats.org/officeDocument/2006/relationships" xmlns:mc="http://schemas.openxmlformats.org/markup-compatibility/2006" xmlns:mv="urn:schemas-microsoft-com:mac:vml" xmlns:p="http://schemas.openxmlformats.org/presentationml/2006/main" xmlns:c="http://schemas.openxmlformats.org/drawingml/2006/chart" xmlns:dgm="http://schemas.openxmlformats.org/drawingml/2006/diagram" xmlns:o="urn:schemas-microsoft-com:office:office" xmlns:v="urn:schemas-microsoft-com:vml" xmlns:pvml="urn:schemas-microsoft-com:office:powerpoint" xmlns:com="http://schemas.openxmlformats.org/drawingml/2006/compatibility" xmlns:p14="http://schemas.microsoft.com/office/powerpoint/2010/main" xmlns:p15="http://schemas.microsoft.com/office/powerpoint/2012/main" xmlns:ahyp="http://schemas.microsoft.com/office/drawing/2018/hyperlinkcolor" matchingName="Caption">
   <p:cSld name="CAPTION_ONLY">
     <p:spTree>
       <p:nvGrpSpPr>
@@ -6708,7 +6708,7 @@
 </file>
 
 <file path=ppt/slideMasters/slideMaster1.xml><?xml version="1.0" encoding="utf-8"?>
-<p:sldMaster xmlns:a="http://schemas.openxmlformats.org/drawingml/2006/main" xmlns:r="http://schemas.openxmlformats.org/officeDocument/2006/relationships" xmlns:mc="http://schemas.openxmlformats.org/markup-compatibility/2006" xmlns:mv="urn:schemas-microsoft-com:mac:vml" xmlns:p="http://schemas.openxmlformats.org/presentationml/2006/main" xmlns:c="http://schemas.openxmlformats.org/drawingml/2006/chart" xmlns:dgm="http://schemas.openxmlformats.org/drawingml/2006/diagram" xmlns:o="urn:schemas-microsoft-com:office:office" xmlns:v="urn:schemas-microsoft-com:vml" xmlns:pvml="urn:schemas-microsoft-com:office:powerpoint" xmlns:com="http://schemas.openxmlformats.org/drawingml/2006/compatibility" xmlns:p14="http://schemas.microsoft.com/office/powerpoint/2010/main" xmlns:p15="http://schemas.microsoft.com/office/powerpoint/2012/main">
+<p:sldMaster xmlns:a="http://schemas.openxmlformats.org/drawingml/2006/main" xmlns:r="http://schemas.openxmlformats.org/officeDocument/2006/relationships" xmlns:mc="http://schemas.openxmlformats.org/markup-compatibility/2006" xmlns:mv="urn:schemas-microsoft-com:mac:vml" xmlns:p="http://schemas.openxmlformats.org/presentationml/2006/main" xmlns:c="http://schemas.openxmlformats.org/drawingml/2006/chart" xmlns:dgm="http://schemas.openxmlformats.org/drawingml/2006/diagram" xmlns:o="urn:schemas-microsoft-com:office:office" xmlns:v="urn:schemas-microsoft-com:vml" xmlns:pvml="urn:schemas-microsoft-com:office:powerpoint" xmlns:com="http://schemas.openxmlformats.org/drawingml/2006/compatibility" xmlns:p14="http://schemas.microsoft.com/office/powerpoint/2010/main" xmlns:p15="http://schemas.microsoft.com/office/powerpoint/2012/main" xmlns:ahyp="http://schemas.microsoft.com/office/drawing/2018/hyperlinkcolor">
   <p:cSld name="geometric">
     <p:bg>
       <p:bgPr>
@@ -8095,7 +8095,7 @@
 </file>
 
 <file path=ppt/slides/slide1.xml><?xml version="1.0" encoding="utf-8"?>
-<p:sld xmlns:a="http://schemas.openxmlformats.org/drawingml/2006/main" xmlns:r="http://schemas.openxmlformats.org/officeDocument/2006/relationships" xmlns:mc="http://schemas.openxmlformats.org/markup-compatibility/2006" xmlns:mv="urn:schemas-microsoft-com:mac:vml" xmlns:p="http://schemas.openxmlformats.org/presentationml/2006/main" xmlns:c="http://schemas.openxmlformats.org/drawingml/2006/chart" xmlns:dgm="http://schemas.openxmlformats.org/drawingml/2006/diagram" xmlns:o="urn:schemas-microsoft-com:office:office" xmlns:v="urn:schemas-microsoft-com:vml" xmlns:pvml="urn:schemas-microsoft-com:office:powerpoint" xmlns:com="http://schemas.openxmlformats.org/drawingml/2006/compatibility" xmlns:p14="http://schemas.microsoft.com/office/powerpoint/2010/main" xmlns:p15="http://schemas.microsoft.com/office/powerpoint/2012/main">
+<p:sld xmlns:a="http://schemas.openxmlformats.org/drawingml/2006/main" xmlns:r="http://schemas.openxmlformats.org/officeDocument/2006/relationships" xmlns:mc="http://schemas.openxmlformats.org/markup-compatibility/2006" xmlns:mv="urn:schemas-microsoft-com:mac:vml" xmlns:p="http://schemas.openxmlformats.org/presentationml/2006/main" xmlns:c="http://schemas.openxmlformats.org/drawingml/2006/chart" xmlns:dgm="http://schemas.openxmlformats.org/drawingml/2006/diagram" xmlns:o="urn:schemas-microsoft-com:office:office" xmlns:v="urn:schemas-microsoft-com:vml" xmlns:pvml="urn:schemas-microsoft-com:office:powerpoint" xmlns:com="http://schemas.openxmlformats.org/drawingml/2006/compatibility" xmlns:p14="http://schemas.microsoft.com/office/powerpoint/2010/main" xmlns:p15="http://schemas.microsoft.com/office/powerpoint/2012/main" xmlns:ahyp="http://schemas.microsoft.com/office/drawing/2018/hyperlinkcolor">
   <p:cSld>
     <p:spTree>
       <p:nvGrpSpPr>
@@ -8238,7 +8238,7 @@
 </file>
 
 <file path=ppt/slides/slide2.xml><?xml version="1.0" encoding="utf-8"?>
-<p:sld xmlns:a="http://schemas.openxmlformats.org/drawingml/2006/main" xmlns:r="http://schemas.openxmlformats.org/officeDocument/2006/relationships" xmlns:mc="http://schemas.openxmlformats.org/markup-compatibility/2006" xmlns:mv="urn:schemas-microsoft-com:mac:vml" xmlns:p="http://schemas.openxmlformats.org/presentationml/2006/main" xmlns:c="http://schemas.openxmlformats.org/drawingml/2006/chart" xmlns:dgm="http://schemas.openxmlformats.org/drawingml/2006/diagram" xmlns:o="urn:schemas-microsoft-com:office:office" xmlns:v="urn:schemas-microsoft-com:vml" xmlns:pvml="urn:schemas-microsoft-com:office:powerpoint" xmlns:com="http://schemas.openxmlformats.org/drawingml/2006/compatibility" xmlns:p14="http://schemas.microsoft.com/office/powerpoint/2010/main" xmlns:p15="http://schemas.microsoft.com/office/powerpoint/2012/main">
+<p:sld xmlns:a="http://schemas.openxmlformats.org/drawingml/2006/main" xmlns:r="http://schemas.openxmlformats.org/officeDocument/2006/relationships" xmlns:mc="http://schemas.openxmlformats.org/markup-compatibility/2006" xmlns:mv="urn:schemas-microsoft-com:mac:vml" xmlns:p="http://schemas.openxmlformats.org/presentationml/2006/main" xmlns:c="http://schemas.openxmlformats.org/drawingml/2006/chart" xmlns:dgm="http://schemas.openxmlformats.org/drawingml/2006/diagram" xmlns:o="urn:schemas-microsoft-com:office:office" xmlns:v="urn:schemas-microsoft-com:vml" xmlns:pvml="urn:schemas-microsoft-com:office:powerpoint" xmlns:com="http://schemas.openxmlformats.org/drawingml/2006/compatibility" xmlns:p14="http://schemas.microsoft.com/office/powerpoint/2010/main" xmlns:p15="http://schemas.microsoft.com/office/powerpoint/2012/main" xmlns:ahyp="http://schemas.microsoft.com/office/drawing/2018/hyperlinkcolor">
   <p:cSld>
     <p:spTree>
       <p:nvGrpSpPr>
@@ -8649,7 +8649,7 @@
 </file>
 
 <file path=ppt/slides/slide3.xml><?xml version="1.0" encoding="utf-8"?>
-<p:sld xmlns:a="http://schemas.openxmlformats.org/drawingml/2006/main" xmlns:r="http://schemas.openxmlformats.org/officeDocument/2006/relationships" xmlns:mc="http://schemas.openxmlformats.org/markup-compatibility/2006" xmlns:mv="urn:schemas-microsoft-com:mac:vml" xmlns:p="http://schemas.openxmlformats.org/presentationml/2006/main" xmlns:c="http://schemas.openxmlformats.org/drawingml/2006/chart" xmlns:dgm="http://schemas.openxmlformats.org/drawingml/2006/diagram" xmlns:o="urn:schemas-microsoft-com:office:office" xmlns:v="urn:schemas-microsoft-com:vml" xmlns:pvml="urn:schemas-microsoft-com:office:powerpoint" xmlns:com="http://schemas.openxmlformats.org/drawingml/2006/compatibility" xmlns:p14="http://schemas.microsoft.com/office/powerpoint/2010/main" xmlns:p15="http://schemas.microsoft.com/office/powerpoint/2012/main">
+<p:sld xmlns:a="http://schemas.openxmlformats.org/drawingml/2006/main" xmlns:r="http://schemas.openxmlformats.org/officeDocument/2006/relationships" xmlns:mc="http://schemas.openxmlformats.org/markup-compatibility/2006" xmlns:mv="urn:schemas-microsoft-com:mac:vml" xmlns:p="http://schemas.openxmlformats.org/presentationml/2006/main" xmlns:c="http://schemas.openxmlformats.org/drawingml/2006/chart" xmlns:dgm="http://schemas.openxmlformats.org/drawingml/2006/diagram" xmlns:o="urn:schemas-microsoft-com:office:office" xmlns:v="urn:schemas-microsoft-com:vml" xmlns:pvml="urn:schemas-microsoft-com:office:powerpoint" xmlns:com="http://schemas.openxmlformats.org/drawingml/2006/compatibility" xmlns:p14="http://schemas.microsoft.com/office/powerpoint/2010/main" xmlns:p15="http://schemas.microsoft.com/office/powerpoint/2012/main" xmlns:ahyp="http://schemas.microsoft.com/office/drawing/2018/hyperlinkcolor">
   <p:cSld>
     <p:spTree>
       <p:nvGrpSpPr>
@@ -8821,7 +8821,7 @@
                 <a:cs typeface="Liberation Serif"/>
                 <a:sym typeface="Liberation Serif"/>
               </a:rPr>
-              <a:t> and very likely to fall under </a:t>
+              <a:t> and most likely falls under </a:t>
             </a:r>
             <a:r>
               <a:rPr b="1" lang="en" sz="2000">
@@ -8963,7 +8963,7 @@
         </p:blipFill>
         <p:spPr>
           <a:xfrm>
-            <a:off x="6658125" y="2323275"/>
+            <a:off x="6969825" y="5236675"/>
             <a:ext cx="2174176" cy="2174176"/>
           </a:xfrm>
           <a:prstGeom prst="rect">
@@ -8984,7 +8984,7 @@
 </file>
 
 <file path=ppt/slides/slide4.xml><?xml version="1.0" encoding="utf-8"?>
-<p:sld xmlns:a="http://schemas.openxmlformats.org/drawingml/2006/main" xmlns:r="http://schemas.openxmlformats.org/officeDocument/2006/relationships" xmlns:mc="http://schemas.openxmlformats.org/markup-compatibility/2006" xmlns:mv="urn:schemas-microsoft-com:mac:vml" xmlns:p="http://schemas.openxmlformats.org/presentationml/2006/main" xmlns:c="http://schemas.openxmlformats.org/drawingml/2006/chart" xmlns:dgm="http://schemas.openxmlformats.org/drawingml/2006/diagram" xmlns:o="urn:schemas-microsoft-com:office:office" xmlns:v="urn:schemas-microsoft-com:vml" xmlns:pvml="urn:schemas-microsoft-com:office:powerpoint" xmlns:com="http://schemas.openxmlformats.org/drawingml/2006/compatibility" xmlns:p14="http://schemas.microsoft.com/office/powerpoint/2010/main" xmlns:p15="http://schemas.microsoft.com/office/powerpoint/2012/main">
+<p:sld xmlns:a="http://schemas.openxmlformats.org/drawingml/2006/main" xmlns:r="http://schemas.openxmlformats.org/officeDocument/2006/relationships" xmlns:mc="http://schemas.openxmlformats.org/markup-compatibility/2006" xmlns:mv="urn:schemas-microsoft-com:mac:vml" xmlns:p="http://schemas.openxmlformats.org/presentationml/2006/main" xmlns:c="http://schemas.openxmlformats.org/drawingml/2006/chart" xmlns:dgm="http://schemas.openxmlformats.org/drawingml/2006/diagram" xmlns:o="urn:schemas-microsoft-com:office:office" xmlns:v="urn:schemas-microsoft-com:vml" xmlns:pvml="urn:schemas-microsoft-com:office:powerpoint" xmlns:com="http://schemas.openxmlformats.org/drawingml/2006/compatibility" xmlns:p14="http://schemas.microsoft.com/office/powerpoint/2010/main" xmlns:p15="http://schemas.microsoft.com/office/powerpoint/2012/main" xmlns:ahyp="http://schemas.microsoft.com/office/drawing/2018/hyperlinkcolor">
   <p:cSld>
     <p:spTree>
       <p:nvGrpSpPr>
@@ -9361,7 +9361,7 @@
 </file>
 
 <file path=ppt/slides/slide5.xml><?xml version="1.0" encoding="utf-8"?>
-<p:sld xmlns:a="http://schemas.openxmlformats.org/drawingml/2006/main" xmlns:r="http://schemas.openxmlformats.org/officeDocument/2006/relationships" xmlns:mc="http://schemas.openxmlformats.org/markup-compatibility/2006" xmlns:mv="urn:schemas-microsoft-com:mac:vml" xmlns:p="http://schemas.openxmlformats.org/presentationml/2006/main" xmlns:c="http://schemas.openxmlformats.org/drawingml/2006/chart" xmlns:dgm="http://schemas.openxmlformats.org/drawingml/2006/diagram" xmlns:o="urn:schemas-microsoft-com:office:office" xmlns:v="urn:schemas-microsoft-com:vml" xmlns:pvml="urn:schemas-microsoft-com:office:powerpoint" xmlns:com="http://schemas.openxmlformats.org/drawingml/2006/compatibility" xmlns:p14="http://schemas.microsoft.com/office/powerpoint/2010/main" xmlns:p15="http://schemas.microsoft.com/office/powerpoint/2012/main">
+<p:sld xmlns:a="http://schemas.openxmlformats.org/drawingml/2006/main" xmlns:r="http://schemas.openxmlformats.org/officeDocument/2006/relationships" xmlns:mc="http://schemas.openxmlformats.org/markup-compatibility/2006" xmlns:mv="urn:schemas-microsoft-com:mac:vml" xmlns:p="http://schemas.openxmlformats.org/presentationml/2006/main" xmlns:c="http://schemas.openxmlformats.org/drawingml/2006/chart" xmlns:dgm="http://schemas.openxmlformats.org/drawingml/2006/diagram" xmlns:o="urn:schemas-microsoft-com:office:office" xmlns:v="urn:schemas-microsoft-com:vml" xmlns:pvml="urn:schemas-microsoft-com:office:powerpoint" xmlns:com="http://schemas.openxmlformats.org/drawingml/2006/compatibility" xmlns:p14="http://schemas.microsoft.com/office/powerpoint/2010/main" xmlns:p15="http://schemas.microsoft.com/office/powerpoint/2012/main" xmlns:ahyp="http://schemas.microsoft.com/office/drawing/2018/hyperlinkcolor">
   <p:cSld>
     <p:spTree>
       <p:nvGrpSpPr>
@@ -9740,7 +9740,7 @@
 </file>
 
 <file path=ppt/slides/slide6.xml><?xml version="1.0" encoding="utf-8"?>
-<p:sld xmlns:a="http://schemas.openxmlformats.org/drawingml/2006/main" xmlns:r="http://schemas.openxmlformats.org/officeDocument/2006/relationships" xmlns:mc="http://schemas.openxmlformats.org/markup-compatibility/2006" xmlns:mv="urn:schemas-microsoft-com:mac:vml" xmlns:p="http://schemas.openxmlformats.org/presentationml/2006/main" xmlns:c="http://schemas.openxmlformats.org/drawingml/2006/chart" xmlns:dgm="http://schemas.openxmlformats.org/drawingml/2006/diagram" xmlns:o="urn:schemas-microsoft-com:office:office" xmlns:v="urn:schemas-microsoft-com:vml" xmlns:pvml="urn:schemas-microsoft-com:office:powerpoint" xmlns:com="http://schemas.openxmlformats.org/drawingml/2006/compatibility" xmlns:p14="http://schemas.microsoft.com/office/powerpoint/2010/main" xmlns:p15="http://schemas.microsoft.com/office/powerpoint/2012/main">
+<p:sld xmlns:a="http://schemas.openxmlformats.org/drawingml/2006/main" xmlns:r="http://schemas.openxmlformats.org/officeDocument/2006/relationships" xmlns:mc="http://schemas.openxmlformats.org/markup-compatibility/2006" xmlns:mv="urn:schemas-microsoft-com:mac:vml" xmlns:p="http://schemas.openxmlformats.org/presentationml/2006/main" xmlns:c="http://schemas.openxmlformats.org/drawingml/2006/chart" xmlns:dgm="http://schemas.openxmlformats.org/drawingml/2006/diagram" xmlns:o="urn:schemas-microsoft-com:office:office" xmlns:v="urn:schemas-microsoft-com:vml" xmlns:pvml="urn:schemas-microsoft-com:office:powerpoint" xmlns:com="http://schemas.openxmlformats.org/drawingml/2006/compatibility" xmlns:p14="http://schemas.microsoft.com/office/powerpoint/2010/main" xmlns:p15="http://schemas.microsoft.com/office/powerpoint/2012/main" xmlns:ahyp="http://schemas.microsoft.com/office/drawing/2018/hyperlinkcolor">
   <p:cSld>
     <p:spTree>
       <p:nvGrpSpPr>
@@ -9861,7 +9861,7 @@
 </file>
 
 <file path=ppt/slides/slide7.xml><?xml version="1.0" encoding="utf-8"?>
-<p:sld xmlns:a="http://schemas.openxmlformats.org/drawingml/2006/main" xmlns:r="http://schemas.openxmlformats.org/officeDocument/2006/relationships" xmlns:mc="http://schemas.openxmlformats.org/markup-compatibility/2006" xmlns:mv="urn:schemas-microsoft-com:mac:vml" xmlns:p="http://schemas.openxmlformats.org/presentationml/2006/main" xmlns:c="http://schemas.openxmlformats.org/drawingml/2006/chart" xmlns:dgm="http://schemas.openxmlformats.org/drawingml/2006/diagram" xmlns:o="urn:schemas-microsoft-com:office:office" xmlns:v="urn:schemas-microsoft-com:vml" xmlns:pvml="urn:schemas-microsoft-com:office:powerpoint" xmlns:com="http://schemas.openxmlformats.org/drawingml/2006/compatibility" xmlns:p14="http://schemas.microsoft.com/office/powerpoint/2010/main" xmlns:p15="http://schemas.microsoft.com/office/powerpoint/2012/main">
+<p:sld xmlns:a="http://schemas.openxmlformats.org/drawingml/2006/main" xmlns:r="http://schemas.openxmlformats.org/officeDocument/2006/relationships" xmlns:mc="http://schemas.openxmlformats.org/markup-compatibility/2006" xmlns:mv="urn:schemas-microsoft-com:mac:vml" xmlns:p="http://schemas.openxmlformats.org/presentationml/2006/main" xmlns:c="http://schemas.openxmlformats.org/drawingml/2006/chart" xmlns:dgm="http://schemas.openxmlformats.org/drawingml/2006/diagram" xmlns:o="urn:schemas-microsoft-com:office:office" xmlns:v="urn:schemas-microsoft-com:vml" xmlns:pvml="urn:schemas-microsoft-com:office:powerpoint" xmlns:com="http://schemas.openxmlformats.org/drawingml/2006/compatibility" xmlns:p14="http://schemas.microsoft.com/office/powerpoint/2010/main" xmlns:p15="http://schemas.microsoft.com/office/powerpoint/2012/main" xmlns:ahyp="http://schemas.microsoft.com/office/drawing/2018/hyperlinkcolor">
   <p:cSld>
     <p:spTree>
       <p:nvGrpSpPr>
@@ -9882,13 +9882,13 @@
           <p:cNvPr id="125" name="Google Shape;125;p19"/>
           <p:cNvSpPr txBox="1"/>
           <p:nvPr>
-            <p:ph type="title"/>
+            <p:ph idx="1" type="body"/>
           </p:nvPr>
         </p:nvSpPr>
         <p:spPr>
           <a:xfrm>
-            <a:off x="311700" y="410000"/>
-            <a:ext cx="8520600" cy="607800"/>
+            <a:off x="3157100" y="1876425"/>
+            <a:ext cx="5675100" cy="2692500"/>
           </a:xfrm>
           <a:prstGeom prst="rect">
             <a:avLst/>
@@ -9910,41 +9910,24 @@
               <a:buNone/>
             </a:pPr>
             <a:r>
+              <a:rPr lang="en" u="sng">
+                <a:solidFill>
+                  <a:schemeClr val="hlink"/>
+                </a:solidFill>
+                <a:hlinkClick r:id="rId3"/>
+              </a:rPr>
+              <a:t>Khan</a:t>
+            </a:r>
+            <a:r>
               <a:rPr lang="en"/>
-              <a:t>UNIT PLAN: SQL</a:t>
+              <a:t> offers 4 sub-units on SQL.</a:t>
             </a:r>
             <a:endParaRPr/>
           </a:p>
-        </p:txBody>
-      </p:sp>
-      <p:sp>
-        <p:nvSpPr>
-          <p:cNvPr id="126" name="Google Shape;126;p19">
-            <a:hlinkClick r:id="rId3"/>
-          </p:cNvPr>
-          <p:cNvSpPr txBox="1"/>
-          <p:nvPr>
-            <p:ph idx="1" type="body"/>
-          </p:nvPr>
-        </p:nvSpPr>
-        <p:spPr>
-          <a:xfrm>
-            <a:off x="311700" y="1229875"/>
-            <a:ext cx="8520600" cy="3339000"/>
-          </a:xfrm>
-          <a:prstGeom prst="rect">
-            <a:avLst/>
-          </a:prstGeom>
-        </p:spPr>
-        <p:txBody>
-          <a:bodyPr anchorCtr="0" anchor="t" bIns="91425" lIns="91425" spcFirstLastPara="1" rIns="91425" wrap="square" tIns="91425">
-            <a:noAutofit/>
-          </a:bodyPr>
-          <a:lstStyle/>
           <a:p>
             <a:pPr indent="0" lvl="0" marL="0" rtl="0" algn="l">
               <a:spcBef>
-                <a:spcPts val="0"/>
+                <a:spcPts val="1600"/>
               </a:spcBef>
               <a:spcAft>
                 <a:spcPts val="1600"/>
@@ -9953,7 +9936,7 @@
             </a:pPr>
             <a:r>
               <a:rPr lang="en"/>
-              <a:t>Use </a:t>
+              <a:t>You don’t have to cover them all.</a:t>
             </a:r>
             <a:endParaRPr/>
           </a:p>
@@ -9961,12 +9944,14 @@
       </p:sp>
       <p:pic>
         <p:nvPicPr>
-          <p:cNvPr id="127" name="Google Shape;127;p19"/>
+          <p:cNvPr id="126" name="Google Shape;126;p19">
+            <a:hlinkClick r:id="rId4"/>
+          </p:cNvPr>
           <p:cNvPicPr preferRelativeResize="0"/>
           <p:nvPr/>
         </p:nvPicPr>
         <p:blipFill>
-          <a:blip r:embed="rId4">
+          <a:blip r:embed="rId5">
             <a:alphaModFix/>
           </a:blip>
           <a:stretch>
@@ -9975,8 +9960,36 @@
         </p:blipFill>
         <p:spPr>
           <a:xfrm>
-            <a:off x="1064513" y="1229863"/>
+            <a:off x="338125" y="-12"/>
             <a:ext cx="6791325" cy="1876425"/>
+          </a:xfrm>
+          <a:prstGeom prst="rect">
+            <a:avLst/>
+          </a:prstGeom>
+          <a:noFill/>
+          <a:ln>
+            <a:noFill/>
+          </a:ln>
+        </p:spPr>
+      </p:pic>
+      <p:pic>
+        <p:nvPicPr>
+          <p:cNvPr id="127" name="Google Shape;127;p19"/>
+          <p:cNvPicPr preferRelativeResize="0"/>
+          <p:nvPr/>
+        </p:nvPicPr>
+        <p:blipFill>
+          <a:blip r:embed="rId6">
+            <a:alphaModFix/>
+          </a:blip>
+          <a:stretch>
+            <a:fillRect/>
+          </a:stretch>
+        </p:blipFill>
+        <p:spPr>
+          <a:xfrm>
+            <a:off x="338125" y="1876425"/>
+            <a:ext cx="2818975" cy="2928250"/>
           </a:xfrm>
           <a:prstGeom prst="rect">
             <a:avLst/>
@@ -9995,19 +10008,25 @@
         </p:nvSpPr>
         <p:spPr>
           <a:xfrm>
-            <a:off x="1130575" y="3541125"/>
-            <a:ext cx="6336300" cy="521400"/>
+            <a:off x="503400" y="2978325"/>
+            <a:ext cx="2466300" cy="1442400"/>
           </a:xfrm>
           <a:prstGeom prst="rect">
             <a:avLst/>
           </a:prstGeom>
           <a:noFill/>
-          <a:ln>
-            <a:noFill/>
+          <a:ln cap="flat" cmpd="sng" w="9525">
+            <a:solidFill>
+              <a:srgbClr val="FF0000"/>
+            </a:solidFill>
+            <a:prstDash val="solid"/>
+            <a:round/>
+            <a:headEnd len="sm" w="sm" type="none"/>
+            <a:tailEnd len="sm" w="sm" type="none"/>
           </a:ln>
         </p:spPr>
         <p:txBody>
-          <a:bodyPr anchorCtr="0" anchor="ctr" bIns="91425" lIns="91425" spcFirstLastPara="1" rIns="91425" wrap="square" tIns="91425">
+          <a:bodyPr anchorCtr="0" anchor="t" bIns="91425" lIns="91425" spcFirstLastPara="1" rIns="91425" wrap="square" tIns="91425">
             <a:noAutofit/>
           </a:bodyPr>
           <a:lstStyle/>
@@ -10022,15 +10041,14 @@
               <a:buNone/>
             </a:pPr>
             <a:r>
-              <a:rPr lang="en" sz="1100" u="sng">
-                <a:solidFill>
-                  <a:schemeClr val="hlink"/>
-                </a:solidFill>
-                <a:hlinkClick r:id="rId5"/>
-              </a:rPr>
-              <a:t>Khan Academy - SQL</a:t>
+              <a:t/>
             </a:r>
-            <a:endParaRPr/>
+            <a:endParaRPr>
+              <a:latin typeface="Roboto"/>
+              <a:ea typeface="Roboto"/>
+              <a:cs typeface="Roboto"/>
+              <a:sym typeface="Roboto"/>
+            </a:endParaRPr>
           </a:p>
         </p:txBody>
       </p:sp>
@@ -10043,7 +10061,7 @@
 </file>
 
 <file path=ppt/slides/slide8.xml><?xml version="1.0" encoding="utf-8"?>
-<p:sld xmlns:a="http://schemas.openxmlformats.org/drawingml/2006/main" xmlns:r="http://schemas.openxmlformats.org/officeDocument/2006/relationships" xmlns:mc="http://schemas.openxmlformats.org/markup-compatibility/2006" xmlns:mv="urn:schemas-microsoft-com:mac:vml" xmlns:p="http://schemas.openxmlformats.org/presentationml/2006/main" xmlns:c="http://schemas.openxmlformats.org/drawingml/2006/chart" xmlns:dgm="http://schemas.openxmlformats.org/drawingml/2006/diagram" xmlns:o="urn:schemas-microsoft-com:office:office" xmlns:v="urn:schemas-microsoft-com:vml" xmlns:pvml="urn:schemas-microsoft-com:office:powerpoint" xmlns:com="http://schemas.openxmlformats.org/drawingml/2006/compatibility" xmlns:p14="http://schemas.microsoft.com/office/powerpoint/2010/main" xmlns:p15="http://schemas.microsoft.com/office/powerpoint/2012/main">
+<p:sld xmlns:a="http://schemas.openxmlformats.org/drawingml/2006/main" xmlns:r="http://schemas.openxmlformats.org/officeDocument/2006/relationships" xmlns:mc="http://schemas.openxmlformats.org/markup-compatibility/2006" xmlns:mv="urn:schemas-microsoft-com:mac:vml" xmlns:p="http://schemas.openxmlformats.org/presentationml/2006/main" xmlns:c="http://schemas.openxmlformats.org/drawingml/2006/chart" xmlns:dgm="http://schemas.openxmlformats.org/drawingml/2006/diagram" xmlns:o="urn:schemas-microsoft-com:office:office" xmlns:v="urn:schemas-microsoft-com:vml" xmlns:pvml="urn:schemas-microsoft-com:office:powerpoint" xmlns:com="http://schemas.openxmlformats.org/drawingml/2006/compatibility" xmlns:p14="http://schemas.microsoft.com/office/powerpoint/2010/main" xmlns:p15="http://schemas.microsoft.com/office/powerpoint/2012/main" xmlns:ahyp="http://schemas.microsoft.com/office/drawing/2018/hyperlinkcolor">
   <p:cSld>
     <p:spTree>
       <p:nvGrpSpPr>
@@ -10110,7 +10128,7 @@
         <p:spPr>
           <a:xfrm>
             <a:off x="311700" y="1017800"/>
-            <a:ext cx="5067900" cy="3538800"/>
+            <a:ext cx="6423000" cy="3538800"/>
           </a:xfrm>
           <a:prstGeom prst="rect">
             <a:avLst/>
@@ -10127,13 +10145,29 @@
                 <a:spcPts val="0"/>
               </a:spcBef>
               <a:spcAft>
-                <a:spcPts val="1600"/>
+                <a:spcPts val="0"/>
               </a:spcAft>
               <a:buNone/>
             </a:pPr>
             <a:r>
               <a:rPr lang="en"/>
-              <a:t>We recommend dividing in 2 challenges a day.</a:t>
+              <a:t>Each lesson is a video followed by an assignment.</a:t>
+            </a:r>
+            <a:endParaRPr/>
+          </a:p>
+          <a:p>
+            <a:pPr indent="0" lvl="0" marL="0" rtl="0" algn="l">
+              <a:spcBef>
+                <a:spcPts val="1600"/>
+              </a:spcBef>
+              <a:spcAft>
+                <a:spcPts val="1600"/>
+              </a:spcAft>
+              <a:buNone/>
+            </a:pPr>
+            <a:r>
+              <a:rPr lang="en"/>
+              <a:t>We recommend assigning up to 2 “challenges” a day.</a:t>
             </a:r>
             <a:endParaRPr/>
           </a:p>
@@ -10155,8 +10189,8 @@
         </p:blipFill>
         <p:spPr>
           <a:xfrm>
-            <a:off x="2560625" y="1494200"/>
-            <a:ext cx="2818975" cy="2928250"/>
+            <a:off x="7185505" y="0"/>
+            <a:ext cx="1646791" cy="5143501"/>
           </a:xfrm>
           <a:prstGeom prst="rect">
             <a:avLst/>
@@ -10167,6 +10201,110 @@
           </a:ln>
         </p:spPr>
       </p:pic>
+      <p:sp>
+        <p:nvSpPr>
+          <p:cNvPr id="136" name="Google Shape;136;p20"/>
+          <p:cNvSpPr txBox="1"/>
+          <p:nvPr/>
+        </p:nvSpPr>
+        <p:spPr>
+          <a:xfrm>
+            <a:off x="7015875" y="454675"/>
+            <a:ext cx="1977900" cy="973800"/>
+          </a:xfrm>
+          <a:prstGeom prst="rect">
+            <a:avLst/>
+          </a:prstGeom>
+          <a:noFill/>
+          <a:ln cap="flat" cmpd="sng" w="9525">
+            <a:solidFill>
+              <a:srgbClr val="FF0000"/>
+            </a:solidFill>
+            <a:prstDash val="solid"/>
+            <a:round/>
+            <a:headEnd len="sm" w="sm" type="none"/>
+            <a:tailEnd len="sm" w="sm" type="none"/>
+          </a:ln>
+        </p:spPr>
+        <p:txBody>
+          <a:bodyPr anchorCtr="0" anchor="t" bIns="91425" lIns="91425" spcFirstLastPara="1" rIns="91425" wrap="square" tIns="91425">
+            <a:noAutofit/>
+          </a:bodyPr>
+          <a:lstStyle/>
+          <a:p>
+            <a:pPr indent="0" lvl="0" marL="0" rtl="0" algn="l">
+              <a:spcBef>
+                <a:spcPts val="0"/>
+              </a:spcBef>
+              <a:spcAft>
+                <a:spcPts val="0"/>
+              </a:spcAft>
+              <a:buNone/>
+            </a:pPr>
+            <a:r>
+              <a:t/>
+            </a:r>
+            <a:endParaRPr>
+              <a:latin typeface="Roboto"/>
+              <a:ea typeface="Roboto"/>
+              <a:cs typeface="Roboto"/>
+              <a:sym typeface="Roboto"/>
+            </a:endParaRPr>
+          </a:p>
+        </p:txBody>
+      </p:sp>
+      <p:sp>
+        <p:nvSpPr>
+          <p:cNvPr id="137" name="Google Shape;137;p20"/>
+          <p:cNvSpPr txBox="1"/>
+          <p:nvPr/>
+        </p:nvSpPr>
+        <p:spPr>
+          <a:xfrm>
+            <a:off x="7015875" y="1428475"/>
+            <a:ext cx="1977900" cy="973800"/>
+          </a:xfrm>
+          <a:prstGeom prst="rect">
+            <a:avLst/>
+          </a:prstGeom>
+          <a:noFill/>
+          <a:ln cap="flat" cmpd="sng" w="9525">
+            <a:solidFill>
+              <a:srgbClr val="FF0000"/>
+            </a:solidFill>
+            <a:prstDash val="solid"/>
+            <a:round/>
+            <a:headEnd len="sm" w="sm" type="none"/>
+            <a:tailEnd len="sm" w="sm" type="none"/>
+          </a:ln>
+        </p:spPr>
+        <p:txBody>
+          <a:bodyPr anchorCtr="0" anchor="t" bIns="91425" lIns="91425" spcFirstLastPara="1" rIns="91425" wrap="square" tIns="91425">
+            <a:noAutofit/>
+          </a:bodyPr>
+          <a:lstStyle/>
+          <a:p>
+            <a:pPr indent="0" lvl="0" marL="0" rtl="0" algn="l">
+              <a:spcBef>
+                <a:spcPts val="0"/>
+              </a:spcBef>
+              <a:spcAft>
+                <a:spcPts val="0"/>
+              </a:spcAft>
+              <a:buNone/>
+            </a:pPr>
+            <a:r>
+              <a:t/>
+            </a:r>
+            <a:endParaRPr>
+              <a:latin typeface="Roboto"/>
+              <a:ea typeface="Roboto"/>
+              <a:cs typeface="Roboto"/>
+              <a:sym typeface="Roboto"/>
+            </a:endParaRPr>
+          </a:p>
+        </p:txBody>
+      </p:sp>
     </p:spTree>
   </p:cSld>
   <p:clrMapOvr>
@@ -10176,6 +10314,285 @@
 </file>
 
 <file path=ppt/theme/theme1.xml><?xml version="1.0" encoding="utf-8"?>
+<a:theme xmlns:a="http://schemas.openxmlformats.org/drawingml/2006/main" xmlns:r="http://schemas.openxmlformats.org/officeDocument/2006/relationships">
+  <a:themeElements>
+    <a:clrScheme name="Default">
+      <a:dk1>
+        <a:srgbClr val="000000"/>
+      </a:dk1>
+      <a:lt1>
+        <a:srgbClr val="FFFFFF"/>
+      </a:lt1>
+      <a:dk2>
+        <a:srgbClr val="158158"/>
+      </a:dk2>
+      <a:lt2>
+        <a:srgbClr val="F3F3F3"/>
+      </a:lt2>
+      <a:accent1>
+        <a:srgbClr val="058DC7"/>
+      </a:accent1>
+      <a:accent2>
+        <a:srgbClr val="50B432"/>
+      </a:accent2>
+      <a:accent3>
+        <a:srgbClr val="ED561B"/>
+      </a:accent3>
+      <a:accent4>
+        <a:srgbClr val="EDEF00"/>
+      </a:accent4>
+      <a:accent5>
+        <a:srgbClr val="24CBE5"/>
+      </a:accent5>
+      <a:accent6>
+        <a:srgbClr val="64E572"/>
+      </a:accent6>
+      <a:hlink>
+        <a:srgbClr val="2200CC"/>
+      </a:hlink>
+      <a:folHlink>
+        <a:srgbClr val="551A8B"/>
+      </a:folHlink>
+    </a:clrScheme>
+    <a:fontScheme name="Office">
+      <a:majorFont>
+        <a:latin typeface="Arial"/>
+        <a:ea typeface=""/>
+        <a:cs typeface=""/>
+        <a:font script="Jpan" typeface="ＭＳ Ｐゴシック"/>
+        <a:font script="Hang" typeface="맑은 고딕"/>
+        <a:font script="Hans" typeface="宋体"/>
+        <a:font script="Hant" typeface="新細明體"/>
+        <a:font script="Arab" typeface="Times New Roman"/>
+        <a:font script="Hebr" typeface="Times New Roman"/>
+        <a:font script="Thai" typeface="Angsana New"/>
+        <a:font script="Ethi" typeface="Nyala"/>
+        <a:font script="Beng" typeface="Vrinda"/>
+        <a:font script="Gujr" typeface="Shruti"/>
+        <a:font script="Khmr" typeface="MoolBoran"/>
+        <a:font script="Knda" typeface="Tunga"/>
+        <a:font script="Guru" typeface="Raavi"/>
+        <a:font script="Cans" typeface="Euphemia"/>
+        <a:font script="Cher" typeface="Plantagenet Cherokee"/>
+        <a:font script="Yiii" typeface="Microsoft Yi Baiti"/>
+        <a:font script="Tibt" typeface="Microsoft Himalaya"/>
+        <a:font script="Thaa" typeface="MV Boli"/>
+        <a:font script="Deva" typeface="Mangal"/>
+        <a:font script="Telu" typeface="Gautami"/>
+        <a:font script="Taml" typeface="Latha"/>
+        <a:font script="Syrc" typeface="Estrangelo Edessa"/>
+        <a:font script="Orya" typeface="Kalinga"/>
+        <a:font script="Mlym" typeface="Kartika"/>
+        <a:font script="Laoo" typeface="DokChampa"/>
+        <a:font script="Sinh" typeface="Iskoola Pota"/>
+        <a:font script="Mong" typeface="Mongolian Baiti"/>
+        <a:font script="Viet" typeface="Times New Roman"/>
+        <a:font script="Uigh" typeface="Microsoft Uighur"/>
+        <a:font script="Geor" typeface="Sylfaen"/>
+      </a:majorFont>
+      <a:minorFont>
+        <a:latin typeface="Arial"/>
+        <a:ea typeface=""/>
+        <a:cs typeface=""/>
+        <a:font script="Jpan" typeface="ＭＳ Ｐゴシック"/>
+        <a:font script="Hang" typeface="맑은 고딕"/>
+        <a:font script="Hans" typeface="宋体"/>
+        <a:font script="Hant" typeface="新細明體"/>
+        <a:font script="Arab" typeface="Arial"/>
+        <a:font script="Hebr" typeface="Arial"/>
+        <a:font script="Thai" typeface="Cordia New"/>
+        <a:font script="Ethi" typeface="Nyala"/>
+        <a:font script="Beng" typeface="Vrinda"/>
+        <a:font script="Gujr" typeface="Shruti"/>
+        <a:font script="Khmr" typeface="DaunPenh"/>
+        <a:font script="Knda" typeface="Tunga"/>
+        <a:font script="Guru" typeface="Raavi"/>
+        <a:font script="Cans" typeface="Euphemia"/>
+        <a:font script="Cher" typeface="Plantagenet Cherokee"/>
+        <a:font script="Yiii" typeface="Microsoft Yi Baiti"/>
+        <a:font script="Tibt" typeface="Microsoft Himalaya"/>
+        <a:font script="Thaa" typeface="MV Boli"/>
+        <a:font script="Deva" typeface="Mangal"/>
+        <a:font script="Telu" typeface="Gautami"/>
+        <a:font script="Taml" typeface="Latha"/>
+        <a:font script="Syrc" typeface="Estrangelo Edessa"/>
+        <a:font script="Orya" typeface="Kalinga"/>
+        <a:font script="Mlym" typeface="Kartika"/>
+        <a:font script="Laoo" typeface="DokChampa"/>
+        <a:font script="Sinh" typeface="Iskoola Pota"/>
+        <a:font script="Mong" typeface="Mongolian Baiti"/>
+        <a:font script="Viet" typeface="Arial"/>
+        <a:font script="Uigh" typeface="Microsoft Uighur"/>
+        <a:font script="Geor" typeface="Sylfaen"/>
+      </a:minorFont>
+    </a:fontScheme>
+    <a:fmtScheme name="Office">
+      <a:fillStyleLst>
+        <a:solidFill>
+          <a:schemeClr val="phClr"/>
+        </a:solidFill>
+        <a:gradFill rotWithShape="1">
+          <a:gsLst>
+            <a:gs pos="0">
+              <a:schemeClr val="phClr">
+                <a:tint val="50000"/>
+                <a:satMod val="300000"/>
+              </a:schemeClr>
+            </a:gs>
+            <a:gs pos="35000">
+              <a:schemeClr val="phClr">
+                <a:tint val="37000"/>
+                <a:satMod val="300000"/>
+              </a:schemeClr>
+            </a:gs>
+            <a:gs pos="100000">
+              <a:schemeClr val="phClr">
+                <a:tint val="15000"/>
+                <a:satMod val="350000"/>
+              </a:schemeClr>
+            </a:gs>
+          </a:gsLst>
+          <a:lin ang="16200000" scaled="1"/>
+        </a:gradFill>
+        <a:gradFill rotWithShape="1">
+          <a:gsLst>
+            <a:gs pos="0">
+              <a:schemeClr val="phClr">
+                <a:tint val="100000"/>
+                <a:shade val="100000"/>
+                <a:satMod val="130000"/>
+              </a:schemeClr>
+            </a:gs>
+            <a:gs pos="100000">
+              <a:schemeClr val="phClr">
+                <a:tint val="50000"/>
+                <a:shade val="100000"/>
+                <a:satMod val="350000"/>
+              </a:schemeClr>
+            </a:gs>
+          </a:gsLst>
+          <a:lin ang="16200000" scaled="0"/>
+        </a:gradFill>
+      </a:fillStyleLst>
+      <a:lnStyleLst>
+        <a:ln w="9525" cap="flat" cmpd="sng" algn="ctr">
+          <a:solidFill>
+            <a:schemeClr val="phClr">
+              <a:shade val="95000"/>
+              <a:satMod val="105000"/>
+            </a:schemeClr>
+          </a:solidFill>
+          <a:prstDash val="solid"/>
+        </a:ln>
+        <a:ln w="25400" cap="flat" cmpd="sng" algn="ctr">
+          <a:solidFill>
+            <a:schemeClr val="phClr"/>
+          </a:solidFill>
+          <a:prstDash val="solid"/>
+        </a:ln>
+        <a:ln w="38100" cap="flat" cmpd="sng" algn="ctr">
+          <a:solidFill>
+            <a:schemeClr val="phClr"/>
+          </a:solidFill>
+          <a:prstDash val="solid"/>
+        </a:ln>
+      </a:lnStyleLst>
+      <a:effectStyleLst>
+        <a:effectStyle>
+          <a:effectLst>
+            <a:outerShdw blurRad="40000" dist="20000" dir="5400000" rotWithShape="0">
+              <a:srgbClr val="000000">
+                <a:alpha val="38000"/>
+              </a:srgbClr>
+            </a:outerShdw>
+          </a:effectLst>
+        </a:effectStyle>
+        <a:effectStyle>
+          <a:effectLst>
+            <a:outerShdw blurRad="40000" dist="23000" dir="5400000" rotWithShape="0">
+              <a:srgbClr val="000000">
+                <a:alpha val="35000"/>
+              </a:srgbClr>
+            </a:outerShdw>
+          </a:effectLst>
+        </a:effectStyle>
+        <a:effectStyle>
+          <a:effectLst>
+            <a:outerShdw blurRad="40000" dist="23000" dir="5400000" rotWithShape="0">
+              <a:srgbClr val="000000">
+                <a:alpha val="35000"/>
+              </a:srgbClr>
+            </a:outerShdw>
+          </a:effectLst>
+          <a:scene3d>
+            <a:camera prst="orthographicFront">
+              <a:rot lat="0" lon="0" rev="0"/>
+            </a:camera>
+            <a:lightRig rig="threePt" dir="t">
+              <a:rot lat="0" lon="0" rev="1200000"/>
+            </a:lightRig>
+          </a:scene3d>
+          <a:sp3d>
+            <a:bevelT w="63500" h="25400"/>
+          </a:sp3d>
+        </a:effectStyle>
+      </a:effectStyleLst>
+      <a:bgFillStyleLst>
+        <a:solidFill>
+          <a:schemeClr val="phClr"/>
+        </a:solidFill>
+        <a:gradFill rotWithShape="1">
+          <a:gsLst>
+            <a:gs pos="0">
+              <a:schemeClr val="phClr">
+                <a:tint val="40000"/>
+                <a:satMod val="350000"/>
+              </a:schemeClr>
+            </a:gs>
+            <a:gs pos="40000">
+              <a:schemeClr val="phClr">
+                <a:tint val="45000"/>
+                <a:shade val="99000"/>
+                <a:satMod val="350000"/>
+              </a:schemeClr>
+            </a:gs>
+            <a:gs pos="100000">
+              <a:schemeClr val="phClr">
+                <a:shade val="20000"/>
+                <a:satMod val="255000"/>
+              </a:schemeClr>
+            </a:gs>
+          </a:gsLst>
+          <a:path path="circle">
+            <a:fillToRect l="50000" t="-80000" r="50000" b="180000"/>
+          </a:path>
+        </a:gradFill>
+        <a:gradFill rotWithShape="1">
+          <a:gsLst>
+            <a:gs pos="0">
+              <a:schemeClr val="phClr">
+                <a:tint val="80000"/>
+                <a:satMod val="300000"/>
+              </a:schemeClr>
+            </a:gs>
+            <a:gs pos="100000">
+              <a:schemeClr val="phClr">
+                <a:shade val="30000"/>
+                <a:satMod val="200000"/>
+              </a:schemeClr>
+            </a:gs>
+          </a:gsLst>
+          <a:path path="circle">
+            <a:fillToRect l="50000" t="50000" r="50000" b="50000"/>
+          </a:path>
+        </a:gradFill>
+      </a:bgFillStyleLst>
+    </a:fmtScheme>
+  </a:themeElements>
+</a:theme>
+</file>
+
+<file path=ppt/theme/theme2.xml><?xml version="1.0" encoding="utf-8"?>
 <a:theme xmlns:a="http://schemas.openxmlformats.org/drawingml/2006/main" xmlns:r="http://schemas.openxmlformats.org/officeDocument/2006/relationships" name="Geometric">
   <a:themeElements>
     <a:clrScheme name="Geometric">
@@ -10452,283 +10869,4 @@
     </a:fmtScheme>
   </a:themeElements>
 </a:theme>
-</file>
-
-<file path=ppt/theme/theme2.xml><?xml version="1.0" encoding="utf-8"?>
-<a:theme xmlns:a="http://schemas.openxmlformats.org/drawingml/2006/main" xmlns:r="http://schemas.openxmlformats.org/officeDocument/2006/relationships">
-  <a:themeElements>
-    <a:clrScheme name="Default">
-      <a:dk1>
-        <a:srgbClr val="000000"/>
-      </a:dk1>
-      <a:lt1>
-        <a:srgbClr val="FFFFFF"/>
-      </a:lt1>
-      <a:dk2>
-        <a:srgbClr val="158158"/>
-      </a:dk2>
-      <a:lt2>
-        <a:srgbClr val="F3F3F3"/>
-      </a:lt2>
-      <a:accent1>
-        <a:srgbClr val="058DC7"/>
-      </a:accent1>
-      <a:accent2>
-        <a:srgbClr val="50B432"/>
-      </a:accent2>
-      <a:accent3>
-        <a:srgbClr val="ED561B"/>
-      </a:accent3>
-      <a:accent4>
-        <a:srgbClr val="EDEF00"/>
-      </a:accent4>
-      <a:accent5>
-        <a:srgbClr val="24CBE5"/>
-      </a:accent5>
-      <a:accent6>
-        <a:srgbClr val="64E572"/>
-      </a:accent6>
-      <a:hlink>
-        <a:srgbClr val="2200CC"/>
-      </a:hlink>
-      <a:folHlink>
-        <a:srgbClr val="551A8B"/>
-      </a:folHlink>
-    </a:clrScheme>
-    <a:fontScheme name="Office">
-      <a:majorFont>
-        <a:latin typeface="Arial"/>
-        <a:ea typeface=""/>
-        <a:cs typeface=""/>
-        <a:font script="Jpan" typeface="ＭＳ Ｐゴシック"/>
-        <a:font script="Hang" typeface="맑은 고딕"/>
-        <a:font script="Hans" typeface="宋体"/>
-        <a:font script="Hant" typeface="新細明體"/>
-        <a:font script="Arab" typeface="Times New Roman"/>
-        <a:font script="Hebr" typeface="Times New Roman"/>
-        <a:font script="Thai" typeface="Angsana New"/>
-        <a:font script="Ethi" typeface="Nyala"/>
-        <a:font script="Beng" typeface="Vrinda"/>
-        <a:font script="Gujr" typeface="Shruti"/>
-        <a:font script="Khmr" typeface="MoolBoran"/>
-        <a:font script="Knda" typeface="Tunga"/>
-        <a:font script="Guru" typeface="Raavi"/>
-        <a:font script="Cans" typeface="Euphemia"/>
-        <a:font script="Cher" typeface="Plantagenet Cherokee"/>
-        <a:font script="Yiii" typeface="Microsoft Yi Baiti"/>
-        <a:font script="Tibt" typeface="Microsoft Himalaya"/>
-        <a:font script="Thaa" typeface="MV Boli"/>
-        <a:font script="Deva" typeface="Mangal"/>
-        <a:font script="Telu" typeface="Gautami"/>
-        <a:font script="Taml" typeface="Latha"/>
-        <a:font script="Syrc" typeface="Estrangelo Edessa"/>
-        <a:font script="Orya" typeface="Kalinga"/>
-        <a:font script="Mlym" typeface="Kartika"/>
-        <a:font script="Laoo" typeface="DokChampa"/>
-        <a:font script="Sinh" typeface="Iskoola Pota"/>
-        <a:font script="Mong" typeface="Mongolian Baiti"/>
-        <a:font script="Viet" typeface="Times New Roman"/>
-        <a:font script="Uigh" typeface="Microsoft Uighur"/>
-        <a:font script="Geor" typeface="Sylfaen"/>
-      </a:majorFont>
-      <a:minorFont>
-        <a:latin typeface="Arial"/>
-        <a:ea typeface=""/>
-        <a:cs typeface=""/>
-        <a:font script="Jpan" typeface="ＭＳ Ｐゴシック"/>
-        <a:font script="Hang" typeface="맑은 고딕"/>
-        <a:font script="Hans" typeface="宋体"/>
-        <a:font script="Hant" typeface="新細明體"/>
-        <a:font script="Arab" typeface="Arial"/>
-        <a:font script="Hebr" typeface="Arial"/>
-        <a:font script="Thai" typeface="Cordia New"/>
-        <a:font script="Ethi" typeface="Nyala"/>
-        <a:font script="Beng" typeface="Vrinda"/>
-        <a:font script="Gujr" typeface="Shruti"/>
-        <a:font script="Khmr" typeface="DaunPenh"/>
-        <a:font script="Knda" typeface="Tunga"/>
-        <a:font script="Guru" typeface="Raavi"/>
-        <a:font script="Cans" typeface="Euphemia"/>
-        <a:font script="Cher" typeface="Plantagenet Cherokee"/>
-        <a:font script="Yiii" typeface="Microsoft Yi Baiti"/>
-        <a:font script="Tibt" typeface="Microsoft Himalaya"/>
-        <a:font script="Thaa" typeface="MV Boli"/>
-        <a:font script="Deva" typeface="Mangal"/>
-        <a:font script="Telu" typeface="Gautami"/>
-        <a:font script="Taml" typeface="Latha"/>
-        <a:font script="Syrc" typeface="Estrangelo Edessa"/>
-        <a:font script="Orya" typeface="Kalinga"/>
-        <a:font script="Mlym" typeface="Kartika"/>
-        <a:font script="Laoo" typeface="DokChampa"/>
-        <a:font script="Sinh" typeface="Iskoola Pota"/>
-        <a:font script="Mong" typeface="Mongolian Baiti"/>
-        <a:font script="Viet" typeface="Arial"/>
-        <a:font script="Uigh" typeface="Microsoft Uighur"/>
-        <a:font script="Geor" typeface="Sylfaen"/>
-      </a:minorFont>
-    </a:fontScheme>
-    <a:fmtScheme name="Office">
-      <a:fillStyleLst>
-        <a:solidFill>
-          <a:schemeClr val="phClr"/>
-        </a:solidFill>
-        <a:gradFill rotWithShape="1">
-          <a:gsLst>
-            <a:gs pos="0">
-              <a:schemeClr val="phClr">
-                <a:tint val="50000"/>
-                <a:satMod val="300000"/>
-              </a:schemeClr>
-            </a:gs>
-            <a:gs pos="35000">
-              <a:schemeClr val="phClr">
-                <a:tint val="37000"/>
-                <a:satMod val="300000"/>
-              </a:schemeClr>
-            </a:gs>
-            <a:gs pos="100000">
-              <a:schemeClr val="phClr">
-                <a:tint val="15000"/>
-                <a:satMod val="350000"/>
-              </a:schemeClr>
-            </a:gs>
-          </a:gsLst>
-          <a:lin ang="16200000" scaled="1"/>
-        </a:gradFill>
-        <a:gradFill rotWithShape="1">
-          <a:gsLst>
-            <a:gs pos="0">
-              <a:schemeClr val="phClr">
-                <a:tint val="100000"/>
-                <a:shade val="100000"/>
-                <a:satMod val="130000"/>
-              </a:schemeClr>
-            </a:gs>
-            <a:gs pos="100000">
-              <a:schemeClr val="phClr">
-                <a:tint val="50000"/>
-                <a:shade val="100000"/>
-                <a:satMod val="350000"/>
-              </a:schemeClr>
-            </a:gs>
-          </a:gsLst>
-          <a:lin ang="16200000" scaled="0"/>
-        </a:gradFill>
-      </a:fillStyleLst>
-      <a:lnStyleLst>
-        <a:ln w="9525" cap="flat" cmpd="sng" algn="ctr">
-          <a:solidFill>
-            <a:schemeClr val="phClr">
-              <a:shade val="95000"/>
-              <a:satMod val="105000"/>
-            </a:schemeClr>
-          </a:solidFill>
-          <a:prstDash val="solid"/>
-        </a:ln>
-        <a:ln w="25400" cap="flat" cmpd="sng" algn="ctr">
-          <a:solidFill>
-            <a:schemeClr val="phClr"/>
-          </a:solidFill>
-          <a:prstDash val="solid"/>
-        </a:ln>
-        <a:ln w="38100" cap="flat" cmpd="sng" algn="ctr">
-          <a:solidFill>
-            <a:schemeClr val="phClr"/>
-          </a:solidFill>
-          <a:prstDash val="solid"/>
-        </a:ln>
-      </a:lnStyleLst>
-      <a:effectStyleLst>
-        <a:effectStyle>
-          <a:effectLst>
-            <a:outerShdw blurRad="40000" dist="20000" dir="5400000" rotWithShape="0">
-              <a:srgbClr val="000000">
-                <a:alpha val="38000"/>
-              </a:srgbClr>
-            </a:outerShdw>
-          </a:effectLst>
-        </a:effectStyle>
-        <a:effectStyle>
-          <a:effectLst>
-            <a:outerShdw blurRad="40000" dist="23000" dir="5400000" rotWithShape="0">
-              <a:srgbClr val="000000">
-                <a:alpha val="35000"/>
-              </a:srgbClr>
-            </a:outerShdw>
-          </a:effectLst>
-        </a:effectStyle>
-        <a:effectStyle>
-          <a:effectLst>
-            <a:outerShdw blurRad="40000" dist="23000" dir="5400000" rotWithShape="0">
-              <a:srgbClr val="000000">
-                <a:alpha val="35000"/>
-              </a:srgbClr>
-            </a:outerShdw>
-          </a:effectLst>
-          <a:scene3d>
-            <a:camera prst="orthographicFront">
-              <a:rot lat="0" lon="0" rev="0"/>
-            </a:camera>
-            <a:lightRig rig="threePt" dir="t">
-              <a:rot lat="0" lon="0" rev="1200000"/>
-            </a:lightRig>
-          </a:scene3d>
-          <a:sp3d>
-            <a:bevelT w="63500" h="25400"/>
-          </a:sp3d>
-        </a:effectStyle>
-      </a:effectStyleLst>
-      <a:bgFillStyleLst>
-        <a:solidFill>
-          <a:schemeClr val="phClr"/>
-        </a:solidFill>
-        <a:gradFill rotWithShape="1">
-          <a:gsLst>
-            <a:gs pos="0">
-              <a:schemeClr val="phClr">
-                <a:tint val="40000"/>
-                <a:satMod val="350000"/>
-              </a:schemeClr>
-            </a:gs>
-            <a:gs pos="40000">
-              <a:schemeClr val="phClr">
-                <a:tint val="45000"/>
-                <a:shade val="99000"/>
-                <a:satMod val="350000"/>
-              </a:schemeClr>
-            </a:gs>
-            <a:gs pos="100000">
-              <a:schemeClr val="phClr">
-                <a:shade val="20000"/>
-                <a:satMod val="255000"/>
-              </a:schemeClr>
-            </a:gs>
-          </a:gsLst>
-          <a:path path="circle">
-            <a:fillToRect l="50000" t="-80000" r="50000" b="180000"/>
-          </a:path>
-        </a:gradFill>
-        <a:gradFill rotWithShape="1">
-          <a:gsLst>
-            <a:gs pos="0">
-              <a:schemeClr val="phClr">
-                <a:tint val="80000"/>
-                <a:satMod val="300000"/>
-              </a:schemeClr>
-            </a:gs>
-            <a:gs pos="100000">
-              <a:schemeClr val="phClr">
-                <a:shade val="30000"/>
-                <a:satMod val="200000"/>
-              </a:schemeClr>
-            </a:gs>
-          </a:gsLst>
-          <a:path path="circle">
-            <a:fillToRect l="50000" t="50000" r="50000" b="50000"/>
-          </a:path>
-        </a:gradFill>
-      </a:bgFillStyleLst>
-    </a:fmtScheme>
-  </a:themeElements>
-</a:theme>
 </file>
--- a/Database, Day 00 presentation.pptx
+++ b/Database, Day 00 presentation.pptx
@@ -1,35 +1,36 @@
 
 <file path=ppt/presentation.xml><?xml version="1.0" encoding="utf-8"?>
-<p:presentation xmlns:a="http://schemas.openxmlformats.org/drawingml/2006/main" xmlns:r="http://schemas.openxmlformats.org/officeDocument/2006/relationships" xmlns:mc="http://schemas.openxmlformats.org/markup-compatibility/2006" xmlns:mv="urn:schemas-microsoft-com:mac:vml" xmlns:p="http://schemas.openxmlformats.org/presentationml/2006/main" xmlns:c="http://schemas.openxmlformats.org/drawingml/2006/chart" xmlns:dgm="http://schemas.openxmlformats.org/drawingml/2006/diagram" xmlns:o="urn:schemas-microsoft-com:office:office" xmlns:v="urn:schemas-microsoft-com:vml" xmlns:pvml="urn:schemas-microsoft-com:office:powerpoint" xmlns:com="http://schemas.openxmlformats.org/drawingml/2006/compatibility" xmlns:p14="http://schemas.microsoft.com/office/powerpoint/2010/main" xmlns:p15="http://schemas.microsoft.com/office/powerpoint/2012/main" xmlns:ahyp="http://schemas.microsoft.com/office/drawing/2018/hyperlinkcolor" autoCompressPictures="0" embedTrueTypeFonts="1" strictFirstAndLastChars="0" saveSubsetFonts="1">
+<p:presentation xmlns:a="http://schemas.openxmlformats.org/drawingml/2006/main" xmlns:r="http://schemas.openxmlformats.org/officeDocument/2006/relationships" xmlns:p="http://schemas.openxmlformats.org/presentationml/2006/main" strictFirstAndLastChars="0" embedTrueTypeFonts="1" saveSubsetFonts="1" autoCompressPictures="0">
   <p:sldMasterIdLst>
-    <p:sldMasterId id="2147483659" r:id="rId4"/>
+    <p:sldMasterId id="2147483659" r:id="rId1"/>
   </p:sldMasterIdLst>
   <p:notesMasterIdLst>
-    <p:notesMasterId r:id="rId5"/>
+    <p:notesMasterId r:id="rId11"/>
   </p:notesMasterIdLst>
   <p:sldIdLst>
-    <p:sldId id="256" r:id="rId6"/>
-    <p:sldId id="257" r:id="rId7"/>
-    <p:sldId id="258" r:id="rId8"/>
-    <p:sldId id="259" r:id="rId9"/>
-    <p:sldId id="260" r:id="rId10"/>
-    <p:sldId id="261" r:id="rId11"/>
-    <p:sldId id="262" r:id="rId12"/>
-    <p:sldId id="263" r:id="rId13"/>
+    <p:sldId id="256" r:id="rId2"/>
+    <p:sldId id="257" r:id="rId3"/>
+    <p:sldId id="258" r:id="rId4"/>
+    <p:sldId id="259" r:id="rId5"/>
+    <p:sldId id="260" r:id="rId6"/>
+    <p:sldId id="261" r:id="rId7"/>
+    <p:sldId id="262" r:id="rId8"/>
+    <p:sldId id="263" r:id="rId9"/>
+    <p:sldId id="264" r:id="rId10"/>
   </p:sldIdLst>
-  <p:sldSz cy="5143500" cx="9144000"/>
+  <p:sldSz cx="9144000" cy="5143500" type="screen16x9"/>
   <p:notesSz cx="6858000" cy="9144000"/>
   <p:embeddedFontLst>
     <p:embeddedFont>
-      <p:font typeface="Roboto"/>
-      <p:regular r:id="rId14"/>
-      <p:bold r:id="rId15"/>
-      <p:italic r:id="rId16"/>
-      <p:boldItalic r:id="rId17"/>
+      <p:font typeface="Roboto" panose="020B0604020202020204" charset="0"/>
+      <p:regular r:id="rId12"/>
+      <p:bold r:id="rId13"/>
+      <p:italic r:id="rId14"/>
+      <p:boldItalic r:id="rId15"/>
     </p:embeddedFont>
   </p:embeddedFontLst>
   <p:defaultTextStyle>
-    <a:defPPr lvl="0" marR="0" rtl="0" algn="l">
+    <a:defPPr marR="0" lvl="0" algn="l" rtl="0">
       <a:lnSpc>
         <a:spcPct val="100000"/>
       </a:lnSpc>
@@ -40,7 +41,7 @@
         <a:spcPts val="0"/>
       </a:spcAft>
     </a:defPPr>
-    <a:lvl1pPr lvl="0" marR="0" rtl="0" algn="l">
+    <a:lvl1pPr marR="0" lvl="0" algn="l" rtl="0">
       <a:lnSpc>
         <a:spcPct val="100000"/>
       </a:lnSpc>
@@ -54,7 +55,7 @@
         <a:srgbClr val="000000"/>
       </a:buClr>
       <a:buFont typeface="Arial"/>
-      <a:defRPr b="0" i="0" sz="1400" u="none" cap="none" strike="noStrike">
+      <a:defRPr sz="1400" b="0" i="0" u="none" strike="noStrike" cap="none">
         <a:solidFill>
           <a:srgbClr val="000000"/>
         </a:solidFill>
@@ -64,7 +65,7 @@
         <a:sym typeface="Arial"/>
       </a:defRPr>
     </a:lvl1pPr>
-    <a:lvl2pPr lvl="1" marR="0" rtl="0" algn="l">
+    <a:lvl2pPr marR="0" lvl="1" algn="l" rtl="0">
       <a:lnSpc>
         <a:spcPct val="100000"/>
       </a:lnSpc>
@@ -78,7 +79,7 @@
         <a:srgbClr val="000000"/>
       </a:buClr>
       <a:buFont typeface="Arial"/>
-      <a:defRPr b="0" i="0" sz="1400" u="none" cap="none" strike="noStrike">
+      <a:defRPr sz="1400" b="0" i="0" u="none" strike="noStrike" cap="none">
         <a:solidFill>
           <a:srgbClr val="000000"/>
         </a:solidFill>
@@ -88,7 +89,7 @@
         <a:sym typeface="Arial"/>
       </a:defRPr>
     </a:lvl2pPr>
-    <a:lvl3pPr lvl="2" marR="0" rtl="0" algn="l">
+    <a:lvl3pPr marR="0" lvl="2" algn="l" rtl="0">
       <a:lnSpc>
         <a:spcPct val="100000"/>
       </a:lnSpc>
@@ -102,7 +103,7 @@
         <a:srgbClr val="000000"/>
       </a:buClr>
       <a:buFont typeface="Arial"/>
-      <a:defRPr b="0" i="0" sz="1400" u="none" cap="none" strike="noStrike">
+      <a:defRPr sz="1400" b="0" i="0" u="none" strike="noStrike" cap="none">
         <a:solidFill>
           <a:srgbClr val="000000"/>
         </a:solidFill>
@@ -112,7 +113,7 @@
         <a:sym typeface="Arial"/>
       </a:defRPr>
     </a:lvl3pPr>
-    <a:lvl4pPr lvl="3" marR="0" rtl="0" algn="l">
+    <a:lvl4pPr marR="0" lvl="3" algn="l" rtl="0">
       <a:lnSpc>
         <a:spcPct val="100000"/>
       </a:lnSpc>
@@ -126,7 +127,7 @@
         <a:srgbClr val="000000"/>
       </a:buClr>
       <a:buFont typeface="Arial"/>
-      <a:defRPr b="0" i="0" sz="1400" u="none" cap="none" strike="noStrike">
+      <a:defRPr sz="1400" b="0" i="0" u="none" strike="noStrike" cap="none">
         <a:solidFill>
           <a:srgbClr val="000000"/>
         </a:solidFill>
@@ -136,7 +137,7 @@
         <a:sym typeface="Arial"/>
       </a:defRPr>
     </a:lvl4pPr>
-    <a:lvl5pPr lvl="4" marR="0" rtl="0" algn="l">
+    <a:lvl5pPr marR="0" lvl="4" algn="l" rtl="0">
       <a:lnSpc>
         <a:spcPct val="100000"/>
       </a:lnSpc>
@@ -150,7 +151,7 @@
         <a:srgbClr val="000000"/>
       </a:buClr>
       <a:buFont typeface="Arial"/>
-      <a:defRPr b="0" i="0" sz="1400" u="none" cap="none" strike="noStrike">
+      <a:defRPr sz="1400" b="0" i="0" u="none" strike="noStrike" cap="none">
         <a:solidFill>
           <a:srgbClr val="000000"/>
         </a:solidFill>
@@ -160,7 +161,7 @@
         <a:sym typeface="Arial"/>
       </a:defRPr>
     </a:lvl5pPr>
-    <a:lvl6pPr lvl="5" marR="0" rtl="0" algn="l">
+    <a:lvl6pPr marR="0" lvl="5" algn="l" rtl="0">
       <a:lnSpc>
         <a:spcPct val="100000"/>
       </a:lnSpc>
@@ -174,7 +175,7 @@
         <a:srgbClr val="000000"/>
       </a:buClr>
       <a:buFont typeface="Arial"/>
-      <a:defRPr b="0" i="0" sz="1400" u="none" cap="none" strike="noStrike">
+      <a:defRPr sz="1400" b="0" i="0" u="none" strike="noStrike" cap="none">
         <a:solidFill>
           <a:srgbClr val="000000"/>
         </a:solidFill>
@@ -184,7 +185,7 @@
         <a:sym typeface="Arial"/>
       </a:defRPr>
     </a:lvl6pPr>
-    <a:lvl7pPr lvl="6" marR="0" rtl="0" algn="l">
+    <a:lvl7pPr marR="0" lvl="6" algn="l" rtl="0">
       <a:lnSpc>
         <a:spcPct val="100000"/>
       </a:lnSpc>
@@ -198,7 +199,7 @@
         <a:srgbClr val="000000"/>
       </a:buClr>
       <a:buFont typeface="Arial"/>
-      <a:defRPr b="0" i="0" sz="1400" u="none" cap="none" strike="noStrike">
+      <a:defRPr sz="1400" b="0" i="0" u="none" strike="noStrike" cap="none">
         <a:solidFill>
           <a:srgbClr val="000000"/>
         </a:solidFill>
@@ -208,7 +209,7 @@
         <a:sym typeface="Arial"/>
       </a:defRPr>
     </a:lvl7pPr>
-    <a:lvl8pPr lvl="7" marR="0" rtl="0" algn="l">
+    <a:lvl8pPr marR="0" lvl="7" algn="l" rtl="0">
       <a:lnSpc>
         <a:spcPct val="100000"/>
       </a:lnSpc>
@@ -222,7 +223,7 @@
         <a:srgbClr val="000000"/>
       </a:buClr>
       <a:buFont typeface="Arial"/>
-      <a:defRPr b="0" i="0" sz="1400" u="none" cap="none" strike="noStrike">
+      <a:defRPr sz="1400" b="0" i="0" u="none" strike="noStrike" cap="none">
         <a:solidFill>
           <a:srgbClr val="000000"/>
         </a:solidFill>
@@ -232,7 +233,7 @@
         <a:sym typeface="Arial"/>
       </a:defRPr>
     </a:lvl8pPr>
-    <a:lvl9pPr lvl="8" marR="0" rtl="0" algn="l">
+    <a:lvl9pPr marR="0" lvl="8" algn="l" rtl="0">
       <a:lnSpc>
         <a:spcPct val="100000"/>
       </a:lnSpc>
@@ -246,7 +247,7 @@
         <a:srgbClr val="000000"/>
       </a:buClr>
       <a:buFont typeface="Arial"/>
-      <a:defRPr b="0" i="0" sz="1400" u="none" cap="none" strike="noStrike">
+      <a:defRPr sz="1400" b="0" i="0" u="none" strike="noStrike" cap="none">
         <a:solidFill>
           <a:srgbClr val="000000"/>
         </a:solidFill>
@@ -259,7 +260,7 @@
   </p:defaultTextStyle>
   <p:extLst>
     <p:ext uri="{EFAFB233-063F-42B5-8137-9DF3F51BA10A}">
-      <p15:sldGuideLst>
+      <p15:sldGuideLst xmlns:p15="http://schemas.microsoft.com/office/powerpoint/2012/main">
         <p15:guide id="1" orient="horz" pos="1620">
           <p15:clr>
             <a:srgbClr val="A4A3A4"/>
@@ -277,11 +278,16 @@
 </file>
 
 <file path=ppt/notesMasters/notesMaster1.xml><?xml version="1.0" encoding="utf-8"?>
-<p:notesMaster xmlns:a="http://schemas.openxmlformats.org/drawingml/2006/main" xmlns:r="http://schemas.openxmlformats.org/officeDocument/2006/relationships" xmlns:mc="http://schemas.openxmlformats.org/markup-compatibility/2006" xmlns:mv="urn:schemas-microsoft-com:mac:vml" xmlns:p="http://schemas.openxmlformats.org/presentationml/2006/main" xmlns:c="http://schemas.openxmlformats.org/drawingml/2006/chart" xmlns:dgm="http://schemas.openxmlformats.org/drawingml/2006/diagram" xmlns:o="urn:schemas-microsoft-com:office:office" xmlns:v="urn:schemas-microsoft-com:vml" xmlns:pvml="urn:schemas-microsoft-com:office:powerpoint" xmlns:com="http://schemas.openxmlformats.org/drawingml/2006/compatibility" xmlns:p14="http://schemas.microsoft.com/office/powerpoint/2010/main" xmlns:p15="http://schemas.microsoft.com/office/powerpoint/2012/main" xmlns:ahyp="http://schemas.microsoft.com/office/drawing/2018/hyperlinkcolor">
+<p:notesMaster xmlns:a="http://schemas.openxmlformats.org/drawingml/2006/main" xmlns:r="http://schemas.openxmlformats.org/officeDocument/2006/relationships" xmlns:p="http://schemas.openxmlformats.org/presentationml/2006/main">
   <p:cSld>
+    <p:bg>
+      <p:bgRef idx="1001">
+        <a:schemeClr val="bg1"/>
+      </p:bgRef>
+    </p:bg>
     <p:spTree>
       <p:nvGrpSpPr>
-        <p:cNvPr id="2" name="Shape 2"/>
+        <p:cNvPr id="1" name="Shape 2"/>
         <p:cNvGrpSpPr/>
         <p:nvPr/>
       </p:nvGrpSpPr>
@@ -296,9 +302,11 @@
       <p:sp>
         <p:nvSpPr>
           <p:cNvPr id="3" name="Google Shape;3;n"/>
-          <p:cNvSpPr/>
+          <p:cNvSpPr>
+            <a:spLocks noGrp="1" noRot="1" noChangeAspect="1"/>
+          </p:cNvSpPr>
           <p:nvPr>
-            <p:ph idx="2" type="sldImg"/>
+            <p:ph type="sldImg" idx="2"/>
           </p:nvPr>
         </p:nvSpPr>
         <p:spPr>
@@ -307,9 +315,13 @@
             <a:ext cx="6096075" cy="3429000"/>
           </a:xfrm>
           <a:custGeom>
-            <a:rect b="b" l="l" r="r" t="t"/>
+            <a:avLst/>
+            <a:gdLst/>
+            <a:ahLst/>
+            <a:cxnLst/>
+            <a:rect l="l" t="t" r="r" b="b"/>
             <a:pathLst>
-              <a:path extrusionOk="0" h="120000" w="120000">
+              <a:path w="120000" h="120000" extrusionOk="0">
                 <a:moveTo>
                   <a:pt x="0" y="0"/>
                 </a:moveTo>
@@ -327,23 +339,25 @@
             </a:pathLst>
           </a:custGeom>
           <a:noFill/>
-          <a:ln cap="flat" cmpd="sng" w="9525">
+          <a:ln w="9525" cap="flat" cmpd="sng">
             <a:solidFill>
               <a:srgbClr val="000000"/>
             </a:solidFill>
             <a:prstDash val="solid"/>
             <a:round/>
-            <a:headEnd len="sm" w="sm" type="none"/>
-            <a:tailEnd len="sm" w="sm" type="none"/>
+            <a:headEnd type="none" w="sm" len="sm"/>
+            <a:tailEnd type="none" w="sm" len="sm"/>
           </a:ln>
         </p:spPr>
       </p:sp>
       <p:sp>
         <p:nvSpPr>
           <p:cNvPr id="4" name="Google Shape;4;n"/>
-          <p:cNvSpPr txBox="1"/>
+          <p:cNvSpPr txBox="1">
+            <a:spLocks noGrp="1"/>
+          </p:cNvSpPr>
           <p:nvPr>
-            <p:ph idx="1" type="body"/>
+            <p:ph type="body" idx="1"/>
           </p:nvPr>
         </p:nvSpPr>
         <p:spPr>
@@ -360,11 +374,11 @@
           </a:ln>
         </p:spPr>
         <p:txBody>
-          <a:bodyPr anchorCtr="0" anchor="t" bIns="91425" lIns="91425" spcFirstLastPara="1" rIns="91425" wrap="square" tIns="91425">
+          <a:bodyPr spcFirstLastPara="1" wrap="square" lIns="91425" tIns="91425" rIns="91425" bIns="91425" anchor="t" anchorCtr="0">
             <a:noAutofit/>
           </a:bodyPr>
           <a:lstStyle>
-            <a:lvl1pPr indent="-298450" lvl="0" marL="457200">
+            <a:lvl1pPr marL="457200" lvl="0" indent="-298450">
               <a:spcBef>
                 <a:spcPts val="0"/>
               </a:spcBef>
@@ -375,7 +389,7 @@
               <a:buChar char="●"/>
               <a:defRPr sz="1100"/>
             </a:lvl1pPr>
-            <a:lvl2pPr indent="-298450" lvl="1" marL="914400">
+            <a:lvl2pPr marL="914400" lvl="1" indent="-298450">
               <a:spcBef>
                 <a:spcPts val="0"/>
               </a:spcBef>
@@ -386,7 +400,7 @@
               <a:buChar char="○"/>
               <a:defRPr sz="1100"/>
             </a:lvl2pPr>
-            <a:lvl3pPr indent="-298450" lvl="2" marL="1371600">
+            <a:lvl3pPr marL="1371600" lvl="2" indent="-298450">
               <a:spcBef>
                 <a:spcPts val="0"/>
               </a:spcBef>
@@ -397,7 +411,7 @@
               <a:buChar char="■"/>
               <a:defRPr sz="1100"/>
             </a:lvl3pPr>
-            <a:lvl4pPr indent="-298450" lvl="3" marL="1828800">
+            <a:lvl4pPr marL="1828800" lvl="3" indent="-298450">
               <a:spcBef>
                 <a:spcPts val="0"/>
               </a:spcBef>
@@ -408,7 +422,7 @@
               <a:buChar char="●"/>
               <a:defRPr sz="1100"/>
             </a:lvl4pPr>
-            <a:lvl5pPr indent="-298450" lvl="4" marL="2286000">
+            <a:lvl5pPr marL="2286000" lvl="4" indent="-298450">
               <a:spcBef>
                 <a:spcPts val="0"/>
               </a:spcBef>
@@ -419,7 +433,7 @@
               <a:buChar char="○"/>
               <a:defRPr sz="1100"/>
             </a:lvl5pPr>
-            <a:lvl6pPr indent="-298450" lvl="5" marL="2743200">
+            <a:lvl6pPr marL="2743200" lvl="5" indent="-298450">
               <a:spcBef>
                 <a:spcPts val="0"/>
               </a:spcBef>
@@ -430,7 +444,7 @@
               <a:buChar char="■"/>
               <a:defRPr sz="1100"/>
             </a:lvl6pPr>
-            <a:lvl7pPr indent="-298450" lvl="6" marL="3200400">
+            <a:lvl7pPr marL="3200400" lvl="6" indent="-298450">
               <a:spcBef>
                 <a:spcPts val="0"/>
               </a:spcBef>
@@ -441,7 +455,7 @@
               <a:buChar char="●"/>
               <a:defRPr sz="1100"/>
             </a:lvl7pPr>
-            <a:lvl8pPr indent="-298450" lvl="7" marL="3657600">
+            <a:lvl8pPr marL="3657600" lvl="7" indent="-298450">
               <a:spcBef>
                 <a:spcPts val="0"/>
               </a:spcBef>
@@ -452,7 +466,7 @@
               <a:buChar char="○"/>
               <a:defRPr sz="1100"/>
             </a:lvl8pPr>
-            <a:lvl9pPr indent="-298450" lvl="8" marL="4114800">
+            <a:lvl9pPr marL="4114800" lvl="8" indent="-298450">
               <a:spcBef>
                 <a:spcPts val="0"/>
               </a:spcBef>
@@ -464,14 +478,16 @@
               <a:defRPr sz="1100"/>
             </a:lvl9pPr>
           </a:lstStyle>
-          <a:p/>
+          <a:p>
+            <a:endParaRPr/>
+          </a:p>
         </p:txBody>
       </p:sp>
     </p:spTree>
   </p:cSld>
-  <p:clrMap accent1="accent1" accent2="accent2" accent3="accent3" accent4="accent4" accent5="accent5" accent6="accent6" bg1="lt1" bg2="dk2" tx1="dk1" tx2="lt2" folHlink="folHlink" hlink="hlink"/>
+  <p:clrMap bg1="lt1" tx1="dk1" bg2="dk2" tx2="lt2" accent1="accent1" accent2="accent2" accent3="accent3" accent4="accent4" accent5="accent5" accent6="accent6" hlink="hlink" folHlink="folHlink"/>
   <p:notesStyle>
-    <a:defPPr lvl="0" marR="0" rtl="0" algn="l">
+    <a:defPPr marR="0" lvl="0" algn="l" rtl="0">
       <a:lnSpc>
         <a:spcPct val="100000"/>
       </a:lnSpc>
@@ -482,7 +498,7 @@
         <a:spcPts val="0"/>
       </a:spcAft>
     </a:defPPr>
-    <a:lvl1pPr lvl="0" marR="0" rtl="0" algn="l">
+    <a:lvl1pPr marR="0" lvl="0" algn="l" rtl="0">
       <a:lnSpc>
         <a:spcPct val="100000"/>
       </a:lnSpc>
@@ -496,7 +512,7 @@
         <a:srgbClr val="000000"/>
       </a:buClr>
       <a:buFont typeface="Arial"/>
-      <a:defRPr b="0" i="0" sz="1400" u="none" cap="none" strike="noStrike">
+      <a:defRPr sz="1400" b="0" i="0" u="none" strike="noStrike" cap="none">
         <a:solidFill>
           <a:srgbClr val="000000"/>
         </a:solidFill>
@@ -506,7 +522,7 @@
         <a:sym typeface="Arial"/>
       </a:defRPr>
     </a:lvl1pPr>
-    <a:lvl2pPr lvl="1" marR="0" rtl="0" algn="l">
+    <a:lvl2pPr marR="0" lvl="1" algn="l" rtl="0">
       <a:lnSpc>
         <a:spcPct val="100000"/>
       </a:lnSpc>
@@ -520,7 +536,7 @@
         <a:srgbClr val="000000"/>
       </a:buClr>
       <a:buFont typeface="Arial"/>
-      <a:defRPr b="0" i="0" sz="1400" u="none" cap="none" strike="noStrike">
+      <a:defRPr sz="1400" b="0" i="0" u="none" strike="noStrike" cap="none">
         <a:solidFill>
           <a:srgbClr val="000000"/>
         </a:solidFill>
@@ -530,7 +546,7 @@
         <a:sym typeface="Arial"/>
       </a:defRPr>
     </a:lvl2pPr>
-    <a:lvl3pPr lvl="2" marR="0" rtl="0" algn="l">
+    <a:lvl3pPr marR="0" lvl="2" algn="l" rtl="0">
       <a:lnSpc>
         <a:spcPct val="100000"/>
       </a:lnSpc>
@@ -544,7 +560,7 @@
         <a:srgbClr val="000000"/>
       </a:buClr>
       <a:buFont typeface="Arial"/>
-      <a:defRPr b="0" i="0" sz="1400" u="none" cap="none" strike="noStrike">
+      <a:defRPr sz="1400" b="0" i="0" u="none" strike="noStrike" cap="none">
         <a:solidFill>
           <a:srgbClr val="000000"/>
         </a:solidFill>
@@ -554,7 +570,7 @@
         <a:sym typeface="Arial"/>
       </a:defRPr>
     </a:lvl3pPr>
-    <a:lvl4pPr lvl="3" marR="0" rtl="0" algn="l">
+    <a:lvl4pPr marR="0" lvl="3" algn="l" rtl="0">
       <a:lnSpc>
         <a:spcPct val="100000"/>
       </a:lnSpc>
@@ -568,7 +584,7 @@
         <a:srgbClr val="000000"/>
       </a:buClr>
       <a:buFont typeface="Arial"/>
-      <a:defRPr b="0" i="0" sz="1400" u="none" cap="none" strike="noStrike">
+      <a:defRPr sz="1400" b="0" i="0" u="none" strike="noStrike" cap="none">
         <a:solidFill>
           <a:srgbClr val="000000"/>
         </a:solidFill>
@@ -578,7 +594,7 @@
         <a:sym typeface="Arial"/>
       </a:defRPr>
     </a:lvl4pPr>
-    <a:lvl5pPr lvl="4" marR="0" rtl="0" algn="l">
+    <a:lvl5pPr marR="0" lvl="4" algn="l" rtl="0">
       <a:lnSpc>
         <a:spcPct val="100000"/>
       </a:lnSpc>
@@ -592,7 +608,7 @@
         <a:srgbClr val="000000"/>
       </a:buClr>
       <a:buFont typeface="Arial"/>
-      <a:defRPr b="0" i="0" sz="1400" u="none" cap="none" strike="noStrike">
+      <a:defRPr sz="1400" b="0" i="0" u="none" strike="noStrike" cap="none">
         <a:solidFill>
           <a:srgbClr val="000000"/>
         </a:solidFill>
@@ -602,7 +618,7 @@
         <a:sym typeface="Arial"/>
       </a:defRPr>
     </a:lvl5pPr>
-    <a:lvl6pPr lvl="5" marR="0" rtl="0" algn="l">
+    <a:lvl6pPr marR="0" lvl="5" algn="l" rtl="0">
       <a:lnSpc>
         <a:spcPct val="100000"/>
       </a:lnSpc>
@@ -616,7 +632,7 @@
         <a:srgbClr val="000000"/>
       </a:buClr>
       <a:buFont typeface="Arial"/>
-      <a:defRPr b="0" i="0" sz="1400" u="none" cap="none" strike="noStrike">
+      <a:defRPr sz="1400" b="0" i="0" u="none" strike="noStrike" cap="none">
         <a:solidFill>
           <a:srgbClr val="000000"/>
         </a:solidFill>
@@ -626,7 +642,7 @@
         <a:sym typeface="Arial"/>
       </a:defRPr>
     </a:lvl6pPr>
-    <a:lvl7pPr lvl="6" marR="0" rtl="0" algn="l">
+    <a:lvl7pPr marR="0" lvl="6" algn="l" rtl="0">
       <a:lnSpc>
         <a:spcPct val="100000"/>
       </a:lnSpc>
@@ -640,7 +656,7 @@
         <a:srgbClr val="000000"/>
       </a:buClr>
       <a:buFont typeface="Arial"/>
-      <a:defRPr b="0" i="0" sz="1400" u="none" cap="none" strike="noStrike">
+      <a:defRPr sz="1400" b="0" i="0" u="none" strike="noStrike" cap="none">
         <a:solidFill>
           <a:srgbClr val="000000"/>
         </a:solidFill>
@@ -650,7 +666,7 @@
         <a:sym typeface="Arial"/>
       </a:defRPr>
     </a:lvl7pPr>
-    <a:lvl8pPr lvl="7" marR="0" rtl="0" algn="l">
+    <a:lvl8pPr marR="0" lvl="7" algn="l" rtl="0">
       <a:lnSpc>
         <a:spcPct val="100000"/>
       </a:lnSpc>
@@ -664,7 +680,7 @@
         <a:srgbClr val="000000"/>
       </a:buClr>
       <a:buFont typeface="Arial"/>
-      <a:defRPr b="0" i="0" sz="1400" u="none" cap="none" strike="noStrike">
+      <a:defRPr sz="1400" b="0" i="0" u="none" strike="noStrike" cap="none">
         <a:solidFill>
           <a:srgbClr val="000000"/>
         </a:solidFill>
@@ -674,7 +690,7 @@
         <a:sym typeface="Arial"/>
       </a:defRPr>
     </a:lvl8pPr>
-    <a:lvl9pPr lvl="8" marR="0" rtl="0" algn="l">
+    <a:lvl9pPr marR="0" lvl="8" algn="l" rtl="0">
       <a:lnSpc>
         <a:spcPct val="100000"/>
       </a:lnSpc>
@@ -688,7 +704,7 @@
         <a:srgbClr val="000000"/>
       </a:buClr>
       <a:buFont typeface="Arial"/>
-      <a:defRPr b="0" i="0" sz="1400" u="none" cap="none" strike="noStrike">
+      <a:defRPr sz="1400" b="0" i="0" u="none" strike="noStrike" cap="none">
         <a:solidFill>
           <a:srgbClr val="000000"/>
         </a:solidFill>
@@ -703,11 +719,11 @@
 </file>
 
 <file path=ppt/notesSlides/notesSlide1.xml><?xml version="1.0" encoding="utf-8"?>
-<p:notes xmlns:a="http://schemas.openxmlformats.org/drawingml/2006/main" xmlns:r="http://schemas.openxmlformats.org/officeDocument/2006/relationships" xmlns:mc="http://schemas.openxmlformats.org/markup-compatibility/2006" xmlns:mv="urn:schemas-microsoft-com:mac:vml" xmlns:p="http://schemas.openxmlformats.org/presentationml/2006/main" xmlns:c="http://schemas.openxmlformats.org/drawingml/2006/chart" xmlns:dgm="http://schemas.openxmlformats.org/drawingml/2006/diagram" xmlns:o="urn:schemas-microsoft-com:office:office" xmlns:v="urn:schemas-microsoft-com:vml" xmlns:pvml="urn:schemas-microsoft-com:office:powerpoint" xmlns:com="http://schemas.openxmlformats.org/drawingml/2006/compatibility" xmlns:p14="http://schemas.microsoft.com/office/powerpoint/2010/main" xmlns:p15="http://schemas.microsoft.com/office/powerpoint/2012/main" xmlns:ahyp="http://schemas.microsoft.com/office/drawing/2018/hyperlinkcolor" showMasterPhAnim="0" showMasterSp="0">
+<p:notes xmlns:a="http://schemas.openxmlformats.org/drawingml/2006/main" xmlns:r="http://schemas.openxmlformats.org/officeDocument/2006/relationships" xmlns:p="http://schemas.openxmlformats.org/presentationml/2006/main" showMasterSp="0" showMasterPhAnim="0">
   <p:cSld>
     <p:spTree>
       <p:nvGrpSpPr>
-        <p:cNvPr id="81" name="Shape 81"/>
+        <p:cNvPr id="1" name="Shape 81"/>
         <p:cNvGrpSpPr/>
         <p:nvPr/>
       </p:nvGrpSpPr>
@@ -722,9 +738,11 @@
       <p:sp>
         <p:nvSpPr>
           <p:cNvPr id="82" name="Google Shape;82;p:notes"/>
-          <p:cNvSpPr/>
+          <p:cNvSpPr>
+            <a:spLocks noGrp="1" noRot="1" noChangeAspect="1"/>
+          </p:cNvSpPr>
           <p:nvPr>
-            <p:ph idx="2" type="sldImg"/>
+            <p:ph type="sldImg" idx="2"/>
           </p:nvPr>
         </p:nvSpPr>
         <p:spPr>
@@ -733,9 +751,13 @@
             <a:ext cx="6096075" cy="3429000"/>
           </a:xfrm>
           <a:custGeom>
-            <a:rect b="b" l="l" r="r" t="t"/>
+            <a:avLst/>
+            <a:gdLst/>
+            <a:ahLst/>
+            <a:cxnLst/>
+            <a:rect l="l" t="t" r="r" b="b"/>
             <a:pathLst>
-              <a:path extrusionOk="0" h="120000" w="120000">
+              <a:path w="120000" h="120000" extrusionOk="0">
                 <a:moveTo>
                   <a:pt x="0" y="0"/>
                 </a:moveTo>
@@ -757,9 +779,11 @@
       <p:sp>
         <p:nvSpPr>
           <p:cNvPr id="83" name="Google Shape;83;p:notes"/>
-          <p:cNvSpPr txBox="1"/>
+          <p:cNvSpPr txBox="1">
+            <a:spLocks noGrp="1"/>
+          </p:cNvSpPr>
           <p:nvPr>
-            <p:ph idx="1" type="body"/>
+            <p:ph type="body" idx="1"/>
           </p:nvPr>
         </p:nvSpPr>
         <p:spPr>
@@ -772,12 +796,12 @@
           </a:prstGeom>
         </p:spPr>
         <p:txBody>
-          <a:bodyPr anchorCtr="0" anchor="t" bIns="91425" lIns="91425" spcFirstLastPara="1" rIns="91425" wrap="square" tIns="91425">
+          <a:bodyPr spcFirstLastPara="1" wrap="square" lIns="91425" tIns="91425" rIns="91425" bIns="91425" anchor="t" anchorCtr="0">
             <a:noAutofit/>
           </a:bodyPr>
           <a:lstStyle/>
           <a:p>
-            <a:pPr indent="0" lvl="0" marL="0" rtl="0" algn="l">
+            <a:pPr marL="0" lvl="0" indent="0" algn="l" rtl="0">
               <a:spcBef>
                 <a:spcPts val="0"/>
               </a:spcBef>
@@ -786,9 +810,6 @@
               </a:spcAft>
               <a:buNone/>
             </a:pPr>
-            <a:r>
-              <a:t/>
-            </a:r>
             <a:endParaRPr/>
           </a:p>
         </p:txBody>
@@ -802,11 +823,11 @@
 </file>
 
 <file path=ppt/notesSlides/notesSlide2.xml><?xml version="1.0" encoding="utf-8"?>
-<p:notes xmlns:a="http://schemas.openxmlformats.org/drawingml/2006/main" xmlns:r="http://schemas.openxmlformats.org/officeDocument/2006/relationships" xmlns:mc="http://schemas.openxmlformats.org/markup-compatibility/2006" xmlns:mv="urn:schemas-microsoft-com:mac:vml" xmlns:p="http://schemas.openxmlformats.org/presentationml/2006/main" xmlns:c="http://schemas.openxmlformats.org/drawingml/2006/chart" xmlns:dgm="http://schemas.openxmlformats.org/drawingml/2006/diagram" xmlns:o="urn:schemas-microsoft-com:office:office" xmlns:v="urn:schemas-microsoft-com:vml" xmlns:pvml="urn:schemas-microsoft-com:office:powerpoint" xmlns:com="http://schemas.openxmlformats.org/drawingml/2006/compatibility" xmlns:p14="http://schemas.microsoft.com/office/powerpoint/2010/main" xmlns:p15="http://schemas.microsoft.com/office/powerpoint/2012/main" xmlns:ahyp="http://schemas.microsoft.com/office/drawing/2018/hyperlinkcolor" showMasterPhAnim="0" showMasterSp="0">
+<p:notes xmlns:a="http://schemas.openxmlformats.org/drawingml/2006/main" xmlns:r="http://schemas.openxmlformats.org/officeDocument/2006/relationships" xmlns:p="http://schemas.openxmlformats.org/presentationml/2006/main" showMasterSp="0" showMasterPhAnim="0">
   <p:cSld>
     <p:spTree>
       <p:nvGrpSpPr>
-        <p:cNvPr id="88" name="Shape 88"/>
+        <p:cNvPr id="1" name="Shape 88"/>
         <p:cNvGrpSpPr/>
         <p:nvPr/>
       </p:nvGrpSpPr>
@@ -821,9 +842,11 @@
       <p:sp>
         <p:nvSpPr>
           <p:cNvPr id="89" name="Google Shape;89;g86838d3156_0_84:notes"/>
-          <p:cNvSpPr/>
+          <p:cNvSpPr>
+            <a:spLocks noGrp="1" noRot="1" noChangeAspect="1"/>
+          </p:cNvSpPr>
           <p:nvPr>
-            <p:ph idx="2" type="sldImg"/>
+            <p:ph type="sldImg" idx="2"/>
           </p:nvPr>
         </p:nvSpPr>
         <p:spPr>
@@ -832,9 +855,13 @@
             <a:ext cx="6096000" cy="3429000"/>
           </a:xfrm>
           <a:custGeom>
-            <a:rect b="b" l="l" r="r" t="t"/>
+            <a:avLst/>
+            <a:gdLst/>
+            <a:ahLst/>
+            <a:cxnLst/>
+            <a:rect l="l" t="t" r="r" b="b"/>
             <a:pathLst>
-              <a:path extrusionOk="0" h="120000" w="120000">
+              <a:path w="120000" h="120000" extrusionOk="0">
                 <a:moveTo>
                   <a:pt x="0" y="0"/>
                 </a:moveTo>
@@ -856,9 +883,11 @@
       <p:sp>
         <p:nvSpPr>
           <p:cNvPr id="90" name="Google Shape;90;g86838d3156_0_84:notes"/>
-          <p:cNvSpPr txBox="1"/>
+          <p:cNvSpPr txBox="1">
+            <a:spLocks noGrp="1"/>
+          </p:cNvSpPr>
           <p:nvPr>
-            <p:ph idx="1" type="body"/>
+            <p:ph type="body" idx="1"/>
           </p:nvPr>
         </p:nvSpPr>
         <p:spPr>
@@ -871,12 +900,12 @@
           </a:prstGeom>
         </p:spPr>
         <p:txBody>
-          <a:bodyPr anchorCtr="0" anchor="t" bIns="91425" lIns="91425" spcFirstLastPara="1" rIns="91425" wrap="square" tIns="91425">
+          <a:bodyPr spcFirstLastPara="1" wrap="square" lIns="91425" tIns="91425" rIns="91425" bIns="91425" anchor="t" anchorCtr="0">
             <a:noAutofit/>
           </a:bodyPr>
           <a:lstStyle/>
           <a:p>
-            <a:pPr indent="0" lvl="0" marL="0" rtl="0" algn="l">
+            <a:pPr marL="0" lvl="0" indent="0" algn="l" rtl="0">
               <a:spcBef>
                 <a:spcPts val="0"/>
               </a:spcBef>
@@ -885,9 +914,6 @@
               </a:spcAft>
               <a:buNone/>
             </a:pPr>
-            <a:r>
-              <a:t/>
-            </a:r>
             <a:endParaRPr/>
           </a:p>
         </p:txBody>
@@ -901,11 +927,11 @@
 </file>
 
 <file path=ppt/notesSlides/notesSlide3.xml><?xml version="1.0" encoding="utf-8"?>
-<p:notes xmlns:a="http://schemas.openxmlformats.org/drawingml/2006/main" xmlns:r="http://schemas.openxmlformats.org/officeDocument/2006/relationships" xmlns:mc="http://schemas.openxmlformats.org/markup-compatibility/2006" xmlns:mv="urn:schemas-microsoft-com:mac:vml" xmlns:p="http://schemas.openxmlformats.org/presentationml/2006/main" xmlns:c="http://schemas.openxmlformats.org/drawingml/2006/chart" xmlns:dgm="http://schemas.openxmlformats.org/drawingml/2006/diagram" xmlns:o="urn:schemas-microsoft-com:office:office" xmlns:v="urn:schemas-microsoft-com:vml" xmlns:pvml="urn:schemas-microsoft-com:office:powerpoint" xmlns:com="http://schemas.openxmlformats.org/drawingml/2006/compatibility" xmlns:p14="http://schemas.microsoft.com/office/powerpoint/2010/main" xmlns:p15="http://schemas.microsoft.com/office/powerpoint/2012/main" xmlns:ahyp="http://schemas.microsoft.com/office/drawing/2018/hyperlinkcolor" showMasterPhAnim="0" showMasterSp="0">
+<p:notes xmlns:a="http://schemas.openxmlformats.org/drawingml/2006/main" xmlns:r="http://schemas.openxmlformats.org/officeDocument/2006/relationships" xmlns:p="http://schemas.openxmlformats.org/presentationml/2006/main" showMasterSp="0" showMasterPhAnim="0">
   <p:cSld>
     <p:spTree>
       <p:nvGrpSpPr>
-        <p:cNvPr id="96" name="Shape 96"/>
+        <p:cNvPr id="1" name="Shape 96"/>
         <p:cNvGrpSpPr/>
         <p:nvPr/>
       </p:nvGrpSpPr>
@@ -920,9 +946,11 @@
       <p:sp>
         <p:nvSpPr>
           <p:cNvPr id="97" name="Google Shape;97;g86838d3156_0_77:notes"/>
-          <p:cNvSpPr/>
+          <p:cNvSpPr>
+            <a:spLocks noGrp="1" noRot="1" noChangeAspect="1"/>
+          </p:cNvSpPr>
           <p:nvPr>
-            <p:ph idx="2" type="sldImg"/>
+            <p:ph type="sldImg" idx="2"/>
           </p:nvPr>
         </p:nvSpPr>
         <p:spPr>
@@ -931,9 +959,13 @@
             <a:ext cx="6096000" cy="3429000"/>
           </a:xfrm>
           <a:custGeom>
-            <a:rect b="b" l="l" r="r" t="t"/>
+            <a:avLst/>
+            <a:gdLst/>
+            <a:ahLst/>
+            <a:cxnLst/>
+            <a:rect l="l" t="t" r="r" b="b"/>
             <a:pathLst>
-              <a:path extrusionOk="0" h="120000" w="120000">
+              <a:path w="120000" h="120000" extrusionOk="0">
                 <a:moveTo>
                   <a:pt x="0" y="0"/>
                 </a:moveTo>
@@ -955,9 +987,11 @@
       <p:sp>
         <p:nvSpPr>
           <p:cNvPr id="98" name="Google Shape;98;g86838d3156_0_77:notes"/>
-          <p:cNvSpPr txBox="1"/>
+          <p:cNvSpPr txBox="1">
+            <a:spLocks noGrp="1"/>
+          </p:cNvSpPr>
           <p:nvPr>
-            <p:ph idx="1" type="body"/>
+            <p:ph type="body" idx="1"/>
           </p:nvPr>
         </p:nvSpPr>
         <p:spPr>
@@ -970,12 +1004,12 @@
           </a:prstGeom>
         </p:spPr>
         <p:txBody>
-          <a:bodyPr anchorCtr="0" anchor="t" bIns="91425" lIns="91425" spcFirstLastPara="1" rIns="91425" wrap="square" tIns="91425">
+          <a:bodyPr spcFirstLastPara="1" wrap="square" lIns="91425" tIns="91425" rIns="91425" bIns="91425" anchor="t" anchorCtr="0">
             <a:noAutofit/>
           </a:bodyPr>
           <a:lstStyle/>
           <a:p>
-            <a:pPr indent="0" lvl="0" marL="0" rtl="0" algn="l">
+            <a:pPr marL="0" lvl="0" indent="0" algn="l" rtl="0">
               <a:spcBef>
                 <a:spcPts val="0"/>
               </a:spcBef>
@@ -984,9 +1018,6 @@
               </a:spcAft>
               <a:buNone/>
             </a:pPr>
-            <a:r>
-              <a:t/>
-            </a:r>
             <a:endParaRPr/>
           </a:p>
         </p:txBody>
@@ -1000,11 +1031,11 @@
 </file>
 
 <file path=ppt/notesSlides/notesSlide4.xml><?xml version="1.0" encoding="utf-8"?>
-<p:notes xmlns:a="http://schemas.openxmlformats.org/drawingml/2006/main" xmlns:r="http://schemas.openxmlformats.org/officeDocument/2006/relationships" xmlns:mc="http://schemas.openxmlformats.org/markup-compatibility/2006" xmlns:mv="urn:schemas-microsoft-com:mac:vml" xmlns:p="http://schemas.openxmlformats.org/presentationml/2006/main" xmlns:c="http://schemas.openxmlformats.org/drawingml/2006/chart" xmlns:dgm="http://schemas.openxmlformats.org/drawingml/2006/diagram" xmlns:o="urn:schemas-microsoft-com:office:office" xmlns:v="urn:schemas-microsoft-com:vml" xmlns:pvml="urn:schemas-microsoft-com:office:powerpoint" xmlns:com="http://schemas.openxmlformats.org/drawingml/2006/compatibility" xmlns:p14="http://schemas.microsoft.com/office/powerpoint/2010/main" xmlns:p15="http://schemas.microsoft.com/office/powerpoint/2012/main" xmlns:ahyp="http://schemas.microsoft.com/office/drawing/2018/hyperlinkcolor" showMasterPhAnim="0" showMasterSp="0">
+<p:notes xmlns:a="http://schemas.openxmlformats.org/drawingml/2006/main" xmlns:r="http://schemas.openxmlformats.org/officeDocument/2006/relationships" xmlns:p="http://schemas.openxmlformats.org/presentationml/2006/main" showMasterSp="0" showMasterPhAnim="0">
   <p:cSld>
     <p:spTree>
       <p:nvGrpSpPr>
-        <p:cNvPr id="103" name="Shape 103"/>
+        <p:cNvPr id="1" name="Shape 103"/>
         <p:cNvGrpSpPr/>
         <p:nvPr/>
       </p:nvGrpSpPr>
@@ -1019,9 +1050,11 @@
       <p:sp>
         <p:nvSpPr>
           <p:cNvPr id="104" name="Google Shape;104;g86838d3156_0_89:notes"/>
-          <p:cNvSpPr/>
+          <p:cNvSpPr>
+            <a:spLocks noGrp="1" noRot="1" noChangeAspect="1"/>
+          </p:cNvSpPr>
           <p:nvPr>
-            <p:ph idx="2" type="sldImg"/>
+            <p:ph type="sldImg" idx="2"/>
           </p:nvPr>
         </p:nvSpPr>
         <p:spPr>
@@ -1030,9 +1063,13 @@
             <a:ext cx="6096000" cy="3429000"/>
           </a:xfrm>
           <a:custGeom>
-            <a:rect b="b" l="l" r="r" t="t"/>
+            <a:avLst/>
+            <a:gdLst/>
+            <a:ahLst/>
+            <a:cxnLst/>
+            <a:rect l="l" t="t" r="r" b="b"/>
             <a:pathLst>
-              <a:path extrusionOk="0" h="120000" w="120000">
+              <a:path w="120000" h="120000" extrusionOk="0">
                 <a:moveTo>
                   <a:pt x="0" y="0"/>
                 </a:moveTo>
@@ -1054,9 +1091,11 @@
       <p:sp>
         <p:nvSpPr>
           <p:cNvPr id="105" name="Google Shape;105;g86838d3156_0_89:notes"/>
-          <p:cNvSpPr txBox="1"/>
+          <p:cNvSpPr txBox="1">
+            <a:spLocks noGrp="1"/>
+          </p:cNvSpPr>
           <p:nvPr>
-            <p:ph idx="1" type="body"/>
+            <p:ph type="body" idx="1"/>
           </p:nvPr>
         </p:nvSpPr>
         <p:spPr>
@@ -1069,12 +1108,12 @@
           </a:prstGeom>
         </p:spPr>
         <p:txBody>
-          <a:bodyPr anchorCtr="0" anchor="t" bIns="91425" lIns="91425" spcFirstLastPara="1" rIns="91425" wrap="square" tIns="91425">
+          <a:bodyPr spcFirstLastPara="1" wrap="square" lIns="91425" tIns="91425" rIns="91425" bIns="91425" anchor="t" anchorCtr="0">
             <a:noAutofit/>
           </a:bodyPr>
           <a:lstStyle/>
           <a:p>
-            <a:pPr indent="0" lvl="0" marL="0" rtl="0" algn="l">
+            <a:pPr marL="0" lvl="0" indent="0" algn="l" rtl="0">
               <a:spcBef>
                 <a:spcPts val="0"/>
               </a:spcBef>
@@ -1083,9 +1122,6 @@
               </a:spcAft>
               <a:buNone/>
             </a:pPr>
-            <a:r>
-              <a:t/>
-            </a:r>
             <a:endParaRPr/>
           </a:p>
         </p:txBody>
@@ -1099,11 +1135,11 @@
 </file>
 
 <file path=ppt/notesSlides/notesSlide5.xml><?xml version="1.0" encoding="utf-8"?>
-<p:notes xmlns:a="http://schemas.openxmlformats.org/drawingml/2006/main" xmlns:r="http://schemas.openxmlformats.org/officeDocument/2006/relationships" xmlns:mc="http://schemas.openxmlformats.org/markup-compatibility/2006" xmlns:mv="urn:schemas-microsoft-com:mac:vml" xmlns:p="http://schemas.openxmlformats.org/presentationml/2006/main" xmlns:c="http://schemas.openxmlformats.org/drawingml/2006/chart" xmlns:dgm="http://schemas.openxmlformats.org/drawingml/2006/diagram" xmlns:o="urn:schemas-microsoft-com:office:office" xmlns:v="urn:schemas-microsoft-com:vml" xmlns:pvml="urn:schemas-microsoft-com:office:powerpoint" xmlns:com="http://schemas.openxmlformats.org/drawingml/2006/compatibility" xmlns:p14="http://schemas.microsoft.com/office/powerpoint/2010/main" xmlns:p15="http://schemas.microsoft.com/office/powerpoint/2012/main" xmlns:ahyp="http://schemas.microsoft.com/office/drawing/2018/hyperlinkcolor" showMasterPhAnim="0" showMasterSp="0">
+<p:notes xmlns:a="http://schemas.openxmlformats.org/drawingml/2006/main" xmlns:r="http://schemas.openxmlformats.org/officeDocument/2006/relationships" xmlns:p="http://schemas.openxmlformats.org/presentationml/2006/main" showMasterSp="0" showMasterPhAnim="0">
   <p:cSld>
     <p:spTree>
       <p:nvGrpSpPr>
-        <p:cNvPr id="109" name="Shape 109"/>
+        <p:cNvPr id="1" name="Shape 109"/>
         <p:cNvGrpSpPr/>
         <p:nvPr/>
       </p:nvGrpSpPr>
@@ -1118,9 +1154,11 @@
       <p:sp>
         <p:nvSpPr>
           <p:cNvPr id="110" name="Google Shape;110;g86838d3156_0_94:notes"/>
-          <p:cNvSpPr/>
+          <p:cNvSpPr>
+            <a:spLocks noGrp="1" noRot="1" noChangeAspect="1"/>
+          </p:cNvSpPr>
           <p:nvPr>
-            <p:ph idx="2" type="sldImg"/>
+            <p:ph type="sldImg" idx="2"/>
           </p:nvPr>
         </p:nvSpPr>
         <p:spPr>
@@ -1129,9 +1167,13 @@
             <a:ext cx="6096000" cy="3429000"/>
           </a:xfrm>
           <a:custGeom>
-            <a:rect b="b" l="l" r="r" t="t"/>
+            <a:avLst/>
+            <a:gdLst/>
+            <a:ahLst/>
+            <a:cxnLst/>
+            <a:rect l="l" t="t" r="r" b="b"/>
             <a:pathLst>
-              <a:path extrusionOk="0" h="120000" w="120000">
+              <a:path w="120000" h="120000" extrusionOk="0">
                 <a:moveTo>
                   <a:pt x="0" y="0"/>
                 </a:moveTo>
@@ -1153,9 +1195,11 @@
       <p:sp>
         <p:nvSpPr>
           <p:cNvPr id="111" name="Google Shape;111;g86838d3156_0_94:notes"/>
-          <p:cNvSpPr txBox="1"/>
+          <p:cNvSpPr txBox="1">
+            <a:spLocks noGrp="1"/>
+          </p:cNvSpPr>
           <p:nvPr>
-            <p:ph idx="1" type="body"/>
+            <p:ph type="body" idx="1"/>
           </p:nvPr>
         </p:nvSpPr>
         <p:spPr>
@@ -1168,12 +1212,12 @@
           </a:prstGeom>
         </p:spPr>
         <p:txBody>
-          <a:bodyPr anchorCtr="0" anchor="t" bIns="91425" lIns="91425" spcFirstLastPara="1" rIns="91425" wrap="square" tIns="91425">
+          <a:bodyPr spcFirstLastPara="1" wrap="square" lIns="91425" tIns="91425" rIns="91425" bIns="91425" anchor="t" anchorCtr="0">
             <a:noAutofit/>
           </a:bodyPr>
           <a:lstStyle/>
           <a:p>
-            <a:pPr indent="0" lvl="0" marL="0" rtl="0" algn="l">
+            <a:pPr marL="0" lvl="0" indent="0" algn="l" rtl="0">
               <a:spcBef>
                 <a:spcPts val="0"/>
               </a:spcBef>
@@ -1182,9 +1226,6 @@
               </a:spcAft>
               <a:buNone/>
             </a:pPr>
-            <a:r>
-              <a:t/>
-            </a:r>
             <a:endParaRPr/>
           </a:p>
         </p:txBody>
@@ -1198,11 +1239,11 @@
 </file>
 
 <file path=ppt/notesSlides/notesSlide6.xml><?xml version="1.0" encoding="utf-8"?>
-<p:notes xmlns:a="http://schemas.openxmlformats.org/drawingml/2006/main" xmlns:r="http://schemas.openxmlformats.org/officeDocument/2006/relationships" xmlns:mc="http://schemas.openxmlformats.org/markup-compatibility/2006" xmlns:mv="urn:schemas-microsoft-com:mac:vml" xmlns:p="http://schemas.openxmlformats.org/presentationml/2006/main" xmlns:c="http://schemas.openxmlformats.org/drawingml/2006/chart" xmlns:dgm="http://schemas.openxmlformats.org/drawingml/2006/diagram" xmlns:o="urn:schemas-microsoft-com:office:office" xmlns:v="urn:schemas-microsoft-com:vml" xmlns:pvml="urn:schemas-microsoft-com:office:powerpoint" xmlns:com="http://schemas.openxmlformats.org/drawingml/2006/compatibility" xmlns:p14="http://schemas.microsoft.com/office/powerpoint/2010/main" xmlns:p15="http://schemas.microsoft.com/office/powerpoint/2012/main" xmlns:ahyp="http://schemas.microsoft.com/office/drawing/2018/hyperlinkcolor" showMasterPhAnim="0" showMasterSp="0">
+<p:notes xmlns:a="http://schemas.openxmlformats.org/drawingml/2006/main" xmlns:r="http://schemas.openxmlformats.org/officeDocument/2006/relationships" xmlns:p="http://schemas.openxmlformats.org/presentationml/2006/main" showMasterSp="0" showMasterPhAnim="0">
   <p:cSld>
     <p:spTree>
       <p:nvGrpSpPr>
-        <p:cNvPr id="115" name="Shape 115"/>
+        <p:cNvPr id="1" name="Shape 115"/>
         <p:cNvGrpSpPr/>
         <p:nvPr/>
       </p:nvGrpSpPr>
@@ -1217,9 +1258,11 @@
       <p:sp>
         <p:nvSpPr>
           <p:cNvPr id="116" name="Google Shape;116;g8cb6e9acb3_0_0:notes"/>
-          <p:cNvSpPr/>
+          <p:cNvSpPr>
+            <a:spLocks noGrp="1" noRot="1" noChangeAspect="1"/>
+          </p:cNvSpPr>
           <p:nvPr>
-            <p:ph idx="2" type="sldImg"/>
+            <p:ph type="sldImg" idx="2"/>
           </p:nvPr>
         </p:nvSpPr>
         <p:spPr>
@@ -1228,9 +1271,13 @@
             <a:ext cx="6096000" cy="3429000"/>
           </a:xfrm>
           <a:custGeom>
-            <a:rect b="b" l="l" r="r" t="t"/>
+            <a:avLst/>
+            <a:gdLst/>
+            <a:ahLst/>
+            <a:cxnLst/>
+            <a:rect l="l" t="t" r="r" b="b"/>
             <a:pathLst>
-              <a:path extrusionOk="0" h="120000" w="120000">
+              <a:path w="120000" h="120000" extrusionOk="0">
                 <a:moveTo>
                   <a:pt x="0" y="0"/>
                 </a:moveTo>
@@ -1252,9 +1299,11 @@
       <p:sp>
         <p:nvSpPr>
           <p:cNvPr id="117" name="Google Shape;117;g8cb6e9acb3_0_0:notes"/>
-          <p:cNvSpPr txBox="1"/>
+          <p:cNvSpPr txBox="1">
+            <a:spLocks noGrp="1"/>
+          </p:cNvSpPr>
           <p:nvPr>
-            <p:ph idx="1" type="body"/>
+            <p:ph type="body" idx="1"/>
           </p:nvPr>
         </p:nvSpPr>
         <p:spPr>
@@ -1267,12 +1316,12 @@
           </a:prstGeom>
         </p:spPr>
         <p:txBody>
-          <a:bodyPr anchorCtr="0" anchor="t" bIns="91425" lIns="91425" spcFirstLastPara="1" rIns="91425" wrap="square" tIns="91425">
+          <a:bodyPr spcFirstLastPara="1" wrap="square" lIns="91425" tIns="91425" rIns="91425" bIns="91425" anchor="t" anchorCtr="0">
             <a:noAutofit/>
           </a:bodyPr>
           <a:lstStyle/>
           <a:p>
-            <a:pPr indent="0" lvl="0" marL="0" rtl="0" algn="l">
+            <a:pPr marL="0" lvl="0" indent="0" algn="l" rtl="0">
               <a:spcBef>
                 <a:spcPts val="0"/>
               </a:spcBef>
@@ -1281,9 +1330,6 @@
               </a:spcAft>
               <a:buNone/>
             </a:pPr>
-            <a:r>
-              <a:t/>
-            </a:r>
             <a:endParaRPr/>
           </a:p>
         </p:txBody>
@@ -1297,11 +1343,11 @@
 </file>
 
 <file path=ppt/notesSlides/notesSlide7.xml><?xml version="1.0" encoding="utf-8"?>
-<p:notes xmlns:a="http://schemas.openxmlformats.org/drawingml/2006/main" xmlns:r="http://schemas.openxmlformats.org/officeDocument/2006/relationships" xmlns:mc="http://schemas.openxmlformats.org/markup-compatibility/2006" xmlns:mv="urn:schemas-microsoft-com:mac:vml" xmlns:p="http://schemas.openxmlformats.org/presentationml/2006/main" xmlns:c="http://schemas.openxmlformats.org/drawingml/2006/chart" xmlns:dgm="http://schemas.openxmlformats.org/drawingml/2006/diagram" xmlns:o="urn:schemas-microsoft-com:office:office" xmlns:v="urn:schemas-microsoft-com:vml" xmlns:pvml="urn:schemas-microsoft-com:office:powerpoint" xmlns:com="http://schemas.openxmlformats.org/drawingml/2006/compatibility" xmlns:p14="http://schemas.microsoft.com/office/powerpoint/2010/main" xmlns:p15="http://schemas.microsoft.com/office/powerpoint/2012/main" xmlns:ahyp="http://schemas.microsoft.com/office/drawing/2018/hyperlinkcolor" showMasterPhAnim="0" showMasterSp="0">
+<p:notes xmlns:a="http://schemas.openxmlformats.org/drawingml/2006/main" xmlns:r="http://schemas.openxmlformats.org/officeDocument/2006/relationships" xmlns:p="http://schemas.openxmlformats.org/presentationml/2006/main" showMasterSp="0" showMasterPhAnim="0">
   <p:cSld>
     <p:spTree>
       <p:nvGrpSpPr>
-        <p:cNvPr id="121" name="Shape 121"/>
+        <p:cNvPr id="1" name="Shape 121"/>
         <p:cNvGrpSpPr/>
         <p:nvPr/>
       </p:nvGrpSpPr>
@@ -1316,9 +1362,11 @@
       <p:sp>
         <p:nvSpPr>
           <p:cNvPr id="122" name="Google Shape;122;g8eb12ba7dd_0_0:notes"/>
-          <p:cNvSpPr/>
+          <p:cNvSpPr>
+            <a:spLocks noGrp="1" noRot="1" noChangeAspect="1"/>
+          </p:cNvSpPr>
           <p:nvPr>
-            <p:ph idx="2" type="sldImg"/>
+            <p:ph type="sldImg" idx="2"/>
           </p:nvPr>
         </p:nvSpPr>
         <p:spPr>
@@ -1327,9 +1375,13 @@
             <a:ext cx="6096000" cy="3429000"/>
           </a:xfrm>
           <a:custGeom>
-            <a:rect b="b" l="l" r="r" t="t"/>
+            <a:avLst/>
+            <a:gdLst/>
+            <a:ahLst/>
+            <a:cxnLst/>
+            <a:rect l="l" t="t" r="r" b="b"/>
             <a:pathLst>
-              <a:path extrusionOk="0" h="120000" w="120000">
+              <a:path w="120000" h="120000" extrusionOk="0">
                 <a:moveTo>
                   <a:pt x="0" y="0"/>
                 </a:moveTo>
@@ -1351,9 +1403,11 @@
       <p:sp>
         <p:nvSpPr>
           <p:cNvPr id="123" name="Google Shape;123;g8eb12ba7dd_0_0:notes"/>
-          <p:cNvSpPr txBox="1"/>
+          <p:cNvSpPr txBox="1">
+            <a:spLocks noGrp="1"/>
+          </p:cNvSpPr>
           <p:nvPr>
-            <p:ph idx="1" type="body"/>
+            <p:ph type="body" idx="1"/>
           </p:nvPr>
         </p:nvSpPr>
         <p:spPr>
@@ -1366,12 +1420,12 @@
           </a:prstGeom>
         </p:spPr>
         <p:txBody>
-          <a:bodyPr anchorCtr="0" anchor="t" bIns="91425" lIns="91425" spcFirstLastPara="1" rIns="91425" wrap="square" tIns="91425">
+          <a:bodyPr spcFirstLastPara="1" wrap="square" lIns="91425" tIns="91425" rIns="91425" bIns="91425" anchor="t" anchorCtr="0">
             <a:noAutofit/>
           </a:bodyPr>
           <a:lstStyle/>
           <a:p>
-            <a:pPr indent="0" lvl="0" marL="0" rtl="0" algn="l">
+            <a:pPr marL="0" lvl="0" indent="0" algn="l" rtl="0">
               <a:spcBef>
                 <a:spcPts val="0"/>
               </a:spcBef>
@@ -1380,9 +1434,6 @@
               </a:spcAft>
               <a:buNone/>
             </a:pPr>
-            <a:r>
-              <a:t/>
-            </a:r>
             <a:endParaRPr/>
           </a:p>
         </p:txBody>
@@ -1396,11 +1447,11 @@
 </file>
 
 <file path=ppt/notesSlides/notesSlide8.xml><?xml version="1.0" encoding="utf-8"?>
-<p:notes xmlns:a="http://schemas.openxmlformats.org/drawingml/2006/main" xmlns:r="http://schemas.openxmlformats.org/officeDocument/2006/relationships" xmlns:mc="http://schemas.openxmlformats.org/markup-compatibility/2006" xmlns:mv="urn:schemas-microsoft-com:mac:vml" xmlns:p="http://schemas.openxmlformats.org/presentationml/2006/main" xmlns:c="http://schemas.openxmlformats.org/drawingml/2006/chart" xmlns:dgm="http://schemas.openxmlformats.org/drawingml/2006/diagram" xmlns:o="urn:schemas-microsoft-com:office:office" xmlns:v="urn:schemas-microsoft-com:vml" xmlns:pvml="urn:schemas-microsoft-com:office:powerpoint" xmlns:com="http://schemas.openxmlformats.org/drawingml/2006/compatibility" xmlns:p14="http://schemas.microsoft.com/office/powerpoint/2010/main" xmlns:p15="http://schemas.microsoft.com/office/powerpoint/2012/main" xmlns:ahyp="http://schemas.microsoft.com/office/drawing/2018/hyperlinkcolor" showMasterPhAnim="0" showMasterSp="0">
+<p:notes xmlns:a="http://schemas.openxmlformats.org/drawingml/2006/main" xmlns:r="http://schemas.openxmlformats.org/officeDocument/2006/relationships" xmlns:p="http://schemas.openxmlformats.org/presentationml/2006/main" showMasterSp="0" showMasterPhAnim="0">
   <p:cSld>
     <p:spTree>
       <p:nvGrpSpPr>
-        <p:cNvPr id="129" name="Shape 129"/>
+        <p:cNvPr id="1" name="Shape 129"/>
         <p:cNvGrpSpPr/>
         <p:nvPr/>
       </p:nvGrpSpPr>
@@ -1415,9 +1466,11 @@
       <p:sp>
         <p:nvSpPr>
           <p:cNvPr id="130" name="Google Shape;130;g8cb6e9acb3_0_12:notes"/>
-          <p:cNvSpPr/>
+          <p:cNvSpPr>
+            <a:spLocks noGrp="1" noRot="1" noChangeAspect="1"/>
+          </p:cNvSpPr>
           <p:nvPr>
-            <p:ph idx="2" type="sldImg"/>
+            <p:ph type="sldImg" idx="2"/>
           </p:nvPr>
         </p:nvSpPr>
         <p:spPr>
@@ -1426,9 +1479,13 @@
             <a:ext cx="6096000" cy="3429000"/>
           </a:xfrm>
           <a:custGeom>
-            <a:rect b="b" l="l" r="r" t="t"/>
+            <a:avLst/>
+            <a:gdLst/>
+            <a:ahLst/>
+            <a:cxnLst/>
+            <a:rect l="l" t="t" r="r" b="b"/>
             <a:pathLst>
-              <a:path extrusionOk="0" h="120000" w="120000">
+              <a:path w="120000" h="120000" extrusionOk="0">
                 <a:moveTo>
                   <a:pt x="0" y="0"/>
                 </a:moveTo>
@@ -1450,9 +1507,11 @@
       <p:sp>
         <p:nvSpPr>
           <p:cNvPr id="131" name="Google Shape;131;g8cb6e9acb3_0_12:notes"/>
-          <p:cNvSpPr txBox="1"/>
+          <p:cNvSpPr txBox="1">
+            <a:spLocks noGrp="1"/>
+          </p:cNvSpPr>
           <p:nvPr>
-            <p:ph idx="1" type="body"/>
+            <p:ph type="body" idx="1"/>
           </p:nvPr>
         </p:nvSpPr>
         <p:spPr>
@@ -1465,12 +1524,12 @@
           </a:prstGeom>
         </p:spPr>
         <p:txBody>
-          <a:bodyPr anchorCtr="0" anchor="t" bIns="91425" lIns="91425" spcFirstLastPara="1" rIns="91425" wrap="square" tIns="91425">
+          <a:bodyPr spcFirstLastPara="1" wrap="square" lIns="91425" tIns="91425" rIns="91425" bIns="91425" anchor="t" anchorCtr="0">
             <a:noAutofit/>
           </a:bodyPr>
           <a:lstStyle/>
           <a:p>
-            <a:pPr indent="0" lvl="0" marL="0" rtl="0" algn="l">
+            <a:pPr marL="0" lvl="0" indent="0" algn="l" rtl="0">
               <a:spcBef>
                 <a:spcPts val="0"/>
               </a:spcBef>
@@ -1479,9 +1538,6 @@
               </a:spcAft>
               <a:buNone/>
             </a:pPr>
-            <a:r>
-              <a:t/>
-            </a:r>
             <a:endParaRPr/>
           </a:p>
         </p:txBody>
@@ -1495,18 +1551,19 @@
 </file>
 
 <file path=ppt/slideLayouts/slideLayout1.xml><?xml version="1.0" encoding="utf-8"?>
-<p:sldLayout xmlns:a="http://schemas.openxmlformats.org/drawingml/2006/main" xmlns:r="http://schemas.openxmlformats.org/officeDocument/2006/relationships" xmlns:mc="http://schemas.openxmlformats.org/markup-compatibility/2006" xmlns:mv="urn:schemas-microsoft-com:mac:vml" xmlns:p="http://schemas.openxmlformats.org/presentationml/2006/main" xmlns:c="http://schemas.openxmlformats.org/drawingml/2006/chart" xmlns:dgm="http://schemas.openxmlformats.org/drawingml/2006/diagram" xmlns:o="urn:schemas-microsoft-com:office:office" xmlns:v="urn:schemas-microsoft-com:vml" xmlns:pvml="urn:schemas-microsoft-com:office:powerpoint" xmlns:com="http://schemas.openxmlformats.org/drawingml/2006/compatibility" xmlns:p14="http://schemas.microsoft.com/office/powerpoint/2010/main" xmlns:p15="http://schemas.microsoft.com/office/powerpoint/2012/main" xmlns:ahyp="http://schemas.microsoft.com/office/drawing/2018/hyperlinkcolor" matchingName="Title slide" type="title">
+<p:sldLayout xmlns:a="http://schemas.openxmlformats.org/drawingml/2006/main" xmlns:r="http://schemas.openxmlformats.org/officeDocument/2006/relationships" xmlns:p="http://schemas.openxmlformats.org/presentationml/2006/main" matchingName="Title slide" type="title">
   <p:cSld name="TITLE">
     <p:bg>
       <p:bgPr>
         <a:solidFill>
           <a:schemeClr val="dk1"/>
         </a:solidFill>
+        <a:effectLst/>
       </p:bgPr>
     </p:bg>
     <p:spTree>
       <p:nvGrpSpPr>
-        <p:cNvPr id="9" name="Shape 9"/>
+        <p:cNvPr id="1" name="Shape 9"/>
         <p:cNvGrpSpPr/>
         <p:nvPr/>
       </p:nvGrpSpPr>
@@ -1554,12 +1611,12 @@
             </a:ln>
           </p:spPr>
           <p:txBody>
-            <a:bodyPr anchorCtr="0" anchor="ctr" bIns="91425" lIns="91425" spcFirstLastPara="1" rIns="91425" wrap="square" tIns="91425">
+            <a:bodyPr spcFirstLastPara="1" wrap="square" lIns="91425" tIns="91425" rIns="91425" bIns="91425" anchor="ctr" anchorCtr="0">
               <a:noAutofit/>
             </a:bodyPr>
             <a:lstStyle/>
             <a:p>
-              <a:pPr indent="0" lvl="0" marL="0" rtl="0" algn="l">
+              <a:pPr marL="0" lvl="0" indent="0" algn="l" rtl="0">
                 <a:spcBef>
                   <a:spcPts val="0"/>
                 </a:spcBef>
@@ -1568,9 +1625,6 @@
                 </a:spcAft>
                 <a:buNone/>
               </a:pPr>
-              <a:r>
-                <a:t/>
-              </a:r>
               <a:endParaRPr/>
             </a:p>
           </p:txBody>
@@ -1597,12 +1651,12 @@
             </a:ln>
           </p:spPr>
           <p:txBody>
-            <a:bodyPr anchorCtr="0" anchor="ctr" bIns="91425" lIns="91425" spcFirstLastPara="1" rIns="91425" wrap="square" tIns="91425">
+            <a:bodyPr spcFirstLastPara="1" wrap="square" lIns="91425" tIns="91425" rIns="91425" bIns="91425" anchor="ctr" anchorCtr="0">
               <a:noAutofit/>
             </a:bodyPr>
             <a:lstStyle/>
             <a:p>
-              <a:pPr indent="0" lvl="0" marL="0" rtl="0" algn="l">
+              <a:pPr marL="0" lvl="0" indent="0" algn="l" rtl="0">
                 <a:spcBef>
                   <a:spcPts val="0"/>
                 </a:spcBef>
@@ -1611,9 +1665,6 @@
                 </a:spcAft>
                 <a:buNone/>
               </a:pPr>
-              <a:r>
-                <a:t/>
-              </a:r>
               <a:endParaRPr/>
             </a:p>
           </p:txBody>
@@ -1625,7 +1676,7 @@
             <p:nvPr/>
           </p:nvSpPr>
           <p:spPr>
-            <a:xfrm flipH="1" rot="10800000">
+            <a:xfrm rot="10800000" flipH="1">
               <a:off x="7113588" y="107"/>
               <a:ext cx="1015200" cy="1015200"/>
             </a:xfrm>
@@ -1640,12 +1691,12 @@
             </a:ln>
           </p:spPr>
           <p:txBody>
-            <a:bodyPr anchorCtr="0" anchor="ctr" bIns="91425" lIns="91425" spcFirstLastPara="1" rIns="91425" wrap="square" tIns="91425">
+            <a:bodyPr spcFirstLastPara="1" wrap="square" lIns="91425" tIns="91425" rIns="91425" bIns="91425" anchor="ctr" anchorCtr="0">
               <a:noAutofit/>
             </a:bodyPr>
             <a:lstStyle/>
             <a:p>
-              <a:pPr indent="0" lvl="0" marL="0" rtl="0" algn="l">
+              <a:pPr marL="0" lvl="0" indent="0" algn="l" rtl="0">
                 <a:spcBef>
                   <a:spcPts val="0"/>
                 </a:spcBef>
@@ -1654,9 +1705,6 @@
                 </a:spcAft>
                 <a:buNone/>
               </a:pPr>
-              <a:r>
-                <a:t/>
-              </a:r>
               <a:endParaRPr/>
             </a:p>
           </p:txBody>
@@ -1683,12 +1731,12 @@
             </a:ln>
           </p:spPr>
           <p:txBody>
-            <a:bodyPr anchorCtr="0" anchor="ctr" bIns="91425" lIns="91425" spcFirstLastPara="1" rIns="91425" wrap="square" tIns="91425">
+            <a:bodyPr spcFirstLastPara="1" wrap="square" lIns="91425" tIns="91425" rIns="91425" bIns="91425" anchor="ctr" anchorCtr="0">
               <a:noAutofit/>
             </a:bodyPr>
             <a:lstStyle/>
             <a:p>
-              <a:pPr indent="0" lvl="0" marL="0" rtl="0" algn="l">
+              <a:pPr marL="0" lvl="0" indent="0" algn="l" rtl="0">
                 <a:spcBef>
                   <a:spcPts val="0"/>
                 </a:spcBef>
@@ -1697,9 +1745,6 @@
                 </a:spcAft>
                 <a:buNone/>
               </a:pPr>
-              <a:r>
-                <a:t/>
-              </a:r>
               <a:endParaRPr/>
             </a:p>
           </p:txBody>
@@ -1726,12 +1771,12 @@
             </a:ln>
           </p:spPr>
           <p:txBody>
-            <a:bodyPr anchorCtr="0" anchor="ctr" bIns="91425" lIns="91425" spcFirstLastPara="1" rIns="91425" wrap="square" tIns="91425">
+            <a:bodyPr spcFirstLastPara="1" wrap="square" lIns="91425" tIns="91425" rIns="91425" bIns="91425" anchor="ctr" anchorCtr="0">
               <a:noAutofit/>
             </a:bodyPr>
             <a:lstStyle/>
             <a:p>
-              <a:pPr indent="0" lvl="0" marL="0" rtl="0" algn="l">
+              <a:pPr marL="0" lvl="0" indent="0" algn="l" rtl="0">
                 <a:spcBef>
                   <a:spcPts val="0"/>
                 </a:spcBef>
@@ -1740,9 +1785,6 @@
                 </a:spcAft>
                 <a:buNone/>
               </a:pPr>
-              <a:r>
-                <a:t/>
-              </a:r>
               <a:endParaRPr/>
             </a:p>
           </p:txBody>
@@ -1751,7 +1793,9 @@
       <p:sp>
         <p:nvSpPr>
           <p:cNvPr id="16" name="Google Shape;16;p2"/>
-          <p:cNvSpPr txBox="1"/>
+          <p:cNvSpPr txBox="1">
+            <a:spLocks noGrp="1"/>
+          </p:cNvSpPr>
           <p:nvPr>
             <p:ph type="ctrTitle"/>
           </p:nvPr>
@@ -1766,7 +1810,7 @@
           </a:prstGeom>
         </p:spPr>
         <p:txBody>
-          <a:bodyPr anchorCtr="0" anchor="b" bIns="91425" lIns="91425" spcFirstLastPara="1" rIns="91425" wrap="square" tIns="91425">
+          <a:bodyPr spcFirstLastPara="1" wrap="square" lIns="91425" tIns="91425" rIns="91425" bIns="91425" anchor="b" anchorCtr="0">
             <a:noAutofit/>
           </a:bodyPr>
           <a:lstStyle>
@@ -1933,15 +1977,19 @@
               </a:defRPr>
             </a:lvl9pPr>
           </a:lstStyle>
-          <a:p/>
+          <a:p>
+            <a:endParaRPr/>
+          </a:p>
         </p:txBody>
       </p:sp>
       <p:sp>
         <p:nvSpPr>
           <p:cNvPr id="17" name="Google Shape;17;p2"/>
-          <p:cNvSpPr txBox="1"/>
+          <p:cNvSpPr txBox="1">
+            <a:spLocks noGrp="1"/>
+          </p:cNvSpPr>
           <p:nvPr>
-            <p:ph idx="1" type="subTitle"/>
+            <p:ph type="subTitle" idx="1"/>
           </p:nvPr>
         </p:nvSpPr>
         <p:spPr>
@@ -1954,7 +2002,7 @@
           </a:prstGeom>
         </p:spPr>
         <p:txBody>
-          <a:bodyPr anchorCtr="0" anchor="t" bIns="91425" lIns="91425" spcFirstLastPara="1" rIns="91425" wrap="square" tIns="91425">
+          <a:bodyPr spcFirstLastPara="1" wrap="square" lIns="91425" tIns="91425" rIns="91425" bIns="91425" anchor="t" anchorCtr="0">
             <a:noAutofit/>
           </a:bodyPr>
           <a:lstStyle>
@@ -2148,15 +2196,19 @@
               </a:defRPr>
             </a:lvl9pPr>
           </a:lstStyle>
-          <a:p/>
+          <a:p>
+            <a:endParaRPr/>
+          </a:p>
         </p:txBody>
       </p:sp>
       <p:sp>
         <p:nvSpPr>
           <p:cNvPr id="18" name="Google Shape;18;p2"/>
-          <p:cNvSpPr txBox="1"/>
+          <p:cNvSpPr txBox="1">
+            <a:spLocks noGrp="1"/>
+          </p:cNvSpPr>
           <p:nvPr>
-            <p:ph idx="12" type="sldNum"/>
+            <p:ph type="sldNum" idx="12"/>
           </p:nvPr>
         </p:nvSpPr>
         <p:spPr>
@@ -2169,7 +2221,7 @@
           </a:prstGeom>
         </p:spPr>
         <p:txBody>
-          <a:bodyPr anchorCtr="0" anchor="ctr" bIns="91425" lIns="91425" spcFirstLastPara="1" rIns="91425" wrap="square" tIns="91425">
+          <a:bodyPr spcFirstLastPara="1" wrap="square" lIns="91425" tIns="91425" rIns="91425" bIns="91425" anchor="ctr" anchorCtr="0">
             <a:noAutofit/>
           </a:bodyPr>
           <a:lstStyle>
@@ -2211,7 +2263,7 @@
             </a:lvl9pPr>
           </a:lstStyle>
           <a:p>
-            <a:pPr indent="0" lvl="0" marL="0" rtl="0" algn="r">
+            <a:pPr marL="0" lvl="0" indent="0" algn="r" rtl="0">
               <a:spcBef>
                 <a:spcPts val="0"/>
               </a:spcBef>
@@ -2237,18 +2289,19 @@
 </file>
 
 <file path=ppt/slideLayouts/slideLayout10.xml><?xml version="1.0" encoding="utf-8"?>
-<p:sldLayout xmlns:a="http://schemas.openxmlformats.org/drawingml/2006/main" xmlns:r="http://schemas.openxmlformats.org/officeDocument/2006/relationships" xmlns:mc="http://schemas.openxmlformats.org/markup-compatibility/2006" xmlns:mv="urn:schemas-microsoft-com:mac:vml" xmlns:p="http://schemas.openxmlformats.org/presentationml/2006/main" xmlns:c="http://schemas.openxmlformats.org/drawingml/2006/chart" xmlns:dgm="http://schemas.openxmlformats.org/drawingml/2006/diagram" xmlns:o="urn:schemas-microsoft-com:office:office" xmlns:v="urn:schemas-microsoft-com:vml" xmlns:pvml="urn:schemas-microsoft-com:office:powerpoint" xmlns:com="http://schemas.openxmlformats.org/drawingml/2006/compatibility" xmlns:p14="http://schemas.microsoft.com/office/powerpoint/2010/main" xmlns:p15="http://schemas.microsoft.com/office/powerpoint/2012/main" xmlns:ahyp="http://schemas.microsoft.com/office/drawing/2018/hyperlinkcolor" matchingName="Big number">
+<p:sldLayout xmlns:a="http://schemas.openxmlformats.org/drawingml/2006/main" xmlns:r="http://schemas.openxmlformats.org/officeDocument/2006/relationships" xmlns:p="http://schemas.openxmlformats.org/presentationml/2006/main" matchingName="Big number">
   <p:cSld name="BIG_NUMBER">
     <p:bg>
       <p:bgPr>
         <a:solidFill>
           <a:schemeClr val="dk1"/>
         </a:solidFill>
+        <a:effectLst/>
       </p:bgPr>
     </p:bg>
     <p:spTree>
       <p:nvGrpSpPr>
-        <p:cNvPr id="69" name="Shape 69"/>
+        <p:cNvPr id="1" name="Shape 69"/>
         <p:cNvGrpSpPr/>
         <p:nvPr/>
       </p:nvGrpSpPr>
@@ -2296,12 +2349,12 @@
             </a:ln>
           </p:spPr>
           <p:txBody>
-            <a:bodyPr anchorCtr="0" anchor="ctr" bIns="91425" lIns="91425" spcFirstLastPara="1" rIns="91425" wrap="square" tIns="91425">
+            <a:bodyPr spcFirstLastPara="1" wrap="square" lIns="91425" tIns="91425" rIns="91425" bIns="91425" anchor="ctr" anchorCtr="0">
               <a:noAutofit/>
             </a:bodyPr>
             <a:lstStyle/>
             <a:p>
-              <a:pPr indent="0" lvl="0" marL="0" rtl="0" algn="l">
+              <a:pPr marL="0" lvl="0" indent="0" algn="l" rtl="0">
                 <a:spcBef>
                   <a:spcPts val="0"/>
                 </a:spcBef>
@@ -2310,9 +2363,6 @@
                 </a:spcAft>
                 <a:buNone/>
               </a:pPr>
-              <a:r>
-                <a:t/>
-              </a:r>
               <a:endParaRPr/>
             </a:p>
           </p:txBody>
@@ -2339,12 +2389,12 @@
             </a:ln>
           </p:spPr>
           <p:txBody>
-            <a:bodyPr anchorCtr="0" anchor="ctr" bIns="91425" lIns="91425" spcFirstLastPara="1" rIns="91425" wrap="square" tIns="91425">
+            <a:bodyPr spcFirstLastPara="1" wrap="square" lIns="91425" tIns="91425" rIns="91425" bIns="91425" anchor="ctr" anchorCtr="0">
               <a:noAutofit/>
             </a:bodyPr>
             <a:lstStyle/>
             <a:p>
-              <a:pPr indent="0" lvl="0" marL="0" rtl="0" algn="l">
+              <a:pPr marL="0" lvl="0" indent="0" algn="l" rtl="0">
                 <a:spcBef>
                   <a:spcPts val="0"/>
                 </a:spcBef>
@@ -2353,9 +2403,6 @@
                 </a:spcAft>
                 <a:buNone/>
               </a:pPr>
-              <a:r>
-                <a:t/>
-              </a:r>
               <a:endParaRPr/>
             </a:p>
           </p:txBody>
@@ -2367,7 +2414,7 @@
             <p:nvPr/>
           </p:nvSpPr>
           <p:spPr>
-            <a:xfrm flipH="1" rot="10800000">
+            <a:xfrm rot="10800000" flipH="1">
               <a:off x="7113588" y="107"/>
               <a:ext cx="1015200" cy="1015200"/>
             </a:xfrm>
@@ -2382,12 +2429,12 @@
             </a:ln>
           </p:spPr>
           <p:txBody>
-            <a:bodyPr anchorCtr="0" anchor="ctr" bIns="91425" lIns="91425" spcFirstLastPara="1" rIns="91425" wrap="square" tIns="91425">
+            <a:bodyPr spcFirstLastPara="1" wrap="square" lIns="91425" tIns="91425" rIns="91425" bIns="91425" anchor="ctr" anchorCtr="0">
               <a:noAutofit/>
             </a:bodyPr>
             <a:lstStyle/>
             <a:p>
-              <a:pPr indent="0" lvl="0" marL="0" rtl="0" algn="l">
+              <a:pPr marL="0" lvl="0" indent="0" algn="l" rtl="0">
                 <a:spcBef>
                   <a:spcPts val="0"/>
                 </a:spcBef>
@@ -2396,9 +2443,6 @@
                 </a:spcAft>
                 <a:buNone/>
               </a:pPr>
-              <a:r>
-                <a:t/>
-              </a:r>
               <a:endParaRPr/>
             </a:p>
           </p:txBody>
@@ -2425,12 +2469,12 @@
             </a:ln>
           </p:spPr>
           <p:txBody>
-            <a:bodyPr anchorCtr="0" anchor="ctr" bIns="91425" lIns="91425" spcFirstLastPara="1" rIns="91425" wrap="square" tIns="91425">
+            <a:bodyPr spcFirstLastPara="1" wrap="square" lIns="91425" tIns="91425" rIns="91425" bIns="91425" anchor="ctr" anchorCtr="0">
               <a:noAutofit/>
             </a:bodyPr>
             <a:lstStyle/>
             <a:p>
-              <a:pPr indent="0" lvl="0" marL="0" rtl="0" algn="l">
+              <a:pPr marL="0" lvl="0" indent="0" algn="l" rtl="0">
                 <a:spcBef>
                   <a:spcPts val="0"/>
                 </a:spcBef>
@@ -2439,9 +2483,6 @@
                 </a:spcAft>
                 <a:buNone/>
               </a:pPr>
-              <a:r>
-                <a:t/>
-              </a:r>
               <a:endParaRPr/>
             </a:p>
           </p:txBody>
@@ -2468,12 +2509,12 @@
             </a:ln>
           </p:spPr>
           <p:txBody>
-            <a:bodyPr anchorCtr="0" anchor="ctr" bIns="91425" lIns="91425" spcFirstLastPara="1" rIns="91425" wrap="square" tIns="91425">
+            <a:bodyPr spcFirstLastPara="1" wrap="square" lIns="91425" tIns="91425" rIns="91425" bIns="91425" anchor="ctr" anchorCtr="0">
               <a:noAutofit/>
             </a:bodyPr>
             <a:lstStyle/>
             <a:p>
-              <a:pPr indent="0" lvl="0" marL="0" rtl="0" algn="l">
+              <a:pPr marL="0" lvl="0" indent="0" algn="l" rtl="0">
                 <a:spcBef>
                   <a:spcPts val="0"/>
                 </a:spcBef>
@@ -2482,9 +2523,6 @@
                 </a:spcAft>
                 <a:buNone/>
               </a:pPr>
-              <a:r>
-                <a:t/>
-              </a:r>
               <a:endParaRPr/>
             </a:p>
           </p:txBody>
@@ -2493,9 +2531,11 @@
       <p:sp>
         <p:nvSpPr>
           <p:cNvPr id="76" name="Google Shape;76;p11"/>
-          <p:cNvSpPr txBox="1"/>
+          <p:cNvSpPr txBox="1">
+            <a:spLocks noGrp="1"/>
+          </p:cNvSpPr>
           <p:nvPr>
-            <p:ph hasCustomPrompt="1" type="title"/>
+            <p:ph type="title" hasCustomPrompt="1"/>
           </p:nvPr>
         </p:nvSpPr>
         <p:spPr>
@@ -2508,7 +2548,7 @@
           </a:prstGeom>
         </p:spPr>
         <p:txBody>
-          <a:bodyPr anchorCtr="0" anchor="b" bIns="91425" lIns="91425" spcFirstLastPara="1" rIns="91425" wrap="square" tIns="91425">
+          <a:bodyPr spcFirstLastPara="1" wrap="square" lIns="91425" tIns="91425" rIns="91425" bIns="91425" anchor="b" anchorCtr="0">
             <a:noAutofit/>
           </a:bodyPr>
           <a:lstStyle>
@@ -2685,9 +2725,11 @@
       <p:sp>
         <p:nvSpPr>
           <p:cNvPr id="77" name="Google Shape;77;p11"/>
-          <p:cNvSpPr txBox="1"/>
+          <p:cNvSpPr txBox="1">
+            <a:spLocks noGrp="1"/>
+          </p:cNvSpPr>
           <p:nvPr>
-            <p:ph idx="1" type="body"/>
+            <p:ph type="body" idx="1"/>
           </p:nvPr>
         </p:nvSpPr>
         <p:spPr>
@@ -2700,11 +2742,11 @@
           </a:prstGeom>
         </p:spPr>
         <p:txBody>
-          <a:bodyPr anchorCtr="0" anchor="t" bIns="91425" lIns="91425" spcFirstLastPara="1" rIns="91425" wrap="square" tIns="91425">
+          <a:bodyPr spcFirstLastPara="1" wrap="square" lIns="91425" tIns="91425" rIns="91425" bIns="91425" anchor="t" anchorCtr="0">
             <a:noAutofit/>
           </a:bodyPr>
           <a:lstStyle>
-            <a:lvl1pPr indent="-342900" lvl="0" marL="457200" algn="ctr">
+            <a:lvl1pPr marL="457200" lvl="0" indent="-342900" algn="ctr">
               <a:spcBef>
                 <a:spcPts val="0"/>
               </a:spcBef>
@@ -2722,7 +2764,7 @@
                 </a:solidFill>
               </a:defRPr>
             </a:lvl1pPr>
-            <a:lvl2pPr indent="-317500" lvl="1" marL="914400" algn="ctr">
+            <a:lvl2pPr marL="914400" lvl="1" indent="-317500" algn="ctr">
               <a:spcBef>
                 <a:spcPts val="1600"/>
               </a:spcBef>
@@ -2740,7 +2782,7 @@
                 </a:solidFill>
               </a:defRPr>
             </a:lvl2pPr>
-            <a:lvl3pPr indent="-317500" lvl="2" marL="1371600" algn="ctr">
+            <a:lvl3pPr marL="1371600" lvl="2" indent="-317500" algn="ctr">
               <a:spcBef>
                 <a:spcPts val="1600"/>
               </a:spcBef>
@@ -2758,7 +2800,7 @@
                 </a:solidFill>
               </a:defRPr>
             </a:lvl3pPr>
-            <a:lvl4pPr indent="-317500" lvl="3" marL="1828800" algn="ctr">
+            <a:lvl4pPr marL="1828800" lvl="3" indent="-317500" algn="ctr">
               <a:spcBef>
                 <a:spcPts val="1600"/>
               </a:spcBef>
@@ -2776,7 +2818,7 @@
                 </a:solidFill>
               </a:defRPr>
             </a:lvl4pPr>
-            <a:lvl5pPr indent="-317500" lvl="4" marL="2286000" algn="ctr">
+            <a:lvl5pPr marL="2286000" lvl="4" indent="-317500" algn="ctr">
               <a:spcBef>
                 <a:spcPts val="1600"/>
               </a:spcBef>
@@ -2794,7 +2836,7 @@
                 </a:solidFill>
               </a:defRPr>
             </a:lvl5pPr>
-            <a:lvl6pPr indent="-317500" lvl="5" marL="2743200" algn="ctr">
+            <a:lvl6pPr marL="2743200" lvl="5" indent="-317500" algn="ctr">
               <a:spcBef>
                 <a:spcPts val="1600"/>
               </a:spcBef>
@@ -2812,7 +2854,7 @@
                 </a:solidFill>
               </a:defRPr>
             </a:lvl6pPr>
-            <a:lvl7pPr indent="-317500" lvl="6" marL="3200400" algn="ctr">
+            <a:lvl7pPr marL="3200400" lvl="6" indent="-317500" algn="ctr">
               <a:spcBef>
                 <a:spcPts val="1600"/>
               </a:spcBef>
@@ -2830,7 +2872,7 @@
                 </a:solidFill>
               </a:defRPr>
             </a:lvl7pPr>
-            <a:lvl8pPr indent="-317500" lvl="7" marL="3657600" algn="ctr">
+            <a:lvl8pPr marL="3657600" lvl="7" indent="-317500" algn="ctr">
               <a:spcBef>
                 <a:spcPts val="1600"/>
               </a:spcBef>
@@ -2848,7 +2890,7 @@
                 </a:solidFill>
               </a:defRPr>
             </a:lvl8pPr>
-            <a:lvl9pPr indent="-317500" lvl="8" marL="4114800" algn="ctr">
+            <a:lvl9pPr marL="4114800" lvl="8" indent="-317500" algn="ctr">
               <a:spcBef>
                 <a:spcPts val="1600"/>
               </a:spcBef>
@@ -2867,15 +2909,19 @@
               </a:defRPr>
             </a:lvl9pPr>
           </a:lstStyle>
-          <a:p/>
+          <a:p>
+            <a:endParaRPr/>
+          </a:p>
         </p:txBody>
       </p:sp>
       <p:sp>
         <p:nvSpPr>
           <p:cNvPr id="78" name="Google Shape;78;p11"/>
-          <p:cNvSpPr txBox="1"/>
+          <p:cNvSpPr txBox="1">
+            <a:spLocks noGrp="1"/>
+          </p:cNvSpPr>
           <p:nvPr>
-            <p:ph idx="12" type="sldNum"/>
+            <p:ph type="sldNum" idx="12"/>
           </p:nvPr>
         </p:nvSpPr>
         <p:spPr>
@@ -2888,7 +2934,7 @@
           </a:prstGeom>
         </p:spPr>
         <p:txBody>
-          <a:bodyPr anchorCtr="0" anchor="ctr" bIns="91425" lIns="91425" spcFirstLastPara="1" rIns="91425" wrap="square" tIns="91425">
+          <a:bodyPr spcFirstLastPara="1" wrap="square" lIns="91425" tIns="91425" rIns="91425" bIns="91425" anchor="ctr" anchorCtr="0">
             <a:noAutofit/>
           </a:bodyPr>
           <a:lstStyle>
@@ -2930,7 +2976,7 @@
             </a:lvl9pPr>
           </a:lstStyle>
           <a:p>
-            <a:pPr indent="0" lvl="0" marL="0" rtl="0" algn="r">
+            <a:pPr marL="0" lvl="0" indent="0" algn="r" rtl="0">
               <a:spcBef>
                 <a:spcPts val="0"/>
               </a:spcBef>
@@ -2956,11 +3002,11 @@
 </file>
 
 <file path=ppt/slideLayouts/slideLayout11.xml><?xml version="1.0" encoding="utf-8"?>
-<p:sldLayout xmlns:a="http://schemas.openxmlformats.org/drawingml/2006/main" xmlns:r="http://schemas.openxmlformats.org/officeDocument/2006/relationships" xmlns:mc="http://schemas.openxmlformats.org/markup-compatibility/2006" xmlns:mv="urn:schemas-microsoft-com:mac:vml" xmlns:p="http://schemas.openxmlformats.org/presentationml/2006/main" xmlns:c="http://schemas.openxmlformats.org/drawingml/2006/chart" xmlns:dgm="http://schemas.openxmlformats.org/drawingml/2006/diagram" xmlns:o="urn:schemas-microsoft-com:office:office" xmlns:v="urn:schemas-microsoft-com:vml" xmlns:pvml="urn:schemas-microsoft-com:office:powerpoint" xmlns:com="http://schemas.openxmlformats.org/drawingml/2006/compatibility" xmlns:p14="http://schemas.microsoft.com/office/powerpoint/2010/main" xmlns:p15="http://schemas.microsoft.com/office/powerpoint/2012/main" xmlns:ahyp="http://schemas.microsoft.com/office/drawing/2018/hyperlinkcolor" matchingName="Blank" type="blank">
+<p:sldLayout xmlns:a="http://schemas.openxmlformats.org/drawingml/2006/main" xmlns:r="http://schemas.openxmlformats.org/officeDocument/2006/relationships" xmlns:p="http://schemas.openxmlformats.org/presentationml/2006/main" matchingName="Blank" type="blank">
   <p:cSld name="BLANK">
     <p:spTree>
       <p:nvGrpSpPr>
-        <p:cNvPr id="79" name="Shape 79"/>
+        <p:cNvPr id="1" name="Shape 79"/>
         <p:cNvGrpSpPr/>
         <p:nvPr/>
       </p:nvGrpSpPr>
@@ -2975,9 +3021,11 @@
       <p:sp>
         <p:nvSpPr>
           <p:cNvPr id="80" name="Google Shape;80;p12"/>
-          <p:cNvSpPr txBox="1"/>
+          <p:cNvSpPr txBox="1">
+            <a:spLocks noGrp="1"/>
+          </p:cNvSpPr>
           <p:nvPr>
-            <p:ph idx="12" type="sldNum"/>
+            <p:ph type="sldNum" idx="12"/>
           </p:nvPr>
         </p:nvSpPr>
         <p:spPr>
@@ -2990,7 +3038,7 @@
           </a:prstGeom>
         </p:spPr>
         <p:txBody>
-          <a:bodyPr anchorCtr="0" anchor="ctr" bIns="91425" lIns="91425" spcFirstLastPara="1" rIns="91425" wrap="square" tIns="91425">
+          <a:bodyPr spcFirstLastPara="1" wrap="square" lIns="91425" tIns="91425" rIns="91425" bIns="91425" anchor="ctr" anchorCtr="0">
             <a:noAutofit/>
           </a:bodyPr>
           <a:lstStyle>
@@ -3068,7 +3116,7 @@
             </a:lvl9pPr>
           </a:lstStyle>
           <a:p>
-            <a:pPr indent="0" lvl="0" marL="0" rtl="0" algn="r">
+            <a:pPr marL="0" lvl="0" indent="0" algn="r" rtl="0">
               <a:spcBef>
                 <a:spcPts val="0"/>
               </a:spcBef>
@@ -3094,18 +3142,19 @@
 </file>
 
 <file path=ppt/slideLayouts/slideLayout2.xml><?xml version="1.0" encoding="utf-8"?>
-<p:sldLayout xmlns:a="http://schemas.openxmlformats.org/drawingml/2006/main" xmlns:r="http://schemas.openxmlformats.org/officeDocument/2006/relationships" xmlns:mc="http://schemas.openxmlformats.org/markup-compatibility/2006" xmlns:mv="urn:schemas-microsoft-com:mac:vml" xmlns:p="http://schemas.openxmlformats.org/presentationml/2006/main" xmlns:c="http://schemas.openxmlformats.org/drawingml/2006/chart" xmlns:dgm="http://schemas.openxmlformats.org/drawingml/2006/diagram" xmlns:o="urn:schemas-microsoft-com:office:office" xmlns:v="urn:schemas-microsoft-com:vml" xmlns:pvml="urn:schemas-microsoft-com:office:powerpoint" xmlns:com="http://schemas.openxmlformats.org/drawingml/2006/compatibility" xmlns:p14="http://schemas.microsoft.com/office/powerpoint/2010/main" xmlns:p15="http://schemas.microsoft.com/office/powerpoint/2012/main" xmlns:ahyp="http://schemas.microsoft.com/office/drawing/2018/hyperlinkcolor" matchingName="Section header" type="secHead">
+<p:sldLayout xmlns:a="http://schemas.openxmlformats.org/drawingml/2006/main" xmlns:r="http://schemas.openxmlformats.org/officeDocument/2006/relationships" xmlns:p="http://schemas.openxmlformats.org/presentationml/2006/main" matchingName="Section header" type="secHead">
   <p:cSld name="SECTION_HEADER">
     <p:bg>
       <p:bgPr>
         <a:solidFill>
           <a:schemeClr val="dk1"/>
         </a:solidFill>
+        <a:effectLst/>
       </p:bgPr>
     </p:bg>
     <p:spTree>
       <p:nvGrpSpPr>
-        <p:cNvPr id="19" name="Shape 19"/>
+        <p:cNvPr id="1" name="Shape 19"/>
         <p:cNvGrpSpPr/>
         <p:nvPr/>
       </p:nvGrpSpPr>
@@ -3153,12 +3202,12 @@
             </a:ln>
           </p:spPr>
           <p:txBody>
-            <a:bodyPr anchorCtr="0" anchor="ctr" bIns="91425" lIns="91425" spcFirstLastPara="1" rIns="91425" wrap="square" tIns="91425">
+            <a:bodyPr spcFirstLastPara="1" wrap="square" lIns="91425" tIns="91425" rIns="91425" bIns="91425" anchor="ctr" anchorCtr="0">
               <a:noAutofit/>
             </a:bodyPr>
             <a:lstStyle/>
             <a:p>
-              <a:pPr indent="0" lvl="0" marL="0" rtl="0" algn="l">
+              <a:pPr marL="0" lvl="0" indent="0" algn="l" rtl="0">
                 <a:spcBef>
                   <a:spcPts val="0"/>
                 </a:spcBef>
@@ -3167,9 +3216,6 @@
                 </a:spcAft>
                 <a:buNone/>
               </a:pPr>
-              <a:r>
-                <a:t/>
-              </a:r>
               <a:endParaRPr/>
             </a:p>
           </p:txBody>
@@ -3196,12 +3242,12 @@
             </a:ln>
           </p:spPr>
           <p:txBody>
-            <a:bodyPr anchorCtr="0" anchor="ctr" bIns="91425" lIns="91425" spcFirstLastPara="1" rIns="91425" wrap="square" tIns="91425">
+            <a:bodyPr spcFirstLastPara="1" wrap="square" lIns="91425" tIns="91425" rIns="91425" bIns="91425" anchor="ctr" anchorCtr="0">
               <a:noAutofit/>
             </a:bodyPr>
             <a:lstStyle/>
             <a:p>
-              <a:pPr indent="0" lvl="0" marL="0" rtl="0" algn="l">
+              <a:pPr marL="0" lvl="0" indent="0" algn="l" rtl="0">
                 <a:spcBef>
                   <a:spcPts val="0"/>
                 </a:spcBef>
@@ -3210,9 +3256,6 @@
                 </a:spcAft>
                 <a:buNone/>
               </a:pPr>
-              <a:r>
-                <a:t/>
-              </a:r>
               <a:endParaRPr/>
             </a:p>
           </p:txBody>
@@ -3224,7 +3267,7 @@
             <p:nvPr/>
           </p:nvSpPr>
           <p:spPr>
-            <a:xfrm flipH="1" rot="10800000">
+            <a:xfrm rot="10800000" flipH="1">
               <a:off x="7113588" y="107"/>
               <a:ext cx="1015200" cy="1015200"/>
             </a:xfrm>
@@ -3239,12 +3282,12 @@
             </a:ln>
           </p:spPr>
           <p:txBody>
-            <a:bodyPr anchorCtr="0" anchor="ctr" bIns="91425" lIns="91425" spcFirstLastPara="1" rIns="91425" wrap="square" tIns="91425">
+            <a:bodyPr spcFirstLastPara="1" wrap="square" lIns="91425" tIns="91425" rIns="91425" bIns="91425" anchor="ctr" anchorCtr="0">
               <a:noAutofit/>
             </a:bodyPr>
             <a:lstStyle/>
             <a:p>
-              <a:pPr indent="0" lvl="0" marL="0" rtl="0" algn="l">
+              <a:pPr marL="0" lvl="0" indent="0" algn="l" rtl="0">
                 <a:spcBef>
                   <a:spcPts val="0"/>
                 </a:spcBef>
@@ -3253,9 +3296,6 @@
                 </a:spcAft>
                 <a:buNone/>
               </a:pPr>
-              <a:r>
-                <a:t/>
-              </a:r>
               <a:endParaRPr/>
             </a:p>
           </p:txBody>
@@ -3282,12 +3322,12 @@
             </a:ln>
           </p:spPr>
           <p:txBody>
-            <a:bodyPr anchorCtr="0" anchor="ctr" bIns="91425" lIns="91425" spcFirstLastPara="1" rIns="91425" wrap="square" tIns="91425">
+            <a:bodyPr spcFirstLastPara="1" wrap="square" lIns="91425" tIns="91425" rIns="91425" bIns="91425" anchor="ctr" anchorCtr="0">
               <a:noAutofit/>
             </a:bodyPr>
             <a:lstStyle/>
             <a:p>
-              <a:pPr indent="0" lvl="0" marL="0" rtl="0" algn="l">
+              <a:pPr marL="0" lvl="0" indent="0" algn="l" rtl="0">
                 <a:spcBef>
                   <a:spcPts val="0"/>
                 </a:spcBef>
@@ -3296,9 +3336,6 @@
                 </a:spcAft>
                 <a:buNone/>
               </a:pPr>
-              <a:r>
-                <a:t/>
-              </a:r>
               <a:endParaRPr/>
             </a:p>
           </p:txBody>
@@ -3325,12 +3362,12 @@
             </a:ln>
           </p:spPr>
           <p:txBody>
-            <a:bodyPr anchorCtr="0" anchor="ctr" bIns="91425" lIns="91425" spcFirstLastPara="1" rIns="91425" wrap="square" tIns="91425">
+            <a:bodyPr spcFirstLastPara="1" wrap="square" lIns="91425" tIns="91425" rIns="91425" bIns="91425" anchor="ctr" anchorCtr="0">
               <a:noAutofit/>
             </a:bodyPr>
             <a:lstStyle/>
             <a:p>
-              <a:pPr indent="0" lvl="0" marL="0" rtl="0" algn="l">
+              <a:pPr marL="0" lvl="0" indent="0" algn="l" rtl="0">
                 <a:spcBef>
                   <a:spcPts val="0"/>
                 </a:spcBef>
@@ -3339,9 +3376,6 @@
                 </a:spcAft>
                 <a:buNone/>
               </a:pPr>
-              <a:r>
-                <a:t/>
-              </a:r>
               <a:endParaRPr/>
             </a:p>
           </p:txBody>
@@ -3350,7 +3384,9 @@
       <p:sp>
         <p:nvSpPr>
           <p:cNvPr id="26" name="Google Shape;26;p3"/>
-          <p:cNvSpPr txBox="1"/>
+          <p:cNvSpPr txBox="1">
+            <a:spLocks noGrp="1"/>
+          </p:cNvSpPr>
           <p:nvPr>
             <p:ph type="title"/>
           </p:nvPr>
@@ -3365,7 +3401,7 @@
           </a:prstGeom>
         </p:spPr>
         <p:txBody>
-          <a:bodyPr anchorCtr="0" anchor="ctr" bIns="91425" lIns="91425" spcFirstLastPara="1" rIns="91425" wrap="square" tIns="91425">
+          <a:bodyPr spcFirstLastPara="1" wrap="square" lIns="91425" tIns="91425" rIns="91425" bIns="91425" anchor="ctr" anchorCtr="0">
             <a:noAutofit/>
           </a:bodyPr>
           <a:lstStyle>
@@ -3532,15 +3568,19 @@
               </a:defRPr>
             </a:lvl9pPr>
           </a:lstStyle>
-          <a:p/>
+          <a:p>
+            <a:endParaRPr/>
+          </a:p>
         </p:txBody>
       </p:sp>
       <p:sp>
         <p:nvSpPr>
           <p:cNvPr id="27" name="Google Shape;27;p3"/>
-          <p:cNvSpPr txBox="1"/>
+          <p:cNvSpPr txBox="1">
+            <a:spLocks noGrp="1"/>
+          </p:cNvSpPr>
           <p:nvPr>
-            <p:ph idx="12" type="sldNum"/>
+            <p:ph type="sldNum" idx="12"/>
           </p:nvPr>
         </p:nvSpPr>
         <p:spPr>
@@ -3553,7 +3593,7 @@
           </a:prstGeom>
         </p:spPr>
         <p:txBody>
-          <a:bodyPr anchorCtr="0" anchor="ctr" bIns="91425" lIns="91425" spcFirstLastPara="1" rIns="91425" wrap="square" tIns="91425">
+          <a:bodyPr spcFirstLastPara="1" wrap="square" lIns="91425" tIns="91425" rIns="91425" bIns="91425" anchor="ctr" anchorCtr="0">
             <a:noAutofit/>
           </a:bodyPr>
           <a:lstStyle>
@@ -3595,7 +3635,7 @@
             </a:lvl9pPr>
           </a:lstStyle>
           <a:p>
-            <a:pPr indent="0" lvl="0" marL="0" rtl="0" algn="r">
+            <a:pPr marL="0" lvl="0" indent="0" algn="r" rtl="0">
               <a:spcBef>
                 <a:spcPts val="0"/>
               </a:spcBef>
@@ -3621,11 +3661,11 @@
 </file>
 
 <file path=ppt/slideLayouts/slideLayout3.xml><?xml version="1.0" encoding="utf-8"?>
-<p:sldLayout xmlns:a="http://schemas.openxmlformats.org/drawingml/2006/main" xmlns:r="http://schemas.openxmlformats.org/officeDocument/2006/relationships" xmlns:mc="http://schemas.openxmlformats.org/markup-compatibility/2006" xmlns:mv="urn:schemas-microsoft-com:mac:vml" xmlns:p="http://schemas.openxmlformats.org/presentationml/2006/main" xmlns:c="http://schemas.openxmlformats.org/drawingml/2006/chart" xmlns:dgm="http://schemas.openxmlformats.org/drawingml/2006/diagram" xmlns:o="urn:schemas-microsoft-com:office:office" xmlns:v="urn:schemas-microsoft-com:vml" xmlns:pvml="urn:schemas-microsoft-com:office:powerpoint" xmlns:com="http://schemas.openxmlformats.org/drawingml/2006/compatibility" xmlns:p14="http://schemas.microsoft.com/office/powerpoint/2010/main" xmlns:p15="http://schemas.microsoft.com/office/powerpoint/2012/main" xmlns:ahyp="http://schemas.microsoft.com/office/drawing/2018/hyperlinkcolor" matchingName="Title and body" type="tx">
+<p:sldLayout xmlns:a="http://schemas.openxmlformats.org/drawingml/2006/main" xmlns:r="http://schemas.openxmlformats.org/officeDocument/2006/relationships" xmlns:p="http://schemas.openxmlformats.org/presentationml/2006/main" matchingName="Title and body" type="tx">
   <p:cSld name="TITLE_AND_BODY">
     <p:spTree>
       <p:nvGrpSpPr>
-        <p:cNvPr id="28" name="Shape 28"/>
+        <p:cNvPr id="1" name="Shape 28"/>
         <p:cNvGrpSpPr/>
         <p:nvPr/>
       </p:nvGrpSpPr>
@@ -3673,12 +3713,12 @@
             </a:ln>
           </p:spPr>
           <p:txBody>
-            <a:bodyPr anchorCtr="0" anchor="ctr" bIns="91425" lIns="91425" spcFirstLastPara="1" rIns="91425" wrap="square" tIns="91425">
+            <a:bodyPr spcFirstLastPara="1" wrap="square" lIns="91425" tIns="91425" rIns="91425" bIns="91425" anchor="ctr" anchorCtr="0">
               <a:noAutofit/>
             </a:bodyPr>
             <a:lstStyle/>
             <a:p>
-              <a:pPr indent="0" lvl="0" marL="0" rtl="0" algn="l">
+              <a:pPr marL="0" lvl="0" indent="0" algn="l" rtl="0">
                 <a:spcBef>
                   <a:spcPts val="0"/>
                 </a:spcBef>
@@ -3687,9 +3727,6 @@
                 </a:spcAft>
                 <a:buNone/>
               </a:pPr>
-              <a:r>
-                <a:t/>
-              </a:r>
               <a:endParaRPr/>
             </a:p>
           </p:txBody>
@@ -3716,12 +3753,12 @@
             </a:ln>
           </p:spPr>
           <p:txBody>
-            <a:bodyPr anchorCtr="0" anchor="ctr" bIns="91425" lIns="91425" spcFirstLastPara="1" rIns="91425" wrap="square" tIns="91425">
+            <a:bodyPr spcFirstLastPara="1" wrap="square" lIns="91425" tIns="91425" rIns="91425" bIns="91425" anchor="ctr" anchorCtr="0">
               <a:noAutofit/>
             </a:bodyPr>
             <a:lstStyle/>
             <a:p>
-              <a:pPr indent="0" lvl="0" marL="0" rtl="0" algn="l">
+              <a:pPr marL="0" lvl="0" indent="0" algn="l" rtl="0">
                 <a:spcBef>
                   <a:spcPts val="0"/>
                 </a:spcBef>
@@ -3730,9 +3767,6 @@
                 </a:spcAft>
                 <a:buNone/>
               </a:pPr>
-              <a:r>
-                <a:t/>
-              </a:r>
               <a:endParaRPr/>
             </a:p>
           </p:txBody>
@@ -3759,12 +3793,12 @@
             </a:ln>
           </p:spPr>
           <p:txBody>
-            <a:bodyPr anchorCtr="0" anchor="ctr" bIns="91425" lIns="91425" spcFirstLastPara="1" rIns="91425" wrap="square" tIns="91425">
+            <a:bodyPr spcFirstLastPara="1" wrap="square" lIns="91425" tIns="91425" rIns="91425" bIns="91425" anchor="ctr" anchorCtr="0">
               <a:noAutofit/>
             </a:bodyPr>
             <a:lstStyle/>
             <a:p>
-              <a:pPr indent="0" lvl="0" marL="0" rtl="0" algn="l">
+              <a:pPr marL="0" lvl="0" indent="0" algn="l" rtl="0">
                 <a:spcBef>
                   <a:spcPts val="0"/>
                 </a:spcBef>
@@ -3773,9 +3807,6 @@
                 </a:spcAft>
                 <a:buNone/>
               </a:pPr>
-              <a:r>
-                <a:t/>
-              </a:r>
               <a:endParaRPr/>
             </a:p>
           </p:txBody>
@@ -3802,12 +3833,12 @@
             </a:ln>
           </p:spPr>
           <p:txBody>
-            <a:bodyPr anchorCtr="0" anchor="ctr" bIns="91425" lIns="91425" spcFirstLastPara="1" rIns="91425" wrap="square" tIns="91425">
+            <a:bodyPr spcFirstLastPara="1" wrap="square" lIns="91425" tIns="91425" rIns="91425" bIns="91425" anchor="ctr" anchorCtr="0">
               <a:noAutofit/>
             </a:bodyPr>
             <a:lstStyle/>
             <a:p>
-              <a:pPr indent="0" lvl="0" marL="0" rtl="0" algn="l">
+              <a:pPr marL="0" lvl="0" indent="0" algn="l" rtl="0">
                 <a:spcBef>
                   <a:spcPts val="0"/>
                 </a:spcBef>
@@ -3816,9 +3847,6 @@
                 </a:spcAft>
                 <a:buNone/>
               </a:pPr>
-              <a:r>
-                <a:t/>
-              </a:r>
               <a:endParaRPr/>
             </a:p>
           </p:txBody>
@@ -3845,12 +3873,12 @@
             </a:ln>
           </p:spPr>
           <p:txBody>
-            <a:bodyPr anchorCtr="0" anchor="ctr" bIns="91425" lIns="91425" spcFirstLastPara="1" rIns="91425" wrap="square" tIns="91425">
+            <a:bodyPr spcFirstLastPara="1" wrap="square" lIns="91425" tIns="91425" rIns="91425" bIns="91425" anchor="ctr" anchorCtr="0">
               <a:noAutofit/>
             </a:bodyPr>
             <a:lstStyle/>
             <a:p>
-              <a:pPr indent="0" lvl="0" marL="0" rtl="0" algn="l">
+              <a:pPr marL="0" lvl="0" indent="0" algn="l" rtl="0">
                 <a:spcBef>
                   <a:spcPts val="0"/>
                 </a:spcBef>
@@ -3859,9 +3887,6 @@
                 </a:spcAft>
                 <a:buNone/>
               </a:pPr>
-              <a:r>
-                <a:t/>
-              </a:r>
               <a:endParaRPr/>
             </a:p>
           </p:txBody>
@@ -3870,7 +3895,9 @@
       <p:sp>
         <p:nvSpPr>
           <p:cNvPr id="35" name="Google Shape;35;p4"/>
-          <p:cNvSpPr txBox="1"/>
+          <p:cNvSpPr txBox="1">
+            <a:spLocks noGrp="1"/>
+          </p:cNvSpPr>
           <p:nvPr>
             <p:ph type="title"/>
           </p:nvPr>
@@ -3885,7 +3912,7 @@
           </a:prstGeom>
         </p:spPr>
         <p:txBody>
-          <a:bodyPr anchorCtr="0" anchor="t" bIns="91425" lIns="91425" spcFirstLastPara="1" rIns="91425" wrap="square" tIns="91425">
+          <a:bodyPr spcFirstLastPara="1" wrap="square" lIns="91425" tIns="91425" rIns="91425" bIns="91425" anchor="t" anchorCtr="0">
             <a:noAutofit/>
           </a:bodyPr>
           <a:lstStyle>
@@ -3989,15 +4016,19 @@
               <a:defRPr/>
             </a:lvl9pPr>
           </a:lstStyle>
-          <a:p/>
+          <a:p>
+            <a:endParaRPr/>
+          </a:p>
         </p:txBody>
       </p:sp>
       <p:sp>
         <p:nvSpPr>
           <p:cNvPr id="36" name="Google Shape;36;p4"/>
-          <p:cNvSpPr txBox="1"/>
+          <p:cNvSpPr txBox="1">
+            <a:spLocks noGrp="1"/>
+          </p:cNvSpPr>
           <p:nvPr>
-            <p:ph idx="1" type="body"/>
+            <p:ph type="body" idx="1"/>
           </p:nvPr>
         </p:nvSpPr>
         <p:spPr>
@@ -4010,11 +4041,11 @@
           </a:prstGeom>
         </p:spPr>
         <p:txBody>
-          <a:bodyPr anchorCtr="0" anchor="t" bIns="91425" lIns="91425" spcFirstLastPara="1" rIns="91425" wrap="square" tIns="91425">
+          <a:bodyPr spcFirstLastPara="1" wrap="square" lIns="91425" tIns="91425" rIns="91425" bIns="91425" anchor="t" anchorCtr="0">
             <a:noAutofit/>
           </a:bodyPr>
           <a:lstStyle>
-            <a:lvl1pPr indent="-342900" lvl="0" marL="457200">
+            <a:lvl1pPr marL="457200" lvl="0" indent="-342900">
               <a:spcBef>
                 <a:spcPts val="0"/>
               </a:spcBef>
@@ -4025,7 +4056,7 @@
               <a:buChar char="●"/>
               <a:defRPr/>
             </a:lvl1pPr>
-            <a:lvl2pPr indent="-317500" lvl="1" marL="914400">
+            <a:lvl2pPr marL="914400" lvl="1" indent="-317500">
               <a:spcBef>
                 <a:spcPts val="1600"/>
               </a:spcBef>
@@ -4036,7 +4067,7 @@
               <a:buChar char="○"/>
               <a:defRPr/>
             </a:lvl2pPr>
-            <a:lvl3pPr indent="-317500" lvl="2" marL="1371600">
+            <a:lvl3pPr marL="1371600" lvl="2" indent="-317500">
               <a:spcBef>
                 <a:spcPts val="1600"/>
               </a:spcBef>
@@ -4047,7 +4078,7 @@
               <a:buChar char="■"/>
               <a:defRPr/>
             </a:lvl3pPr>
-            <a:lvl4pPr indent="-317500" lvl="3" marL="1828800">
+            <a:lvl4pPr marL="1828800" lvl="3" indent="-317500">
               <a:spcBef>
                 <a:spcPts val="1600"/>
               </a:spcBef>
@@ -4058,7 +4089,7 @@
               <a:buChar char="●"/>
               <a:defRPr/>
             </a:lvl4pPr>
-            <a:lvl5pPr indent="-317500" lvl="4" marL="2286000">
+            <a:lvl5pPr marL="2286000" lvl="4" indent="-317500">
               <a:spcBef>
                 <a:spcPts val="1600"/>
               </a:spcBef>
@@ -4069,7 +4100,7 @@
               <a:buChar char="○"/>
               <a:defRPr/>
             </a:lvl5pPr>
-            <a:lvl6pPr indent="-317500" lvl="5" marL="2743200">
+            <a:lvl6pPr marL="2743200" lvl="5" indent="-317500">
               <a:spcBef>
                 <a:spcPts val="1600"/>
               </a:spcBef>
@@ -4080,7 +4111,7 @@
               <a:buChar char="■"/>
               <a:defRPr/>
             </a:lvl6pPr>
-            <a:lvl7pPr indent="-317500" lvl="6" marL="3200400">
+            <a:lvl7pPr marL="3200400" lvl="6" indent="-317500">
               <a:spcBef>
                 <a:spcPts val="1600"/>
               </a:spcBef>
@@ -4091,7 +4122,7 @@
               <a:buChar char="●"/>
               <a:defRPr/>
             </a:lvl7pPr>
-            <a:lvl8pPr indent="-317500" lvl="7" marL="3657600">
+            <a:lvl8pPr marL="3657600" lvl="7" indent="-317500">
               <a:spcBef>
                 <a:spcPts val="1600"/>
               </a:spcBef>
@@ -4102,7 +4133,7 @@
               <a:buChar char="○"/>
               <a:defRPr/>
             </a:lvl8pPr>
-            <a:lvl9pPr indent="-317500" lvl="8" marL="4114800">
+            <a:lvl9pPr marL="4114800" lvl="8" indent="-317500">
               <a:spcBef>
                 <a:spcPts val="1600"/>
               </a:spcBef>
@@ -4114,15 +4145,19 @@
               <a:defRPr/>
             </a:lvl9pPr>
           </a:lstStyle>
-          <a:p/>
+          <a:p>
+            <a:endParaRPr/>
+          </a:p>
         </p:txBody>
       </p:sp>
       <p:sp>
         <p:nvSpPr>
           <p:cNvPr id="37" name="Google Shape;37;p4"/>
-          <p:cNvSpPr txBox="1"/>
+          <p:cNvSpPr txBox="1">
+            <a:spLocks noGrp="1"/>
+          </p:cNvSpPr>
           <p:nvPr>
-            <p:ph idx="12" type="sldNum"/>
+            <p:ph type="sldNum" idx="12"/>
           </p:nvPr>
         </p:nvSpPr>
         <p:spPr>
@@ -4135,7 +4170,7 @@
           </a:prstGeom>
         </p:spPr>
         <p:txBody>
-          <a:bodyPr anchorCtr="0" anchor="ctr" bIns="91425" lIns="91425" spcFirstLastPara="1" rIns="91425" wrap="square" tIns="91425">
+          <a:bodyPr spcFirstLastPara="1" wrap="square" lIns="91425" tIns="91425" rIns="91425" bIns="91425" anchor="ctr" anchorCtr="0">
             <a:noAutofit/>
           </a:bodyPr>
           <a:lstStyle>
@@ -4177,7 +4212,7 @@
             </a:lvl9pPr>
           </a:lstStyle>
           <a:p>
-            <a:pPr indent="0" lvl="0" marL="0" rtl="0" algn="r">
+            <a:pPr marL="0" lvl="0" indent="0" algn="r" rtl="0">
               <a:spcBef>
                 <a:spcPts val="0"/>
               </a:spcBef>
@@ -4203,11 +4238,11 @@
 </file>
 
 <file path=ppt/slideLayouts/slideLayout4.xml><?xml version="1.0" encoding="utf-8"?>
-<p:sldLayout xmlns:a="http://schemas.openxmlformats.org/drawingml/2006/main" xmlns:r="http://schemas.openxmlformats.org/officeDocument/2006/relationships" xmlns:mc="http://schemas.openxmlformats.org/markup-compatibility/2006" xmlns:mv="urn:schemas-microsoft-com:mac:vml" xmlns:p="http://schemas.openxmlformats.org/presentationml/2006/main" xmlns:c="http://schemas.openxmlformats.org/drawingml/2006/chart" xmlns:dgm="http://schemas.openxmlformats.org/drawingml/2006/diagram" xmlns:o="urn:schemas-microsoft-com:office:office" xmlns:v="urn:schemas-microsoft-com:vml" xmlns:pvml="urn:schemas-microsoft-com:office:powerpoint" xmlns:com="http://schemas.openxmlformats.org/drawingml/2006/compatibility" xmlns:p14="http://schemas.microsoft.com/office/powerpoint/2010/main" xmlns:p15="http://schemas.microsoft.com/office/powerpoint/2012/main" xmlns:ahyp="http://schemas.microsoft.com/office/drawing/2018/hyperlinkcolor" matchingName="Title and two columns" type="twoColTx">
+<p:sldLayout xmlns:a="http://schemas.openxmlformats.org/drawingml/2006/main" xmlns:r="http://schemas.openxmlformats.org/officeDocument/2006/relationships" xmlns:p="http://schemas.openxmlformats.org/presentationml/2006/main" matchingName="Title and two columns" type="twoColTx">
   <p:cSld name="TITLE_AND_TWO_COLUMNS">
     <p:spTree>
       <p:nvGrpSpPr>
-        <p:cNvPr id="38" name="Shape 38"/>
+        <p:cNvPr id="1" name="Shape 38"/>
         <p:cNvGrpSpPr/>
         <p:nvPr/>
       </p:nvGrpSpPr>
@@ -4222,7 +4257,9 @@
       <p:sp>
         <p:nvSpPr>
           <p:cNvPr id="39" name="Google Shape;39;p5"/>
-          <p:cNvSpPr txBox="1"/>
+          <p:cNvSpPr txBox="1">
+            <a:spLocks noGrp="1"/>
+          </p:cNvSpPr>
           <p:nvPr>
             <p:ph type="title"/>
           </p:nvPr>
@@ -4237,7 +4274,7 @@
           </a:prstGeom>
         </p:spPr>
         <p:txBody>
-          <a:bodyPr anchorCtr="0" anchor="t" bIns="91425" lIns="91425" spcFirstLastPara="1" rIns="91425" wrap="square" tIns="91425">
+          <a:bodyPr spcFirstLastPara="1" wrap="square" lIns="91425" tIns="91425" rIns="91425" bIns="91425" anchor="t" anchorCtr="0">
             <a:noAutofit/>
           </a:bodyPr>
           <a:lstStyle>
@@ -4341,15 +4378,19 @@
               <a:defRPr/>
             </a:lvl9pPr>
           </a:lstStyle>
-          <a:p/>
+          <a:p>
+            <a:endParaRPr/>
+          </a:p>
         </p:txBody>
       </p:sp>
       <p:sp>
         <p:nvSpPr>
           <p:cNvPr id="40" name="Google Shape;40;p5"/>
-          <p:cNvSpPr txBox="1"/>
+          <p:cNvSpPr txBox="1">
+            <a:spLocks noGrp="1"/>
+          </p:cNvSpPr>
           <p:nvPr>
-            <p:ph idx="1" type="body"/>
+            <p:ph type="body" idx="1"/>
           </p:nvPr>
         </p:nvSpPr>
         <p:spPr>
@@ -4362,11 +4403,11 @@
           </a:prstGeom>
         </p:spPr>
         <p:txBody>
-          <a:bodyPr anchorCtr="0" anchor="t" bIns="91425" lIns="91425" spcFirstLastPara="1" rIns="91425" wrap="square" tIns="91425">
+          <a:bodyPr spcFirstLastPara="1" wrap="square" lIns="91425" tIns="91425" rIns="91425" bIns="91425" anchor="t" anchorCtr="0">
             <a:noAutofit/>
           </a:bodyPr>
           <a:lstStyle>
-            <a:lvl1pPr indent="-317500" lvl="0" marL="457200">
+            <a:lvl1pPr marL="457200" lvl="0" indent="-317500">
               <a:spcBef>
                 <a:spcPts val="0"/>
               </a:spcBef>
@@ -4377,7 +4418,7 @@
               <a:buChar char="●"/>
               <a:defRPr sz="1400"/>
             </a:lvl1pPr>
-            <a:lvl2pPr indent="-304800" lvl="1" marL="914400">
+            <a:lvl2pPr marL="914400" lvl="1" indent="-304800">
               <a:spcBef>
                 <a:spcPts val="1600"/>
               </a:spcBef>
@@ -4388,7 +4429,7 @@
               <a:buChar char="○"/>
               <a:defRPr sz="1200"/>
             </a:lvl2pPr>
-            <a:lvl3pPr indent="-304800" lvl="2" marL="1371600">
+            <a:lvl3pPr marL="1371600" lvl="2" indent="-304800">
               <a:spcBef>
                 <a:spcPts val="1600"/>
               </a:spcBef>
@@ -4399,7 +4440,7 @@
               <a:buChar char="■"/>
               <a:defRPr sz="1200"/>
             </a:lvl3pPr>
-            <a:lvl4pPr indent="-304800" lvl="3" marL="1828800">
+            <a:lvl4pPr marL="1828800" lvl="3" indent="-304800">
               <a:spcBef>
                 <a:spcPts val="1600"/>
               </a:spcBef>
@@ -4410,7 +4451,7 @@
               <a:buChar char="●"/>
               <a:defRPr sz="1200"/>
             </a:lvl4pPr>
-            <a:lvl5pPr indent="-304800" lvl="4" marL="2286000">
+            <a:lvl5pPr marL="2286000" lvl="4" indent="-304800">
               <a:spcBef>
                 <a:spcPts val="1600"/>
               </a:spcBef>
@@ -4421,7 +4462,7 @@
               <a:buChar char="○"/>
               <a:defRPr sz="1200"/>
             </a:lvl5pPr>
-            <a:lvl6pPr indent="-304800" lvl="5" marL="2743200">
+            <a:lvl6pPr marL="2743200" lvl="5" indent="-304800">
               <a:spcBef>
                 <a:spcPts val="1600"/>
               </a:spcBef>
@@ -4432,7 +4473,7 @@
               <a:buChar char="■"/>
               <a:defRPr sz="1200"/>
             </a:lvl6pPr>
-            <a:lvl7pPr indent="-304800" lvl="6" marL="3200400">
+            <a:lvl7pPr marL="3200400" lvl="6" indent="-304800">
               <a:spcBef>
                 <a:spcPts val="1600"/>
               </a:spcBef>
@@ -4443,7 +4484,7 @@
               <a:buChar char="●"/>
               <a:defRPr sz="1200"/>
             </a:lvl7pPr>
-            <a:lvl8pPr indent="-304800" lvl="7" marL="3657600">
+            <a:lvl8pPr marL="3657600" lvl="7" indent="-304800">
               <a:spcBef>
                 <a:spcPts val="1600"/>
               </a:spcBef>
@@ -4454,7 +4495,7 @@
               <a:buChar char="○"/>
               <a:defRPr sz="1200"/>
             </a:lvl8pPr>
-            <a:lvl9pPr indent="-304800" lvl="8" marL="4114800">
+            <a:lvl9pPr marL="4114800" lvl="8" indent="-304800">
               <a:spcBef>
                 <a:spcPts val="1600"/>
               </a:spcBef>
@@ -4466,15 +4507,19 @@
               <a:defRPr sz="1200"/>
             </a:lvl9pPr>
           </a:lstStyle>
-          <a:p/>
+          <a:p>
+            <a:endParaRPr/>
+          </a:p>
         </p:txBody>
       </p:sp>
       <p:sp>
         <p:nvSpPr>
           <p:cNvPr id="41" name="Google Shape;41;p5"/>
-          <p:cNvSpPr txBox="1"/>
+          <p:cNvSpPr txBox="1">
+            <a:spLocks noGrp="1"/>
+          </p:cNvSpPr>
           <p:nvPr>
-            <p:ph idx="2" type="body"/>
+            <p:ph type="body" idx="2"/>
           </p:nvPr>
         </p:nvSpPr>
         <p:spPr>
@@ -4487,11 +4532,11 @@
           </a:prstGeom>
         </p:spPr>
         <p:txBody>
-          <a:bodyPr anchorCtr="0" anchor="t" bIns="91425" lIns="91425" spcFirstLastPara="1" rIns="91425" wrap="square" tIns="91425">
+          <a:bodyPr spcFirstLastPara="1" wrap="square" lIns="91425" tIns="91425" rIns="91425" bIns="91425" anchor="t" anchorCtr="0">
             <a:noAutofit/>
           </a:bodyPr>
           <a:lstStyle>
-            <a:lvl1pPr indent="-317500" lvl="0" marL="457200">
+            <a:lvl1pPr marL="457200" lvl="0" indent="-317500">
               <a:spcBef>
                 <a:spcPts val="0"/>
               </a:spcBef>
@@ -4502,7 +4547,7 @@
               <a:buChar char="●"/>
               <a:defRPr sz="1400"/>
             </a:lvl1pPr>
-            <a:lvl2pPr indent="-304800" lvl="1" marL="914400">
+            <a:lvl2pPr marL="914400" lvl="1" indent="-304800">
               <a:spcBef>
                 <a:spcPts val="1600"/>
               </a:spcBef>
@@ -4513,7 +4558,7 @@
               <a:buChar char="○"/>
               <a:defRPr sz="1200"/>
             </a:lvl2pPr>
-            <a:lvl3pPr indent="-304800" lvl="2" marL="1371600">
+            <a:lvl3pPr marL="1371600" lvl="2" indent="-304800">
               <a:spcBef>
                 <a:spcPts val="1600"/>
               </a:spcBef>
@@ -4524,7 +4569,7 @@
               <a:buChar char="■"/>
               <a:defRPr sz="1200"/>
             </a:lvl3pPr>
-            <a:lvl4pPr indent="-304800" lvl="3" marL="1828800">
+            <a:lvl4pPr marL="1828800" lvl="3" indent="-304800">
               <a:spcBef>
                 <a:spcPts val="1600"/>
               </a:spcBef>
@@ -4535,7 +4580,7 @@
               <a:buChar char="●"/>
               <a:defRPr sz="1200"/>
             </a:lvl4pPr>
-            <a:lvl5pPr indent="-304800" lvl="4" marL="2286000">
+            <a:lvl5pPr marL="2286000" lvl="4" indent="-304800">
               <a:spcBef>
                 <a:spcPts val="1600"/>
               </a:spcBef>
@@ -4546,7 +4591,7 @@
               <a:buChar char="○"/>
               <a:defRPr sz="1200"/>
             </a:lvl5pPr>
-            <a:lvl6pPr indent="-304800" lvl="5" marL="2743200">
+            <a:lvl6pPr marL="2743200" lvl="5" indent="-304800">
               <a:spcBef>
                 <a:spcPts val="1600"/>
               </a:spcBef>
@@ -4557,7 +4602,7 @@
               <a:buChar char="■"/>
               <a:defRPr sz="1200"/>
             </a:lvl6pPr>
-            <a:lvl7pPr indent="-304800" lvl="6" marL="3200400">
+            <a:lvl7pPr marL="3200400" lvl="6" indent="-304800">
               <a:spcBef>
                 <a:spcPts val="1600"/>
               </a:spcBef>
@@ -4568,7 +4613,7 @@
               <a:buChar char="●"/>
               <a:defRPr sz="1200"/>
             </a:lvl7pPr>
-            <a:lvl8pPr indent="-304800" lvl="7" marL="3657600">
+            <a:lvl8pPr marL="3657600" lvl="7" indent="-304800">
               <a:spcBef>
                 <a:spcPts val="1600"/>
               </a:spcBef>
@@ -4579,7 +4624,7 @@
               <a:buChar char="○"/>
               <a:defRPr sz="1200"/>
             </a:lvl8pPr>
-            <a:lvl9pPr indent="-304800" lvl="8" marL="4114800">
+            <a:lvl9pPr marL="4114800" lvl="8" indent="-304800">
               <a:spcBef>
                 <a:spcPts val="1600"/>
               </a:spcBef>
@@ -4591,15 +4636,19 @@
               <a:defRPr sz="1200"/>
             </a:lvl9pPr>
           </a:lstStyle>
-          <a:p/>
+          <a:p>
+            <a:endParaRPr/>
+          </a:p>
         </p:txBody>
       </p:sp>
       <p:sp>
         <p:nvSpPr>
           <p:cNvPr id="42" name="Google Shape;42;p5"/>
-          <p:cNvSpPr txBox="1"/>
+          <p:cNvSpPr txBox="1">
+            <a:spLocks noGrp="1"/>
+          </p:cNvSpPr>
           <p:nvPr>
-            <p:ph idx="12" type="sldNum"/>
+            <p:ph type="sldNum" idx="12"/>
           </p:nvPr>
         </p:nvSpPr>
         <p:spPr>
@@ -4612,7 +4661,7 @@
           </a:prstGeom>
         </p:spPr>
         <p:txBody>
-          <a:bodyPr anchorCtr="0" anchor="ctr" bIns="91425" lIns="91425" spcFirstLastPara="1" rIns="91425" wrap="square" tIns="91425">
+          <a:bodyPr spcFirstLastPara="1" wrap="square" lIns="91425" tIns="91425" rIns="91425" bIns="91425" anchor="ctr" anchorCtr="0">
             <a:noAutofit/>
           </a:bodyPr>
           <a:lstStyle>
@@ -4690,7 +4739,7 @@
             </a:lvl9pPr>
           </a:lstStyle>
           <a:p>
-            <a:pPr indent="0" lvl="0" marL="0" rtl="0" algn="r">
+            <a:pPr marL="0" lvl="0" indent="0" algn="r" rtl="0">
               <a:spcBef>
                 <a:spcPts val="0"/>
               </a:spcBef>
@@ -4716,11 +4765,11 @@
 </file>
 
 <file path=ppt/slideLayouts/slideLayout5.xml><?xml version="1.0" encoding="utf-8"?>
-<p:sldLayout xmlns:a="http://schemas.openxmlformats.org/drawingml/2006/main" xmlns:r="http://schemas.openxmlformats.org/officeDocument/2006/relationships" xmlns:mc="http://schemas.openxmlformats.org/markup-compatibility/2006" xmlns:mv="urn:schemas-microsoft-com:mac:vml" xmlns:p="http://schemas.openxmlformats.org/presentationml/2006/main" xmlns:c="http://schemas.openxmlformats.org/drawingml/2006/chart" xmlns:dgm="http://schemas.openxmlformats.org/drawingml/2006/diagram" xmlns:o="urn:schemas-microsoft-com:office:office" xmlns:v="urn:schemas-microsoft-com:vml" xmlns:pvml="urn:schemas-microsoft-com:office:powerpoint" xmlns:com="http://schemas.openxmlformats.org/drawingml/2006/compatibility" xmlns:p14="http://schemas.microsoft.com/office/powerpoint/2010/main" xmlns:p15="http://schemas.microsoft.com/office/powerpoint/2012/main" xmlns:ahyp="http://schemas.microsoft.com/office/drawing/2018/hyperlinkcolor" matchingName="Title only" type="titleOnly">
+<p:sldLayout xmlns:a="http://schemas.openxmlformats.org/drawingml/2006/main" xmlns:r="http://schemas.openxmlformats.org/officeDocument/2006/relationships" xmlns:p="http://schemas.openxmlformats.org/presentationml/2006/main" matchingName="Title only" type="titleOnly">
   <p:cSld name="TITLE_ONLY">
     <p:spTree>
       <p:nvGrpSpPr>
-        <p:cNvPr id="43" name="Shape 43"/>
+        <p:cNvPr id="1" name="Shape 43"/>
         <p:cNvGrpSpPr/>
         <p:nvPr/>
       </p:nvGrpSpPr>
@@ -4735,7 +4784,9 @@
       <p:sp>
         <p:nvSpPr>
           <p:cNvPr id="44" name="Google Shape;44;p6"/>
-          <p:cNvSpPr txBox="1"/>
+          <p:cNvSpPr txBox="1">
+            <a:spLocks noGrp="1"/>
+          </p:cNvSpPr>
           <p:nvPr>
             <p:ph type="title"/>
           </p:nvPr>
@@ -4750,7 +4801,7 @@
           </a:prstGeom>
         </p:spPr>
         <p:txBody>
-          <a:bodyPr anchorCtr="0" anchor="t" bIns="91425" lIns="91425" spcFirstLastPara="1" rIns="91425" wrap="square" tIns="91425">
+          <a:bodyPr spcFirstLastPara="1" wrap="square" lIns="91425" tIns="91425" rIns="91425" bIns="91425" anchor="t" anchorCtr="0">
             <a:noAutofit/>
           </a:bodyPr>
           <a:lstStyle>
@@ -4854,15 +4905,19 @@
               <a:defRPr/>
             </a:lvl9pPr>
           </a:lstStyle>
-          <a:p/>
+          <a:p>
+            <a:endParaRPr/>
+          </a:p>
         </p:txBody>
       </p:sp>
       <p:sp>
         <p:nvSpPr>
           <p:cNvPr id="45" name="Google Shape;45;p6"/>
-          <p:cNvSpPr txBox="1"/>
+          <p:cNvSpPr txBox="1">
+            <a:spLocks noGrp="1"/>
+          </p:cNvSpPr>
           <p:nvPr>
-            <p:ph idx="12" type="sldNum"/>
+            <p:ph type="sldNum" idx="12"/>
           </p:nvPr>
         </p:nvSpPr>
         <p:spPr>
@@ -4875,7 +4930,7 @@
           </a:prstGeom>
         </p:spPr>
         <p:txBody>
-          <a:bodyPr anchorCtr="0" anchor="ctr" bIns="91425" lIns="91425" spcFirstLastPara="1" rIns="91425" wrap="square" tIns="91425">
+          <a:bodyPr spcFirstLastPara="1" wrap="square" lIns="91425" tIns="91425" rIns="91425" bIns="91425" anchor="ctr" anchorCtr="0">
             <a:noAutofit/>
           </a:bodyPr>
           <a:lstStyle>
@@ -4953,7 +5008,7 @@
             </a:lvl9pPr>
           </a:lstStyle>
           <a:p>
-            <a:pPr indent="0" lvl="0" marL="0" rtl="0" algn="r">
+            <a:pPr marL="0" lvl="0" indent="0" algn="r" rtl="0">
               <a:spcBef>
                 <a:spcPts val="0"/>
               </a:spcBef>
@@ -4979,11 +5034,11 @@
 </file>
 
 <file path=ppt/slideLayouts/slideLayout6.xml><?xml version="1.0" encoding="utf-8"?>
-<p:sldLayout xmlns:a="http://schemas.openxmlformats.org/drawingml/2006/main" xmlns:r="http://schemas.openxmlformats.org/officeDocument/2006/relationships" xmlns:mc="http://schemas.openxmlformats.org/markup-compatibility/2006" xmlns:mv="urn:schemas-microsoft-com:mac:vml" xmlns:p="http://schemas.openxmlformats.org/presentationml/2006/main" xmlns:c="http://schemas.openxmlformats.org/drawingml/2006/chart" xmlns:dgm="http://schemas.openxmlformats.org/drawingml/2006/diagram" xmlns:o="urn:schemas-microsoft-com:office:office" xmlns:v="urn:schemas-microsoft-com:vml" xmlns:pvml="urn:schemas-microsoft-com:office:powerpoint" xmlns:com="http://schemas.openxmlformats.org/drawingml/2006/compatibility" xmlns:p14="http://schemas.microsoft.com/office/powerpoint/2010/main" xmlns:p15="http://schemas.microsoft.com/office/powerpoint/2012/main" xmlns:ahyp="http://schemas.microsoft.com/office/drawing/2018/hyperlinkcolor" matchingName="One column text">
+<p:sldLayout xmlns:a="http://schemas.openxmlformats.org/drawingml/2006/main" xmlns:r="http://schemas.openxmlformats.org/officeDocument/2006/relationships" xmlns:p="http://schemas.openxmlformats.org/presentationml/2006/main" matchingName="One column text">
   <p:cSld name="ONE_COLUMN_TEXT">
     <p:spTree>
       <p:nvGrpSpPr>
-        <p:cNvPr id="46" name="Shape 46"/>
+        <p:cNvPr id="1" name="Shape 46"/>
         <p:cNvGrpSpPr/>
         <p:nvPr/>
       </p:nvGrpSpPr>
@@ -4998,7 +5053,9 @@
       <p:sp>
         <p:nvSpPr>
           <p:cNvPr id="47" name="Google Shape;47;p7"/>
-          <p:cNvSpPr txBox="1"/>
+          <p:cNvSpPr txBox="1">
+            <a:spLocks noGrp="1"/>
+          </p:cNvSpPr>
           <p:nvPr>
             <p:ph type="title"/>
           </p:nvPr>
@@ -5013,7 +5070,7 @@
           </a:prstGeom>
         </p:spPr>
         <p:txBody>
-          <a:bodyPr anchorCtr="0" anchor="b" bIns="91425" lIns="91425" spcFirstLastPara="1" rIns="91425" wrap="square" tIns="91425">
+          <a:bodyPr spcFirstLastPara="1" wrap="square" lIns="91425" tIns="91425" rIns="91425" bIns="91425" anchor="b" anchorCtr="0">
             <a:noAutofit/>
           </a:bodyPr>
           <a:lstStyle>
@@ -5117,15 +5174,19 @@
               <a:defRPr sz="2400"/>
             </a:lvl9pPr>
           </a:lstStyle>
-          <a:p/>
+          <a:p>
+            <a:endParaRPr/>
+          </a:p>
         </p:txBody>
       </p:sp>
       <p:sp>
         <p:nvSpPr>
           <p:cNvPr id="48" name="Google Shape;48;p7"/>
-          <p:cNvSpPr txBox="1"/>
+          <p:cNvSpPr txBox="1">
+            <a:spLocks noGrp="1"/>
+          </p:cNvSpPr>
           <p:nvPr>
-            <p:ph idx="1" type="body"/>
+            <p:ph type="body" idx="1"/>
           </p:nvPr>
         </p:nvSpPr>
         <p:spPr>
@@ -5138,11 +5199,11 @@
           </a:prstGeom>
         </p:spPr>
         <p:txBody>
-          <a:bodyPr anchorCtr="0" anchor="t" bIns="91425" lIns="91425" spcFirstLastPara="1" rIns="91425" wrap="square" tIns="91425">
+          <a:bodyPr spcFirstLastPara="1" wrap="square" lIns="91425" tIns="91425" rIns="91425" bIns="91425" anchor="t" anchorCtr="0">
             <a:noAutofit/>
           </a:bodyPr>
           <a:lstStyle>
-            <a:lvl1pPr indent="-304800" lvl="0" marL="457200">
+            <a:lvl1pPr marL="457200" lvl="0" indent="-304800">
               <a:spcBef>
                 <a:spcPts val="0"/>
               </a:spcBef>
@@ -5153,7 +5214,7 @@
               <a:buChar char="●"/>
               <a:defRPr sz="1200"/>
             </a:lvl1pPr>
-            <a:lvl2pPr indent="-304800" lvl="1" marL="914400">
+            <a:lvl2pPr marL="914400" lvl="1" indent="-304800">
               <a:spcBef>
                 <a:spcPts val="1600"/>
               </a:spcBef>
@@ -5164,7 +5225,7 @@
               <a:buChar char="○"/>
               <a:defRPr sz="1200"/>
             </a:lvl2pPr>
-            <a:lvl3pPr indent="-304800" lvl="2" marL="1371600">
+            <a:lvl3pPr marL="1371600" lvl="2" indent="-304800">
               <a:spcBef>
                 <a:spcPts val="1600"/>
               </a:spcBef>
@@ -5175,7 +5236,7 @@
               <a:buChar char="■"/>
               <a:defRPr sz="1200"/>
             </a:lvl3pPr>
-            <a:lvl4pPr indent="-304800" lvl="3" marL="1828800">
+            <a:lvl4pPr marL="1828800" lvl="3" indent="-304800">
               <a:spcBef>
                 <a:spcPts val="1600"/>
               </a:spcBef>
@@ -5186,7 +5247,7 @@
               <a:buChar char="●"/>
               <a:defRPr sz="1200"/>
             </a:lvl4pPr>
-            <a:lvl5pPr indent="-304800" lvl="4" marL="2286000">
+            <a:lvl5pPr marL="2286000" lvl="4" indent="-304800">
               <a:spcBef>
                 <a:spcPts val="1600"/>
               </a:spcBef>
@@ -5197,7 +5258,7 @@
               <a:buChar char="○"/>
               <a:defRPr sz="1200"/>
             </a:lvl5pPr>
-            <a:lvl6pPr indent="-304800" lvl="5" marL="2743200">
+            <a:lvl6pPr marL="2743200" lvl="5" indent="-304800">
               <a:spcBef>
                 <a:spcPts val="1600"/>
               </a:spcBef>
@@ -5208,7 +5269,7 @@
               <a:buChar char="■"/>
               <a:defRPr sz="1200"/>
             </a:lvl6pPr>
-            <a:lvl7pPr indent="-304800" lvl="6" marL="3200400">
+            <a:lvl7pPr marL="3200400" lvl="6" indent="-304800">
               <a:spcBef>
                 <a:spcPts val="1600"/>
               </a:spcBef>
@@ -5219,7 +5280,7 @@
               <a:buChar char="●"/>
               <a:defRPr sz="1200"/>
             </a:lvl7pPr>
-            <a:lvl8pPr indent="-304800" lvl="7" marL="3657600">
+            <a:lvl8pPr marL="3657600" lvl="7" indent="-304800">
               <a:spcBef>
                 <a:spcPts val="1600"/>
               </a:spcBef>
@@ -5230,7 +5291,7 @@
               <a:buChar char="○"/>
               <a:defRPr sz="1200"/>
             </a:lvl8pPr>
-            <a:lvl9pPr indent="-304800" lvl="8" marL="4114800">
+            <a:lvl9pPr marL="4114800" lvl="8" indent="-304800">
               <a:spcBef>
                 <a:spcPts val="1600"/>
               </a:spcBef>
@@ -5242,15 +5303,19 @@
               <a:defRPr sz="1200"/>
             </a:lvl9pPr>
           </a:lstStyle>
-          <a:p/>
+          <a:p>
+            <a:endParaRPr/>
+          </a:p>
         </p:txBody>
       </p:sp>
       <p:sp>
         <p:nvSpPr>
           <p:cNvPr id="49" name="Google Shape;49;p7"/>
-          <p:cNvSpPr txBox="1"/>
+          <p:cNvSpPr txBox="1">
+            <a:spLocks noGrp="1"/>
+          </p:cNvSpPr>
           <p:nvPr>
-            <p:ph idx="12" type="sldNum"/>
+            <p:ph type="sldNum" idx="12"/>
           </p:nvPr>
         </p:nvSpPr>
         <p:spPr>
@@ -5263,7 +5328,7 @@
           </a:prstGeom>
         </p:spPr>
         <p:txBody>
-          <a:bodyPr anchorCtr="0" anchor="ctr" bIns="91425" lIns="91425" spcFirstLastPara="1" rIns="91425" wrap="square" tIns="91425">
+          <a:bodyPr spcFirstLastPara="1" wrap="square" lIns="91425" tIns="91425" rIns="91425" bIns="91425" anchor="ctr" anchorCtr="0">
             <a:noAutofit/>
           </a:bodyPr>
           <a:lstStyle>
@@ -5341,7 +5406,7 @@
             </a:lvl9pPr>
           </a:lstStyle>
           <a:p>
-            <a:pPr indent="0" lvl="0" marL="0" rtl="0" algn="r">
+            <a:pPr marL="0" lvl="0" indent="0" algn="r" rtl="0">
               <a:spcBef>
                 <a:spcPts val="0"/>
               </a:spcBef>
@@ -5367,18 +5432,19 @@
 </file>
 
 <file path=ppt/slideLayouts/slideLayout7.xml><?xml version="1.0" encoding="utf-8"?>
-<p:sldLayout xmlns:a="http://schemas.openxmlformats.org/drawingml/2006/main" xmlns:r="http://schemas.openxmlformats.org/officeDocument/2006/relationships" xmlns:mc="http://schemas.openxmlformats.org/markup-compatibility/2006" xmlns:mv="urn:schemas-microsoft-com:mac:vml" xmlns:p="http://schemas.openxmlformats.org/presentationml/2006/main" xmlns:c="http://schemas.openxmlformats.org/drawingml/2006/chart" xmlns:dgm="http://schemas.openxmlformats.org/drawingml/2006/diagram" xmlns:o="urn:schemas-microsoft-com:office:office" xmlns:v="urn:schemas-microsoft-com:vml" xmlns:pvml="urn:schemas-microsoft-com:office:powerpoint" xmlns:com="http://schemas.openxmlformats.org/drawingml/2006/compatibility" xmlns:p14="http://schemas.microsoft.com/office/powerpoint/2010/main" xmlns:p15="http://schemas.microsoft.com/office/powerpoint/2012/main" xmlns:ahyp="http://schemas.microsoft.com/office/drawing/2018/hyperlinkcolor" matchingName="Main point">
+<p:sldLayout xmlns:a="http://schemas.openxmlformats.org/drawingml/2006/main" xmlns:r="http://schemas.openxmlformats.org/officeDocument/2006/relationships" xmlns:p="http://schemas.openxmlformats.org/presentationml/2006/main" matchingName="Main point">
   <p:cSld name="MAIN_POINT">
     <p:bg>
       <p:bgPr>
         <a:solidFill>
           <a:schemeClr val="accent4"/>
         </a:solidFill>
+        <a:effectLst/>
       </p:bgPr>
     </p:bg>
     <p:spTree>
       <p:nvGrpSpPr>
-        <p:cNvPr id="50" name="Shape 50"/>
+        <p:cNvPr id="1" name="Shape 50"/>
         <p:cNvGrpSpPr/>
         <p:nvPr/>
       </p:nvGrpSpPr>
@@ -5426,12 +5492,12 @@
             </a:ln>
           </p:spPr>
           <p:txBody>
-            <a:bodyPr anchorCtr="0" anchor="ctr" bIns="91425" lIns="91425" spcFirstLastPara="1" rIns="91425" wrap="square" tIns="91425">
+            <a:bodyPr spcFirstLastPara="1" wrap="square" lIns="91425" tIns="91425" rIns="91425" bIns="91425" anchor="ctr" anchorCtr="0">
               <a:noAutofit/>
             </a:bodyPr>
             <a:lstStyle/>
             <a:p>
-              <a:pPr indent="0" lvl="0" marL="0" rtl="0" algn="l">
+              <a:pPr marL="0" lvl="0" indent="0" algn="l" rtl="0">
                 <a:spcBef>
                   <a:spcPts val="0"/>
                 </a:spcBef>
@@ -5440,9 +5506,6 @@
                 </a:spcAft>
                 <a:buNone/>
               </a:pPr>
-              <a:r>
-                <a:t/>
-              </a:r>
               <a:endParaRPr/>
             </a:p>
           </p:txBody>
@@ -5469,12 +5532,12 @@
             </a:ln>
           </p:spPr>
           <p:txBody>
-            <a:bodyPr anchorCtr="0" anchor="ctr" bIns="91425" lIns="91425" spcFirstLastPara="1" rIns="91425" wrap="square" tIns="91425">
+            <a:bodyPr spcFirstLastPara="1" wrap="square" lIns="91425" tIns="91425" rIns="91425" bIns="91425" anchor="ctr" anchorCtr="0">
               <a:noAutofit/>
             </a:bodyPr>
             <a:lstStyle/>
             <a:p>
-              <a:pPr indent="0" lvl="0" marL="0" rtl="0" algn="l">
+              <a:pPr marL="0" lvl="0" indent="0" algn="l" rtl="0">
                 <a:spcBef>
                   <a:spcPts val="0"/>
                 </a:spcBef>
@@ -5483,9 +5546,6 @@
                 </a:spcAft>
                 <a:buNone/>
               </a:pPr>
-              <a:r>
-                <a:t/>
-              </a:r>
               <a:endParaRPr/>
             </a:p>
           </p:txBody>
@@ -5497,7 +5557,7 @@
             <p:nvPr/>
           </p:nvSpPr>
           <p:spPr>
-            <a:xfrm flipH="1" rot="10800000">
+            <a:xfrm rot="10800000" flipH="1">
               <a:off x="7113588" y="107"/>
               <a:ext cx="1015200" cy="1015200"/>
             </a:xfrm>
@@ -5512,12 +5572,12 @@
             </a:ln>
           </p:spPr>
           <p:txBody>
-            <a:bodyPr anchorCtr="0" anchor="ctr" bIns="91425" lIns="91425" spcFirstLastPara="1" rIns="91425" wrap="square" tIns="91425">
+            <a:bodyPr spcFirstLastPara="1" wrap="square" lIns="91425" tIns="91425" rIns="91425" bIns="91425" anchor="ctr" anchorCtr="0">
               <a:noAutofit/>
             </a:bodyPr>
             <a:lstStyle/>
             <a:p>
-              <a:pPr indent="0" lvl="0" marL="0" rtl="0" algn="l">
+              <a:pPr marL="0" lvl="0" indent="0" algn="l" rtl="0">
                 <a:spcBef>
                   <a:spcPts val="0"/>
                 </a:spcBef>
@@ -5526,9 +5586,6 @@
                 </a:spcAft>
                 <a:buNone/>
               </a:pPr>
-              <a:r>
-                <a:t/>
-              </a:r>
               <a:endParaRPr/>
             </a:p>
           </p:txBody>
@@ -5555,12 +5612,12 @@
             </a:ln>
           </p:spPr>
           <p:txBody>
-            <a:bodyPr anchorCtr="0" anchor="ctr" bIns="91425" lIns="91425" spcFirstLastPara="1" rIns="91425" wrap="square" tIns="91425">
+            <a:bodyPr spcFirstLastPara="1" wrap="square" lIns="91425" tIns="91425" rIns="91425" bIns="91425" anchor="ctr" anchorCtr="0">
               <a:noAutofit/>
             </a:bodyPr>
             <a:lstStyle/>
             <a:p>
-              <a:pPr indent="0" lvl="0" marL="0" rtl="0" algn="l">
+              <a:pPr marL="0" lvl="0" indent="0" algn="l" rtl="0">
                 <a:spcBef>
                   <a:spcPts val="0"/>
                 </a:spcBef>
@@ -5569,9 +5626,6 @@
                 </a:spcAft>
                 <a:buNone/>
               </a:pPr>
-              <a:r>
-                <a:t/>
-              </a:r>
               <a:endParaRPr/>
             </a:p>
           </p:txBody>
@@ -5598,12 +5652,12 @@
             </a:ln>
           </p:spPr>
           <p:txBody>
-            <a:bodyPr anchorCtr="0" anchor="ctr" bIns="91425" lIns="91425" spcFirstLastPara="1" rIns="91425" wrap="square" tIns="91425">
+            <a:bodyPr spcFirstLastPara="1" wrap="square" lIns="91425" tIns="91425" rIns="91425" bIns="91425" anchor="ctr" anchorCtr="0">
               <a:noAutofit/>
             </a:bodyPr>
             <a:lstStyle/>
             <a:p>
-              <a:pPr indent="0" lvl="0" marL="0" rtl="0" algn="l">
+              <a:pPr marL="0" lvl="0" indent="0" algn="l" rtl="0">
                 <a:spcBef>
                   <a:spcPts val="0"/>
                 </a:spcBef>
@@ -5612,9 +5666,6 @@
                 </a:spcAft>
                 <a:buNone/>
               </a:pPr>
-              <a:r>
-                <a:t/>
-              </a:r>
               <a:endParaRPr/>
             </a:p>
           </p:txBody>
@@ -5623,7 +5674,9 @@
       <p:sp>
         <p:nvSpPr>
           <p:cNvPr id="57" name="Google Shape;57;p8"/>
-          <p:cNvSpPr txBox="1"/>
+          <p:cNvSpPr txBox="1">
+            <a:spLocks noGrp="1"/>
+          </p:cNvSpPr>
           <p:nvPr>
             <p:ph type="title"/>
           </p:nvPr>
@@ -5638,7 +5691,7 @@
           </a:prstGeom>
         </p:spPr>
         <p:txBody>
-          <a:bodyPr anchorCtr="0" anchor="ctr" bIns="91425" lIns="91425" spcFirstLastPara="1" rIns="91425" wrap="square" tIns="91425">
+          <a:bodyPr spcFirstLastPara="1" wrap="square" lIns="91425" tIns="91425" rIns="91425" bIns="91425" anchor="ctr" anchorCtr="0">
             <a:noAutofit/>
           </a:bodyPr>
           <a:lstStyle>
@@ -5805,15 +5858,19 @@
               </a:defRPr>
             </a:lvl9pPr>
           </a:lstStyle>
-          <a:p/>
+          <a:p>
+            <a:endParaRPr/>
+          </a:p>
         </p:txBody>
       </p:sp>
       <p:sp>
         <p:nvSpPr>
           <p:cNvPr id="58" name="Google Shape;58;p8"/>
-          <p:cNvSpPr txBox="1"/>
+          <p:cNvSpPr txBox="1">
+            <a:spLocks noGrp="1"/>
+          </p:cNvSpPr>
           <p:nvPr>
-            <p:ph idx="12" type="sldNum"/>
+            <p:ph type="sldNum" idx="12"/>
           </p:nvPr>
         </p:nvSpPr>
         <p:spPr>
@@ -5826,7 +5883,7 @@
           </a:prstGeom>
         </p:spPr>
         <p:txBody>
-          <a:bodyPr anchorCtr="0" anchor="ctr" bIns="91425" lIns="91425" spcFirstLastPara="1" rIns="91425" wrap="square" tIns="91425">
+          <a:bodyPr spcFirstLastPara="1" wrap="square" lIns="91425" tIns="91425" rIns="91425" bIns="91425" anchor="ctr" anchorCtr="0">
             <a:noAutofit/>
           </a:bodyPr>
           <a:lstStyle>
@@ -5868,7 +5925,7 @@
             </a:lvl9pPr>
           </a:lstStyle>
           <a:p>
-            <a:pPr indent="0" lvl="0" marL="0" rtl="0" algn="r">
+            <a:pPr marL="0" lvl="0" indent="0" algn="r" rtl="0">
               <a:spcBef>
                 <a:spcPts val="0"/>
               </a:spcBef>
@@ -5894,11 +5951,11 @@
 </file>
 
 <file path=ppt/slideLayouts/slideLayout8.xml><?xml version="1.0" encoding="utf-8"?>
-<p:sldLayout xmlns:a="http://schemas.openxmlformats.org/drawingml/2006/main" xmlns:r="http://schemas.openxmlformats.org/officeDocument/2006/relationships" xmlns:mc="http://schemas.openxmlformats.org/markup-compatibility/2006" xmlns:mv="urn:schemas-microsoft-com:mac:vml" xmlns:p="http://schemas.openxmlformats.org/presentationml/2006/main" xmlns:c="http://schemas.openxmlformats.org/drawingml/2006/chart" xmlns:dgm="http://schemas.openxmlformats.org/drawingml/2006/diagram" xmlns:o="urn:schemas-microsoft-com:office:office" xmlns:v="urn:schemas-microsoft-com:vml" xmlns:pvml="urn:schemas-microsoft-com:office:powerpoint" xmlns:com="http://schemas.openxmlformats.org/drawingml/2006/compatibility" xmlns:p14="http://schemas.microsoft.com/office/powerpoint/2010/main" xmlns:p15="http://schemas.microsoft.com/office/powerpoint/2012/main" xmlns:ahyp="http://schemas.microsoft.com/office/drawing/2018/hyperlinkcolor" matchingName="Section title and description">
+<p:sldLayout xmlns:a="http://schemas.openxmlformats.org/drawingml/2006/main" xmlns:r="http://schemas.openxmlformats.org/officeDocument/2006/relationships" xmlns:p="http://schemas.openxmlformats.org/presentationml/2006/main" matchingName="Section title and description">
   <p:cSld name="SECTION_TITLE_AND_DESCRIPTION">
     <p:spTree>
       <p:nvGrpSpPr>
-        <p:cNvPr id="59" name="Shape 59"/>
+        <p:cNvPr id="1" name="Shape 59"/>
         <p:cNvGrpSpPr/>
         <p:nvPr/>
       </p:nvGrpSpPr>
@@ -5932,12 +5989,12 @@
           </a:ln>
         </p:spPr>
         <p:txBody>
-          <a:bodyPr anchorCtr="0" anchor="ctr" bIns="91425" lIns="91425" spcFirstLastPara="1" rIns="91425" wrap="square" tIns="91425">
+          <a:bodyPr spcFirstLastPara="1" wrap="square" lIns="91425" tIns="91425" rIns="91425" bIns="91425" anchor="ctr" anchorCtr="0">
             <a:noAutofit/>
           </a:bodyPr>
           <a:lstStyle/>
           <a:p>
-            <a:pPr indent="0" lvl="0" marL="0" rtl="0" algn="l">
+            <a:pPr marL="0" lvl="0" indent="0" algn="l" rtl="0">
               <a:spcBef>
                 <a:spcPts val="0"/>
               </a:spcBef>
@@ -5946,9 +6003,6 @@
               </a:spcAft>
               <a:buNone/>
             </a:pPr>
-            <a:r>
-              <a:t/>
-            </a:r>
             <a:endParaRPr/>
           </a:p>
         </p:txBody>
@@ -5968,21 +6022,23 @@
             <a:avLst/>
           </a:prstGeom>
           <a:noFill/>
-          <a:ln cap="flat" cmpd="sng" w="19050">
+          <a:ln w="19050" cap="flat" cmpd="sng">
             <a:solidFill>
               <a:schemeClr val="lt1"/>
             </a:solidFill>
             <a:prstDash val="solid"/>
             <a:round/>
-            <a:headEnd len="sm" w="sm" type="none"/>
-            <a:tailEnd len="sm" w="sm" type="none"/>
+            <a:headEnd type="none" w="sm" len="sm"/>
+            <a:tailEnd type="none" w="sm" len="sm"/>
           </a:ln>
         </p:spPr>
       </p:cxnSp>
       <p:sp>
         <p:nvSpPr>
           <p:cNvPr id="62" name="Google Shape;62;p9"/>
-          <p:cNvSpPr txBox="1"/>
+          <p:cNvSpPr txBox="1">
+            <a:spLocks noGrp="1"/>
+          </p:cNvSpPr>
           <p:nvPr>
             <p:ph type="title"/>
           </p:nvPr>
@@ -5997,7 +6053,7 @@
           </a:prstGeom>
         </p:spPr>
         <p:txBody>
-          <a:bodyPr anchorCtr="0" anchor="b" bIns="91425" lIns="91425" spcFirstLastPara="1" rIns="91425" wrap="square" tIns="91425">
+          <a:bodyPr spcFirstLastPara="1" wrap="square" lIns="91425" tIns="91425" rIns="91425" bIns="91425" anchor="b" anchorCtr="0">
             <a:noAutofit/>
           </a:bodyPr>
           <a:lstStyle>
@@ -6101,15 +6157,19 @@
               <a:defRPr sz="4200"/>
             </a:lvl9pPr>
           </a:lstStyle>
-          <a:p/>
+          <a:p>
+            <a:endParaRPr/>
+          </a:p>
         </p:txBody>
       </p:sp>
       <p:sp>
         <p:nvSpPr>
           <p:cNvPr id="63" name="Google Shape;63;p9"/>
-          <p:cNvSpPr txBox="1"/>
+          <p:cNvSpPr txBox="1">
+            <a:spLocks noGrp="1"/>
+          </p:cNvSpPr>
           <p:nvPr>
-            <p:ph idx="1" type="subTitle"/>
+            <p:ph type="subTitle" idx="1"/>
           </p:nvPr>
         </p:nvSpPr>
         <p:spPr>
@@ -6122,7 +6182,7 @@
           </a:prstGeom>
         </p:spPr>
         <p:txBody>
-          <a:bodyPr anchorCtr="0" anchor="t" bIns="91425" lIns="91425" spcFirstLastPara="1" rIns="91425" wrap="square" tIns="91425">
+          <a:bodyPr spcFirstLastPara="1" wrap="square" lIns="91425" tIns="91425" rIns="91425" bIns="91425" anchor="t" anchorCtr="0">
             <a:noAutofit/>
           </a:bodyPr>
           <a:lstStyle>
@@ -6253,15 +6313,19 @@
               <a:defRPr sz="2100"/>
             </a:lvl9pPr>
           </a:lstStyle>
-          <a:p/>
+          <a:p>
+            <a:endParaRPr/>
+          </a:p>
         </p:txBody>
       </p:sp>
       <p:sp>
         <p:nvSpPr>
           <p:cNvPr id="64" name="Google Shape;64;p9"/>
-          <p:cNvSpPr txBox="1"/>
+          <p:cNvSpPr txBox="1">
+            <a:spLocks noGrp="1"/>
+          </p:cNvSpPr>
           <p:nvPr>
-            <p:ph idx="2" type="body"/>
+            <p:ph type="body" idx="2"/>
           </p:nvPr>
         </p:nvSpPr>
         <p:spPr>
@@ -6274,11 +6338,11 @@
           </a:prstGeom>
         </p:spPr>
         <p:txBody>
-          <a:bodyPr anchorCtr="0" anchor="ctr" bIns="91425" lIns="91425" spcFirstLastPara="1" rIns="91425" wrap="square" tIns="91425">
+          <a:bodyPr spcFirstLastPara="1" wrap="square" lIns="91425" tIns="91425" rIns="91425" bIns="91425" anchor="ctr" anchorCtr="0">
             <a:noAutofit/>
           </a:bodyPr>
           <a:lstStyle>
-            <a:lvl1pPr indent="-342900" lvl="0" marL="457200">
+            <a:lvl1pPr marL="457200" lvl="0" indent="-342900">
               <a:spcBef>
                 <a:spcPts val="0"/>
               </a:spcBef>
@@ -6296,7 +6360,7 @@
                 </a:solidFill>
               </a:defRPr>
             </a:lvl1pPr>
-            <a:lvl2pPr indent="-317500" lvl="1" marL="914400">
+            <a:lvl2pPr marL="914400" lvl="1" indent="-317500">
               <a:spcBef>
                 <a:spcPts val="1600"/>
               </a:spcBef>
@@ -6314,7 +6378,7 @@
                 </a:solidFill>
               </a:defRPr>
             </a:lvl2pPr>
-            <a:lvl3pPr indent="-317500" lvl="2" marL="1371600">
+            <a:lvl3pPr marL="1371600" lvl="2" indent="-317500">
               <a:spcBef>
                 <a:spcPts val="1600"/>
               </a:spcBef>
@@ -6332,7 +6396,7 @@
                 </a:solidFill>
               </a:defRPr>
             </a:lvl3pPr>
-            <a:lvl4pPr indent="-317500" lvl="3" marL="1828800">
+            <a:lvl4pPr marL="1828800" lvl="3" indent="-317500">
               <a:spcBef>
                 <a:spcPts val="1600"/>
               </a:spcBef>
@@ -6350,7 +6414,7 @@
                 </a:solidFill>
               </a:defRPr>
             </a:lvl4pPr>
-            <a:lvl5pPr indent="-317500" lvl="4" marL="2286000">
+            <a:lvl5pPr marL="2286000" lvl="4" indent="-317500">
               <a:spcBef>
                 <a:spcPts val="1600"/>
               </a:spcBef>
@@ -6368,7 +6432,7 @@
                 </a:solidFill>
               </a:defRPr>
             </a:lvl5pPr>
-            <a:lvl6pPr indent="-317500" lvl="5" marL="2743200">
+            <a:lvl6pPr marL="2743200" lvl="5" indent="-317500">
               <a:spcBef>
                 <a:spcPts val="1600"/>
               </a:spcBef>
@@ -6386,7 +6450,7 @@
                 </a:solidFill>
               </a:defRPr>
             </a:lvl6pPr>
-            <a:lvl7pPr indent="-317500" lvl="6" marL="3200400">
+            <a:lvl7pPr marL="3200400" lvl="6" indent="-317500">
               <a:spcBef>
                 <a:spcPts val="1600"/>
               </a:spcBef>
@@ -6404,7 +6468,7 @@
                 </a:solidFill>
               </a:defRPr>
             </a:lvl7pPr>
-            <a:lvl8pPr indent="-317500" lvl="7" marL="3657600">
+            <a:lvl8pPr marL="3657600" lvl="7" indent="-317500">
               <a:spcBef>
                 <a:spcPts val="1600"/>
               </a:spcBef>
@@ -6422,7 +6486,7 @@
                 </a:solidFill>
               </a:defRPr>
             </a:lvl8pPr>
-            <a:lvl9pPr indent="-317500" lvl="8" marL="4114800">
+            <a:lvl9pPr marL="4114800" lvl="8" indent="-317500">
               <a:spcBef>
                 <a:spcPts val="1600"/>
               </a:spcBef>
@@ -6441,15 +6505,19 @@
               </a:defRPr>
             </a:lvl9pPr>
           </a:lstStyle>
-          <a:p/>
+          <a:p>
+            <a:endParaRPr/>
+          </a:p>
         </p:txBody>
       </p:sp>
       <p:sp>
         <p:nvSpPr>
           <p:cNvPr id="65" name="Google Shape;65;p9"/>
-          <p:cNvSpPr txBox="1"/>
+          <p:cNvSpPr txBox="1">
+            <a:spLocks noGrp="1"/>
+          </p:cNvSpPr>
           <p:nvPr>
-            <p:ph idx="12" type="sldNum"/>
+            <p:ph type="sldNum" idx="12"/>
           </p:nvPr>
         </p:nvSpPr>
         <p:spPr>
@@ -6462,7 +6530,7 @@
           </a:prstGeom>
         </p:spPr>
         <p:txBody>
-          <a:bodyPr anchorCtr="0" anchor="ctr" bIns="91425" lIns="91425" spcFirstLastPara="1" rIns="91425" wrap="square" tIns="91425">
+          <a:bodyPr spcFirstLastPara="1" wrap="square" lIns="91425" tIns="91425" rIns="91425" bIns="91425" anchor="ctr" anchorCtr="0">
             <a:noAutofit/>
           </a:bodyPr>
           <a:lstStyle>
@@ -6504,7 +6572,7 @@
             </a:lvl9pPr>
           </a:lstStyle>
           <a:p>
-            <a:pPr indent="0" lvl="0" marL="0" rtl="0" algn="r">
+            <a:pPr marL="0" lvl="0" indent="0" algn="r" rtl="0">
               <a:spcBef>
                 <a:spcPts val="0"/>
               </a:spcBef>
@@ -6530,11 +6598,11 @@
 </file>
 
 <file path=ppt/slideLayouts/slideLayout9.xml><?xml version="1.0" encoding="utf-8"?>
-<p:sldLayout xmlns:a="http://schemas.openxmlformats.org/drawingml/2006/main" xmlns:r="http://schemas.openxmlformats.org/officeDocument/2006/relationships" xmlns:mc="http://schemas.openxmlformats.org/markup-compatibility/2006" xmlns:mv="urn:schemas-microsoft-com:mac:vml" xmlns:p="http://schemas.openxmlformats.org/presentationml/2006/main" xmlns:c="http://schemas.openxmlformats.org/drawingml/2006/chart" xmlns:dgm="http://schemas.openxmlformats.org/drawingml/2006/diagram" xmlns:o="urn:schemas-microsoft-com:office:office" xmlns:v="urn:schemas-microsoft-com:vml" xmlns:pvml="urn:schemas-microsoft-com:office:powerpoint" xmlns:com="http://schemas.openxmlformats.org/drawingml/2006/compatibility" xmlns:p14="http://schemas.microsoft.com/office/powerpoint/2010/main" xmlns:p15="http://schemas.microsoft.com/office/powerpoint/2012/main" xmlns:ahyp="http://schemas.microsoft.com/office/drawing/2018/hyperlinkcolor" matchingName="Caption">
+<p:sldLayout xmlns:a="http://schemas.openxmlformats.org/drawingml/2006/main" xmlns:r="http://schemas.openxmlformats.org/officeDocument/2006/relationships" xmlns:p="http://schemas.openxmlformats.org/presentationml/2006/main" matchingName="Caption">
   <p:cSld name="CAPTION_ONLY">
     <p:spTree>
       <p:nvGrpSpPr>
-        <p:cNvPr id="66" name="Shape 66"/>
+        <p:cNvPr id="1" name="Shape 66"/>
         <p:cNvGrpSpPr/>
         <p:nvPr/>
       </p:nvGrpSpPr>
@@ -6549,9 +6617,11 @@
       <p:sp>
         <p:nvSpPr>
           <p:cNvPr id="67" name="Google Shape;67;p10"/>
-          <p:cNvSpPr txBox="1"/>
+          <p:cNvSpPr txBox="1">
+            <a:spLocks noGrp="1"/>
+          </p:cNvSpPr>
           <p:nvPr>
-            <p:ph idx="1" type="body"/>
+            <p:ph type="body" idx="1"/>
           </p:nvPr>
         </p:nvSpPr>
         <p:spPr>
@@ -6564,11 +6634,11 @@
           </a:prstGeom>
         </p:spPr>
         <p:txBody>
-          <a:bodyPr anchorCtr="0" anchor="ctr" bIns="91425" lIns="91425" spcFirstLastPara="1" rIns="91425" wrap="square" tIns="91425">
+          <a:bodyPr spcFirstLastPara="1" wrap="square" lIns="91425" tIns="91425" rIns="91425" bIns="91425" anchor="ctr" anchorCtr="0">
             <a:noAutofit/>
           </a:bodyPr>
           <a:lstStyle>
-            <a:lvl1pPr indent="-228600" lvl="0" marL="457200">
+            <a:lvl1pPr marL="457200" lvl="0" indent="-228600">
               <a:lnSpc>
                 <a:spcPct val="100000"/>
               </a:lnSpc>
@@ -6583,15 +6653,19 @@
               <a:defRPr/>
             </a:lvl1pPr>
           </a:lstStyle>
-          <a:p/>
+          <a:p>
+            <a:endParaRPr/>
+          </a:p>
         </p:txBody>
       </p:sp>
       <p:sp>
         <p:nvSpPr>
           <p:cNvPr id="68" name="Google Shape;68;p10"/>
-          <p:cNvSpPr txBox="1"/>
+          <p:cNvSpPr txBox="1">
+            <a:spLocks noGrp="1"/>
+          </p:cNvSpPr>
           <p:nvPr>
-            <p:ph idx="12" type="sldNum"/>
+            <p:ph type="sldNum" idx="12"/>
           </p:nvPr>
         </p:nvSpPr>
         <p:spPr>
@@ -6604,7 +6678,7 @@
           </a:prstGeom>
         </p:spPr>
         <p:txBody>
-          <a:bodyPr anchorCtr="0" anchor="ctr" bIns="91425" lIns="91425" spcFirstLastPara="1" rIns="91425" wrap="square" tIns="91425">
+          <a:bodyPr spcFirstLastPara="1" wrap="square" lIns="91425" tIns="91425" rIns="91425" bIns="91425" anchor="ctr" anchorCtr="0">
             <a:noAutofit/>
           </a:bodyPr>
           <a:lstStyle>
@@ -6682,7 +6756,7 @@
             </a:lvl9pPr>
           </a:lstStyle>
           <a:p>
-            <a:pPr indent="0" lvl="0" marL="0" rtl="0" algn="r">
+            <a:pPr marL="0" lvl="0" indent="0" algn="r" rtl="0">
               <a:spcBef>
                 <a:spcPts val="0"/>
               </a:spcBef>
@@ -6708,18 +6782,19 @@
 </file>
 
 <file path=ppt/slideMasters/slideMaster1.xml><?xml version="1.0" encoding="utf-8"?>
-<p:sldMaster xmlns:a="http://schemas.openxmlformats.org/drawingml/2006/main" xmlns:r="http://schemas.openxmlformats.org/officeDocument/2006/relationships" xmlns:mc="http://schemas.openxmlformats.org/markup-compatibility/2006" xmlns:mv="urn:schemas-microsoft-com:mac:vml" xmlns:p="http://schemas.openxmlformats.org/presentationml/2006/main" xmlns:c="http://schemas.openxmlformats.org/drawingml/2006/chart" xmlns:dgm="http://schemas.openxmlformats.org/drawingml/2006/diagram" xmlns:o="urn:schemas-microsoft-com:office:office" xmlns:v="urn:schemas-microsoft-com:vml" xmlns:pvml="urn:schemas-microsoft-com:office:powerpoint" xmlns:com="http://schemas.openxmlformats.org/drawingml/2006/compatibility" xmlns:p14="http://schemas.microsoft.com/office/powerpoint/2010/main" xmlns:p15="http://schemas.microsoft.com/office/powerpoint/2012/main" xmlns:ahyp="http://schemas.microsoft.com/office/drawing/2018/hyperlinkcolor">
+<p:sldMaster xmlns:a="http://schemas.openxmlformats.org/drawingml/2006/main" xmlns:r="http://schemas.openxmlformats.org/officeDocument/2006/relationships" xmlns:p="http://schemas.openxmlformats.org/presentationml/2006/main">
   <p:cSld name="geometric">
     <p:bg>
       <p:bgPr>
         <a:solidFill>
           <a:schemeClr val="lt1"/>
         </a:solidFill>
+        <a:effectLst/>
       </p:bgPr>
     </p:bg>
     <p:spTree>
       <p:nvGrpSpPr>
-        <p:cNvPr id="5" name="Shape 5"/>
+        <p:cNvPr id="1" name="Shape 5"/>
         <p:cNvGrpSpPr/>
         <p:nvPr/>
       </p:nvGrpSpPr>
@@ -6734,7 +6809,9 @@
       <p:sp>
         <p:nvSpPr>
           <p:cNvPr id="6" name="Google Shape;6;p1"/>
-          <p:cNvSpPr txBox="1"/>
+          <p:cNvSpPr txBox="1">
+            <a:spLocks noGrp="1"/>
+          </p:cNvSpPr>
           <p:nvPr>
             <p:ph type="title"/>
           </p:nvPr>
@@ -6753,7 +6830,7 @@
           </a:ln>
         </p:spPr>
         <p:txBody>
-          <a:bodyPr anchorCtr="0" anchor="t" bIns="91425" lIns="91425" spcFirstLastPara="1" rIns="91425" wrap="square" tIns="91425">
+          <a:bodyPr spcFirstLastPara="1" wrap="square" lIns="91425" tIns="91425" rIns="91425" bIns="91425" anchor="t" anchorCtr="0">
             <a:noAutofit/>
           </a:bodyPr>
           <a:lstStyle>
@@ -6965,15 +7042,19 @@
               </a:defRPr>
             </a:lvl9pPr>
           </a:lstStyle>
-          <a:p/>
+          <a:p>
+            <a:endParaRPr/>
+          </a:p>
         </p:txBody>
       </p:sp>
       <p:sp>
         <p:nvSpPr>
           <p:cNvPr id="7" name="Google Shape;7;p1"/>
-          <p:cNvSpPr txBox="1"/>
+          <p:cNvSpPr txBox="1">
+            <a:spLocks noGrp="1"/>
+          </p:cNvSpPr>
           <p:nvPr>
-            <p:ph idx="1" type="body"/>
+            <p:ph type="body" idx="1"/>
           </p:nvPr>
         </p:nvSpPr>
         <p:spPr>
@@ -6990,11 +7071,11 @@
           </a:ln>
         </p:spPr>
         <p:txBody>
-          <a:bodyPr anchorCtr="0" anchor="t" bIns="91425" lIns="91425" spcFirstLastPara="1" rIns="91425" wrap="square" tIns="91425">
+          <a:bodyPr spcFirstLastPara="1" wrap="square" lIns="91425" tIns="91425" rIns="91425" bIns="91425" anchor="t" anchorCtr="0">
             <a:noAutofit/>
           </a:bodyPr>
           <a:lstStyle>
-            <a:lvl1pPr indent="-342900" lvl="0" marL="457200">
+            <a:lvl1pPr marL="457200" lvl="0" indent="-342900">
               <a:lnSpc>
                 <a:spcPct val="115000"/>
               </a:lnSpc>
@@ -7020,7 +7101,7 @@
                 <a:sym typeface="Roboto"/>
               </a:defRPr>
             </a:lvl1pPr>
-            <a:lvl2pPr indent="-317500" lvl="1" marL="914400">
+            <a:lvl2pPr marL="914400" lvl="1" indent="-317500">
               <a:lnSpc>
                 <a:spcPct val="115000"/>
               </a:lnSpc>
@@ -7046,7 +7127,7 @@
                 <a:sym typeface="Roboto"/>
               </a:defRPr>
             </a:lvl2pPr>
-            <a:lvl3pPr indent="-317500" lvl="2" marL="1371600">
+            <a:lvl3pPr marL="1371600" lvl="2" indent="-317500">
               <a:lnSpc>
                 <a:spcPct val="115000"/>
               </a:lnSpc>
@@ -7072,7 +7153,7 @@
                 <a:sym typeface="Roboto"/>
               </a:defRPr>
             </a:lvl3pPr>
-            <a:lvl4pPr indent="-317500" lvl="3" marL="1828800">
+            <a:lvl4pPr marL="1828800" lvl="3" indent="-317500">
               <a:lnSpc>
                 <a:spcPct val="115000"/>
               </a:lnSpc>
@@ -7098,7 +7179,7 @@
                 <a:sym typeface="Roboto"/>
               </a:defRPr>
             </a:lvl4pPr>
-            <a:lvl5pPr indent="-317500" lvl="4" marL="2286000">
+            <a:lvl5pPr marL="2286000" lvl="4" indent="-317500">
               <a:lnSpc>
                 <a:spcPct val="115000"/>
               </a:lnSpc>
@@ -7124,7 +7205,7 @@
                 <a:sym typeface="Roboto"/>
               </a:defRPr>
             </a:lvl5pPr>
-            <a:lvl6pPr indent="-317500" lvl="5" marL="2743200">
+            <a:lvl6pPr marL="2743200" lvl="5" indent="-317500">
               <a:lnSpc>
                 <a:spcPct val="115000"/>
               </a:lnSpc>
@@ -7150,7 +7231,7 @@
                 <a:sym typeface="Roboto"/>
               </a:defRPr>
             </a:lvl6pPr>
-            <a:lvl7pPr indent="-317500" lvl="6" marL="3200400">
+            <a:lvl7pPr marL="3200400" lvl="6" indent="-317500">
               <a:lnSpc>
                 <a:spcPct val="115000"/>
               </a:lnSpc>
@@ -7176,7 +7257,7 @@
                 <a:sym typeface="Roboto"/>
               </a:defRPr>
             </a:lvl7pPr>
-            <a:lvl8pPr indent="-317500" lvl="7" marL="3657600">
+            <a:lvl8pPr marL="3657600" lvl="7" indent="-317500">
               <a:lnSpc>
                 <a:spcPct val="115000"/>
               </a:lnSpc>
@@ -7202,7 +7283,7 @@
                 <a:sym typeface="Roboto"/>
               </a:defRPr>
             </a:lvl8pPr>
-            <a:lvl9pPr indent="-317500" lvl="8" marL="4114800">
+            <a:lvl9pPr marL="4114800" lvl="8" indent="-317500">
               <a:lnSpc>
                 <a:spcPct val="115000"/>
               </a:lnSpc>
@@ -7229,15 +7310,19 @@
               </a:defRPr>
             </a:lvl9pPr>
           </a:lstStyle>
-          <a:p/>
+          <a:p>
+            <a:endParaRPr/>
+          </a:p>
         </p:txBody>
       </p:sp>
       <p:sp>
         <p:nvSpPr>
           <p:cNvPr id="8" name="Google Shape;8;p1"/>
-          <p:cNvSpPr txBox="1"/>
+          <p:cNvSpPr txBox="1">
+            <a:spLocks noGrp="1"/>
+          </p:cNvSpPr>
           <p:nvPr>
-            <p:ph idx="12" type="sldNum"/>
+            <p:ph type="sldNum" idx="12"/>
           </p:nvPr>
         </p:nvSpPr>
         <p:spPr>
@@ -7254,7 +7339,7 @@
           </a:ln>
         </p:spPr>
         <p:txBody>
-          <a:bodyPr anchorCtr="0" anchor="ctr" bIns="91425" lIns="91425" spcFirstLastPara="1" rIns="91425" wrap="square" tIns="91425">
+          <a:bodyPr spcFirstLastPara="1" wrap="square" lIns="91425" tIns="91425" rIns="91425" bIns="91425" anchor="ctr" anchorCtr="0">
             <a:noAutofit/>
           </a:bodyPr>
           <a:lstStyle>
@@ -7368,7 +7453,7 @@
             </a:lvl9pPr>
           </a:lstStyle>
           <a:p>
-            <a:pPr indent="0" lvl="0" marL="0" rtl="0" algn="r">
+            <a:pPr marL="0" lvl="0" indent="0" algn="r" rtl="0">
               <a:spcBef>
                 <a:spcPts val="0"/>
               </a:spcBef>
@@ -7387,7 +7472,7 @@
       </p:sp>
     </p:spTree>
   </p:cSld>
-  <p:clrMap accent1="accent1" accent2="accent2" accent3="accent3" accent4="accent4" accent5="accent5" accent6="accent6" bg1="lt1" bg2="dk2" tx1="dk1" tx2="lt2" folHlink="folHlink" hlink="hlink"/>
+  <p:clrMap bg1="lt1" tx1="dk1" bg2="dk2" tx2="lt2" accent1="accent1" accent2="accent2" accent3="accent3" accent4="accent4" accent5="accent5" accent6="accent6" hlink="hlink" folHlink="folHlink"/>
   <p:sldLayoutIdLst>
     <p:sldLayoutId id="2147483648" r:id="rId1"/>
     <p:sldLayoutId id="2147483649" r:id="rId2"/>
@@ -7401,10 +7486,10 @@
     <p:sldLayoutId id="2147483657" r:id="rId10"/>
     <p:sldLayoutId id="2147483658" r:id="rId11"/>
   </p:sldLayoutIdLst>
-  <p:hf dt="0" ftr="0" hdr="0" sldNum="0"/>
+  <p:hf sldNum="0" hdr="0" ftr="0" dt="0"/>
   <p:txStyles>
     <p:titleStyle>
-      <a:defPPr lvl="0" marR="0" rtl="0" algn="l">
+      <a:defPPr marR="0" lvl="0" algn="l" rtl="0">
         <a:lnSpc>
           <a:spcPct val="100000"/>
         </a:lnSpc>
@@ -7415,7 +7500,7 @@
           <a:spcPts val="0"/>
         </a:spcAft>
       </a:defPPr>
-      <a:lvl1pPr lvl="0" marR="0" rtl="0" algn="l">
+      <a:lvl1pPr marR="0" lvl="0" algn="l" rtl="0">
         <a:lnSpc>
           <a:spcPct val="100000"/>
         </a:lnSpc>
@@ -7429,7 +7514,7 @@
           <a:srgbClr val="000000"/>
         </a:buClr>
         <a:buFont typeface="Arial"/>
-        <a:defRPr b="0" i="0" sz="1400" u="none" cap="none" strike="noStrike">
+        <a:defRPr sz="1400" b="0" i="0" u="none" strike="noStrike" cap="none">
           <a:solidFill>
             <a:srgbClr val="000000"/>
           </a:solidFill>
@@ -7439,7 +7524,7 @@
           <a:sym typeface="Arial"/>
         </a:defRPr>
       </a:lvl1pPr>
-      <a:lvl2pPr lvl="1" marR="0" rtl="0" algn="l">
+      <a:lvl2pPr marR="0" lvl="1" algn="l" rtl="0">
         <a:lnSpc>
           <a:spcPct val="100000"/>
         </a:lnSpc>
@@ -7453,7 +7538,7 @@
           <a:srgbClr val="000000"/>
         </a:buClr>
         <a:buFont typeface="Arial"/>
-        <a:defRPr b="0" i="0" sz="1400" u="none" cap="none" strike="noStrike">
+        <a:defRPr sz="1400" b="0" i="0" u="none" strike="noStrike" cap="none">
           <a:solidFill>
             <a:srgbClr val="000000"/>
           </a:solidFill>
@@ -7463,7 +7548,7 @@
           <a:sym typeface="Arial"/>
         </a:defRPr>
       </a:lvl2pPr>
-      <a:lvl3pPr lvl="2" marR="0" rtl="0" algn="l">
+      <a:lvl3pPr marR="0" lvl="2" algn="l" rtl="0">
         <a:lnSpc>
           <a:spcPct val="100000"/>
         </a:lnSpc>
@@ -7477,7 +7562,7 @@
           <a:srgbClr val="000000"/>
         </a:buClr>
         <a:buFont typeface="Arial"/>
-        <a:defRPr b="0" i="0" sz="1400" u="none" cap="none" strike="noStrike">
+        <a:defRPr sz="1400" b="0" i="0" u="none" strike="noStrike" cap="none">
           <a:solidFill>
             <a:srgbClr val="000000"/>
           </a:solidFill>
@@ -7487,7 +7572,7 @@
           <a:sym typeface="Arial"/>
         </a:defRPr>
       </a:lvl3pPr>
-      <a:lvl4pPr lvl="3" marR="0" rtl="0" algn="l">
+      <a:lvl4pPr marR="0" lvl="3" algn="l" rtl="0">
         <a:lnSpc>
           <a:spcPct val="100000"/>
         </a:lnSpc>
@@ -7501,7 +7586,7 @@
           <a:srgbClr val="000000"/>
         </a:buClr>
         <a:buFont typeface="Arial"/>
-        <a:defRPr b="0" i="0" sz="1400" u="none" cap="none" strike="noStrike">
+        <a:defRPr sz="1400" b="0" i="0" u="none" strike="noStrike" cap="none">
           <a:solidFill>
             <a:srgbClr val="000000"/>
           </a:solidFill>
@@ -7511,7 +7596,7 @@
           <a:sym typeface="Arial"/>
         </a:defRPr>
       </a:lvl4pPr>
-      <a:lvl5pPr lvl="4" marR="0" rtl="0" algn="l">
+      <a:lvl5pPr marR="0" lvl="4" algn="l" rtl="0">
         <a:lnSpc>
           <a:spcPct val="100000"/>
         </a:lnSpc>
@@ -7525,7 +7610,7 @@
           <a:srgbClr val="000000"/>
         </a:buClr>
         <a:buFont typeface="Arial"/>
-        <a:defRPr b="0" i="0" sz="1400" u="none" cap="none" strike="noStrike">
+        <a:defRPr sz="1400" b="0" i="0" u="none" strike="noStrike" cap="none">
           <a:solidFill>
             <a:srgbClr val="000000"/>
           </a:solidFill>
@@ -7535,7 +7620,7 @@
           <a:sym typeface="Arial"/>
         </a:defRPr>
       </a:lvl5pPr>
-      <a:lvl6pPr lvl="5" marR="0" rtl="0" algn="l">
+      <a:lvl6pPr marR="0" lvl="5" algn="l" rtl="0">
         <a:lnSpc>
           <a:spcPct val="100000"/>
         </a:lnSpc>
@@ -7549,7 +7634,7 @@
           <a:srgbClr val="000000"/>
         </a:buClr>
         <a:buFont typeface="Arial"/>
-        <a:defRPr b="0" i="0" sz="1400" u="none" cap="none" strike="noStrike">
+        <a:defRPr sz="1400" b="0" i="0" u="none" strike="noStrike" cap="none">
           <a:solidFill>
             <a:srgbClr val="000000"/>
           </a:solidFill>
@@ -7559,7 +7644,7 @@
           <a:sym typeface="Arial"/>
         </a:defRPr>
       </a:lvl6pPr>
-      <a:lvl7pPr lvl="6" marR="0" rtl="0" algn="l">
+      <a:lvl7pPr marR="0" lvl="6" algn="l" rtl="0">
         <a:lnSpc>
           <a:spcPct val="100000"/>
         </a:lnSpc>
@@ -7573,7 +7658,7 @@
           <a:srgbClr val="000000"/>
         </a:buClr>
         <a:buFont typeface="Arial"/>
-        <a:defRPr b="0" i="0" sz="1400" u="none" cap="none" strike="noStrike">
+        <a:defRPr sz="1400" b="0" i="0" u="none" strike="noStrike" cap="none">
           <a:solidFill>
             <a:srgbClr val="000000"/>
           </a:solidFill>
@@ -7583,7 +7668,7 @@
           <a:sym typeface="Arial"/>
         </a:defRPr>
       </a:lvl7pPr>
-      <a:lvl8pPr lvl="7" marR="0" rtl="0" algn="l">
+      <a:lvl8pPr marR="0" lvl="7" algn="l" rtl="0">
         <a:lnSpc>
           <a:spcPct val="100000"/>
         </a:lnSpc>
@@ -7597,7 +7682,7 @@
           <a:srgbClr val="000000"/>
         </a:buClr>
         <a:buFont typeface="Arial"/>
-        <a:defRPr b="0" i="0" sz="1400" u="none" cap="none" strike="noStrike">
+        <a:defRPr sz="1400" b="0" i="0" u="none" strike="noStrike" cap="none">
           <a:solidFill>
             <a:srgbClr val="000000"/>
           </a:solidFill>
@@ -7607,7 +7692,7 @@
           <a:sym typeface="Arial"/>
         </a:defRPr>
       </a:lvl8pPr>
-      <a:lvl9pPr lvl="8" marR="0" rtl="0" algn="l">
+      <a:lvl9pPr marR="0" lvl="8" algn="l" rtl="0">
         <a:lnSpc>
           <a:spcPct val="100000"/>
         </a:lnSpc>
@@ -7621,7 +7706,7 @@
           <a:srgbClr val="000000"/>
         </a:buClr>
         <a:buFont typeface="Arial"/>
-        <a:defRPr b="0" i="0" sz="1400" u="none" cap="none" strike="noStrike">
+        <a:defRPr sz="1400" b="0" i="0" u="none" strike="noStrike" cap="none">
           <a:solidFill>
             <a:srgbClr val="000000"/>
           </a:solidFill>
@@ -7633,7 +7718,7 @@
       </a:lvl9pPr>
     </p:titleStyle>
     <p:bodyStyle>
-      <a:defPPr lvl="0" marR="0" rtl="0" algn="l">
+      <a:defPPr marR="0" lvl="0" algn="l" rtl="0">
         <a:lnSpc>
           <a:spcPct val="100000"/>
         </a:lnSpc>
@@ -7644,7 +7729,7 @@
           <a:spcPts val="0"/>
         </a:spcAft>
       </a:defPPr>
-      <a:lvl1pPr lvl="0" marR="0" rtl="0" algn="l">
+      <a:lvl1pPr marR="0" lvl="0" algn="l" rtl="0">
         <a:lnSpc>
           <a:spcPct val="100000"/>
         </a:lnSpc>
@@ -7658,7 +7743,7 @@
           <a:srgbClr val="000000"/>
         </a:buClr>
         <a:buFont typeface="Arial"/>
-        <a:defRPr b="0" i="0" sz="1400" u="none" cap="none" strike="noStrike">
+        <a:defRPr sz="1400" b="0" i="0" u="none" strike="noStrike" cap="none">
           <a:solidFill>
             <a:srgbClr val="000000"/>
           </a:solidFill>
@@ -7668,7 +7753,7 @@
           <a:sym typeface="Arial"/>
         </a:defRPr>
       </a:lvl1pPr>
-      <a:lvl2pPr lvl="1" marR="0" rtl="0" algn="l">
+      <a:lvl2pPr marR="0" lvl="1" algn="l" rtl="0">
         <a:lnSpc>
           <a:spcPct val="100000"/>
         </a:lnSpc>
@@ -7682,7 +7767,7 @@
           <a:srgbClr val="000000"/>
         </a:buClr>
         <a:buFont typeface="Arial"/>
-        <a:defRPr b="0" i="0" sz="1400" u="none" cap="none" strike="noStrike">
+        <a:defRPr sz="1400" b="0" i="0" u="none" strike="noStrike" cap="none">
           <a:solidFill>
             <a:srgbClr val="000000"/>
           </a:solidFill>
@@ -7692,7 +7777,7 @@
           <a:sym typeface="Arial"/>
         </a:defRPr>
       </a:lvl2pPr>
-      <a:lvl3pPr lvl="2" marR="0" rtl="0" algn="l">
+      <a:lvl3pPr marR="0" lvl="2" algn="l" rtl="0">
         <a:lnSpc>
           <a:spcPct val="100000"/>
         </a:lnSpc>
@@ -7706,7 +7791,7 @@
           <a:srgbClr val="000000"/>
         </a:buClr>
         <a:buFont typeface="Arial"/>
-        <a:defRPr b="0" i="0" sz="1400" u="none" cap="none" strike="noStrike">
+        <a:defRPr sz="1400" b="0" i="0" u="none" strike="noStrike" cap="none">
           <a:solidFill>
             <a:srgbClr val="000000"/>
           </a:solidFill>
@@ -7716,7 +7801,7 @@
           <a:sym typeface="Arial"/>
         </a:defRPr>
       </a:lvl3pPr>
-      <a:lvl4pPr lvl="3" marR="0" rtl="0" algn="l">
+      <a:lvl4pPr marR="0" lvl="3" algn="l" rtl="0">
         <a:lnSpc>
           <a:spcPct val="100000"/>
         </a:lnSpc>
@@ -7730,7 +7815,7 @@
           <a:srgbClr val="000000"/>
         </a:buClr>
         <a:buFont typeface="Arial"/>
-        <a:defRPr b="0" i="0" sz="1400" u="none" cap="none" strike="noStrike">
+        <a:defRPr sz="1400" b="0" i="0" u="none" strike="noStrike" cap="none">
           <a:solidFill>
             <a:srgbClr val="000000"/>
           </a:solidFill>
@@ -7740,7 +7825,7 @@
           <a:sym typeface="Arial"/>
         </a:defRPr>
       </a:lvl4pPr>
-      <a:lvl5pPr lvl="4" marR="0" rtl="0" algn="l">
+      <a:lvl5pPr marR="0" lvl="4" algn="l" rtl="0">
         <a:lnSpc>
           <a:spcPct val="100000"/>
         </a:lnSpc>
@@ -7754,7 +7839,7 @@
           <a:srgbClr val="000000"/>
         </a:buClr>
         <a:buFont typeface="Arial"/>
-        <a:defRPr b="0" i="0" sz="1400" u="none" cap="none" strike="noStrike">
+        <a:defRPr sz="1400" b="0" i="0" u="none" strike="noStrike" cap="none">
           <a:solidFill>
             <a:srgbClr val="000000"/>
           </a:solidFill>
@@ -7764,7 +7849,7 @@
           <a:sym typeface="Arial"/>
         </a:defRPr>
       </a:lvl5pPr>
-      <a:lvl6pPr lvl="5" marR="0" rtl="0" algn="l">
+      <a:lvl6pPr marR="0" lvl="5" algn="l" rtl="0">
         <a:lnSpc>
           <a:spcPct val="100000"/>
         </a:lnSpc>
@@ -7778,7 +7863,7 @@
           <a:srgbClr val="000000"/>
         </a:buClr>
         <a:buFont typeface="Arial"/>
-        <a:defRPr b="0" i="0" sz="1400" u="none" cap="none" strike="noStrike">
+        <a:defRPr sz="1400" b="0" i="0" u="none" strike="noStrike" cap="none">
           <a:solidFill>
             <a:srgbClr val="000000"/>
           </a:solidFill>
@@ -7788,7 +7873,7 @@
           <a:sym typeface="Arial"/>
         </a:defRPr>
       </a:lvl6pPr>
-      <a:lvl7pPr lvl="6" marR="0" rtl="0" algn="l">
+      <a:lvl7pPr marR="0" lvl="6" algn="l" rtl="0">
         <a:lnSpc>
           <a:spcPct val="100000"/>
         </a:lnSpc>
@@ -7802,7 +7887,7 @@
           <a:srgbClr val="000000"/>
         </a:buClr>
         <a:buFont typeface="Arial"/>
-        <a:defRPr b="0" i="0" sz="1400" u="none" cap="none" strike="noStrike">
+        <a:defRPr sz="1400" b="0" i="0" u="none" strike="noStrike" cap="none">
           <a:solidFill>
             <a:srgbClr val="000000"/>
           </a:solidFill>
@@ -7812,7 +7897,7 @@
           <a:sym typeface="Arial"/>
         </a:defRPr>
       </a:lvl7pPr>
-      <a:lvl8pPr lvl="7" marR="0" rtl="0" algn="l">
+      <a:lvl8pPr marR="0" lvl="7" algn="l" rtl="0">
         <a:lnSpc>
           <a:spcPct val="100000"/>
         </a:lnSpc>
@@ -7826,7 +7911,7 @@
           <a:srgbClr val="000000"/>
         </a:buClr>
         <a:buFont typeface="Arial"/>
-        <a:defRPr b="0" i="0" sz="1400" u="none" cap="none" strike="noStrike">
+        <a:defRPr sz="1400" b="0" i="0" u="none" strike="noStrike" cap="none">
           <a:solidFill>
             <a:srgbClr val="000000"/>
           </a:solidFill>
@@ -7836,7 +7921,7 @@
           <a:sym typeface="Arial"/>
         </a:defRPr>
       </a:lvl8pPr>
-      <a:lvl9pPr lvl="8" marR="0" rtl="0" algn="l">
+      <a:lvl9pPr marR="0" lvl="8" algn="l" rtl="0">
         <a:lnSpc>
           <a:spcPct val="100000"/>
         </a:lnSpc>
@@ -7850,7 +7935,7 @@
           <a:srgbClr val="000000"/>
         </a:buClr>
         <a:buFont typeface="Arial"/>
-        <a:defRPr b="0" i="0" sz="1400" u="none" cap="none" strike="noStrike">
+        <a:defRPr sz="1400" b="0" i="0" u="none" strike="noStrike" cap="none">
           <a:solidFill>
             <a:srgbClr val="000000"/>
           </a:solidFill>
@@ -7862,7 +7947,7 @@
       </a:lvl9pPr>
     </p:bodyStyle>
     <p:otherStyle>
-      <a:defPPr lvl="0" marR="0" rtl="0" algn="l">
+      <a:defPPr marR="0" lvl="0" algn="l" rtl="0">
         <a:lnSpc>
           <a:spcPct val="100000"/>
         </a:lnSpc>
@@ -7873,7 +7958,7 @@
           <a:spcPts val="0"/>
         </a:spcAft>
       </a:defPPr>
-      <a:lvl1pPr lvl="0" marR="0" rtl="0" algn="l">
+      <a:lvl1pPr marR="0" lvl="0" algn="l" rtl="0">
         <a:lnSpc>
           <a:spcPct val="100000"/>
         </a:lnSpc>
@@ -7887,7 +7972,7 @@
           <a:srgbClr val="000000"/>
         </a:buClr>
         <a:buFont typeface="Arial"/>
-        <a:defRPr b="0" i="0" sz="1400" u="none" cap="none" strike="noStrike">
+        <a:defRPr sz="1400" b="0" i="0" u="none" strike="noStrike" cap="none">
           <a:solidFill>
             <a:srgbClr val="000000"/>
           </a:solidFill>
@@ -7897,7 +7982,7 @@
           <a:sym typeface="Arial"/>
         </a:defRPr>
       </a:lvl1pPr>
-      <a:lvl2pPr lvl="1" marR="0" rtl="0" algn="l">
+      <a:lvl2pPr marR="0" lvl="1" algn="l" rtl="0">
         <a:lnSpc>
           <a:spcPct val="100000"/>
         </a:lnSpc>
@@ -7911,7 +7996,7 @@
           <a:srgbClr val="000000"/>
         </a:buClr>
         <a:buFont typeface="Arial"/>
-        <a:defRPr b="0" i="0" sz="1400" u="none" cap="none" strike="noStrike">
+        <a:defRPr sz="1400" b="0" i="0" u="none" strike="noStrike" cap="none">
           <a:solidFill>
             <a:srgbClr val="000000"/>
           </a:solidFill>
@@ -7921,7 +8006,7 @@
           <a:sym typeface="Arial"/>
         </a:defRPr>
       </a:lvl2pPr>
-      <a:lvl3pPr lvl="2" marR="0" rtl="0" algn="l">
+      <a:lvl3pPr marR="0" lvl="2" algn="l" rtl="0">
         <a:lnSpc>
           <a:spcPct val="100000"/>
         </a:lnSpc>
@@ -7935,7 +8020,7 @@
           <a:srgbClr val="000000"/>
         </a:buClr>
         <a:buFont typeface="Arial"/>
-        <a:defRPr b="0" i="0" sz="1400" u="none" cap="none" strike="noStrike">
+        <a:defRPr sz="1400" b="0" i="0" u="none" strike="noStrike" cap="none">
           <a:solidFill>
             <a:srgbClr val="000000"/>
           </a:solidFill>
@@ -7945,7 +8030,7 @@
           <a:sym typeface="Arial"/>
         </a:defRPr>
       </a:lvl3pPr>
-      <a:lvl4pPr lvl="3" marR="0" rtl="0" algn="l">
+      <a:lvl4pPr marR="0" lvl="3" algn="l" rtl="0">
         <a:lnSpc>
           <a:spcPct val="100000"/>
         </a:lnSpc>
@@ -7959,7 +8044,7 @@
           <a:srgbClr val="000000"/>
         </a:buClr>
         <a:buFont typeface="Arial"/>
-        <a:defRPr b="0" i="0" sz="1400" u="none" cap="none" strike="noStrike">
+        <a:defRPr sz="1400" b="0" i="0" u="none" strike="noStrike" cap="none">
           <a:solidFill>
             <a:srgbClr val="000000"/>
           </a:solidFill>
@@ -7969,7 +8054,7 @@
           <a:sym typeface="Arial"/>
         </a:defRPr>
       </a:lvl4pPr>
-      <a:lvl5pPr lvl="4" marR="0" rtl="0" algn="l">
+      <a:lvl5pPr marR="0" lvl="4" algn="l" rtl="0">
         <a:lnSpc>
           <a:spcPct val="100000"/>
         </a:lnSpc>
@@ -7983,7 +8068,7 @@
           <a:srgbClr val="000000"/>
         </a:buClr>
         <a:buFont typeface="Arial"/>
-        <a:defRPr b="0" i="0" sz="1400" u="none" cap="none" strike="noStrike">
+        <a:defRPr sz="1400" b="0" i="0" u="none" strike="noStrike" cap="none">
           <a:solidFill>
             <a:srgbClr val="000000"/>
           </a:solidFill>
@@ -7993,7 +8078,7 @@
           <a:sym typeface="Arial"/>
         </a:defRPr>
       </a:lvl5pPr>
-      <a:lvl6pPr lvl="5" marR="0" rtl="0" algn="l">
+      <a:lvl6pPr marR="0" lvl="5" algn="l" rtl="0">
         <a:lnSpc>
           <a:spcPct val="100000"/>
         </a:lnSpc>
@@ -8007,7 +8092,7 @@
           <a:srgbClr val="000000"/>
         </a:buClr>
         <a:buFont typeface="Arial"/>
-        <a:defRPr b="0" i="0" sz="1400" u="none" cap="none" strike="noStrike">
+        <a:defRPr sz="1400" b="0" i="0" u="none" strike="noStrike" cap="none">
           <a:solidFill>
             <a:srgbClr val="000000"/>
           </a:solidFill>
@@ -8017,7 +8102,7 @@
           <a:sym typeface="Arial"/>
         </a:defRPr>
       </a:lvl6pPr>
-      <a:lvl7pPr lvl="6" marR="0" rtl="0" algn="l">
+      <a:lvl7pPr marR="0" lvl="6" algn="l" rtl="0">
         <a:lnSpc>
           <a:spcPct val="100000"/>
         </a:lnSpc>
@@ -8031,7 +8116,7 @@
           <a:srgbClr val="000000"/>
         </a:buClr>
         <a:buFont typeface="Arial"/>
-        <a:defRPr b="0" i="0" sz="1400" u="none" cap="none" strike="noStrike">
+        <a:defRPr sz="1400" b="0" i="0" u="none" strike="noStrike" cap="none">
           <a:solidFill>
             <a:srgbClr val="000000"/>
           </a:solidFill>
@@ -8041,7 +8126,7 @@
           <a:sym typeface="Arial"/>
         </a:defRPr>
       </a:lvl7pPr>
-      <a:lvl8pPr lvl="7" marR="0" rtl="0" algn="l">
+      <a:lvl8pPr marR="0" lvl="7" algn="l" rtl="0">
         <a:lnSpc>
           <a:spcPct val="100000"/>
         </a:lnSpc>
@@ -8055,7 +8140,7 @@
           <a:srgbClr val="000000"/>
         </a:buClr>
         <a:buFont typeface="Arial"/>
-        <a:defRPr b="0" i="0" sz="1400" u="none" cap="none" strike="noStrike">
+        <a:defRPr sz="1400" b="0" i="0" u="none" strike="noStrike" cap="none">
           <a:solidFill>
             <a:srgbClr val="000000"/>
           </a:solidFill>
@@ -8065,7 +8150,7 @@
           <a:sym typeface="Arial"/>
         </a:defRPr>
       </a:lvl8pPr>
-      <a:lvl9pPr lvl="8" marR="0" rtl="0" algn="l">
+      <a:lvl9pPr marR="0" lvl="8" algn="l" rtl="0">
         <a:lnSpc>
           <a:spcPct val="100000"/>
         </a:lnSpc>
@@ -8079,7 +8164,7 @@
           <a:srgbClr val="000000"/>
         </a:buClr>
         <a:buFont typeface="Arial"/>
-        <a:defRPr b="0" i="0" sz="1400" u="none" cap="none" strike="noStrike">
+        <a:defRPr sz="1400" b="0" i="0" u="none" strike="noStrike" cap="none">
           <a:solidFill>
             <a:srgbClr val="000000"/>
           </a:solidFill>
@@ -8095,11 +8180,11 @@
 </file>
 
 <file path=ppt/slides/slide1.xml><?xml version="1.0" encoding="utf-8"?>
-<p:sld xmlns:a="http://schemas.openxmlformats.org/drawingml/2006/main" xmlns:r="http://schemas.openxmlformats.org/officeDocument/2006/relationships" xmlns:mc="http://schemas.openxmlformats.org/markup-compatibility/2006" xmlns:mv="urn:schemas-microsoft-com:mac:vml" xmlns:p="http://schemas.openxmlformats.org/presentationml/2006/main" xmlns:c="http://schemas.openxmlformats.org/drawingml/2006/chart" xmlns:dgm="http://schemas.openxmlformats.org/drawingml/2006/diagram" xmlns:o="urn:schemas-microsoft-com:office:office" xmlns:v="urn:schemas-microsoft-com:vml" xmlns:pvml="urn:schemas-microsoft-com:office:powerpoint" xmlns:com="http://schemas.openxmlformats.org/drawingml/2006/compatibility" xmlns:p14="http://schemas.microsoft.com/office/powerpoint/2010/main" xmlns:p15="http://schemas.microsoft.com/office/powerpoint/2012/main" xmlns:ahyp="http://schemas.microsoft.com/office/drawing/2018/hyperlinkcolor">
+<p:sld xmlns:a="http://schemas.openxmlformats.org/drawingml/2006/main" xmlns:r="http://schemas.openxmlformats.org/officeDocument/2006/relationships" xmlns:p="http://schemas.openxmlformats.org/presentationml/2006/main">
   <p:cSld>
     <p:spTree>
       <p:nvGrpSpPr>
-        <p:cNvPr id="84" name="Shape 84"/>
+        <p:cNvPr id="1" name="Shape 84"/>
         <p:cNvGrpSpPr/>
         <p:nvPr/>
       </p:nvGrpSpPr>
@@ -8114,7 +8199,9 @@
       <p:sp>
         <p:nvSpPr>
           <p:cNvPr id="85" name="Google Shape;85;p13"/>
-          <p:cNvSpPr txBox="1"/>
+          <p:cNvSpPr txBox="1">
+            <a:spLocks noGrp="1"/>
+          </p:cNvSpPr>
           <p:nvPr>
             <p:ph type="ctrTitle"/>
           </p:nvPr>
@@ -8129,12 +8216,12 @@
           </a:prstGeom>
         </p:spPr>
         <p:txBody>
-          <a:bodyPr anchorCtr="0" anchor="b" bIns="91425" lIns="91425" spcFirstLastPara="1" rIns="91425" wrap="square" tIns="91425">
+          <a:bodyPr spcFirstLastPara="1" wrap="square" lIns="91425" tIns="91425" rIns="91425" bIns="91425" anchor="b" anchorCtr="0">
             <a:noAutofit/>
           </a:bodyPr>
           <a:lstStyle/>
           <a:p>
-            <a:pPr indent="0" lvl="0" marL="0" rtl="0" algn="ctr">
+            <a:pPr marL="0" lvl="0" indent="0" algn="ctr" rtl="0">
               <a:spcBef>
                 <a:spcPts val="0"/>
               </a:spcBef>
@@ -8149,7 +8236,7 @@
               <a:buNone/>
             </a:pPr>
             <a:r>
-              <a:rPr b="1" lang="en" sz="4000">
+              <a:rPr lang="en" sz="4000" b="1">
                 <a:latin typeface="Liberation Serif"/>
                 <a:ea typeface="Liberation Serif"/>
                 <a:cs typeface="Liberation Serif"/>
@@ -8164,9 +8251,11 @@
       <p:sp>
         <p:nvSpPr>
           <p:cNvPr id="86" name="Google Shape;86;p13"/>
-          <p:cNvSpPr txBox="1"/>
+          <p:cNvSpPr txBox="1">
+            <a:spLocks noGrp="1"/>
+          </p:cNvSpPr>
           <p:nvPr>
-            <p:ph idx="1" type="subTitle"/>
+            <p:ph type="subTitle" idx="1"/>
           </p:nvPr>
         </p:nvSpPr>
         <p:spPr>
@@ -8179,12 +8268,12 @@
           </a:prstGeom>
         </p:spPr>
         <p:txBody>
-          <a:bodyPr anchorCtr="0" anchor="t" bIns="91425" lIns="91425" spcFirstLastPara="1" rIns="91425" wrap="square" tIns="91425">
+          <a:bodyPr spcFirstLastPara="1" wrap="square" lIns="91425" tIns="91425" rIns="91425" bIns="91425" anchor="t" anchorCtr="0">
             <a:noAutofit/>
           </a:bodyPr>
           <a:lstStyle/>
           <a:p>
-            <a:pPr indent="0" lvl="0" marL="0" rtl="0" algn="l">
+            <a:pPr marL="0" lvl="0" indent="0" algn="l" rtl="0">
               <a:spcBef>
                 <a:spcPts val="0"/>
               </a:spcBef>
@@ -8238,11 +8327,11 @@
 </file>
 
 <file path=ppt/slides/slide2.xml><?xml version="1.0" encoding="utf-8"?>
-<p:sld xmlns:a="http://schemas.openxmlformats.org/drawingml/2006/main" xmlns:r="http://schemas.openxmlformats.org/officeDocument/2006/relationships" xmlns:mc="http://schemas.openxmlformats.org/markup-compatibility/2006" xmlns:mv="urn:schemas-microsoft-com:mac:vml" xmlns:p="http://schemas.openxmlformats.org/presentationml/2006/main" xmlns:c="http://schemas.openxmlformats.org/drawingml/2006/chart" xmlns:dgm="http://schemas.openxmlformats.org/drawingml/2006/diagram" xmlns:o="urn:schemas-microsoft-com:office:office" xmlns:v="urn:schemas-microsoft-com:vml" xmlns:pvml="urn:schemas-microsoft-com:office:powerpoint" xmlns:com="http://schemas.openxmlformats.org/drawingml/2006/compatibility" xmlns:p14="http://schemas.microsoft.com/office/powerpoint/2010/main" xmlns:p15="http://schemas.microsoft.com/office/powerpoint/2012/main" xmlns:ahyp="http://schemas.microsoft.com/office/drawing/2018/hyperlinkcolor">
+<p:sld xmlns:a="http://schemas.openxmlformats.org/drawingml/2006/main" xmlns:r="http://schemas.openxmlformats.org/officeDocument/2006/relationships" xmlns:p="http://schemas.openxmlformats.org/presentationml/2006/main">
   <p:cSld>
     <p:spTree>
       <p:nvGrpSpPr>
-        <p:cNvPr id="91" name="Shape 91"/>
+        <p:cNvPr id="1" name="Shape 91"/>
         <p:cNvGrpSpPr/>
         <p:nvPr/>
       </p:nvGrpSpPr>
@@ -8257,7 +8346,9 @@
       <p:sp>
         <p:nvSpPr>
           <p:cNvPr id="92" name="Google Shape;92;p14"/>
-          <p:cNvSpPr txBox="1"/>
+          <p:cNvSpPr txBox="1">
+            <a:spLocks noGrp="1"/>
+          </p:cNvSpPr>
           <p:nvPr>
             <p:ph type="title"/>
           </p:nvPr>
@@ -8272,12 +8363,12 @@
           </a:prstGeom>
         </p:spPr>
         <p:txBody>
-          <a:bodyPr anchorCtr="0" anchor="t" bIns="91425" lIns="91425" spcFirstLastPara="1" rIns="91425" wrap="square" tIns="91425">
+          <a:bodyPr spcFirstLastPara="1" wrap="square" lIns="91425" tIns="91425" rIns="91425" bIns="91425" anchor="t" anchorCtr="0">
             <a:noAutofit/>
           </a:bodyPr>
           <a:lstStyle/>
           <a:p>
-            <a:pPr indent="0" lvl="0" marL="0" rtl="0" algn="ctr">
+            <a:pPr marL="0" lvl="0" indent="0" algn="ctr" rtl="0">
               <a:spcBef>
                 <a:spcPts val="0"/>
               </a:spcBef>
@@ -8287,7 +8378,7 @@
               <a:buNone/>
             </a:pPr>
             <a:r>
-              <a:rPr b="1" lang="en" sz="2600">
+              <a:rPr lang="en" sz="2600" b="1">
                 <a:solidFill>
                   <a:schemeClr val="accent2"/>
                 </a:solidFill>
@@ -8305,7 +8396,7 @@
             </a:endParaRPr>
           </a:p>
           <a:p>
-            <a:pPr indent="0" lvl="0" marL="0" rtl="0" algn="l">
+            <a:pPr marL="0" lvl="0" indent="0" algn="l" rtl="0">
               <a:spcBef>
                 <a:spcPts val="0"/>
               </a:spcBef>
@@ -8314,9 +8405,6 @@
               </a:spcAft>
               <a:buNone/>
             </a:pPr>
-            <a:r>
-              <a:t/>
-            </a:r>
             <a:endParaRPr/>
           </a:p>
         </p:txBody>
@@ -8324,9 +8412,11 @@
       <p:sp>
         <p:nvSpPr>
           <p:cNvPr id="93" name="Google Shape;93;p14"/>
-          <p:cNvSpPr txBox="1"/>
+          <p:cNvSpPr txBox="1">
+            <a:spLocks noGrp="1"/>
+          </p:cNvSpPr>
           <p:nvPr>
-            <p:ph idx="1" type="body"/>
+            <p:ph type="body" idx="1"/>
           </p:nvPr>
         </p:nvSpPr>
         <p:spPr>
@@ -8339,12 +8429,12 @@
           </a:prstGeom>
         </p:spPr>
         <p:txBody>
-          <a:bodyPr anchorCtr="0" anchor="t" bIns="91425" lIns="91425" spcFirstLastPara="1" rIns="91425" wrap="square" tIns="91425">
+          <a:bodyPr spcFirstLastPara="1" wrap="square" lIns="91425" tIns="91425" rIns="91425" bIns="91425" anchor="t" anchorCtr="0">
             <a:noAutofit/>
           </a:bodyPr>
           <a:lstStyle/>
           <a:p>
-            <a:pPr indent="0" lvl="0" marL="0" rtl="0" algn="l">
+            <a:pPr marL="0" lvl="0" indent="0" algn="l" rtl="0">
               <a:spcBef>
                 <a:spcPts val="0"/>
               </a:spcBef>
@@ -8354,21 +8444,21 @@
               <a:buNone/>
             </a:pPr>
             <a:r>
-              <a:rPr b="1" lang="en" sz="2200" u="sng">
+              <a:rPr lang="en" sz="2200" b="1" u="sng">
                 <a:solidFill>
                   <a:srgbClr val="CC0000"/>
                 </a:solidFill>
               </a:rPr>
               <a:t>Database Vulnerabilities = Hackable!</a:t>
             </a:r>
-            <a:endParaRPr b="1" sz="2200" u="sng">
+            <a:endParaRPr sz="2200" b="1" u="sng">
               <a:solidFill>
                 <a:srgbClr val="CC0000"/>
               </a:solidFill>
             </a:endParaRPr>
           </a:p>
           <a:p>
-            <a:pPr indent="0" lvl="0" marL="0" rtl="0" algn="l">
+            <a:pPr marL="0" lvl="0" indent="0" algn="l" rtl="0">
               <a:spcBef>
                 <a:spcPts val="1600"/>
               </a:spcBef>
@@ -8377,13 +8467,10 @@
               </a:spcAft>
               <a:buNone/>
             </a:pPr>
-            <a:r>
-              <a:t/>
-            </a:r>
             <a:endParaRPr/>
           </a:p>
           <a:p>
-            <a:pPr indent="0" lvl="0" marL="0" rtl="0" algn="l">
+            <a:pPr marL="0" lvl="0" indent="0" algn="l" rtl="0">
               <a:spcBef>
                 <a:spcPts val="1600"/>
               </a:spcBef>
@@ -8393,13 +8480,13 @@
               <a:buNone/>
             </a:pPr>
             <a:r>
-              <a:rPr b="1" lang="en" sz="2000"/>
+              <a:rPr lang="en" sz="2000" b="1"/>
               <a:t>How do you define “to hack a database”?</a:t>
             </a:r>
-            <a:endParaRPr b="1" sz="2000"/>
+            <a:endParaRPr sz="2000" b="1"/>
           </a:p>
           <a:p>
-            <a:pPr indent="0" lvl="0" marL="0" rtl="0" algn="l">
+            <a:pPr marL="0" lvl="0" indent="0" algn="l" rtl="0">
               <a:lnSpc>
                 <a:spcPct val="100000"/>
               </a:lnSpc>
@@ -8412,7 +8499,7 @@
               <a:buNone/>
             </a:pPr>
             <a:r>
-              <a:rPr b="1" lang="en" sz="1200">
+              <a:rPr lang="en" sz="1200" b="1">
                 <a:solidFill>
                   <a:srgbClr val="000000"/>
                 </a:solidFill>
@@ -8447,12 +8534,12 @@
           </a:ln>
         </p:spPr>
         <p:txBody>
-          <a:bodyPr anchorCtr="0" anchor="t" bIns="91425" lIns="91425" spcFirstLastPara="1" rIns="91425" wrap="square" tIns="91425">
+          <a:bodyPr spcFirstLastPara="1" wrap="square" lIns="91425" tIns="91425" rIns="91425" bIns="91425" anchor="t" anchorCtr="0">
             <a:noAutofit/>
           </a:bodyPr>
           <a:lstStyle/>
           <a:p>
-            <a:pPr indent="0" lvl="0" marL="0" rtl="0" algn="l">
+            <a:pPr marL="0" lvl="0" indent="0" algn="l" rtl="0">
               <a:spcBef>
                 <a:spcPts val="0"/>
               </a:spcBef>
@@ -8461,9 +8548,6 @@
               </a:spcAft>
               <a:buNone/>
             </a:pPr>
-            <a:r>
-              <a:t/>
-            </a:r>
             <a:endParaRPr>
               <a:latin typeface="Roboto"/>
               <a:ea typeface="Roboto"/>
@@ -8493,12 +8577,12 @@
           </a:ln>
         </p:spPr>
         <p:txBody>
-          <a:bodyPr anchorCtr="0" anchor="t" bIns="91425" lIns="91425" spcFirstLastPara="1" rIns="91425" wrap="square" tIns="91425">
+          <a:bodyPr spcFirstLastPara="1" wrap="square" lIns="91425" tIns="91425" rIns="91425" bIns="91425" anchor="t" anchorCtr="0">
             <a:noAutofit/>
           </a:bodyPr>
           <a:lstStyle/>
           <a:p>
-            <a:pPr indent="0" lvl="0" marL="0" rtl="0" algn="l">
+            <a:pPr marL="0" lvl="0" indent="0" algn="l" rtl="0">
               <a:spcBef>
                 <a:spcPts val="0"/>
               </a:spcBef>
@@ -8536,7 +8620,7 @@
             </a:endParaRPr>
           </a:p>
           <a:p>
-            <a:pPr indent="0" lvl="0" marL="0" rtl="0" algn="l">
+            <a:pPr marL="0" lvl="0" indent="0" algn="l" rtl="0">
               <a:spcBef>
                 <a:spcPts val="0"/>
               </a:spcBef>
@@ -8545,9 +8629,6 @@
               </a:spcAft>
               <a:buNone/>
             </a:pPr>
-            <a:r>
-              <a:t/>
-            </a:r>
             <a:endParaRPr sz="2400">
               <a:latin typeface="Roboto"/>
               <a:ea typeface="Roboto"/>
@@ -8565,32 +8646,32 @@
   <p:timing>
     <p:tnLst>
       <p:par>
-        <p:cTn dur="indefinite" nodeType="tmRoot" restart="never">
+        <p:cTn id="1" dur="indefinite" restart="never" nodeType="tmRoot">
           <p:childTnLst>
             <p:seq concurrent="1" nextAc="seek">
-              <p:cTn dur="indefinite" id="2" nodeType="mainSeq">
+              <p:cTn id="2" dur="indefinite" nodeType="mainSeq">
                 <p:childTnLst>
                   <p:par>
-                    <p:cTn fill="hold">
+                    <p:cTn id="3" fill="hold">
                       <p:stCondLst>
                         <p:cond delay="indefinite"/>
                       </p:stCondLst>
                       <p:childTnLst>
                         <p:par>
-                          <p:cTn fill="hold">
+                          <p:cTn id="4" fill="hold">
                             <p:stCondLst>
                               <p:cond delay="0"/>
                             </p:stCondLst>
                             <p:childTnLst>
                               <p:par>
-                                <p:cTn fill="hold" nodeType="clickEffect" presetClass="entr" presetID="10" presetSubtype="0">
+                                <p:cTn id="5" presetID="10" presetClass="entr" presetSubtype="0" fill="hold" nodeType="clickEffect">
                                   <p:stCondLst>
                                     <p:cond delay="0"/>
                                   </p:stCondLst>
                                   <p:childTnLst>
                                     <p:set>
                                       <p:cBhvr>
-                                        <p:cTn dur="1" fill="hold">
+                                        <p:cTn id="6" dur="1" fill="hold">
                                           <p:stCondLst>
                                             <p:cond delay="0"/>
                                           </p:stCondLst>
@@ -8606,9 +8687,9 @@
                                         <p:strVal val="visible"/>
                                       </p:to>
                                     </p:set>
-                                    <p:animEffect filter="fade" transition="in">
+                                    <p:animEffect transition="in" filter="fade">
                                       <p:cBhvr>
-                                        <p:cTn dur="1000"/>
+                                        <p:cTn id="7" dur="1000"/>
                                         <p:tgtEl>
                                           <p:spTgt spid="95"/>
                                         </p:tgtEl>
@@ -8626,14 +8707,14 @@
                 </p:childTnLst>
               </p:cTn>
               <p:prevCondLst>
-                <p:cond evt="onPrev">
+                <p:cond evt="onPrev" delay="0">
                   <p:tgtEl>
                     <p:sldTgt/>
                   </p:tgtEl>
                 </p:cond>
               </p:prevCondLst>
               <p:nextCondLst>
-                <p:cond evt="onNext">
+                <p:cond evt="onNext" delay="0">
                   <p:tgtEl>
                     <p:sldTgt/>
                   </p:tgtEl>
@@ -8649,11 +8730,11 @@
 </file>
 
 <file path=ppt/slides/slide3.xml><?xml version="1.0" encoding="utf-8"?>
-<p:sld xmlns:a="http://schemas.openxmlformats.org/drawingml/2006/main" xmlns:r="http://schemas.openxmlformats.org/officeDocument/2006/relationships" xmlns:mc="http://schemas.openxmlformats.org/markup-compatibility/2006" xmlns:mv="urn:schemas-microsoft-com:mac:vml" xmlns:p="http://schemas.openxmlformats.org/presentationml/2006/main" xmlns:c="http://schemas.openxmlformats.org/drawingml/2006/chart" xmlns:dgm="http://schemas.openxmlformats.org/drawingml/2006/diagram" xmlns:o="urn:schemas-microsoft-com:office:office" xmlns:v="urn:schemas-microsoft-com:vml" xmlns:pvml="urn:schemas-microsoft-com:office:powerpoint" xmlns:com="http://schemas.openxmlformats.org/drawingml/2006/compatibility" xmlns:p14="http://schemas.microsoft.com/office/powerpoint/2010/main" xmlns:p15="http://schemas.microsoft.com/office/powerpoint/2012/main" xmlns:ahyp="http://schemas.microsoft.com/office/drawing/2018/hyperlinkcolor">
+<p:sld xmlns:a="http://schemas.openxmlformats.org/drawingml/2006/main" xmlns:r="http://schemas.openxmlformats.org/officeDocument/2006/relationships" xmlns:p="http://schemas.openxmlformats.org/presentationml/2006/main">
   <p:cSld>
     <p:spTree>
       <p:nvGrpSpPr>
-        <p:cNvPr id="99" name="Shape 99"/>
+        <p:cNvPr id="1" name="Shape 99"/>
         <p:cNvGrpSpPr/>
         <p:nvPr/>
       </p:nvGrpSpPr>
@@ -8668,7 +8749,9 @@
       <p:sp>
         <p:nvSpPr>
           <p:cNvPr id="100" name="Google Shape;100;p15"/>
-          <p:cNvSpPr txBox="1"/>
+          <p:cNvSpPr txBox="1">
+            <a:spLocks noGrp="1"/>
+          </p:cNvSpPr>
           <p:nvPr>
             <p:ph type="title"/>
           </p:nvPr>
@@ -8683,12 +8766,12 @@
           </a:prstGeom>
         </p:spPr>
         <p:txBody>
-          <a:bodyPr anchorCtr="0" anchor="t" bIns="91425" lIns="91425" spcFirstLastPara="1" rIns="91425" wrap="square" tIns="91425">
+          <a:bodyPr spcFirstLastPara="1" wrap="square" lIns="91425" tIns="91425" rIns="91425" bIns="91425" anchor="t" anchorCtr="0">
             <a:noAutofit/>
           </a:bodyPr>
           <a:lstStyle/>
           <a:p>
-            <a:pPr indent="0" lvl="0" marL="0" rtl="0" algn="ctr">
+            <a:pPr marL="0" lvl="0" indent="0" algn="ctr" rtl="0">
               <a:spcBef>
                 <a:spcPts val="0"/>
               </a:spcBef>
@@ -8698,7 +8781,7 @@
               <a:buNone/>
             </a:pPr>
             <a:r>
-              <a:rPr b="1" lang="en" sz="2600">
+              <a:rPr lang="en" sz="2600" b="1">
                 <a:solidFill>
                   <a:schemeClr val="accent2"/>
                 </a:solidFill>
@@ -8720,9 +8803,11 @@
       <p:sp>
         <p:nvSpPr>
           <p:cNvPr id="101" name="Google Shape;101;p15"/>
-          <p:cNvSpPr txBox="1"/>
+          <p:cNvSpPr txBox="1">
+            <a:spLocks noGrp="1"/>
+          </p:cNvSpPr>
           <p:nvPr>
-            <p:ph idx="1" type="body"/>
+            <p:ph type="body" idx="1"/>
           </p:nvPr>
         </p:nvSpPr>
         <p:spPr>
@@ -8735,12 +8820,12 @@
           </a:prstGeom>
         </p:spPr>
         <p:txBody>
-          <a:bodyPr anchorCtr="0" anchor="t" bIns="91425" lIns="91425" spcFirstLastPara="1" rIns="91425" wrap="square" tIns="91425">
+          <a:bodyPr spcFirstLastPara="1" wrap="square" lIns="91425" tIns="91425" rIns="91425" bIns="91425" anchor="t" anchorCtr="0">
             <a:noAutofit/>
           </a:bodyPr>
           <a:lstStyle/>
           <a:p>
-            <a:pPr indent="0" lvl="0" marL="0" rtl="0" algn="ctr">
+            <a:pPr marL="0" lvl="0" indent="0" algn="ctr" rtl="0">
               <a:lnSpc>
                 <a:spcPct val="100000"/>
               </a:lnSpc>
@@ -8753,7 +8838,7 @@
               <a:buNone/>
             </a:pPr>
             <a:r>
-              <a:rPr b="1" lang="en" sz="2000" u="sng">
+              <a:rPr lang="en" sz="2000" b="1" u="sng">
                 <a:solidFill>
                   <a:srgbClr val="0000FF"/>
                 </a:solidFill>
@@ -8764,7 +8849,7 @@
               </a:rPr>
               <a:t>DISCLAIMER:</a:t>
             </a:r>
-            <a:endParaRPr b="1" sz="2000" u="sng">
+            <a:endParaRPr sz="2000" b="1" u="sng">
               <a:solidFill>
                 <a:srgbClr val="0000FF"/>
               </a:solidFill>
@@ -8775,7 +8860,7 @@
             </a:endParaRPr>
           </a:p>
           <a:p>
-            <a:pPr indent="0" lvl="0" marL="0" rtl="0" algn="l">
+            <a:pPr marL="0" lvl="0" indent="0" algn="l" rtl="0">
               <a:lnSpc>
                 <a:spcPct val="100000"/>
               </a:lnSpc>
@@ -8800,7 +8885,7 @@
               <a:t>Remember that you are testing a vulnerability in a permitted, contained environment.  Attempting any of these techniques on another website that is not wholly owned by you is considered a </a:t>
             </a:r>
             <a:r>
-              <a:rPr b="1" lang="en" sz="2000">
+              <a:rPr lang="en" sz="2000" b="1">
                 <a:solidFill>
                   <a:srgbClr val="000000"/>
                 </a:solidFill>
@@ -8824,7 +8909,7 @@
               <a:t> and most likely falls under </a:t>
             </a:r>
             <a:r>
-              <a:rPr b="1" lang="en" sz="2000">
+              <a:rPr lang="en" sz="2000" b="1">
                 <a:solidFill>
                   <a:srgbClr val="000000"/>
                 </a:solidFill>
@@ -8858,7 +8943,7 @@
             </a:endParaRPr>
           </a:p>
           <a:p>
-            <a:pPr indent="0" lvl="0" marL="0" rtl="0" algn="l">
+            <a:pPr marL="0" lvl="0" indent="0" algn="l" rtl="0">
               <a:lnSpc>
                 <a:spcPct val="100000"/>
               </a:lnSpc>
@@ -8870,9 +8955,6 @@
               </a:spcAft>
               <a:buNone/>
             </a:pPr>
-            <a:r>
-              <a:t/>
-            </a:r>
             <a:endParaRPr sz="2400">
               <a:solidFill>
                 <a:srgbClr val="000000"/>
@@ -8884,7 +8966,7 @@
             </a:endParaRPr>
           </a:p>
           <a:p>
-            <a:pPr indent="0" lvl="0" marL="0" rtl="0" algn="l">
+            <a:pPr marL="0" lvl="0" indent="0" algn="l" rtl="0">
               <a:lnSpc>
                 <a:spcPct val="100000"/>
               </a:lnSpc>
@@ -8909,7 +8991,7 @@
               <a:t>In other words: </a:t>
             </a:r>
             <a:r>
-              <a:rPr b="1" i="1" lang="en" sz="2400">
+              <a:rPr lang="en" sz="2400" b="1" i="1">
                 <a:solidFill>
                   <a:srgbClr val="CC0000"/>
                 </a:solidFill>
@@ -8920,7 +9002,7 @@
               </a:rPr>
               <a:t>DON’T TRY THIS AT HOME!</a:t>
             </a:r>
-            <a:endParaRPr b="1" i="1" sz="2400">
+            <a:endParaRPr sz="2400" b="1" i="1">
               <a:solidFill>
                 <a:srgbClr val="CC0000"/>
               </a:solidFill>
@@ -8931,7 +9013,7 @@
             </a:endParaRPr>
           </a:p>
           <a:p>
-            <a:pPr indent="0" lvl="0" marL="0" rtl="0" algn="l">
+            <a:pPr marL="0" lvl="0" indent="0" algn="l" rtl="0">
               <a:spcBef>
                 <a:spcPts val="0"/>
               </a:spcBef>
@@ -8940,9 +9022,6 @@
               </a:spcAft>
               <a:buNone/>
             </a:pPr>
-            <a:r>
-              <a:t/>
-            </a:r>
             <a:endParaRPr/>
           </a:p>
         </p:txBody>
@@ -8984,11 +9063,11 @@
 </file>
 
 <file path=ppt/slides/slide4.xml><?xml version="1.0" encoding="utf-8"?>
-<p:sld xmlns:a="http://schemas.openxmlformats.org/drawingml/2006/main" xmlns:r="http://schemas.openxmlformats.org/officeDocument/2006/relationships" xmlns:mc="http://schemas.openxmlformats.org/markup-compatibility/2006" xmlns:mv="urn:schemas-microsoft-com:mac:vml" xmlns:p="http://schemas.openxmlformats.org/presentationml/2006/main" xmlns:c="http://schemas.openxmlformats.org/drawingml/2006/chart" xmlns:dgm="http://schemas.openxmlformats.org/drawingml/2006/diagram" xmlns:o="urn:schemas-microsoft-com:office:office" xmlns:v="urn:schemas-microsoft-com:vml" xmlns:pvml="urn:schemas-microsoft-com:office:powerpoint" xmlns:com="http://schemas.openxmlformats.org/drawingml/2006/compatibility" xmlns:p14="http://schemas.microsoft.com/office/powerpoint/2010/main" xmlns:p15="http://schemas.microsoft.com/office/powerpoint/2012/main" xmlns:ahyp="http://schemas.microsoft.com/office/drawing/2018/hyperlinkcolor">
+<p:sld xmlns:a="http://schemas.openxmlformats.org/drawingml/2006/main" xmlns:r="http://schemas.openxmlformats.org/officeDocument/2006/relationships" xmlns:p="http://schemas.openxmlformats.org/presentationml/2006/main">
   <p:cSld>
     <p:spTree>
       <p:nvGrpSpPr>
-        <p:cNvPr id="106" name="Shape 106"/>
+        <p:cNvPr id="1" name="Shape 106"/>
         <p:cNvGrpSpPr/>
         <p:nvPr/>
       </p:nvGrpSpPr>
@@ -9003,7 +9082,9 @@
       <p:sp>
         <p:nvSpPr>
           <p:cNvPr id="107" name="Google Shape;107;p16"/>
-          <p:cNvSpPr txBox="1"/>
+          <p:cNvSpPr txBox="1">
+            <a:spLocks noGrp="1"/>
+          </p:cNvSpPr>
           <p:nvPr>
             <p:ph type="title"/>
           </p:nvPr>
@@ -9018,12 +9099,12 @@
           </a:prstGeom>
         </p:spPr>
         <p:txBody>
-          <a:bodyPr anchorCtr="0" anchor="t" bIns="91425" lIns="91425" spcFirstLastPara="1" rIns="91425" wrap="square" tIns="91425">
+          <a:bodyPr spcFirstLastPara="1" wrap="square" lIns="91425" tIns="91425" rIns="91425" bIns="91425" anchor="t" anchorCtr="0">
             <a:noAutofit/>
           </a:bodyPr>
           <a:lstStyle/>
           <a:p>
-            <a:pPr indent="0" lvl="0" marL="0" rtl="0" algn="ctr">
+            <a:pPr marL="0" lvl="0" indent="0" algn="ctr" rtl="0">
               <a:spcBef>
                 <a:spcPts val="0"/>
               </a:spcBef>
@@ -9033,7 +9114,7 @@
               <a:buNone/>
             </a:pPr>
             <a:r>
-              <a:rPr b="1" lang="en" sz="2600">
+              <a:rPr lang="en" sz="2600" b="1">
                 <a:solidFill>
                   <a:schemeClr val="accent2"/>
                 </a:solidFill>
@@ -9051,7 +9132,7 @@
             </a:endParaRPr>
           </a:p>
           <a:p>
-            <a:pPr indent="0" lvl="0" marL="0" rtl="0" algn="l">
+            <a:pPr marL="0" lvl="0" indent="0" algn="l" rtl="0">
               <a:spcBef>
                 <a:spcPts val="0"/>
               </a:spcBef>
@@ -9060,9 +9141,6 @@
               </a:spcAft>
               <a:buNone/>
             </a:pPr>
-            <a:r>
-              <a:t/>
-            </a:r>
             <a:endParaRPr/>
           </a:p>
         </p:txBody>
@@ -9070,9 +9148,11 @@
       <p:sp>
         <p:nvSpPr>
           <p:cNvPr id="108" name="Google Shape;108;p16"/>
-          <p:cNvSpPr txBox="1"/>
+          <p:cNvSpPr txBox="1">
+            <a:spLocks noGrp="1"/>
+          </p:cNvSpPr>
           <p:nvPr>
-            <p:ph idx="1" type="body"/>
+            <p:ph type="body" idx="1"/>
           </p:nvPr>
         </p:nvSpPr>
         <p:spPr>
@@ -9085,12 +9165,12 @@
           </a:prstGeom>
         </p:spPr>
         <p:txBody>
-          <a:bodyPr anchorCtr="0" anchor="t" bIns="91425" lIns="91425" spcFirstLastPara="1" rIns="91425" wrap="square" tIns="91425">
+          <a:bodyPr spcFirstLastPara="1" wrap="square" lIns="91425" tIns="91425" rIns="91425" bIns="91425" anchor="t" anchorCtr="0">
             <a:noAutofit/>
           </a:bodyPr>
           <a:lstStyle/>
           <a:p>
-            <a:pPr indent="0" lvl="0" marL="0" rtl="0" algn="l">
+            <a:pPr marL="0" lvl="0" indent="0" algn="l" rtl="0">
               <a:spcBef>
                 <a:spcPts val="0"/>
               </a:spcBef>
@@ -9104,7 +9184,7 @@
               <a:t> </a:t>
             </a:r>
             <a:r>
-              <a:rPr b="1" i="1" lang="en" u="sng">
+              <a:rPr lang="en" b="1" i="1" u="sng">
                 <a:solidFill>
                   <a:srgbClr val="9900FF"/>
                 </a:solidFill>
@@ -9118,7 +9198,7 @@
             </a:endParaRPr>
           </a:p>
           <a:p>
-            <a:pPr indent="0" lvl="0" marL="0" rtl="0" algn="l">
+            <a:pPr marL="0" lvl="0" indent="0" algn="l" rtl="0">
               <a:lnSpc>
                 <a:spcPct val="100000"/>
               </a:lnSpc>
@@ -9131,7 +9211,7 @@
               <a:buNone/>
             </a:pPr>
             <a:r>
-              <a:rPr b="1" lang="en" sz="1500">
+              <a:rPr lang="en" sz="1500" b="1">
                 <a:solidFill>
                   <a:srgbClr val="000000"/>
                 </a:solidFill>
@@ -9165,7 +9245,7 @@
             </a:endParaRPr>
           </a:p>
           <a:p>
-            <a:pPr indent="0" lvl="0" marL="0" rtl="0" algn="l">
+            <a:pPr marL="0" lvl="0" indent="0" algn="l" rtl="0">
               <a:lnSpc>
                 <a:spcPct val="100000"/>
               </a:lnSpc>
@@ -9177,9 +9257,6 @@
               </a:spcAft>
               <a:buNone/>
             </a:pPr>
-            <a:r>
-              <a:t/>
-            </a:r>
             <a:endParaRPr sz="1500">
               <a:solidFill>
                 <a:srgbClr val="000000"/>
@@ -9191,7 +9268,7 @@
             </a:endParaRPr>
           </a:p>
           <a:p>
-            <a:pPr indent="0" lvl="0" marL="0" rtl="0" algn="l">
+            <a:pPr marL="0" lvl="0" indent="0" algn="l" rtl="0">
               <a:lnSpc>
                 <a:spcPct val="100000"/>
               </a:lnSpc>
@@ -9204,7 +9281,7 @@
               <a:buNone/>
             </a:pPr>
             <a:r>
-              <a:rPr b="1" lang="en" sz="1500">
+              <a:rPr lang="en" sz="1500" b="1">
                 <a:solidFill>
                   <a:srgbClr val="000000"/>
                 </a:solidFill>
@@ -9238,7 +9315,7 @@
             </a:endParaRPr>
           </a:p>
           <a:p>
-            <a:pPr indent="0" lvl="0" marL="0" rtl="0" algn="l">
+            <a:pPr marL="0" lvl="0" indent="0" algn="l" rtl="0">
               <a:lnSpc>
                 <a:spcPct val="100000"/>
               </a:lnSpc>
@@ -9250,9 +9327,6 @@
               </a:spcAft>
               <a:buNone/>
             </a:pPr>
-            <a:r>
-              <a:t/>
-            </a:r>
             <a:endParaRPr sz="1500">
               <a:solidFill>
                 <a:srgbClr val="000000"/>
@@ -9264,7 +9338,7 @@
             </a:endParaRPr>
           </a:p>
           <a:p>
-            <a:pPr indent="0" lvl="0" marL="0" rtl="0" algn="l">
+            <a:pPr marL="0" lvl="0" indent="0" algn="l" rtl="0">
               <a:lnSpc>
                 <a:spcPct val="100000"/>
               </a:lnSpc>
@@ -9277,7 +9351,7 @@
               <a:buNone/>
             </a:pPr>
             <a:r>
-              <a:rPr b="1" lang="en" sz="1500">
+              <a:rPr lang="en" sz="1500" b="1">
                 <a:solidFill>
                   <a:srgbClr val="000000"/>
                 </a:solidFill>
@@ -9301,7 +9375,7 @@
               <a:t>E.g. you could send the statement "if the first name of the username is an </a:t>
             </a:r>
             <a:r>
-              <a:rPr i="1" lang="en" sz="1500">
+              <a:rPr lang="en" sz="1500" i="1">
                 <a:solidFill>
                   <a:srgbClr val="000000"/>
                 </a:solidFill>
@@ -9325,7 +9399,7 @@
               <a:t>, wait 10 seconds. If the application takes 10 seconds to perform the query, the username starts with an </a:t>
             </a:r>
             <a:r>
-              <a:rPr i="1" lang="en" sz="1500">
+              <a:rPr lang="en" sz="1500" i="1">
                 <a:solidFill>
                   <a:srgbClr val="000000"/>
                 </a:solidFill>
@@ -9361,11 +9435,11 @@
 </file>
 
 <file path=ppt/slides/slide5.xml><?xml version="1.0" encoding="utf-8"?>
-<p:sld xmlns:a="http://schemas.openxmlformats.org/drawingml/2006/main" xmlns:r="http://schemas.openxmlformats.org/officeDocument/2006/relationships" xmlns:mc="http://schemas.openxmlformats.org/markup-compatibility/2006" xmlns:mv="urn:schemas-microsoft-com:mac:vml" xmlns:p="http://schemas.openxmlformats.org/presentationml/2006/main" xmlns:c="http://schemas.openxmlformats.org/drawingml/2006/chart" xmlns:dgm="http://schemas.openxmlformats.org/drawingml/2006/diagram" xmlns:o="urn:schemas-microsoft-com:office:office" xmlns:v="urn:schemas-microsoft-com:vml" xmlns:pvml="urn:schemas-microsoft-com:office:powerpoint" xmlns:com="http://schemas.openxmlformats.org/drawingml/2006/compatibility" xmlns:p14="http://schemas.microsoft.com/office/powerpoint/2010/main" xmlns:p15="http://schemas.microsoft.com/office/powerpoint/2012/main" xmlns:ahyp="http://schemas.microsoft.com/office/drawing/2018/hyperlinkcolor">
+<p:sld xmlns:a="http://schemas.openxmlformats.org/drawingml/2006/main" xmlns:r="http://schemas.openxmlformats.org/officeDocument/2006/relationships" xmlns:p="http://schemas.openxmlformats.org/presentationml/2006/main">
   <p:cSld>
     <p:spTree>
       <p:nvGrpSpPr>
-        <p:cNvPr id="112" name="Shape 112"/>
+        <p:cNvPr id="1" name="Shape 112"/>
         <p:cNvGrpSpPr/>
         <p:nvPr/>
       </p:nvGrpSpPr>
@@ -9380,7 +9454,9 @@
       <p:sp>
         <p:nvSpPr>
           <p:cNvPr id="113" name="Google Shape;113;p17"/>
-          <p:cNvSpPr txBox="1"/>
+          <p:cNvSpPr txBox="1">
+            <a:spLocks noGrp="1"/>
+          </p:cNvSpPr>
           <p:nvPr>
             <p:ph type="title"/>
           </p:nvPr>
@@ -9395,12 +9471,12 @@
           </a:prstGeom>
         </p:spPr>
         <p:txBody>
-          <a:bodyPr anchorCtr="0" anchor="t" bIns="91425" lIns="91425" spcFirstLastPara="1" rIns="91425" wrap="square" tIns="91425">
+          <a:bodyPr spcFirstLastPara="1" wrap="square" lIns="91425" tIns="91425" rIns="91425" bIns="91425" anchor="t" anchorCtr="0">
             <a:noAutofit/>
           </a:bodyPr>
           <a:lstStyle/>
           <a:p>
-            <a:pPr indent="0" lvl="0" marL="0" rtl="0" algn="ctr">
+            <a:pPr marL="0" lvl="0" indent="0" algn="ctr" rtl="0">
               <a:spcBef>
                 <a:spcPts val="0"/>
               </a:spcBef>
@@ -9410,7 +9486,7 @@
               <a:buNone/>
             </a:pPr>
             <a:r>
-              <a:rPr b="1" lang="en" sz="2600">
+              <a:rPr lang="en" sz="2600" b="1">
                 <a:solidFill>
                   <a:schemeClr val="accent2"/>
                 </a:solidFill>
@@ -9428,7 +9504,7 @@
             </a:endParaRPr>
           </a:p>
           <a:p>
-            <a:pPr indent="0" lvl="0" marL="0" rtl="0" algn="l">
+            <a:pPr marL="0" lvl="0" indent="0" algn="l" rtl="0">
               <a:spcBef>
                 <a:spcPts val="0"/>
               </a:spcBef>
@@ -9437,9 +9513,6 @@
               </a:spcAft>
               <a:buNone/>
             </a:pPr>
-            <a:r>
-              <a:t/>
-            </a:r>
             <a:endParaRPr/>
           </a:p>
         </p:txBody>
@@ -9447,9 +9520,11 @@
       <p:sp>
         <p:nvSpPr>
           <p:cNvPr id="114" name="Google Shape;114;p17"/>
-          <p:cNvSpPr txBox="1"/>
+          <p:cNvSpPr txBox="1">
+            <a:spLocks noGrp="1"/>
+          </p:cNvSpPr>
           <p:nvPr>
-            <p:ph idx="1" type="body"/>
+            <p:ph type="body" idx="1"/>
           </p:nvPr>
         </p:nvSpPr>
         <p:spPr>
@@ -9462,12 +9537,12 @@
           </a:prstGeom>
         </p:spPr>
         <p:txBody>
-          <a:bodyPr anchorCtr="0" anchor="t" bIns="91425" lIns="91425" spcFirstLastPara="1" rIns="91425" wrap="square" tIns="91425">
+          <a:bodyPr spcFirstLastPara="1" wrap="square" lIns="91425" tIns="91425" rIns="91425" bIns="91425" anchor="t" anchorCtr="0">
             <a:noAutofit/>
           </a:bodyPr>
           <a:lstStyle/>
           <a:p>
-            <a:pPr indent="0" lvl="0" marL="0" rtl="0" algn="ctr">
+            <a:pPr marL="0" lvl="0" indent="0" algn="ctr" rtl="0">
               <a:lnSpc>
                 <a:spcPct val="100000"/>
               </a:lnSpc>
@@ -9480,7 +9555,7 @@
               <a:buNone/>
             </a:pPr>
             <a:r>
-              <a:rPr b="1" i="1" lang="en" sz="2000" u="sng">
+              <a:rPr lang="en" sz="2000" b="1" i="1" u="sng" dirty="0">
                 <a:solidFill>
                   <a:srgbClr val="CC0000"/>
                 </a:solidFill>
@@ -9491,7 +9566,7 @@
               </a:rPr>
               <a:t>YOUR TASK:</a:t>
             </a:r>
-            <a:endParaRPr b="1" i="1" sz="2000" u="sng">
+            <a:endParaRPr sz="2000" b="1" i="1" u="sng" dirty="0">
               <a:solidFill>
                 <a:srgbClr val="CC0000"/>
               </a:solidFill>
@@ -9502,7 +9577,7 @@
             </a:endParaRPr>
           </a:p>
           <a:p>
-            <a:pPr indent="0" lvl="0" marL="0" rtl="0" algn="ctr">
+            <a:pPr marL="0" lvl="0" indent="0" algn="ctr" rtl="0">
               <a:spcBef>
                 <a:spcPts val="0"/>
               </a:spcBef>
@@ -9512,22 +9587,14 @@
               <a:buNone/>
             </a:pPr>
             <a:r>
-              <a:rPr b="1" i="1" lang="en" u="sng">
+              <a:rPr lang="en" b="1" i="1" u="sng" dirty="0">
                 <a:solidFill>
                   <a:srgbClr val="9900FF"/>
                 </a:solidFill>
               </a:rPr>
-              <a:t>Test Error Based </a:t>
+              <a:t>Test Error Based Vulnerability </a:t>
             </a:r>
-            <a:r>
-              <a:rPr b="1" i="1" lang="en" u="sng">
-                <a:solidFill>
-                  <a:srgbClr val="9900FF"/>
-                </a:solidFill>
-              </a:rPr>
-              <a:t>Vulnerability </a:t>
-            </a:r>
-            <a:endParaRPr b="1" i="1" sz="2000" u="sng">
+            <a:endParaRPr sz="2000" b="1" i="1" u="sng" dirty="0">
               <a:solidFill>
                 <a:srgbClr val="CC0000"/>
               </a:solidFill>
@@ -9538,7 +9605,7 @@
             </a:endParaRPr>
           </a:p>
           <a:p>
-            <a:pPr indent="0" lvl="0" marL="0" rtl="0" algn="l">
+            <a:pPr marL="0" lvl="0" indent="0" algn="l" rtl="0">
               <a:lnSpc>
                 <a:spcPct val="100000"/>
               </a:lnSpc>
@@ -9551,7 +9618,7 @@
               <a:buNone/>
             </a:pPr>
             <a:r>
-              <a:rPr lang="en" sz="2000">
+              <a:rPr lang="en" sz="2000" dirty="0">
                 <a:solidFill>
                   <a:srgbClr val="000000"/>
                 </a:solidFill>
@@ -9563,7 +9630,7 @@
               <a:t>Log onto the following website: </a:t>
             </a:r>
             <a:r>
-              <a:rPr lang="en" sz="2000" u="sng">
+              <a:rPr lang="en" sz="2000" u="sng" dirty="0">
                 <a:solidFill>
                   <a:srgbClr val="1155CC"/>
                 </a:solidFill>
@@ -9575,7 +9642,7 @@
               </a:rPr>
               <a:t>http://34.197.52.233/DVWA-master/index.php</a:t>
             </a:r>
-            <a:endParaRPr sz="2000">
+            <a:endParaRPr sz="2000" dirty="0">
               <a:solidFill>
                 <a:srgbClr val="000000"/>
               </a:solidFill>
@@ -9586,7 +9653,7 @@
             </a:endParaRPr>
           </a:p>
           <a:p>
-            <a:pPr indent="0" lvl="0" marL="0" rtl="0" algn="l">
+            <a:pPr marL="0" lvl="0" indent="0" algn="l" rtl="0">
               <a:lnSpc>
                 <a:spcPct val="100000"/>
               </a:lnSpc>
@@ -9599,7 +9666,7 @@
               <a:buNone/>
             </a:pPr>
             <a:r>
-              <a:rPr lang="en" sz="2000">
+              <a:rPr lang="en" sz="2000" dirty="0">
                 <a:solidFill>
                   <a:srgbClr val="000000"/>
                 </a:solidFill>
@@ -9610,7 +9677,7 @@
               </a:rPr>
               <a:t>This is a sample web application.</a:t>
             </a:r>
-            <a:endParaRPr sz="2000">
+            <a:endParaRPr sz="2000" dirty="0">
               <a:solidFill>
                 <a:srgbClr val="000000"/>
               </a:solidFill>
@@ -9621,7 +9688,7 @@
             </a:endParaRPr>
           </a:p>
           <a:p>
-            <a:pPr indent="0" lvl="0" marL="0" rtl="0" algn="l">
+            <a:pPr marL="0" lvl="0" indent="0" algn="l" rtl="0">
               <a:lnSpc>
                 <a:spcPct val="100000"/>
               </a:lnSpc>
@@ -9633,10 +9700,7 @@
               </a:spcAft>
               <a:buNone/>
             </a:pPr>
-            <a:r>
-              <a:t/>
-            </a:r>
-            <a:endParaRPr sz="2000">
+            <a:endParaRPr sz="2000" dirty="0">
               <a:solidFill>
                 <a:srgbClr val="000000"/>
               </a:solidFill>
@@ -9647,7 +9711,7 @@
             </a:endParaRPr>
           </a:p>
           <a:p>
-            <a:pPr indent="0" lvl="0" marL="0" rtl="0" algn="l">
+            <a:pPr marL="0" lvl="0" indent="0" algn="l" rtl="0">
               <a:lnSpc>
                 <a:spcPct val="100000"/>
               </a:lnSpc>
@@ -9660,7 +9724,7 @@
               <a:buNone/>
             </a:pPr>
             <a:r>
-              <a:rPr lang="en" sz="2000">
+              <a:rPr lang="en" sz="2000" dirty="0">
                 <a:solidFill>
                   <a:srgbClr val="000000"/>
                 </a:solidFill>
@@ -9672,7 +9736,7 @@
               <a:t>Fill in the table with </a:t>
             </a:r>
             <a:r>
-              <a:rPr lang="en" sz="2000" u="sng">
+              <a:rPr lang="en" sz="2000" u="sng" dirty="0">
                 <a:solidFill>
                   <a:srgbClr val="000000"/>
                 </a:solidFill>
@@ -9684,7 +9748,7 @@
               <a:t>your answers</a:t>
             </a:r>
             <a:r>
-              <a:rPr lang="en" sz="2000">
+              <a:rPr lang="en" sz="2000" dirty="0">
                 <a:solidFill>
                   <a:srgbClr val="000000"/>
                 </a:solidFill>
@@ -9696,7 +9760,7 @@
               <a:t> first, and then </a:t>
             </a:r>
             <a:r>
-              <a:rPr lang="en" sz="2000" u="sng">
+              <a:rPr lang="en" sz="2000" u="sng" dirty="0">
                 <a:solidFill>
                   <a:srgbClr val="000000"/>
                 </a:solidFill>
@@ -9708,7 +9772,7 @@
               <a:t>supporting screenshots</a:t>
             </a:r>
             <a:r>
-              <a:rPr lang="en" sz="2000">
+              <a:rPr lang="en" sz="2000" dirty="0">
                 <a:solidFill>
                   <a:srgbClr val="000000"/>
                 </a:solidFill>
@@ -9719,7 +9783,7 @@
               </a:rPr>
               <a:t> when applicable. Read carefully!</a:t>
             </a:r>
-            <a:endParaRPr sz="2000">
+            <a:endParaRPr sz="2000" dirty="0">
               <a:solidFill>
                 <a:srgbClr val="000000"/>
               </a:solidFill>
@@ -9740,11 +9804,11 @@
 </file>
 
 <file path=ppt/slides/slide6.xml><?xml version="1.0" encoding="utf-8"?>
-<p:sld xmlns:a="http://schemas.openxmlformats.org/drawingml/2006/main" xmlns:r="http://schemas.openxmlformats.org/officeDocument/2006/relationships" xmlns:mc="http://schemas.openxmlformats.org/markup-compatibility/2006" xmlns:mv="urn:schemas-microsoft-com:mac:vml" xmlns:p="http://schemas.openxmlformats.org/presentationml/2006/main" xmlns:c="http://schemas.openxmlformats.org/drawingml/2006/chart" xmlns:dgm="http://schemas.openxmlformats.org/drawingml/2006/diagram" xmlns:o="urn:schemas-microsoft-com:office:office" xmlns:v="urn:schemas-microsoft-com:vml" xmlns:pvml="urn:schemas-microsoft-com:office:powerpoint" xmlns:com="http://schemas.openxmlformats.org/drawingml/2006/compatibility" xmlns:p14="http://schemas.microsoft.com/office/powerpoint/2010/main" xmlns:p15="http://schemas.microsoft.com/office/powerpoint/2012/main" xmlns:ahyp="http://schemas.microsoft.com/office/drawing/2018/hyperlinkcolor">
+<p:sld xmlns:a="http://schemas.openxmlformats.org/drawingml/2006/main" xmlns:r="http://schemas.openxmlformats.org/officeDocument/2006/relationships" xmlns:p="http://schemas.openxmlformats.org/presentationml/2006/main">
   <p:cSld>
     <p:spTree>
       <p:nvGrpSpPr>
-        <p:cNvPr id="118" name="Shape 118"/>
+        <p:cNvPr id="1" name="Shape 118"/>
         <p:cNvGrpSpPr/>
         <p:nvPr/>
       </p:nvGrpSpPr>
@@ -9759,7 +9823,9 @@
       <p:sp>
         <p:nvSpPr>
           <p:cNvPr id="119" name="Google Shape;119;p18"/>
-          <p:cNvSpPr txBox="1"/>
+          <p:cNvSpPr txBox="1">
+            <a:spLocks noGrp="1"/>
+          </p:cNvSpPr>
           <p:nvPr>
             <p:ph type="title"/>
           </p:nvPr>
@@ -9774,12 +9840,12 @@
           </a:prstGeom>
         </p:spPr>
         <p:txBody>
-          <a:bodyPr anchorCtr="0" anchor="t" bIns="91425" lIns="91425" spcFirstLastPara="1" rIns="91425" wrap="square" tIns="91425">
+          <a:bodyPr spcFirstLastPara="1" wrap="square" lIns="91425" tIns="91425" rIns="91425" bIns="91425" anchor="t" anchorCtr="0">
             <a:noAutofit/>
           </a:bodyPr>
           <a:lstStyle/>
           <a:p>
-            <a:pPr indent="0" lvl="0" marL="0" rtl="0" algn="l">
+            <a:pPr marL="0" lvl="0" indent="0" algn="l" rtl="0">
               <a:spcBef>
                 <a:spcPts val="0"/>
               </a:spcBef>
@@ -9799,9 +9865,11 @@
       <p:sp>
         <p:nvSpPr>
           <p:cNvPr id="120" name="Google Shape;120;p18"/>
-          <p:cNvSpPr txBox="1"/>
+          <p:cNvSpPr txBox="1">
+            <a:spLocks noGrp="1"/>
+          </p:cNvSpPr>
           <p:nvPr>
-            <p:ph idx="1" type="body"/>
+            <p:ph type="body" idx="1"/>
           </p:nvPr>
         </p:nvSpPr>
         <p:spPr>
@@ -9814,12 +9882,12 @@
           </a:prstGeom>
         </p:spPr>
         <p:txBody>
-          <a:bodyPr anchorCtr="0" anchor="t" bIns="91425" lIns="91425" spcFirstLastPara="1" rIns="91425" wrap="square" tIns="91425">
+          <a:bodyPr spcFirstLastPara="1" wrap="square" lIns="91425" tIns="91425" rIns="91425" bIns="91425" anchor="t" anchorCtr="0">
             <a:noAutofit/>
           </a:bodyPr>
           <a:lstStyle/>
           <a:p>
-            <a:pPr indent="0" lvl="0" marL="0" rtl="0" algn="l">
+            <a:pPr marL="0" lvl="0" indent="0" algn="l" rtl="0">
               <a:spcBef>
                 <a:spcPts val="0"/>
               </a:spcBef>
@@ -9835,7 +9903,7 @@
             <a:endParaRPr/>
           </a:p>
           <a:p>
-            <a:pPr indent="0" lvl="0" marL="0" rtl="0" algn="l">
+            <a:pPr marL="0" lvl="0" indent="0" algn="l" rtl="0">
               <a:spcBef>
                 <a:spcPts val="1600"/>
               </a:spcBef>
@@ -9861,11 +9929,11 @@
 </file>
 
 <file path=ppt/slides/slide7.xml><?xml version="1.0" encoding="utf-8"?>
-<p:sld xmlns:a="http://schemas.openxmlformats.org/drawingml/2006/main" xmlns:r="http://schemas.openxmlformats.org/officeDocument/2006/relationships" xmlns:mc="http://schemas.openxmlformats.org/markup-compatibility/2006" xmlns:mv="urn:schemas-microsoft-com:mac:vml" xmlns:p="http://schemas.openxmlformats.org/presentationml/2006/main" xmlns:c="http://schemas.openxmlformats.org/drawingml/2006/chart" xmlns:dgm="http://schemas.openxmlformats.org/drawingml/2006/diagram" xmlns:o="urn:schemas-microsoft-com:office:office" xmlns:v="urn:schemas-microsoft-com:vml" xmlns:pvml="urn:schemas-microsoft-com:office:powerpoint" xmlns:com="http://schemas.openxmlformats.org/drawingml/2006/compatibility" xmlns:p14="http://schemas.microsoft.com/office/powerpoint/2010/main" xmlns:p15="http://schemas.microsoft.com/office/powerpoint/2012/main" xmlns:ahyp="http://schemas.microsoft.com/office/drawing/2018/hyperlinkcolor">
+<p:sld xmlns:a="http://schemas.openxmlformats.org/drawingml/2006/main" xmlns:r="http://schemas.openxmlformats.org/officeDocument/2006/relationships" xmlns:p="http://schemas.openxmlformats.org/presentationml/2006/main">
   <p:cSld>
     <p:spTree>
       <p:nvGrpSpPr>
-        <p:cNvPr id="124" name="Shape 124"/>
+        <p:cNvPr id="1" name="Shape 124"/>
         <p:cNvGrpSpPr/>
         <p:nvPr/>
       </p:nvGrpSpPr>
@@ -9880,9 +9948,11 @@
       <p:sp>
         <p:nvSpPr>
           <p:cNvPr id="125" name="Google Shape;125;p19"/>
-          <p:cNvSpPr txBox="1"/>
+          <p:cNvSpPr txBox="1">
+            <a:spLocks noGrp="1"/>
+          </p:cNvSpPr>
           <p:nvPr>
-            <p:ph idx="1" type="body"/>
+            <p:ph type="body" idx="1"/>
           </p:nvPr>
         </p:nvSpPr>
         <p:spPr>
@@ -9895,12 +9965,12 @@
           </a:prstGeom>
         </p:spPr>
         <p:txBody>
-          <a:bodyPr anchorCtr="0" anchor="t" bIns="91425" lIns="91425" spcFirstLastPara="1" rIns="91425" wrap="square" tIns="91425">
+          <a:bodyPr spcFirstLastPara="1" wrap="square" lIns="91425" tIns="91425" rIns="91425" bIns="91425" anchor="t" anchorCtr="0">
             <a:noAutofit/>
           </a:bodyPr>
           <a:lstStyle/>
           <a:p>
-            <a:pPr indent="0" lvl="0" marL="0" rtl="0" algn="l">
+            <a:pPr marL="0" lvl="0" indent="0" algn="l" rtl="0">
               <a:spcBef>
                 <a:spcPts val="0"/>
               </a:spcBef>
@@ -9925,7 +9995,7 @@
             <a:endParaRPr/>
           </a:p>
           <a:p>
-            <a:pPr indent="0" lvl="0" marL="0" rtl="0" algn="l">
+            <a:pPr marL="0" lvl="0" indent="0" algn="l" rtl="0">
               <a:spcBef>
                 <a:spcPts val="1600"/>
               </a:spcBef>
@@ -9945,13 +10015,13 @@
       <p:pic>
         <p:nvPicPr>
           <p:cNvPr id="126" name="Google Shape;126;p19">
-            <a:hlinkClick r:id="rId4"/>
+            <a:hlinkClick r:id="rId3"/>
           </p:cNvPr>
           <p:cNvPicPr preferRelativeResize="0"/>
           <p:nvPr/>
         </p:nvPicPr>
         <p:blipFill>
-          <a:blip r:embed="rId5">
+          <a:blip r:embed="rId4">
             <a:alphaModFix/>
           </a:blip>
           <a:stretch>
@@ -9979,7 +10049,7 @@
           <p:nvPr/>
         </p:nvPicPr>
         <p:blipFill>
-          <a:blip r:embed="rId6">
+          <a:blip r:embed="rId5">
             <a:alphaModFix/>
           </a:blip>
           <a:stretch>
@@ -10015,23 +10085,23 @@
             <a:avLst/>
           </a:prstGeom>
           <a:noFill/>
-          <a:ln cap="flat" cmpd="sng" w="9525">
+          <a:ln w="9525" cap="flat" cmpd="sng">
             <a:solidFill>
               <a:srgbClr val="FF0000"/>
             </a:solidFill>
             <a:prstDash val="solid"/>
             <a:round/>
-            <a:headEnd len="sm" w="sm" type="none"/>
-            <a:tailEnd len="sm" w="sm" type="none"/>
+            <a:headEnd type="none" w="sm" len="sm"/>
+            <a:tailEnd type="none" w="sm" len="sm"/>
           </a:ln>
         </p:spPr>
         <p:txBody>
-          <a:bodyPr anchorCtr="0" anchor="t" bIns="91425" lIns="91425" spcFirstLastPara="1" rIns="91425" wrap="square" tIns="91425">
+          <a:bodyPr spcFirstLastPara="1" wrap="square" lIns="91425" tIns="91425" rIns="91425" bIns="91425" anchor="t" anchorCtr="0">
             <a:noAutofit/>
           </a:bodyPr>
           <a:lstStyle/>
           <a:p>
-            <a:pPr indent="0" lvl="0" marL="0" rtl="0" algn="l">
+            <a:pPr marL="0" lvl="0" indent="0" algn="l" rtl="0">
               <a:spcBef>
                 <a:spcPts val="0"/>
               </a:spcBef>
@@ -10040,9 +10110,6 @@
               </a:spcAft>
               <a:buNone/>
             </a:pPr>
-            <a:r>
-              <a:t/>
-            </a:r>
             <a:endParaRPr>
               <a:latin typeface="Roboto"/>
               <a:ea typeface="Roboto"/>
@@ -10061,11 +10128,11 @@
 </file>
 
 <file path=ppt/slides/slide8.xml><?xml version="1.0" encoding="utf-8"?>
-<p:sld xmlns:a="http://schemas.openxmlformats.org/drawingml/2006/main" xmlns:r="http://schemas.openxmlformats.org/officeDocument/2006/relationships" xmlns:mc="http://schemas.openxmlformats.org/markup-compatibility/2006" xmlns:mv="urn:schemas-microsoft-com:mac:vml" xmlns:p="http://schemas.openxmlformats.org/presentationml/2006/main" xmlns:c="http://schemas.openxmlformats.org/drawingml/2006/chart" xmlns:dgm="http://schemas.openxmlformats.org/drawingml/2006/diagram" xmlns:o="urn:schemas-microsoft-com:office:office" xmlns:v="urn:schemas-microsoft-com:vml" xmlns:pvml="urn:schemas-microsoft-com:office:powerpoint" xmlns:com="http://schemas.openxmlformats.org/drawingml/2006/compatibility" xmlns:p14="http://schemas.microsoft.com/office/powerpoint/2010/main" xmlns:p15="http://schemas.microsoft.com/office/powerpoint/2012/main" xmlns:ahyp="http://schemas.microsoft.com/office/drawing/2018/hyperlinkcolor">
+<p:sld xmlns:a="http://schemas.openxmlformats.org/drawingml/2006/main" xmlns:r="http://schemas.openxmlformats.org/officeDocument/2006/relationships" xmlns:p="http://schemas.openxmlformats.org/presentationml/2006/main">
   <p:cSld>
     <p:spTree>
       <p:nvGrpSpPr>
-        <p:cNvPr id="132" name="Shape 132"/>
+        <p:cNvPr id="1" name="Shape 132"/>
         <p:cNvGrpSpPr/>
         <p:nvPr/>
       </p:nvGrpSpPr>
@@ -10080,7 +10147,9 @@
       <p:sp>
         <p:nvSpPr>
           <p:cNvPr id="133" name="Google Shape;133;p20"/>
-          <p:cNvSpPr txBox="1"/>
+          <p:cNvSpPr txBox="1">
+            <a:spLocks noGrp="1"/>
+          </p:cNvSpPr>
           <p:nvPr>
             <p:ph type="title"/>
           </p:nvPr>
@@ -10095,12 +10164,12 @@
           </a:prstGeom>
         </p:spPr>
         <p:txBody>
-          <a:bodyPr anchorCtr="0" anchor="t" bIns="91425" lIns="91425" spcFirstLastPara="1" rIns="91425" wrap="square" tIns="91425">
+          <a:bodyPr spcFirstLastPara="1" wrap="square" lIns="91425" tIns="91425" rIns="91425" bIns="91425" anchor="t" anchorCtr="0">
             <a:noAutofit/>
           </a:bodyPr>
           <a:lstStyle/>
           <a:p>
-            <a:pPr indent="0" lvl="0" marL="0" rtl="0" algn="l">
+            <a:pPr marL="0" lvl="0" indent="0" algn="l" rtl="0">
               <a:spcBef>
                 <a:spcPts val="0"/>
               </a:spcBef>
@@ -10120,9 +10189,11 @@
       <p:sp>
         <p:nvSpPr>
           <p:cNvPr id="134" name="Google Shape;134;p20"/>
-          <p:cNvSpPr txBox="1"/>
+          <p:cNvSpPr txBox="1">
+            <a:spLocks noGrp="1"/>
+          </p:cNvSpPr>
           <p:nvPr>
-            <p:ph idx="1" type="body"/>
+            <p:ph type="body" idx="1"/>
           </p:nvPr>
         </p:nvSpPr>
         <p:spPr>
@@ -10135,12 +10206,12 @@
           </a:prstGeom>
         </p:spPr>
         <p:txBody>
-          <a:bodyPr anchorCtr="0" anchor="t" bIns="91425" lIns="91425" spcFirstLastPara="1" rIns="91425" wrap="square" tIns="91425">
+          <a:bodyPr spcFirstLastPara="1" wrap="square" lIns="91425" tIns="91425" rIns="91425" bIns="91425" anchor="t" anchorCtr="0">
             <a:noAutofit/>
           </a:bodyPr>
           <a:lstStyle/>
           <a:p>
-            <a:pPr indent="0" lvl="0" marL="0" rtl="0" algn="l">
+            <a:pPr marL="0" lvl="0" indent="0" algn="l" rtl="0">
               <a:spcBef>
                 <a:spcPts val="0"/>
               </a:spcBef>
@@ -10156,7 +10227,7 @@
             <a:endParaRPr/>
           </a:p>
           <a:p>
-            <a:pPr indent="0" lvl="0" marL="0" rtl="0" algn="l">
+            <a:pPr marL="0" lvl="0" indent="0" algn="l" rtl="0">
               <a:spcBef>
                 <a:spcPts val="1600"/>
               </a:spcBef>
@@ -10216,23 +10287,23 @@
             <a:avLst/>
           </a:prstGeom>
           <a:noFill/>
-          <a:ln cap="flat" cmpd="sng" w="9525">
+          <a:ln w="9525" cap="flat" cmpd="sng">
             <a:solidFill>
               <a:srgbClr val="FF0000"/>
             </a:solidFill>
             <a:prstDash val="solid"/>
             <a:round/>
-            <a:headEnd len="sm" w="sm" type="none"/>
-            <a:tailEnd len="sm" w="sm" type="none"/>
+            <a:headEnd type="none" w="sm" len="sm"/>
+            <a:tailEnd type="none" w="sm" len="sm"/>
           </a:ln>
         </p:spPr>
         <p:txBody>
-          <a:bodyPr anchorCtr="0" anchor="t" bIns="91425" lIns="91425" spcFirstLastPara="1" rIns="91425" wrap="square" tIns="91425">
+          <a:bodyPr spcFirstLastPara="1" wrap="square" lIns="91425" tIns="91425" rIns="91425" bIns="91425" anchor="t" anchorCtr="0">
             <a:noAutofit/>
           </a:bodyPr>
           <a:lstStyle/>
           <a:p>
-            <a:pPr indent="0" lvl="0" marL="0" rtl="0" algn="l">
+            <a:pPr marL="0" lvl="0" indent="0" algn="l" rtl="0">
               <a:spcBef>
                 <a:spcPts val="0"/>
               </a:spcBef>
@@ -10241,9 +10312,6 @@
               </a:spcAft>
               <a:buNone/>
             </a:pPr>
-            <a:r>
-              <a:t/>
-            </a:r>
             <a:endParaRPr>
               <a:latin typeface="Roboto"/>
               <a:ea typeface="Roboto"/>
@@ -10268,23 +10336,23 @@
             <a:avLst/>
           </a:prstGeom>
           <a:noFill/>
-          <a:ln cap="flat" cmpd="sng" w="9525">
+          <a:ln w="9525" cap="flat" cmpd="sng">
             <a:solidFill>
               <a:srgbClr val="FF0000"/>
             </a:solidFill>
             <a:prstDash val="solid"/>
             <a:round/>
-            <a:headEnd len="sm" w="sm" type="none"/>
-            <a:tailEnd len="sm" w="sm" type="none"/>
+            <a:headEnd type="none" w="sm" len="sm"/>
+            <a:tailEnd type="none" w="sm" len="sm"/>
           </a:ln>
         </p:spPr>
         <p:txBody>
-          <a:bodyPr anchorCtr="0" anchor="t" bIns="91425" lIns="91425" spcFirstLastPara="1" rIns="91425" wrap="square" tIns="91425">
+          <a:bodyPr spcFirstLastPara="1" wrap="square" lIns="91425" tIns="91425" rIns="91425" bIns="91425" anchor="t" anchorCtr="0">
             <a:noAutofit/>
           </a:bodyPr>
           <a:lstStyle/>
           <a:p>
-            <a:pPr indent="0" lvl="0" marL="0" rtl="0" algn="l">
+            <a:pPr marL="0" lvl="0" indent="0" algn="l" rtl="0">
               <a:spcBef>
                 <a:spcPts val="0"/>
               </a:spcBef>
@@ -10293,9 +10361,6 @@
               </a:spcAft>
               <a:buNone/>
             </a:pPr>
-            <a:r>
-              <a:t/>
-            </a:r>
             <a:endParaRPr>
               <a:latin typeface="Roboto"/>
               <a:ea typeface="Roboto"/>
@@ -10313,8 +10378,399 @@
 </p:sld>
 </file>
 
+<file path=ppt/slides/slide9.xml><?xml version="1.0" encoding="utf-8"?>
+<p:sld xmlns:a="http://schemas.openxmlformats.org/drawingml/2006/main" xmlns:r="http://schemas.openxmlformats.org/officeDocument/2006/relationships" xmlns:p="http://schemas.openxmlformats.org/presentationml/2006/main">
+  <p:cSld>
+    <p:spTree>
+      <p:nvGrpSpPr>
+        <p:cNvPr id="1" name=""/>
+        <p:cNvGrpSpPr/>
+        <p:nvPr/>
+      </p:nvGrpSpPr>
+      <p:grpSpPr>
+        <a:xfrm>
+          <a:off x="0" y="0"/>
+          <a:ext cx="0" cy="0"/>
+          <a:chOff x="0" y="0"/>
+          <a:chExt cx="0" cy="0"/>
+        </a:xfrm>
+      </p:grpSpPr>
+      <p:sp>
+        <p:nvSpPr>
+          <p:cNvPr id="2" name="Title 1">
+            <a:extLst>
+              <a:ext uri="{FF2B5EF4-FFF2-40B4-BE49-F238E27FC236}">
+                <a16:creationId xmlns:a16="http://schemas.microsoft.com/office/drawing/2014/main" id="{6DCBE655-6E0F-4AE0-B428-7FEEF478FE8B}"/>
+              </a:ext>
+            </a:extLst>
+          </p:cNvPr>
+          <p:cNvSpPr>
+            <a:spLocks noGrp="1"/>
+          </p:cNvSpPr>
+          <p:nvPr>
+            <p:ph type="title"/>
+          </p:nvPr>
+        </p:nvSpPr>
+        <p:spPr/>
+        <p:txBody>
+          <a:bodyPr/>
+          <a:lstStyle/>
+          <a:p>
+            <a:endParaRPr lang="en-US"/>
+          </a:p>
+        </p:txBody>
+      </p:sp>
+      <p:pic>
+        <p:nvPicPr>
+          <p:cNvPr id="4" name="Picture 3">
+            <a:extLst>
+              <a:ext uri="{FF2B5EF4-FFF2-40B4-BE49-F238E27FC236}">
+                <a16:creationId xmlns:a16="http://schemas.microsoft.com/office/drawing/2014/main" id="{99C17A92-321D-4419-A546-B3A32BEB84FF}"/>
+              </a:ext>
+            </a:extLst>
+          </p:cNvPr>
+          <p:cNvPicPr>
+            <a:picLocks noChangeAspect="1"/>
+          </p:cNvPicPr>
+          <p:nvPr/>
+        </p:nvPicPr>
+        <p:blipFill>
+          <a:blip r:embed="rId2"/>
+          <a:stretch>
+            <a:fillRect/>
+          </a:stretch>
+        </p:blipFill>
+        <p:spPr>
+          <a:xfrm>
+            <a:off x="416104" y="410000"/>
+            <a:ext cx="8513993" cy="3956060"/>
+          </a:xfrm>
+          <a:prstGeom prst="rect">
+            <a:avLst/>
+          </a:prstGeom>
+        </p:spPr>
+      </p:pic>
+      <p:sp>
+        <p:nvSpPr>
+          <p:cNvPr id="3" name="Text Placeholder 2">
+            <a:extLst>
+              <a:ext uri="{FF2B5EF4-FFF2-40B4-BE49-F238E27FC236}">
+                <a16:creationId xmlns:a16="http://schemas.microsoft.com/office/drawing/2014/main" id="{5AA12CCA-260E-4FB2-A4E0-C8FBF938611E}"/>
+              </a:ext>
+            </a:extLst>
+          </p:cNvPr>
+          <p:cNvSpPr>
+            <a:spLocks noGrp="1"/>
+          </p:cNvSpPr>
+          <p:nvPr>
+            <p:ph type="body" idx="1"/>
+          </p:nvPr>
+        </p:nvSpPr>
+        <p:spPr/>
+        <p:txBody>
+          <a:bodyPr/>
+          <a:lstStyle/>
+          <a:p>
+            <a:endParaRPr lang="en-US" dirty="0"/>
+          </a:p>
+        </p:txBody>
+      </p:sp>
+    </p:spTree>
+    <p:extLst>
+      <p:ext uri="{BB962C8B-B14F-4D97-AF65-F5344CB8AC3E}">
+        <p14:creationId xmlns:p14="http://schemas.microsoft.com/office/powerpoint/2010/main" val="2080863002"/>
+      </p:ext>
+    </p:extLst>
+  </p:cSld>
+  <p:clrMapOvr>
+    <a:masterClrMapping/>
+  </p:clrMapOvr>
+</p:sld>
+</file>
+
 <file path=ppt/theme/theme1.xml><?xml version="1.0" encoding="utf-8"?>
-<a:theme xmlns:a="http://schemas.openxmlformats.org/drawingml/2006/main" xmlns:r="http://schemas.openxmlformats.org/officeDocument/2006/relationships">
+<a:theme xmlns:a="http://schemas.openxmlformats.org/drawingml/2006/main" name="Geometric">
+  <a:themeElements>
+    <a:clrScheme name="Geometric">
+      <a:dk1>
+        <a:srgbClr val="2A3990"/>
+      </a:dk1>
+      <a:lt1>
+        <a:srgbClr val="FFFFFF"/>
+      </a:lt1>
+      <a:dk2>
+        <a:srgbClr val="434343"/>
+      </a:dk2>
+      <a:lt2>
+        <a:srgbClr val="999999"/>
+      </a:lt2>
+      <a:accent1>
+        <a:srgbClr val="212D74"/>
+      </a:accent1>
+      <a:accent2>
+        <a:srgbClr val="3949AB"/>
+      </a:accent2>
+      <a:accent3>
+        <a:srgbClr val="9C254D"/>
+      </a:accent3>
+      <a:accent4>
+        <a:srgbClr val="D23369"/>
+      </a:accent4>
+      <a:accent5>
+        <a:srgbClr val="F06292"/>
+      </a:accent5>
+      <a:accent6>
+        <a:srgbClr val="7890CD"/>
+      </a:accent6>
+      <a:hlink>
+        <a:srgbClr val="F06292"/>
+      </a:hlink>
+      <a:folHlink>
+        <a:srgbClr val="F06292"/>
+      </a:folHlink>
+    </a:clrScheme>
+    <a:fontScheme name="Office">
+      <a:majorFont>
+        <a:latin typeface="Arial"/>
+        <a:ea typeface=""/>
+        <a:cs typeface=""/>
+        <a:font script="Jpan" typeface="ＭＳ Ｐゴシック"/>
+        <a:font script="Hang" typeface="맑은 고딕"/>
+        <a:font script="Hans" typeface="宋体"/>
+        <a:font script="Hant" typeface="新細明體"/>
+        <a:font script="Arab" typeface="Times New Roman"/>
+        <a:font script="Hebr" typeface="Times New Roman"/>
+        <a:font script="Thai" typeface="Angsana New"/>
+        <a:font script="Ethi" typeface="Nyala"/>
+        <a:font script="Beng" typeface="Vrinda"/>
+        <a:font script="Gujr" typeface="Shruti"/>
+        <a:font script="Khmr" typeface="MoolBoran"/>
+        <a:font script="Knda" typeface="Tunga"/>
+        <a:font script="Guru" typeface="Raavi"/>
+        <a:font script="Cans" typeface="Euphemia"/>
+        <a:font script="Cher" typeface="Plantagenet Cherokee"/>
+        <a:font script="Yiii" typeface="Microsoft Yi Baiti"/>
+        <a:font script="Tibt" typeface="Microsoft Himalaya"/>
+        <a:font script="Thaa" typeface="MV Boli"/>
+        <a:font script="Deva" typeface="Mangal"/>
+        <a:font script="Telu" typeface="Gautami"/>
+        <a:font script="Taml" typeface="Latha"/>
+        <a:font script="Syrc" typeface="Estrangelo Edessa"/>
+        <a:font script="Orya" typeface="Kalinga"/>
+        <a:font script="Mlym" typeface="Kartika"/>
+        <a:font script="Laoo" typeface="DokChampa"/>
+        <a:font script="Sinh" typeface="Iskoola Pota"/>
+        <a:font script="Mong" typeface="Mongolian Baiti"/>
+        <a:font script="Viet" typeface="Times New Roman"/>
+        <a:font script="Uigh" typeface="Microsoft Uighur"/>
+        <a:font script="Geor" typeface="Sylfaen"/>
+      </a:majorFont>
+      <a:minorFont>
+        <a:latin typeface="Arial"/>
+        <a:ea typeface=""/>
+        <a:cs typeface=""/>
+        <a:font script="Jpan" typeface="ＭＳ Ｐゴシック"/>
+        <a:font script="Hang" typeface="맑은 고딕"/>
+        <a:font script="Hans" typeface="宋体"/>
+        <a:font script="Hant" typeface="新細明體"/>
+        <a:font script="Arab" typeface="Arial"/>
+        <a:font script="Hebr" typeface="Arial"/>
+        <a:font script="Thai" typeface="Cordia New"/>
+        <a:font script="Ethi" typeface="Nyala"/>
+        <a:font script="Beng" typeface="Vrinda"/>
+        <a:font script="Gujr" typeface="Shruti"/>
+        <a:font script="Khmr" typeface="DaunPenh"/>
+        <a:font script="Knda" typeface="Tunga"/>
+        <a:font script="Guru" typeface="Raavi"/>
+        <a:font script="Cans" typeface="Euphemia"/>
+        <a:font script="Cher" typeface="Plantagenet Cherokee"/>
+        <a:font script="Yiii" typeface="Microsoft Yi Baiti"/>
+        <a:font script="Tibt" typeface="Microsoft Himalaya"/>
+        <a:font script="Thaa" typeface="MV Boli"/>
+        <a:font script="Deva" typeface="Mangal"/>
+        <a:font script="Telu" typeface="Gautami"/>
+        <a:font script="Taml" typeface="Latha"/>
+        <a:font script="Syrc" typeface="Estrangelo Edessa"/>
+        <a:font script="Orya" typeface="Kalinga"/>
+        <a:font script="Mlym" typeface="Kartika"/>
+        <a:font script="Laoo" typeface="DokChampa"/>
+        <a:font script="Sinh" typeface="Iskoola Pota"/>
+        <a:font script="Mong" typeface="Mongolian Baiti"/>
+        <a:font script="Viet" typeface="Arial"/>
+        <a:font script="Uigh" typeface="Microsoft Uighur"/>
+        <a:font script="Geor" typeface="Sylfaen"/>
+      </a:minorFont>
+    </a:fontScheme>
+    <a:fmtScheme name="Office">
+      <a:fillStyleLst>
+        <a:solidFill>
+          <a:schemeClr val="phClr"/>
+        </a:solidFill>
+        <a:gradFill rotWithShape="1">
+          <a:gsLst>
+            <a:gs pos="0">
+              <a:schemeClr val="phClr">
+                <a:tint val="50000"/>
+                <a:satMod val="300000"/>
+              </a:schemeClr>
+            </a:gs>
+            <a:gs pos="35000">
+              <a:schemeClr val="phClr">
+                <a:tint val="37000"/>
+                <a:satMod val="300000"/>
+              </a:schemeClr>
+            </a:gs>
+            <a:gs pos="100000">
+              <a:schemeClr val="phClr">
+                <a:tint val="15000"/>
+                <a:satMod val="350000"/>
+              </a:schemeClr>
+            </a:gs>
+          </a:gsLst>
+          <a:lin ang="16200000" scaled="1"/>
+        </a:gradFill>
+        <a:gradFill rotWithShape="1">
+          <a:gsLst>
+            <a:gs pos="0">
+              <a:schemeClr val="phClr">
+                <a:tint val="100000"/>
+                <a:shade val="100000"/>
+                <a:satMod val="130000"/>
+              </a:schemeClr>
+            </a:gs>
+            <a:gs pos="100000">
+              <a:schemeClr val="phClr">
+                <a:tint val="50000"/>
+                <a:shade val="100000"/>
+                <a:satMod val="350000"/>
+              </a:schemeClr>
+            </a:gs>
+          </a:gsLst>
+          <a:lin ang="16200000" scaled="0"/>
+        </a:gradFill>
+      </a:fillStyleLst>
+      <a:lnStyleLst>
+        <a:ln w="9525" cap="flat" cmpd="sng" algn="ctr">
+          <a:solidFill>
+            <a:schemeClr val="phClr">
+              <a:shade val="95000"/>
+              <a:satMod val="105000"/>
+            </a:schemeClr>
+          </a:solidFill>
+          <a:prstDash val="solid"/>
+        </a:ln>
+        <a:ln w="25400" cap="flat" cmpd="sng" algn="ctr">
+          <a:solidFill>
+            <a:schemeClr val="phClr"/>
+          </a:solidFill>
+          <a:prstDash val="solid"/>
+        </a:ln>
+        <a:ln w="38100" cap="flat" cmpd="sng" algn="ctr">
+          <a:solidFill>
+            <a:schemeClr val="phClr"/>
+          </a:solidFill>
+          <a:prstDash val="solid"/>
+        </a:ln>
+      </a:lnStyleLst>
+      <a:effectStyleLst>
+        <a:effectStyle>
+          <a:effectLst>
+            <a:outerShdw blurRad="40000" dist="20000" dir="5400000" rotWithShape="0">
+              <a:srgbClr val="000000">
+                <a:alpha val="38000"/>
+              </a:srgbClr>
+            </a:outerShdw>
+          </a:effectLst>
+        </a:effectStyle>
+        <a:effectStyle>
+          <a:effectLst>
+            <a:outerShdw blurRad="40000" dist="23000" dir="5400000" rotWithShape="0">
+              <a:srgbClr val="000000">
+                <a:alpha val="35000"/>
+              </a:srgbClr>
+            </a:outerShdw>
+          </a:effectLst>
+        </a:effectStyle>
+        <a:effectStyle>
+          <a:effectLst>
+            <a:outerShdw blurRad="40000" dist="23000" dir="5400000" rotWithShape="0">
+              <a:srgbClr val="000000">
+                <a:alpha val="35000"/>
+              </a:srgbClr>
+            </a:outerShdw>
+          </a:effectLst>
+          <a:scene3d>
+            <a:camera prst="orthographicFront">
+              <a:rot lat="0" lon="0" rev="0"/>
+            </a:camera>
+            <a:lightRig rig="threePt" dir="t">
+              <a:rot lat="0" lon="0" rev="1200000"/>
+            </a:lightRig>
+          </a:scene3d>
+          <a:sp3d>
+            <a:bevelT w="63500" h="25400"/>
+          </a:sp3d>
+        </a:effectStyle>
+      </a:effectStyleLst>
+      <a:bgFillStyleLst>
+        <a:solidFill>
+          <a:schemeClr val="phClr"/>
+        </a:solidFill>
+        <a:gradFill rotWithShape="1">
+          <a:gsLst>
+            <a:gs pos="0">
+              <a:schemeClr val="phClr">
+                <a:tint val="40000"/>
+                <a:satMod val="350000"/>
+              </a:schemeClr>
+            </a:gs>
+            <a:gs pos="40000">
+              <a:schemeClr val="phClr">
+                <a:tint val="45000"/>
+                <a:shade val="99000"/>
+                <a:satMod val="350000"/>
+              </a:schemeClr>
+            </a:gs>
+            <a:gs pos="100000">
+              <a:schemeClr val="phClr">
+                <a:shade val="20000"/>
+                <a:satMod val="255000"/>
+              </a:schemeClr>
+            </a:gs>
+          </a:gsLst>
+          <a:path path="circle">
+            <a:fillToRect l="50000" t="-80000" r="50000" b="180000"/>
+          </a:path>
+        </a:gradFill>
+        <a:gradFill rotWithShape="1">
+          <a:gsLst>
+            <a:gs pos="0">
+              <a:schemeClr val="phClr">
+                <a:tint val="80000"/>
+                <a:satMod val="300000"/>
+              </a:schemeClr>
+            </a:gs>
+            <a:gs pos="100000">
+              <a:schemeClr val="phClr">
+                <a:shade val="30000"/>
+                <a:satMod val="200000"/>
+              </a:schemeClr>
+            </a:gs>
+          </a:gsLst>
+          <a:path path="circle">
+            <a:fillToRect l="50000" t="50000" r="50000" b="50000"/>
+          </a:path>
+        </a:gradFill>
+      </a:bgFillStyleLst>
+    </a:fmtScheme>
+  </a:themeElements>
+  <a:objectDefaults/>
+  <a:extraClrSchemeLst/>
+</a:theme>
+</file>
+
+<file path=ppt/theme/theme2.xml><?xml version="1.0" encoding="utf-8"?>
+<a:theme xmlns:a="http://schemas.openxmlformats.org/drawingml/2006/main">
   <a:themeElements>
     <a:clrScheme name="Default">
       <a:dk1>
@@ -10589,284 +11045,7 @@
       </a:bgFillStyleLst>
     </a:fmtScheme>
   </a:themeElements>
-</a:theme>
-</file>
-
-<file path=ppt/theme/theme2.xml><?xml version="1.0" encoding="utf-8"?>
-<a:theme xmlns:a="http://schemas.openxmlformats.org/drawingml/2006/main" xmlns:r="http://schemas.openxmlformats.org/officeDocument/2006/relationships" name="Geometric">
-  <a:themeElements>
-    <a:clrScheme name="Geometric">
-      <a:dk1>
-        <a:srgbClr val="2A3990"/>
-      </a:dk1>
-      <a:lt1>
-        <a:srgbClr val="FFFFFF"/>
-      </a:lt1>
-      <a:dk2>
-        <a:srgbClr val="434343"/>
-      </a:dk2>
-      <a:lt2>
-        <a:srgbClr val="999999"/>
-      </a:lt2>
-      <a:accent1>
-        <a:srgbClr val="212D74"/>
-      </a:accent1>
-      <a:accent2>
-        <a:srgbClr val="3949AB"/>
-      </a:accent2>
-      <a:accent3>
-        <a:srgbClr val="9C254D"/>
-      </a:accent3>
-      <a:accent4>
-        <a:srgbClr val="D23369"/>
-      </a:accent4>
-      <a:accent5>
-        <a:srgbClr val="F06292"/>
-      </a:accent5>
-      <a:accent6>
-        <a:srgbClr val="7890CD"/>
-      </a:accent6>
-      <a:hlink>
-        <a:srgbClr val="F06292"/>
-      </a:hlink>
-      <a:folHlink>
-        <a:srgbClr val="F06292"/>
-      </a:folHlink>
-    </a:clrScheme>
-    <a:fontScheme name="Office">
-      <a:majorFont>
-        <a:latin typeface="Arial"/>
-        <a:ea typeface=""/>
-        <a:cs typeface=""/>
-        <a:font script="Jpan" typeface="ＭＳ Ｐゴシック"/>
-        <a:font script="Hang" typeface="맑은 고딕"/>
-        <a:font script="Hans" typeface="宋体"/>
-        <a:font script="Hant" typeface="新細明體"/>
-        <a:font script="Arab" typeface="Times New Roman"/>
-        <a:font script="Hebr" typeface="Times New Roman"/>
-        <a:font script="Thai" typeface="Angsana New"/>
-        <a:font script="Ethi" typeface="Nyala"/>
-        <a:font script="Beng" typeface="Vrinda"/>
-        <a:font script="Gujr" typeface="Shruti"/>
-        <a:font script="Khmr" typeface="MoolBoran"/>
-        <a:font script="Knda" typeface="Tunga"/>
-        <a:font script="Guru" typeface="Raavi"/>
-        <a:font script="Cans" typeface="Euphemia"/>
-        <a:font script="Cher" typeface="Plantagenet Cherokee"/>
-        <a:font script="Yiii" typeface="Microsoft Yi Baiti"/>
-        <a:font script="Tibt" typeface="Microsoft Himalaya"/>
-        <a:font script="Thaa" typeface="MV Boli"/>
-        <a:font script="Deva" typeface="Mangal"/>
-        <a:font script="Telu" typeface="Gautami"/>
-        <a:font script="Taml" typeface="Latha"/>
-        <a:font script="Syrc" typeface="Estrangelo Edessa"/>
-        <a:font script="Orya" typeface="Kalinga"/>
-        <a:font script="Mlym" typeface="Kartika"/>
-        <a:font script="Laoo" typeface="DokChampa"/>
-        <a:font script="Sinh" typeface="Iskoola Pota"/>
-        <a:font script="Mong" typeface="Mongolian Baiti"/>
-        <a:font script="Viet" typeface="Times New Roman"/>
-        <a:font script="Uigh" typeface="Microsoft Uighur"/>
-        <a:font script="Geor" typeface="Sylfaen"/>
-      </a:majorFont>
-      <a:minorFont>
-        <a:latin typeface="Arial"/>
-        <a:ea typeface=""/>
-        <a:cs typeface=""/>
-        <a:font script="Jpan" typeface="ＭＳ Ｐゴシック"/>
-        <a:font script="Hang" typeface="맑은 고딕"/>
-        <a:font script="Hans" typeface="宋体"/>
-        <a:font script="Hant" typeface="新細明體"/>
-        <a:font script="Arab" typeface="Arial"/>
-        <a:font script="Hebr" typeface="Arial"/>
-        <a:font script="Thai" typeface="Cordia New"/>
-        <a:font script="Ethi" typeface="Nyala"/>
-        <a:font script="Beng" typeface="Vrinda"/>
-        <a:font script="Gujr" typeface="Shruti"/>
-        <a:font script="Khmr" typeface="DaunPenh"/>
-        <a:font script="Knda" typeface="Tunga"/>
-        <a:font script="Guru" typeface="Raavi"/>
-        <a:font script="Cans" typeface="Euphemia"/>
-        <a:font script="Cher" typeface="Plantagenet Cherokee"/>
-        <a:font script="Yiii" typeface="Microsoft Yi Baiti"/>
-        <a:font script="Tibt" typeface="Microsoft Himalaya"/>
-        <a:font script="Thaa" typeface="MV Boli"/>
-        <a:font script="Deva" typeface="Mangal"/>
-        <a:font script="Telu" typeface="Gautami"/>
-        <a:font script="Taml" typeface="Latha"/>
-        <a:font script="Syrc" typeface="Estrangelo Edessa"/>
-        <a:font script="Orya" typeface="Kalinga"/>
-        <a:font script="Mlym" typeface="Kartika"/>
-        <a:font script="Laoo" typeface="DokChampa"/>
-        <a:font script="Sinh" typeface="Iskoola Pota"/>
-        <a:font script="Mong" typeface="Mongolian Baiti"/>
-        <a:font script="Viet" typeface="Arial"/>
-        <a:font script="Uigh" typeface="Microsoft Uighur"/>
-        <a:font script="Geor" typeface="Sylfaen"/>
-      </a:minorFont>
-    </a:fontScheme>
-    <a:fmtScheme name="Office">
-      <a:fillStyleLst>
-        <a:solidFill>
-          <a:schemeClr val="phClr"/>
-        </a:solidFill>
-        <a:gradFill rotWithShape="1">
-          <a:gsLst>
-            <a:gs pos="0">
-              <a:schemeClr val="phClr">
-                <a:tint val="50000"/>
-                <a:satMod val="300000"/>
-              </a:schemeClr>
-            </a:gs>
-            <a:gs pos="35000">
-              <a:schemeClr val="phClr">
-                <a:tint val="37000"/>
-                <a:satMod val="300000"/>
-              </a:schemeClr>
-            </a:gs>
-            <a:gs pos="100000">
-              <a:schemeClr val="phClr">
-                <a:tint val="15000"/>
-                <a:satMod val="350000"/>
-              </a:schemeClr>
-            </a:gs>
-          </a:gsLst>
-          <a:lin ang="16200000" scaled="1"/>
-        </a:gradFill>
-        <a:gradFill rotWithShape="1">
-          <a:gsLst>
-            <a:gs pos="0">
-              <a:schemeClr val="phClr">
-                <a:tint val="100000"/>
-                <a:shade val="100000"/>
-                <a:satMod val="130000"/>
-              </a:schemeClr>
-            </a:gs>
-            <a:gs pos="100000">
-              <a:schemeClr val="phClr">
-                <a:tint val="50000"/>
-                <a:shade val="100000"/>
-                <a:satMod val="350000"/>
-              </a:schemeClr>
-            </a:gs>
-          </a:gsLst>
-          <a:lin ang="16200000" scaled="0"/>
-        </a:gradFill>
-      </a:fillStyleLst>
-      <a:lnStyleLst>
-        <a:ln w="9525" cap="flat" cmpd="sng" algn="ctr">
-          <a:solidFill>
-            <a:schemeClr val="phClr">
-              <a:shade val="95000"/>
-              <a:satMod val="105000"/>
-            </a:schemeClr>
-          </a:solidFill>
-          <a:prstDash val="solid"/>
-        </a:ln>
-        <a:ln w="25400" cap="flat" cmpd="sng" algn="ctr">
-          <a:solidFill>
-            <a:schemeClr val="phClr"/>
-          </a:solidFill>
-          <a:prstDash val="solid"/>
-        </a:ln>
-        <a:ln w="38100" cap="flat" cmpd="sng" algn="ctr">
-          <a:solidFill>
-            <a:schemeClr val="phClr"/>
-          </a:solidFill>
-          <a:prstDash val="solid"/>
-        </a:ln>
-      </a:lnStyleLst>
-      <a:effectStyleLst>
-        <a:effectStyle>
-          <a:effectLst>
-            <a:outerShdw blurRad="40000" dist="20000" dir="5400000" rotWithShape="0">
-              <a:srgbClr val="000000">
-                <a:alpha val="38000"/>
-              </a:srgbClr>
-            </a:outerShdw>
-          </a:effectLst>
-        </a:effectStyle>
-        <a:effectStyle>
-          <a:effectLst>
-            <a:outerShdw blurRad="40000" dist="23000" dir="5400000" rotWithShape="0">
-              <a:srgbClr val="000000">
-                <a:alpha val="35000"/>
-              </a:srgbClr>
-            </a:outerShdw>
-          </a:effectLst>
-        </a:effectStyle>
-        <a:effectStyle>
-          <a:effectLst>
-            <a:outerShdw blurRad="40000" dist="23000" dir="5400000" rotWithShape="0">
-              <a:srgbClr val="000000">
-                <a:alpha val="35000"/>
-              </a:srgbClr>
-            </a:outerShdw>
-          </a:effectLst>
-          <a:scene3d>
-            <a:camera prst="orthographicFront">
-              <a:rot lat="0" lon="0" rev="0"/>
-            </a:camera>
-            <a:lightRig rig="threePt" dir="t">
-              <a:rot lat="0" lon="0" rev="1200000"/>
-            </a:lightRig>
-          </a:scene3d>
-          <a:sp3d>
-            <a:bevelT w="63500" h="25400"/>
-          </a:sp3d>
-        </a:effectStyle>
-      </a:effectStyleLst>
-      <a:bgFillStyleLst>
-        <a:solidFill>
-          <a:schemeClr val="phClr"/>
-        </a:solidFill>
-        <a:gradFill rotWithShape="1">
-          <a:gsLst>
-            <a:gs pos="0">
-              <a:schemeClr val="phClr">
-                <a:tint val="40000"/>
-                <a:satMod val="350000"/>
-              </a:schemeClr>
-            </a:gs>
-            <a:gs pos="40000">
-              <a:schemeClr val="phClr">
-                <a:tint val="45000"/>
-                <a:shade val="99000"/>
-                <a:satMod val="350000"/>
-              </a:schemeClr>
-            </a:gs>
-            <a:gs pos="100000">
-              <a:schemeClr val="phClr">
-                <a:shade val="20000"/>
-                <a:satMod val="255000"/>
-              </a:schemeClr>
-            </a:gs>
-          </a:gsLst>
-          <a:path path="circle">
-            <a:fillToRect l="50000" t="-80000" r="50000" b="180000"/>
-          </a:path>
-        </a:gradFill>
-        <a:gradFill rotWithShape="1">
-          <a:gsLst>
-            <a:gs pos="0">
-              <a:schemeClr val="phClr">
-                <a:tint val="80000"/>
-                <a:satMod val="300000"/>
-              </a:schemeClr>
-            </a:gs>
-            <a:gs pos="100000">
-              <a:schemeClr val="phClr">
-                <a:shade val="30000"/>
-                <a:satMod val="200000"/>
-              </a:schemeClr>
-            </a:gs>
-          </a:gsLst>
-          <a:path path="circle">
-            <a:fillToRect l="50000" t="50000" r="50000" b="50000"/>
-          </a:path>
-        </a:gradFill>
-      </a:bgFillStyleLst>
-    </a:fmtScheme>
-  </a:themeElements>
+  <a:objectDefaults/>
+  <a:extraClrSchemeLst/>
 </a:theme>
 </file>
--- a/Database, Day 00 presentation.pptx
+++ b/Database, Day 00 presentation.pptx
@@ -1,36 +1,36 @@
 
 <file path=ppt/presentation.xml><?xml version="1.0" encoding="utf-8"?>
-<p:presentation xmlns:a="http://schemas.openxmlformats.org/drawingml/2006/main" xmlns:r="http://schemas.openxmlformats.org/officeDocument/2006/relationships" xmlns:p="http://schemas.openxmlformats.org/presentationml/2006/main" strictFirstAndLastChars="0" embedTrueTypeFonts="1" saveSubsetFonts="1" autoCompressPictures="0">
+<p:presentation xmlns:a="http://schemas.openxmlformats.org/drawingml/2006/main" xmlns:r="http://schemas.openxmlformats.org/officeDocument/2006/relationships" xmlns:mc="http://schemas.openxmlformats.org/markup-compatibility/2006" xmlns:mv="urn:schemas-microsoft-com:mac:vml" xmlns:p="http://schemas.openxmlformats.org/presentationml/2006/main" xmlns:c="http://schemas.openxmlformats.org/drawingml/2006/chart" xmlns:dgm="http://schemas.openxmlformats.org/drawingml/2006/diagram" xmlns:o="urn:schemas-microsoft-com:office:office" xmlns:v="urn:schemas-microsoft-com:vml" xmlns:pvml="urn:schemas-microsoft-com:office:powerpoint" xmlns:com="http://schemas.openxmlformats.org/drawingml/2006/compatibility" xmlns:p14="http://schemas.microsoft.com/office/powerpoint/2010/main" xmlns:p15="http://schemas.microsoft.com/office/powerpoint/2012/main" xmlns:ahyp="http://schemas.microsoft.com/office/drawing/2018/hyperlinkcolor" autoCompressPictures="0" embedTrueTypeFonts="1" strictFirstAndLastChars="0" saveSubsetFonts="1">
   <p:sldMasterIdLst>
-    <p:sldMasterId id="2147483659" r:id="rId1"/>
+    <p:sldMasterId id="2147483659" r:id="rId4"/>
   </p:sldMasterIdLst>
   <p:notesMasterIdLst>
-    <p:notesMasterId r:id="rId11"/>
+    <p:notesMasterId r:id="rId5"/>
   </p:notesMasterIdLst>
   <p:sldIdLst>
-    <p:sldId id="256" r:id="rId2"/>
-    <p:sldId id="257" r:id="rId3"/>
-    <p:sldId id="258" r:id="rId4"/>
-    <p:sldId id="259" r:id="rId5"/>
-    <p:sldId id="260" r:id="rId6"/>
-    <p:sldId id="261" r:id="rId7"/>
-    <p:sldId id="262" r:id="rId8"/>
-    <p:sldId id="263" r:id="rId9"/>
-    <p:sldId id="264" r:id="rId10"/>
+    <p:sldId id="256" r:id="rId6"/>
+    <p:sldId id="257" r:id="rId7"/>
+    <p:sldId id="258" r:id="rId8"/>
+    <p:sldId id="259" r:id="rId9"/>
+    <p:sldId id="260" r:id="rId10"/>
+    <p:sldId id="261" r:id="rId11"/>
+    <p:sldId id="262" r:id="rId12"/>
+    <p:sldId id="263" r:id="rId13"/>
+    <p:sldId id="264" r:id="rId14"/>
   </p:sldIdLst>
-  <p:sldSz cx="9144000" cy="5143500" type="screen16x9"/>
+  <p:sldSz cy="5143500" cx="9144000"/>
   <p:notesSz cx="6858000" cy="9144000"/>
   <p:embeddedFontLst>
     <p:embeddedFont>
-      <p:font typeface="Roboto" panose="020B0604020202020204" charset="0"/>
-      <p:regular r:id="rId12"/>
-      <p:bold r:id="rId13"/>
-      <p:italic r:id="rId14"/>
-      <p:boldItalic r:id="rId15"/>
+      <p:font typeface="Roboto"/>
+      <p:regular r:id="rId15"/>
+      <p:bold r:id="rId16"/>
+      <p:italic r:id="rId17"/>
+      <p:boldItalic r:id="rId18"/>
     </p:embeddedFont>
   </p:embeddedFontLst>
   <p:defaultTextStyle>
-    <a:defPPr marR="0" lvl="0" algn="l" rtl="0">
+    <a:defPPr lvl="0" marR="0" rtl="0" algn="l">
       <a:lnSpc>
         <a:spcPct val="100000"/>
       </a:lnSpc>
@@ -41,7 +41,7 @@
         <a:spcPts val="0"/>
       </a:spcAft>
     </a:defPPr>
-    <a:lvl1pPr marR="0" lvl="0" algn="l" rtl="0">
+    <a:lvl1pPr lvl="0" marR="0" rtl="0" algn="l">
       <a:lnSpc>
         <a:spcPct val="100000"/>
       </a:lnSpc>
@@ -55,7 +55,7 @@
         <a:srgbClr val="000000"/>
       </a:buClr>
       <a:buFont typeface="Arial"/>
-      <a:defRPr sz="1400" b="0" i="0" u="none" strike="noStrike" cap="none">
+      <a:defRPr b="0" i="0" sz="1400" u="none" cap="none" strike="noStrike">
         <a:solidFill>
           <a:srgbClr val="000000"/>
         </a:solidFill>
@@ -65,7 +65,7 @@
         <a:sym typeface="Arial"/>
       </a:defRPr>
     </a:lvl1pPr>
-    <a:lvl2pPr marR="0" lvl="1" algn="l" rtl="0">
+    <a:lvl2pPr lvl="1" marR="0" rtl="0" algn="l">
       <a:lnSpc>
         <a:spcPct val="100000"/>
       </a:lnSpc>
@@ -79,7 +79,7 @@
         <a:srgbClr val="000000"/>
       </a:buClr>
       <a:buFont typeface="Arial"/>
-      <a:defRPr sz="1400" b="0" i="0" u="none" strike="noStrike" cap="none">
+      <a:defRPr b="0" i="0" sz="1400" u="none" cap="none" strike="noStrike">
         <a:solidFill>
           <a:srgbClr val="000000"/>
         </a:solidFill>
@@ -89,7 +89,7 @@
         <a:sym typeface="Arial"/>
       </a:defRPr>
     </a:lvl2pPr>
-    <a:lvl3pPr marR="0" lvl="2" algn="l" rtl="0">
+    <a:lvl3pPr lvl="2" marR="0" rtl="0" algn="l">
       <a:lnSpc>
         <a:spcPct val="100000"/>
       </a:lnSpc>
@@ -103,7 +103,7 @@
         <a:srgbClr val="000000"/>
       </a:buClr>
       <a:buFont typeface="Arial"/>
-      <a:defRPr sz="1400" b="0" i="0" u="none" strike="noStrike" cap="none">
+      <a:defRPr b="0" i="0" sz="1400" u="none" cap="none" strike="noStrike">
         <a:solidFill>
           <a:srgbClr val="000000"/>
         </a:solidFill>
@@ -113,7 +113,7 @@
         <a:sym typeface="Arial"/>
       </a:defRPr>
     </a:lvl3pPr>
-    <a:lvl4pPr marR="0" lvl="3" algn="l" rtl="0">
+    <a:lvl4pPr lvl="3" marR="0" rtl="0" algn="l">
       <a:lnSpc>
         <a:spcPct val="100000"/>
       </a:lnSpc>
@@ -127,7 +127,7 @@
         <a:srgbClr val="000000"/>
       </a:buClr>
       <a:buFont typeface="Arial"/>
-      <a:defRPr sz="1400" b="0" i="0" u="none" strike="noStrike" cap="none">
+      <a:defRPr b="0" i="0" sz="1400" u="none" cap="none" strike="noStrike">
         <a:solidFill>
           <a:srgbClr val="000000"/>
         </a:solidFill>
@@ -137,7 +137,7 @@
         <a:sym typeface="Arial"/>
       </a:defRPr>
     </a:lvl4pPr>
-    <a:lvl5pPr marR="0" lvl="4" algn="l" rtl="0">
+    <a:lvl5pPr lvl="4" marR="0" rtl="0" algn="l">
       <a:lnSpc>
         <a:spcPct val="100000"/>
       </a:lnSpc>
@@ -151,7 +151,7 @@
         <a:srgbClr val="000000"/>
       </a:buClr>
       <a:buFont typeface="Arial"/>
-      <a:defRPr sz="1400" b="0" i="0" u="none" strike="noStrike" cap="none">
+      <a:defRPr b="0" i="0" sz="1400" u="none" cap="none" strike="noStrike">
         <a:solidFill>
           <a:srgbClr val="000000"/>
         </a:solidFill>
@@ -161,7 +161,7 @@
         <a:sym typeface="Arial"/>
       </a:defRPr>
     </a:lvl5pPr>
-    <a:lvl6pPr marR="0" lvl="5" algn="l" rtl="0">
+    <a:lvl6pPr lvl="5" marR="0" rtl="0" algn="l">
       <a:lnSpc>
         <a:spcPct val="100000"/>
       </a:lnSpc>
@@ -175,7 +175,7 @@
         <a:srgbClr val="000000"/>
       </a:buClr>
       <a:buFont typeface="Arial"/>
-      <a:defRPr sz="1400" b="0" i="0" u="none" strike="noStrike" cap="none">
+      <a:defRPr b="0" i="0" sz="1400" u="none" cap="none" strike="noStrike">
         <a:solidFill>
           <a:srgbClr val="000000"/>
         </a:solidFill>
@@ -185,7 +185,7 @@
         <a:sym typeface="Arial"/>
       </a:defRPr>
     </a:lvl6pPr>
-    <a:lvl7pPr marR="0" lvl="6" algn="l" rtl="0">
+    <a:lvl7pPr lvl="6" marR="0" rtl="0" algn="l">
       <a:lnSpc>
         <a:spcPct val="100000"/>
       </a:lnSpc>
@@ -199,7 +199,7 @@
         <a:srgbClr val="000000"/>
       </a:buClr>
       <a:buFont typeface="Arial"/>
-      <a:defRPr sz="1400" b="0" i="0" u="none" strike="noStrike" cap="none">
+      <a:defRPr b="0" i="0" sz="1400" u="none" cap="none" strike="noStrike">
         <a:solidFill>
           <a:srgbClr val="000000"/>
         </a:solidFill>
@@ -209,7 +209,7 @@
         <a:sym typeface="Arial"/>
       </a:defRPr>
     </a:lvl7pPr>
-    <a:lvl8pPr marR="0" lvl="7" algn="l" rtl="0">
+    <a:lvl8pPr lvl="7" marR="0" rtl="0" algn="l">
       <a:lnSpc>
         <a:spcPct val="100000"/>
       </a:lnSpc>
@@ -223,7 +223,7 @@
         <a:srgbClr val="000000"/>
       </a:buClr>
       <a:buFont typeface="Arial"/>
-      <a:defRPr sz="1400" b="0" i="0" u="none" strike="noStrike" cap="none">
+      <a:defRPr b="0" i="0" sz="1400" u="none" cap="none" strike="noStrike">
         <a:solidFill>
           <a:srgbClr val="000000"/>
         </a:solidFill>
@@ -233,7 +233,7 @@
         <a:sym typeface="Arial"/>
       </a:defRPr>
     </a:lvl8pPr>
-    <a:lvl9pPr marR="0" lvl="8" algn="l" rtl="0">
+    <a:lvl9pPr lvl="8" marR="0" rtl="0" algn="l">
       <a:lnSpc>
         <a:spcPct val="100000"/>
       </a:lnSpc>
@@ -247,7 +247,7 @@
         <a:srgbClr val="000000"/>
       </a:buClr>
       <a:buFont typeface="Arial"/>
-      <a:defRPr sz="1400" b="0" i="0" u="none" strike="noStrike" cap="none">
+      <a:defRPr b="0" i="0" sz="1400" u="none" cap="none" strike="noStrike">
         <a:solidFill>
           <a:srgbClr val="000000"/>
         </a:solidFill>
@@ -260,7 +260,7 @@
   </p:defaultTextStyle>
   <p:extLst>
     <p:ext uri="{EFAFB233-063F-42B5-8137-9DF3F51BA10A}">
-      <p15:sldGuideLst xmlns:p15="http://schemas.microsoft.com/office/powerpoint/2012/main">
+      <p15:sldGuideLst>
         <p15:guide id="1" orient="horz" pos="1620">
           <p15:clr>
             <a:srgbClr val="A4A3A4"/>
@@ -278,16 +278,11 @@
 </file>
 
 <file path=ppt/notesMasters/notesMaster1.xml><?xml version="1.0" encoding="utf-8"?>
-<p:notesMaster xmlns:a="http://schemas.openxmlformats.org/drawingml/2006/main" xmlns:r="http://schemas.openxmlformats.org/officeDocument/2006/relationships" xmlns:p="http://schemas.openxmlformats.org/presentationml/2006/main">
+<p:notesMaster xmlns:a="http://schemas.openxmlformats.org/drawingml/2006/main" xmlns:r="http://schemas.openxmlformats.org/officeDocument/2006/relationships" xmlns:mc="http://schemas.openxmlformats.org/markup-compatibility/2006" xmlns:mv="urn:schemas-microsoft-com:mac:vml" xmlns:p="http://schemas.openxmlformats.org/presentationml/2006/main" xmlns:c="http://schemas.openxmlformats.org/drawingml/2006/chart" xmlns:dgm="http://schemas.openxmlformats.org/drawingml/2006/diagram" xmlns:o="urn:schemas-microsoft-com:office:office" xmlns:v="urn:schemas-microsoft-com:vml" xmlns:pvml="urn:schemas-microsoft-com:office:powerpoint" xmlns:com="http://schemas.openxmlformats.org/drawingml/2006/compatibility" xmlns:p14="http://schemas.microsoft.com/office/powerpoint/2010/main" xmlns:p15="http://schemas.microsoft.com/office/powerpoint/2012/main" xmlns:ahyp="http://schemas.microsoft.com/office/drawing/2018/hyperlinkcolor">
   <p:cSld>
-    <p:bg>
-      <p:bgRef idx="1001">
-        <a:schemeClr val="bg1"/>
-      </p:bgRef>
-    </p:bg>
     <p:spTree>
       <p:nvGrpSpPr>
-        <p:cNvPr id="1" name="Shape 2"/>
+        <p:cNvPr id="2" name="Shape 2"/>
         <p:cNvGrpSpPr/>
         <p:nvPr/>
       </p:nvGrpSpPr>
@@ -302,11 +297,9 @@
       <p:sp>
         <p:nvSpPr>
           <p:cNvPr id="3" name="Google Shape;3;n"/>
-          <p:cNvSpPr>
-            <a:spLocks noGrp="1" noRot="1" noChangeAspect="1"/>
-          </p:cNvSpPr>
+          <p:cNvSpPr/>
           <p:nvPr>
-            <p:ph type="sldImg" idx="2"/>
+            <p:ph idx="2" type="sldImg"/>
           </p:nvPr>
         </p:nvSpPr>
         <p:spPr>
@@ -315,13 +308,9 @@
             <a:ext cx="6096075" cy="3429000"/>
           </a:xfrm>
           <a:custGeom>
-            <a:avLst/>
-            <a:gdLst/>
-            <a:ahLst/>
-            <a:cxnLst/>
-            <a:rect l="l" t="t" r="r" b="b"/>
+            <a:rect b="b" l="l" r="r" t="t"/>
             <a:pathLst>
-              <a:path w="120000" h="120000" extrusionOk="0">
+              <a:path extrusionOk="0" h="120000" w="120000">
                 <a:moveTo>
                   <a:pt x="0" y="0"/>
                 </a:moveTo>
@@ -339,25 +328,23 @@
             </a:pathLst>
           </a:custGeom>
           <a:noFill/>
-          <a:ln w="9525" cap="flat" cmpd="sng">
+          <a:ln cap="flat" cmpd="sng" w="9525">
             <a:solidFill>
               <a:srgbClr val="000000"/>
             </a:solidFill>
             <a:prstDash val="solid"/>
             <a:round/>
-            <a:headEnd type="none" w="sm" len="sm"/>
-            <a:tailEnd type="none" w="sm" len="sm"/>
+            <a:headEnd len="sm" w="sm" type="none"/>
+            <a:tailEnd len="sm" w="sm" type="none"/>
           </a:ln>
         </p:spPr>
       </p:sp>
       <p:sp>
         <p:nvSpPr>
           <p:cNvPr id="4" name="Google Shape;4;n"/>
-          <p:cNvSpPr txBox="1">
-            <a:spLocks noGrp="1"/>
-          </p:cNvSpPr>
+          <p:cNvSpPr txBox="1"/>
           <p:nvPr>
-            <p:ph type="body" idx="1"/>
+            <p:ph idx="1" type="body"/>
           </p:nvPr>
         </p:nvSpPr>
         <p:spPr>
@@ -374,11 +361,11 @@
           </a:ln>
         </p:spPr>
         <p:txBody>
-          <a:bodyPr spcFirstLastPara="1" wrap="square" lIns="91425" tIns="91425" rIns="91425" bIns="91425" anchor="t" anchorCtr="0">
+          <a:bodyPr anchorCtr="0" anchor="t" bIns="91425" lIns="91425" spcFirstLastPara="1" rIns="91425" wrap="square" tIns="91425">
             <a:noAutofit/>
           </a:bodyPr>
           <a:lstStyle>
-            <a:lvl1pPr marL="457200" lvl="0" indent="-298450">
+            <a:lvl1pPr indent="-298450" lvl="0" marL="457200">
               <a:spcBef>
                 <a:spcPts val="0"/>
               </a:spcBef>
@@ -389,7 +376,7 @@
               <a:buChar char="●"/>
               <a:defRPr sz="1100"/>
             </a:lvl1pPr>
-            <a:lvl2pPr marL="914400" lvl="1" indent="-298450">
+            <a:lvl2pPr indent="-298450" lvl="1" marL="914400">
               <a:spcBef>
                 <a:spcPts val="0"/>
               </a:spcBef>
@@ -400,7 +387,7 @@
               <a:buChar char="○"/>
               <a:defRPr sz="1100"/>
             </a:lvl2pPr>
-            <a:lvl3pPr marL="1371600" lvl="2" indent="-298450">
+            <a:lvl3pPr indent="-298450" lvl="2" marL="1371600">
               <a:spcBef>
                 <a:spcPts val="0"/>
               </a:spcBef>
@@ -411,7 +398,7 @@
               <a:buChar char="■"/>
               <a:defRPr sz="1100"/>
             </a:lvl3pPr>
-            <a:lvl4pPr marL="1828800" lvl="3" indent="-298450">
+            <a:lvl4pPr indent="-298450" lvl="3" marL="1828800">
               <a:spcBef>
                 <a:spcPts val="0"/>
               </a:spcBef>
@@ -422,7 +409,7 @@
               <a:buChar char="●"/>
               <a:defRPr sz="1100"/>
             </a:lvl4pPr>
-            <a:lvl5pPr marL="2286000" lvl="4" indent="-298450">
+            <a:lvl5pPr indent="-298450" lvl="4" marL="2286000">
               <a:spcBef>
                 <a:spcPts val="0"/>
               </a:spcBef>
@@ -433,7 +420,7 @@
               <a:buChar char="○"/>
               <a:defRPr sz="1100"/>
             </a:lvl5pPr>
-            <a:lvl6pPr marL="2743200" lvl="5" indent="-298450">
+            <a:lvl6pPr indent="-298450" lvl="5" marL="2743200">
               <a:spcBef>
                 <a:spcPts val="0"/>
               </a:spcBef>
@@ -444,7 +431,7 @@
               <a:buChar char="■"/>
               <a:defRPr sz="1100"/>
             </a:lvl6pPr>
-            <a:lvl7pPr marL="3200400" lvl="6" indent="-298450">
+            <a:lvl7pPr indent="-298450" lvl="6" marL="3200400">
               <a:spcBef>
                 <a:spcPts val="0"/>
               </a:spcBef>
@@ -455,7 +442,7 @@
               <a:buChar char="●"/>
               <a:defRPr sz="1100"/>
             </a:lvl7pPr>
-            <a:lvl8pPr marL="3657600" lvl="7" indent="-298450">
+            <a:lvl8pPr indent="-298450" lvl="7" marL="3657600">
               <a:spcBef>
                 <a:spcPts val="0"/>
               </a:spcBef>
@@ -466,7 +453,7 @@
               <a:buChar char="○"/>
               <a:defRPr sz="1100"/>
             </a:lvl8pPr>
-            <a:lvl9pPr marL="4114800" lvl="8" indent="-298450">
+            <a:lvl9pPr indent="-298450" lvl="8" marL="4114800">
               <a:spcBef>
                 <a:spcPts val="0"/>
               </a:spcBef>
@@ -478,16 +465,14 @@
               <a:defRPr sz="1100"/>
             </a:lvl9pPr>
           </a:lstStyle>
-          <a:p>
-            <a:endParaRPr/>
-          </a:p>
+          <a:p/>
         </p:txBody>
       </p:sp>
     </p:spTree>
   </p:cSld>
-  <p:clrMap bg1="lt1" tx1="dk1" bg2="dk2" tx2="lt2" accent1="accent1" accent2="accent2" accent3="accent3" accent4="accent4" accent5="accent5" accent6="accent6" hlink="hlink" folHlink="folHlink"/>
+  <p:clrMap accent1="accent1" accent2="accent2" accent3="accent3" accent4="accent4" accent5="accent5" accent6="accent6" bg1="lt1" bg2="dk2" tx1="dk1" tx2="lt2" folHlink="folHlink" hlink="hlink"/>
   <p:notesStyle>
-    <a:defPPr marR="0" lvl="0" algn="l" rtl="0">
+    <a:defPPr lvl="0" marR="0" rtl="0" algn="l">
       <a:lnSpc>
         <a:spcPct val="100000"/>
       </a:lnSpc>
@@ -498,7 +483,7 @@
         <a:spcPts val="0"/>
       </a:spcAft>
     </a:defPPr>
-    <a:lvl1pPr marR="0" lvl="0" algn="l" rtl="0">
+    <a:lvl1pPr lvl="0" marR="0" rtl="0" algn="l">
       <a:lnSpc>
         <a:spcPct val="100000"/>
       </a:lnSpc>
@@ -512,7 +497,7 @@
         <a:srgbClr val="000000"/>
       </a:buClr>
       <a:buFont typeface="Arial"/>
-      <a:defRPr sz="1400" b="0" i="0" u="none" strike="noStrike" cap="none">
+      <a:defRPr b="0" i="0" sz="1400" u="none" cap="none" strike="noStrike">
         <a:solidFill>
           <a:srgbClr val="000000"/>
         </a:solidFill>
@@ -522,7 +507,7 @@
         <a:sym typeface="Arial"/>
       </a:defRPr>
     </a:lvl1pPr>
-    <a:lvl2pPr marR="0" lvl="1" algn="l" rtl="0">
+    <a:lvl2pPr lvl="1" marR="0" rtl="0" algn="l">
       <a:lnSpc>
         <a:spcPct val="100000"/>
       </a:lnSpc>
@@ -536,7 +521,7 @@
         <a:srgbClr val="000000"/>
       </a:buClr>
       <a:buFont typeface="Arial"/>
-      <a:defRPr sz="1400" b="0" i="0" u="none" strike="noStrike" cap="none">
+      <a:defRPr b="0" i="0" sz="1400" u="none" cap="none" strike="noStrike">
         <a:solidFill>
           <a:srgbClr val="000000"/>
         </a:solidFill>
@@ -546,7 +531,7 @@
         <a:sym typeface="Arial"/>
       </a:defRPr>
     </a:lvl2pPr>
-    <a:lvl3pPr marR="0" lvl="2" algn="l" rtl="0">
+    <a:lvl3pPr lvl="2" marR="0" rtl="0" algn="l">
       <a:lnSpc>
         <a:spcPct val="100000"/>
       </a:lnSpc>
@@ -560,7 +545,7 @@
         <a:srgbClr val="000000"/>
       </a:buClr>
       <a:buFont typeface="Arial"/>
-      <a:defRPr sz="1400" b="0" i="0" u="none" strike="noStrike" cap="none">
+      <a:defRPr b="0" i="0" sz="1400" u="none" cap="none" strike="noStrike">
         <a:solidFill>
           <a:srgbClr val="000000"/>
         </a:solidFill>
@@ -570,7 +555,7 @@
         <a:sym typeface="Arial"/>
       </a:defRPr>
     </a:lvl3pPr>
-    <a:lvl4pPr marR="0" lvl="3" algn="l" rtl="0">
+    <a:lvl4pPr lvl="3" marR="0" rtl="0" algn="l">
       <a:lnSpc>
         <a:spcPct val="100000"/>
       </a:lnSpc>
@@ -584,7 +569,7 @@
         <a:srgbClr val="000000"/>
       </a:buClr>
       <a:buFont typeface="Arial"/>
-      <a:defRPr sz="1400" b="0" i="0" u="none" strike="noStrike" cap="none">
+      <a:defRPr b="0" i="0" sz="1400" u="none" cap="none" strike="noStrike">
         <a:solidFill>
           <a:srgbClr val="000000"/>
         </a:solidFill>
@@ -594,7 +579,7 @@
         <a:sym typeface="Arial"/>
       </a:defRPr>
     </a:lvl4pPr>
-    <a:lvl5pPr marR="0" lvl="4" algn="l" rtl="0">
+    <a:lvl5pPr lvl="4" marR="0" rtl="0" algn="l">
       <a:lnSpc>
         <a:spcPct val="100000"/>
       </a:lnSpc>
@@ -608,7 +593,7 @@
         <a:srgbClr val="000000"/>
       </a:buClr>
       <a:buFont typeface="Arial"/>
-      <a:defRPr sz="1400" b="0" i="0" u="none" strike="noStrike" cap="none">
+      <a:defRPr b="0" i="0" sz="1400" u="none" cap="none" strike="noStrike">
         <a:solidFill>
           <a:srgbClr val="000000"/>
         </a:solidFill>
@@ -618,7 +603,7 @@
         <a:sym typeface="Arial"/>
       </a:defRPr>
     </a:lvl5pPr>
-    <a:lvl6pPr marR="0" lvl="5" algn="l" rtl="0">
+    <a:lvl6pPr lvl="5" marR="0" rtl="0" algn="l">
       <a:lnSpc>
         <a:spcPct val="100000"/>
       </a:lnSpc>
@@ -632,7 +617,7 @@
         <a:srgbClr val="000000"/>
       </a:buClr>
       <a:buFont typeface="Arial"/>
-      <a:defRPr sz="1400" b="0" i="0" u="none" strike="noStrike" cap="none">
+      <a:defRPr b="0" i="0" sz="1400" u="none" cap="none" strike="noStrike">
         <a:solidFill>
           <a:srgbClr val="000000"/>
         </a:solidFill>
@@ -642,7 +627,7 @@
         <a:sym typeface="Arial"/>
       </a:defRPr>
     </a:lvl6pPr>
-    <a:lvl7pPr marR="0" lvl="6" algn="l" rtl="0">
+    <a:lvl7pPr lvl="6" marR="0" rtl="0" algn="l">
       <a:lnSpc>
         <a:spcPct val="100000"/>
       </a:lnSpc>
@@ -656,7 +641,7 @@
         <a:srgbClr val="000000"/>
       </a:buClr>
       <a:buFont typeface="Arial"/>
-      <a:defRPr sz="1400" b="0" i="0" u="none" strike="noStrike" cap="none">
+      <a:defRPr b="0" i="0" sz="1400" u="none" cap="none" strike="noStrike">
         <a:solidFill>
           <a:srgbClr val="000000"/>
         </a:solidFill>
@@ -666,7 +651,7 @@
         <a:sym typeface="Arial"/>
       </a:defRPr>
     </a:lvl7pPr>
-    <a:lvl8pPr marR="0" lvl="7" algn="l" rtl="0">
+    <a:lvl8pPr lvl="7" marR="0" rtl="0" algn="l">
       <a:lnSpc>
         <a:spcPct val="100000"/>
       </a:lnSpc>
@@ -680,7 +665,7 @@
         <a:srgbClr val="000000"/>
       </a:buClr>
       <a:buFont typeface="Arial"/>
-      <a:defRPr sz="1400" b="0" i="0" u="none" strike="noStrike" cap="none">
+      <a:defRPr b="0" i="0" sz="1400" u="none" cap="none" strike="noStrike">
         <a:solidFill>
           <a:srgbClr val="000000"/>
         </a:solidFill>
@@ -690,7 +675,7 @@
         <a:sym typeface="Arial"/>
       </a:defRPr>
     </a:lvl8pPr>
-    <a:lvl9pPr marR="0" lvl="8" algn="l" rtl="0">
+    <a:lvl9pPr lvl="8" marR="0" rtl="0" algn="l">
       <a:lnSpc>
         <a:spcPct val="100000"/>
       </a:lnSpc>
@@ -704,7 +689,7 @@
         <a:srgbClr val="000000"/>
       </a:buClr>
       <a:buFont typeface="Arial"/>
-      <a:defRPr sz="1400" b="0" i="0" u="none" strike="noStrike" cap="none">
+      <a:defRPr b="0" i="0" sz="1400" u="none" cap="none" strike="noStrike">
         <a:solidFill>
           <a:srgbClr val="000000"/>
         </a:solidFill>
@@ -719,11 +704,11 @@
 </file>
 
 <file path=ppt/notesSlides/notesSlide1.xml><?xml version="1.0" encoding="utf-8"?>
-<p:notes xmlns:a="http://schemas.openxmlformats.org/drawingml/2006/main" xmlns:r="http://schemas.openxmlformats.org/officeDocument/2006/relationships" xmlns:p="http://schemas.openxmlformats.org/presentationml/2006/main" showMasterSp="0" showMasterPhAnim="0">
+<p:notes xmlns:a="http://schemas.openxmlformats.org/drawingml/2006/main" xmlns:r="http://schemas.openxmlformats.org/officeDocument/2006/relationships" xmlns:mc="http://schemas.openxmlformats.org/markup-compatibility/2006" xmlns:mv="urn:schemas-microsoft-com:mac:vml" xmlns:p="http://schemas.openxmlformats.org/presentationml/2006/main" xmlns:c="http://schemas.openxmlformats.org/drawingml/2006/chart" xmlns:dgm="http://schemas.openxmlformats.org/drawingml/2006/diagram" xmlns:o="urn:schemas-microsoft-com:office:office" xmlns:v="urn:schemas-microsoft-com:vml" xmlns:pvml="urn:schemas-microsoft-com:office:powerpoint" xmlns:com="http://schemas.openxmlformats.org/drawingml/2006/compatibility" xmlns:p14="http://schemas.microsoft.com/office/powerpoint/2010/main" xmlns:p15="http://schemas.microsoft.com/office/powerpoint/2012/main" xmlns:ahyp="http://schemas.microsoft.com/office/drawing/2018/hyperlinkcolor" showMasterPhAnim="0" showMasterSp="0">
   <p:cSld>
     <p:spTree>
       <p:nvGrpSpPr>
-        <p:cNvPr id="1" name="Shape 81"/>
+        <p:cNvPr id="81" name="Shape 81"/>
         <p:cNvGrpSpPr/>
         <p:nvPr/>
       </p:nvGrpSpPr>
@@ -738,11 +723,9 @@
       <p:sp>
         <p:nvSpPr>
           <p:cNvPr id="82" name="Google Shape;82;p:notes"/>
-          <p:cNvSpPr>
-            <a:spLocks noGrp="1" noRot="1" noChangeAspect="1"/>
-          </p:cNvSpPr>
+          <p:cNvSpPr/>
           <p:nvPr>
-            <p:ph type="sldImg" idx="2"/>
+            <p:ph idx="2" type="sldImg"/>
           </p:nvPr>
         </p:nvSpPr>
         <p:spPr>
@@ -751,13 +734,9 @@
             <a:ext cx="6096075" cy="3429000"/>
           </a:xfrm>
           <a:custGeom>
-            <a:avLst/>
-            <a:gdLst/>
-            <a:ahLst/>
-            <a:cxnLst/>
-            <a:rect l="l" t="t" r="r" b="b"/>
+            <a:rect b="b" l="l" r="r" t="t"/>
             <a:pathLst>
-              <a:path w="120000" h="120000" extrusionOk="0">
+              <a:path extrusionOk="0" h="120000" w="120000">
                 <a:moveTo>
                   <a:pt x="0" y="0"/>
                 </a:moveTo>
@@ -779,11 +758,9 @@
       <p:sp>
         <p:nvSpPr>
           <p:cNvPr id="83" name="Google Shape;83;p:notes"/>
-          <p:cNvSpPr txBox="1">
-            <a:spLocks noGrp="1"/>
-          </p:cNvSpPr>
+          <p:cNvSpPr txBox="1"/>
           <p:nvPr>
-            <p:ph type="body" idx="1"/>
+            <p:ph idx="1" type="body"/>
           </p:nvPr>
         </p:nvSpPr>
         <p:spPr>
@@ -796,12 +773,12 @@
           </a:prstGeom>
         </p:spPr>
         <p:txBody>
-          <a:bodyPr spcFirstLastPara="1" wrap="square" lIns="91425" tIns="91425" rIns="91425" bIns="91425" anchor="t" anchorCtr="0">
+          <a:bodyPr anchorCtr="0" anchor="t" bIns="91425" lIns="91425" spcFirstLastPara="1" rIns="91425" wrap="square" tIns="91425">
             <a:noAutofit/>
           </a:bodyPr>
           <a:lstStyle/>
           <a:p>
-            <a:pPr marL="0" lvl="0" indent="0" algn="l" rtl="0">
+            <a:pPr indent="0" lvl="0" marL="0" rtl="0" algn="l">
               <a:spcBef>
                 <a:spcPts val="0"/>
               </a:spcBef>
@@ -810,6 +787,9 @@
               </a:spcAft>
               <a:buNone/>
             </a:pPr>
+            <a:r>
+              <a:t/>
+            </a:r>
             <a:endParaRPr/>
           </a:p>
         </p:txBody>
@@ -823,11 +803,11 @@
 </file>
 
 <file path=ppt/notesSlides/notesSlide2.xml><?xml version="1.0" encoding="utf-8"?>
-<p:notes xmlns:a="http://schemas.openxmlformats.org/drawingml/2006/main" xmlns:r="http://schemas.openxmlformats.org/officeDocument/2006/relationships" xmlns:p="http://schemas.openxmlformats.org/presentationml/2006/main" showMasterSp="0" showMasterPhAnim="0">
+<p:notes xmlns:a="http://schemas.openxmlformats.org/drawingml/2006/main" xmlns:r="http://schemas.openxmlformats.org/officeDocument/2006/relationships" xmlns:mc="http://schemas.openxmlformats.org/markup-compatibility/2006" xmlns:mv="urn:schemas-microsoft-com:mac:vml" xmlns:p="http://schemas.openxmlformats.org/presentationml/2006/main" xmlns:c="http://schemas.openxmlformats.org/drawingml/2006/chart" xmlns:dgm="http://schemas.openxmlformats.org/drawingml/2006/diagram" xmlns:o="urn:schemas-microsoft-com:office:office" xmlns:v="urn:schemas-microsoft-com:vml" xmlns:pvml="urn:schemas-microsoft-com:office:powerpoint" xmlns:com="http://schemas.openxmlformats.org/drawingml/2006/compatibility" xmlns:p14="http://schemas.microsoft.com/office/powerpoint/2010/main" xmlns:p15="http://schemas.microsoft.com/office/powerpoint/2012/main" xmlns:ahyp="http://schemas.microsoft.com/office/drawing/2018/hyperlinkcolor" showMasterPhAnim="0" showMasterSp="0">
   <p:cSld>
     <p:spTree>
       <p:nvGrpSpPr>
-        <p:cNvPr id="1" name="Shape 88"/>
+        <p:cNvPr id="88" name="Shape 88"/>
         <p:cNvGrpSpPr/>
         <p:nvPr/>
       </p:nvGrpSpPr>
@@ -842,11 +822,9 @@
       <p:sp>
         <p:nvSpPr>
           <p:cNvPr id="89" name="Google Shape;89;g86838d3156_0_84:notes"/>
-          <p:cNvSpPr>
-            <a:spLocks noGrp="1" noRot="1" noChangeAspect="1"/>
-          </p:cNvSpPr>
+          <p:cNvSpPr/>
           <p:nvPr>
-            <p:ph type="sldImg" idx="2"/>
+            <p:ph idx="2" type="sldImg"/>
           </p:nvPr>
         </p:nvSpPr>
         <p:spPr>
@@ -855,13 +833,9 @@
             <a:ext cx="6096000" cy="3429000"/>
           </a:xfrm>
           <a:custGeom>
-            <a:avLst/>
-            <a:gdLst/>
-            <a:ahLst/>
-            <a:cxnLst/>
-            <a:rect l="l" t="t" r="r" b="b"/>
+            <a:rect b="b" l="l" r="r" t="t"/>
             <a:pathLst>
-              <a:path w="120000" h="120000" extrusionOk="0">
+              <a:path extrusionOk="0" h="120000" w="120000">
                 <a:moveTo>
                   <a:pt x="0" y="0"/>
                 </a:moveTo>
@@ -883,11 +857,9 @@
       <p:sp>
         <p:nvSpPr>
           <p:cNvPr id="90" name="Google Shape;90;g86838d3156_0_84:notes"/>
-          <p:cNvSpPr txBox="1">
-            <a:spLocks noGrp="1"/>
-          </p:cNvSpPr>
+          <p:cNvSpPr txBox="1"/>
           <p:nvPr>
-            <p:ph type="body" idx="1"/>
+            <p:ph idx="1" type="body"/>
           </p:nvPr>
         </p:nvSpPr>
         <p:spPr>
@@ -900,12 +872,12 @@
           </a:prstGeom>
         </p:spPr>
         <p:txBody>
-          <a:bodyPr spcFirstLastPara="1" wrap="square" lIns="91425" tIns="91425" rIns="91425" bIns="91425" anchor="t" anchorCtr="0">
+          <a:bodyPr anchorCtr="0" anchor="t" bIns="91425" lIns="91425" spcFirstLastPara="1" rIns="91425" wrap="square" tIns="91425">
             <a:noAutofit/>
           </a:bodyPr>
           <a:lstStyle/>
           <a:p>
-            <a:pPr marL="0" lvl="0" indent="0" algn="l" rtl="0">
+            <a:pPr indent="0" lvl="0" marL="0" rtl="0" algn="l">
               <a:spcBef>
                 <a:spcPts val="0"/>
               </a:spcBef>
@@ -914,6 +886,9 @@
               </a:spcAft>
               <a:buNone/>
             </a:pPr>
+            <a:r>
+              <a:t/>
+            </a:r>
             <a:endParaRPr/>
           </a:p>
         </p:txBody>
@@ -927,11 +902,11 @@
 </file>
 
 <file path=ppt/notesSlides/notesSlide3.xml><?xml version="1.0" encoding="utf-8"?>
-<p:notes xmlns:a="http://schemas.openxmlformats.org/drawingml/2006/main" xmlns:r="http://schemas.openxmlformats.org/officeDocument/2006/relationships" xmlns:p="http://schemas.openxmlformats.org/presentationml/2006/main" showMasterSp="0" showMasterPhAnim="0">
+<p:notes xmlns:a="http://schemas.openxmlformats.org/drawingml/2006/main" xmlns:r="http://schemas.openxmlformats.org/officeDocument/2006/relationships" xmlns:mc="http://schemas.openxmlformats.org/markup-compatibility/2006" xmlns:mv="urn:schemas-microsoft-com:mac:vml" xmlns:p="http://schemas.openxmlformats.org/presentationml/2006/main" xmlns:c="http://schemas.openxmlformats.org/drawingml/2006/chart" xmlns:dgm="http://schemas.openxmlformats.org/drawingml/2006/diagram" xmlns:o="urn:schemas-microsoft-com:office:office" xmlns:v="urn:schemas-microsoft-com:vml" xmlns:pvml="urn:schemas-microsoft-com:office:powerpoint" xmlns:com="http://schemas.openxmlformats.org/drawingml/2006/compatibility" xmlns:p14="http://schemas.microsoft.com/office/powerpoint/2010/main" xmlns:p15="http://schemas.microsoft.com/office/powerpoint/2012/main" xmlns:ahyp="http://schemas.microsoft.com/office/drawing/2018/hyperlinkcolor" showMasterPhAnim="0" showMasterSp="0">
   <p:cSld>
     <p:spTree>
       <p:nvGrpSpPr>
-        <p:cNvPr id="1" name="Shape 96"/>
+        <p:cNvPr id="96" name="Shape 96"/>
         <p:cNvGrpSpPr/>
         <p:nvPr/>
       </p:nvGrpSpPr>
@@ -946,11 +921,9 @@
       <p:sp>
         <p:nvSpPr>
           <p:cNvPr id="97" name="Google Shape;97;g86838d3156_0_77:notes"/>
-          <p:cNvSpPr>
-            <a:spLocks noGrp="1" noRot="1" noChangeAspect="1"/>
-          </p:cNvSpPr>
+          <p:cNvSpPr/>
           <p:nvPr>
-            <p:ph type="sldImg" idx="2"/>
+            <p:ph idx="2" type="sldImg"/>
           </p:nvPr>
         </p:nvSpPr>
         <p:spPr>
@@ -959,13 +932,9 @@
             <a:ext cx="6096000" cy="3429000"/>
           </a:xfrm>
           <a:custGeom>
-            <a:avLst/>
-            <a:gdLst/>
-            <a:ahLst/>
-            <a:cxnLst/>
-            <a:rect l="l" t="t" r="r" b="b"/>
+            <a:rect b="b" l="l" r="r" t="t"/>
             <a:pathLst>
-              <a:path w="120000" h="120000" extrusionOk="0">
+              <a:path extrusionOk="0" h="120000" w="120000">
                 <a:moveTo>
                   <a:pt x="0" y="0"/>
                 </a:moveTo>
@@ -987,11 +956,9 @@
       <p:sp>
         <p:nvSpPr>
           <p:cNvPr id="98" name="Google Shape;98;g86838d3156_0_77:notes"/>
-          <p:cNvSpPr txBox="1">
-            <a:spLocks noGrp="1"/>
-          </p:cNvSpPr>
+          <p:cNvSpPr txBox="1"/>
           <p:nvPr>
-            <p:ph type="body" idx="1"/>
+            <p:ph idx="1" type="body"/>
           </p:nvPr>
         </p:nvSpPr>
         <p:spPr>
@@ -1004,12 +971,12 @@
           </a:prstGeom>
         </p:spPr>
         <p:txBody>
-          <a:bodyPr spcFirstLastPara="1" wrap="square" lIns="91425" tIns="91425" rIns="91425" bIns="91425" anchor="t" anchorCtr="0">
+          <a:bodyPr anchorCtr="0" anchor="t" bIns="91425" lIns="91425" spcFirstLastPara="1" rIns="91425" wrap="square" tIns="91425">
             <a:noAutofit/>
           </a:bodyPr>
           <a:lstStyle/>
           <a:p>
-            <a:pPr marL="0" lvl="0" indent="0" algn="l" rtl="0">
+            <a:pPr indent="0" lvl="0" marL="0" rtl="0" algn="l">
               <a:spcBef>
                 <a:spcPts val="0"/>
               </a:spcBef>
@@ -1018,6 +985,9 @@
               </a:spcAft>
               <a:buNone/>
             </a:pPr>
+            <a:r>
+              <a:t/>
+            </a:r>
             <a:endParaRPr/>
           </a:p>
         </p:txBody>
@@ -1031,11 +1001,11 @@
 </file>
 
 <file path=ppt/notesSlides/notesSlide4.xml><?xml version="1.0" encoding="utf-8"?>
-<p:notes xmlns:a="http://schemas.openxmlformats.org/drawingml/2006/main" xmlns:r="http://schemas.openxmlformats.org/officeDocument/2006/relationships" xmlns:p="http://schemas.openxmlformats.org/presentationml/2006/main" showMasterSp="0" showMasterPhAnim="0">
+<p:notes xmlns:a="http://schemas.openxmlformats.org/drawingml/2006/main" xmlns:r="http://schemas.openxmlformats.org/officeDocument/2006/relationships" xmlns:mc="http://schemas.openxmlformats.org/markup-compatibility/2006" xmlns:mv="urn:schemas-microsoft-com:mac:vml" xmlns:p="http://schemas.openxmlformats.org/presentationml/2006/main" xmlns:c="http://schemas.openxmlformats.org/drawingml/2006/chart" xmlns:dgm="http://schemas.openxmlformats.org/drawingml/2006/diagram" xmlns:o="urn:schemas-microsoft-com:office:office" xmlns:v="urn:schemas-microsoft-com:vml" xmlns:pvml="urn:schemas-microsoft-com:office:powerpoint" xmlns:com="http://schemas.openxmlformats.org/drawingml/2006/compatibility" xmlns:p14="http://schemas.microsoft.com/office/powerpoint/2010/main" xmlns:p15="http://schemas.microsoft.com/office/powerpoint/2012/main" xmlns:ahyp="http://schemas.microsoft.com/office/drawing/2018/hyperlinkcolor" showMasterPhAnim="0" showMasterSp="0">
   <p:cSld>
     <p:spTree>
       <p:nvGrpSpPr>
-        <p:cNvPr id="1" name="Shape 103"/>
+        <p:cNvPr id="103" name="Shape 103"/>
         <p:cNvGrpSpPr/>
         <p:nvPr/>
       </p:nvGrpSpPr>
@@ -1050,11 +1020,9 @@
       <p:sp>
         <p:nvSpPr>
           <p:cNvPr id="104" name="Google Shape;104;g86838d3156_0_89:notes"/>
-          <p:cNvSpPr>
-            <a:spLocks noGrp="1" noRot="1" noChangeAspect="1"/>
-          </p:cNvSpPr>
+          <p:cNvSpPr/>
           <p:nvPr>
-            <p:ph type="sldImg" idx="2"/>
+            <p:ph idx="2" type="sldImg"/>
           </p:nvPr>
         </p:nvSpPr>
         <p:spPr>
@@ -1063,13 +1031,9 @@
             <a:ext cx="6096000" cy="3429000"/>
           </a:xfrm>
           <a:custGeom>
-            <a:avLst/>
-            <a:gdLst/>
-            <a:ahLst/>
-            <a:cxnLst/>
-            <a:rect l="l" t="t" r="r" b="b"/>
+            <a:rect b="b" l="l" r="r" t="t"/>
             <a:pathLst>
-              <a:path w="120000" h="120000" extrusionOk="0">
+              <a:path extrusionOk="0" h="120000" w="120000">
                 <a:moveTo>
                   <a:pt x="0" y="0"/>
                 </a:moveTo>
@@ -1091,11 +1055,9 @@
       <p:sp>
         <p:nvSpPr>
           <p:cNvPr id="105" name="Google Shape;105;g86838d3156_0_89:notes"/>
-          <p:cNvSpPr txBox="1">
-            <a:spLocks noGrp="1"/>
-          </p:cNvSpPr>
+          <p:cNvSpPr txBox="1"/>
           <p:nvPr>
-            <p:ph type="body" idx="1"/>
+            <p:ph idx="1" type="body"/>
           </p:nvPr>
         </p:nvSpPr>
         <p:spPr>
@@ -1108,12 +1070,12 @@
           </a:prstGeom>
         </p:spPr>
         <p:txBody>
-          <a:bodyPr spcFirstLastPara="1" wrap="square" lIns="91425" tIns="91425" rIns="91425" bIns="91425" anchor="t" anchorCtr="0">
+          <a:bodyPr anchorCtr="0" anchor="t" bIns="91425" lIns="91425" spcFirstLastPara="1" rIns="91425" wrap="square" tIns="91425">
             <a:noAutofit/>
           </a:bodyPr>
           <a:lstStyle/>
           <a:p>
-            <a:pPr marL="0" lvl="0" indent="0" algn="l" rtl="0">
+            <a:pPr indent="0" lvl="0" marL="0" rtl="0" algn="l">
               <a:spcBef>
                 <a:spcPts val="0"/>
               </a:spcBef>
@@ -1122,6 +1084,9 @@
               </a:spcAft>
               <a:buNone/>
             </a:pPr>
+            <a:r>
+              <a:t/>
+            </a:r>
             <a:endParaRPr/>
           </a:p>
         </p:txBody>
@@ -1135,11 +1100,11 @@
 </file>
 
 <file path=ppt/notesSlides/notesSlide5.xml><?xml version="1.0" encoding="utf-8"?>
-<p:notes xmlns:a="http://schemas.openxmlformats.org/drawingml/2006/main" xmlns:r="http://schemas.openxmlformats.org/officeDocument/2006/relationships" xmlns:p="http://schemas.openxmlformats.org/presentationml/2006/main" showMasterSp="0" showMasterPhAnim="0">
+<p:notes xmlns:a="http://schemas.openxmlformats.org/drawingml/2006/main" xmlns:r="http://schemas.openxmlformats.org/officeDocument/2006/relationships" xmlns:mc="http://schemas.openxmlformats.org/markup-compatibility/2006" xmlns:mv="urn:schemas-microsoft-com:mac:vml" xmlns:p="http://schemas.openxmlformats.org/presentationml/2006/main" xmlns:c="http://schemas.openxmlformats.org/drawingml/2006/chart" xmlns:dgm="http://schemas.openxmlformats.org/drawingml/2006/diagram" xmlns:o="urn:schemas-microsoft-com:office:office" xmlns:v="urn:schemas-microsoft-com:vml" xmlns:pvml="urn:schemas-microsoft-com:office:powerpoint" xmlns:com="http://schemas.openxmlformats.org/drawingml/2006/compatibility" xmlns:p14="http://schemas.microsoft.com/office/powerpoint/2010/main" xmlns:p15="http://schemas.microsoft.com/office/powerpoint/2012/main" xmlns:ahyp="http://schemas.microsoft.com/office/drawing/2018/hyperlinkcolor" showMasterPhAnim="0" showMasterSp="0">
   <p:cSld>
     <p:spTree>
       <p:nvGrpSpPr>
-        <p:cNvPr id="1" name="Shape 109"/>
+        <p:cNvPr id="109" name="Shape 109"/>
         <p:cNvGrpSpPr/>
         <p:nvPr/>
       </p:nvGrpSpPr>
@@ -1154,11 +1119,9 @@
       <p:sp>
         <p:nvSpPr>
           <p:cNvPr id="110" name="Google Shape;110;g86838d3156_0_94:notes"/>
-          <p:cNvSpPr>
-            <a:spLocks noGrp="1" noRot="1" noChangeAspect="1"/>
-          </p:cNvSpPr>
+          <p:cNvSpPr/>
           <p:nvPr>
-            <p:ph type="sldImg" idx="2"/>
+            <p:ph idx="2" type="sldImg"/>
           </p:nvPr>
         </p:nvSpPr>
         <p:spPr>
@@ -1167,13 +1130,9 @@
             <a:ext cx="6096000" cy="3429000"/>
           </a:xfrm>
           <a:custGeom>
-            <a:avLst/>
-            <a:gdLst/>
-            <a:ahLst/>
-            <a:cxnLst/>
-            <a:rect l="l" t="t" r="r" b="b"/>
+            <a:rect b="b" l="l" r="r" t="t"/>
             <a:pathLst>
-              <a:path w="120000" h="120000" extrusionOk="0">
+              <a:path extrusionOk="0" h="120000" w="120000">
                 <a:moveTo>
                   <a:pt x="0" y="0"/>
                 </a:moveTo>
@@ -1195,11 +1154,9 @@
       <p:sp>
         <p:nvSpPr>
           <p:cNvPr id="111" name="Google Shape;111;g86838d3156_0_94:notes"/>
-          <p:cNvSpPr txBox="1">
-            <a:spLocks noGrp="1"/>
-          </p:cNvSpPr>
+          <p:cNvSpPr txBox="1"/>
           <p:nvPr>
-            <p:ph type="body" idx="1"/>
+            <p:ph idx="1" type="body"/>
           </p:nvPr>
         </p:nvSpPr>
         <p:spPr>
@@ -1212,12 +1169,12 @@
           </a:prstGeom>
         </p:spPr>
         <p:txBody>
-          <a:bodyPr spcFirstLastPara="1" wrap="square" lIns="91425" tIns="91425" rIns="91425" bIns="91425" anchor="t" anchorCtr="0">
+          <a:bodyPr anchorCtr="0" anchor="t" bIns="91425" lIns="91425" spcFirstLastPara="1" rIns="91425" wrap="square" tIns="91425">
             <a:noAutofit/>
           </a:bodyPr>
           <a:lstStyle/>
           <a:p>
-            <a:pPr marL="0" lvl="0" indent="0" algn="l" rtl="0">
+            <a:pPr indent="0" lvl="0" marL="0" rtl="0" algn="l">
               <a:spcBef>
                 <a:spcPts val="0"/>
               </a:spcBef>
@@ -1226,6 +1183,9 @@
               </a:spcAft>
               <a:buNone/>
             </a:pPr>
+            <a:r>
+              <a:t/>
+            </a:r>
             <a:endParaRPr/>
           </a:p>
         </p:txBody>
@@ -1239,11 +1199,11 @@
 </file>
 
 <file path=ppt/notesSlides/notesSlide6.xml><?xml version="1.0" encoding="utf-8"?>
-<p:notes xmlns:a="http://schemas.openxmlformats.org/drawingml/2006/main" xmlns:r="http://schemas.openxmlformats.org/officeDocument/2006/relationships" xmlns:p="http://schemas.openxmlformats.org/presentationml/2006/main" showMasterSp="0" showMasterPhAnim="0">
+<p:notes xmlns:a="http://schemas.openxmlformats.org/drawingml/2006/main" xmlns:r="http://schemas.openxmlformats.org/officeDocument/2006/relationships" xmlns:mc="http://schemas.openxmlformats.org/markup-compatibility/2006" xmlns:mv="urn:schemas-microsoft-com:mac:vml" xmlns:p="http://schemas.openxmlformats.org/presentationml/2006/main" xmlns:c="http://schemas.openxmlformats.org/drawingml/2006/chart" xmlns:dgm="http://schemas.openxmlformats.org/drawingml/2006/diagram" xmlns:o="urn:schemas-microsoft-com:office:office" xmlns:v="urn:schemas-microsoft-com:vml" xmlns:pvml="urn:schemas-microsoft-com:office:powerpoint" xmlns:com="http://schemas.openxmlformats.org/drawingml/2006/compatibility" xmlns:p14="http://schemas.microsoft.com/office/powerpoint/2010/main" xmlns:p15="http://schemas.microsoft.com/office/powerpoint/2012/main" xmlns:ahyp="http://schemas.microsoft.com/office/drawing/2018/hyperlinkcolor" showMasterPhAnim="0" showMasterSp="0">
   <p:cSld>
     <p:spTree>
       <p:nvGrpSpPr>
-        <p:cNvPr id="1" name="Shape 115"/>
+        <p:cNvPr id="115" name="Shape 115"/>
         <p:cNvGrpSpPr/>
         <p:nvPr/>
       </p:nvGrpSpPr>
@@ -1258,11 +1218,9 @@
       <p:sp>
         <p:nvSpPr>
           <p:cNvPr id="116" name="Google Shape;116;g8cb6e9acb3_0_0:notes"/>
-          <p:cNvSpPr>
-            <a:spLocks noGrp="1" noRot="1" noChangeAspect="1"/>
-          </p:cNvSpPr>
+          <p:cNvSpPr/>
           <p:nvPr>
-            <p:ph type="sldImg" idx="2"/>
+            <p:ph idx="2" type="sldImg"/>
           </p:nvPr>
         </p:nvSpPr>
         <p:spPr>
@@ -1271,13 +1229,9 @@
             <a:ext cx="6096000" cy="3429000"/>
           </a:xfrm>
           <a:custGeom>
-            <a:avLst/>
-            <a:gdLst/>
-            <a:ahLst/>
-            <a:cxnLst/>
-            <a:rect l="l" t="t" r="r" b="b"/>
+            <a:rect b="b" l="l" r="r" t="t"/>
             <a:pathLst>
-              <a:path w="120000" h="120000" extrusionOk="0">
+              <a:path extrusionOk="0" h="120000" w="120000">
                 <a:moveTo>
                   <a:pt x="0" y="0"/>
                 </a:moveTo>
@@ -1299,11 +1253,9 @@
       <p:sp>
         <p:nvSpPr>
           <p:cNvPr id="117" name="Google Shape;117;g8cb6e9acb3_0_0:notes"/>
-          <p:cNvSpPr txBox="1">
-            <a:spLocks noGrp="1"/>
-          </p:cNvSpPr>
+          <p:cNvSpPr txBox="1"/>
           <p:nvPr>
-            <p:ph type="body" idx="1"/>
+            <p:ph idx="1" type="body"/>
           </p:nvPr>
         </p:nvSpPr>
         <p:spPr>
@@ -1316,12 +1268,12 @@
           </a:prstGeom>
         </p:spPr>
         <p:txBody>
-          <a:bodyPr spcFirstLastPara="1" wrap="square" lIns="91425" tIns="91425" rIns="91425" bIns="91425" anchor="t" anchorCtr="0">
+          <a:bodyPr anchorCtr="0" anchor="t" bIns="91425" lIns="91425" spcFirstLastPara="1" rIns="91425" wrap="square" tIns="91425">
             <a:noAutofit/>
           </a:bodyPr>
           <a:lstStyle/>
           <a:p>
-            <a:pPr marL="0" lvl="0" indent="0" algn="l" rtl="0">
+            <a:pPr indent="0" lvl="0" marL="0" rtl="0" algn="l">
               <a:spcBef>
                 <a:spcPts val="0"/>
               </a:spcBef>
@@ -1330,6 +1282,9 @@
               </a:spcAft>
               <a:buNone/>
             </a:pPr>
+            <a:r>
+              <a:t/>
+            </a:r>
             <a:endParaRPr/>
           </a:p>
         </p:txBody>
@@ -1343,11 +1298,11 @@
 </file>
 
 <file path=ppt/notesSlides/notesSlide7.xml><?xml version="1.0" encoding="utf-8"?>
-<p:notes xmlns:a="http://schemas.openxmlformats.org/drawingml/2006/main" xmlns:r="http://schemas.openxmlformats.org/officeDocument/2006/relationships" xmlns:p="http://schemas.openxmlformats.org/presentationml/2006/main" showMasterSp="0" showMasterPhAnim="0">
+<p:notes xmlns:a="http://schemas.openxmlformats.org/drawingml/2006/main" xmlns:r="http://schemas.openxmlformats.org/officeDocument/2006/relationships" xmlns:mc="http://schemas.openxmlformats.org/markup-compatibility/2006" xmlns:mv="urn:schemas-microsoft-com:mac:vml" xmlns:p="http://schemas.openxmlformats.org/presentationml/2006/main" xmlns:c="http://schemas.openxmlformats.org/drawingml/2006/chart" xmlns:dgm="http://schemas.openxmlformats.org/drawingml/2006/diagram" xmlns:o="urn:schemas-microsoft-com:office:office" xmlns:v="urn:schemas-microsoft-com:vml" xmlns:pvml="urn:schemas-microsoft-com:office:powerpoint" xmlns:com="http://schemas.openxmlformats.org/drawingml/2006/compatibility" xmlns:p14="http://schemas.microsoft.com/office/powerpoint/2010/main" xmlns:p15="http://schemas.microsoft.com/office/powerpoint/2012/main" xmlns:ahyp="http://schemas.microsoft.com/office/drawing/2018/hyperlinkcolor" showMasterPhAnim="0" showMasterSp="0">
   <p:cSld>
     <p:spTree>
       <p:nvGrpSpPr>
-        <p:cNvPr id="1" name="Shape 121"/>
+        <p:cNvPr id="121" name="Shape 121"/>
         <p:cNvGrpSpPr/>
         <p:nvPr/>
       </p:nvGrpSpPr>
@@ -1362,11 +1317,9 @@
       <p:sp>
         <p:nvSpPr>
           <p:cNvPr id="122" name="Google Shape;122;g8eb12ba7dd_0_0:notes"/>
-          <p:cNvSpPr>
-            <a:spLocks noGrp="1" noRot="1" noChangeAspect="1"/>
-          </p:cNvSpPr>
+          <p:cNvSpPr/>
           <p:nvPr>
-            <p:ph type="sldImg" idx="2"/>
+            <p:ph idx="2" type="sldImg"/>
           </p:nvPr>
         </p:nvSpPr>
         <p:spPr>
@@ -1375,13 +1328,9 @@
             <a:ext cx="6096000" cy="3429000"/>
           </a:xfrm>
           <a:custGeom>
-            <a:avLst/>
-            <a:gdLst/>
-            <a:ahLst/>
-            <a:cxnLst/>
-            <a:rect l="l" t="t" r="r" b="b"/>
+            <a:rect b="b" l="l" r="r" t="t"/>
             <a:pathLst>
-              <a:path w="120000" h="120000" extrusionOk="0">
+              <a:path extrusionOk="0" h="120000" w="120000">
                 <a:moveTo>
                   <a:pt x="0" y="0"/>
                 </a:moveTo>
@@ -1403,11 +1352,9 @@
       <p:sp>
         <p:nvSpPr>
           <p:cNvPr id="123" name="Google Shape;123;g8eb12ba7dd_0_0:notes"/>
-          <p:cNvSpPr txBox="1">
-            <a:spLocks noGrp="1"/>
-          </p:cNvSpPr>
+          <p:cNvSpPr txBox="1"/>
           <p:nvPr>
-            <p:ph type="body" idx="1"/>
+            <p:ph idx="1" type="body"/>
           </p:nvPr>
         </p:nvSpPr>
         <p:spPr>
@@ -1420,12 +1367,12 @@
           </a:prstGeom>
         </p:spPr>
         <p:txBody>
-          <a:bodyPr spcFirstLastPara="1" wrap="square" lIns="91425" tIns="91425" rIns="91425" bIns="91425" anchor="t" anchorCtr="0">
+          <a:bodyPr anchorCtr="0" anchor="t" bIns="91425" lIns="91425" spcFirstLastPara="1" rIns="91425" wrap="square" tIns="91425">
             <a:noAutofit/>
           </a:bodyPr>
           <a:lstStyle/>
           <a:p>
-            <a:pPr marL="0" lvl="0" indent="0" algn="l" rtl="0">
+            <a:pPr indent="0" lvl="0" marL="0" rtl="0" algn="l">
               <a:spcBef>
                 <a:spcPts val="0"/>
               </a:spcBef>
@@ -1434,6 +1381,9 @@
               </a:spcAft>
               <a:buNone/>
             </a:pPr>
+            <a:r>
+              <a:t/>
+            </a:r>
             <a:endParaRPr/>
           </a:p>
         </p:txBody>
@@ -1447,11 +1397,11 @@
 </file>
 
 <file path=ppt/notesSlides/notesSlide8.xml><?xml version="1.0" encoding="utf-8"?>
-<p:notes xmlns:a="http://schemas.openxmlformats.org/drawingml/2006/main" xmlns:r="http://schemas.openxmlformats.org/officeDocument/2006/relationships" xmlns:p="http://schemas.openxmlformats.org/presentationml/2006/main" showMasterSp="0" showMasterPhAnim="0">
+<p:notes xmlns:a="http://schemas.openxmlformats.org/drawingml/2006/main" xmlns:r="http://schemas.openxmlformats.org/officeDocument/2006/relationships" xmlns:mc="http://schemas.openxmlformats.org/markup-compatibility/2006" xmlns:mv="urn:schemas-microsoft-com:mac:vml" xmlns:p="http://schemas.openxmlformats.org/presentationml/2006/main" xmlns:c="http://schemas.openxmlformats.org/drawingml/2006/chart" xmlns:dgm="http://schemas.openxmlformats.org/drawingml/2006/diagram" xmlns:o="urn:schemas-microsoft-com:office:office" xmlns:v="urn:schemas-microsoft-com:vml" xmlns:pvml="urn:schemas-microsoft-com:office:powerpoint" xmlns:com="http://schemas.openxmlformats.org/drawingml/2006/compatibility" xmlns:p14="http://schemas.microsoft.com/office/powerpoint/2010/main" xmlns:p15="http://schemas.microsoft.com/office/powerpoint/2012/main" xmlns:ahyp="http://schemas.microsoft.com/office/drawing/2018/hyperlinkcolor" showMasterPhAnim="0" showMasterSp="0">
   <p:cSld>
     <p:spTree>
       <p:nvGrpSpPr>
-        <p:cNvPr id="1" name="Shape 129"/>
+        <p:cNvPr id="129" name="Shape 129"/>
         <p:cNvGrpSpPr/>
         <p:nvPr/>
       </p:nvGrpSpPr>
@@ -1466,11 +1416,9 @@
       <p:sp>
         <p:nvSpPr>
           <p:cNvPr id="130" name="Google Shape;130;g8cb6e9acb3_0_12:notes"/>
-          <p:cNvSpPr>
-            <a:spLocks noGrp="1" noRot="1" noChangeAspect="1"/>
-          </p:cNvSpPr>
+          <p:cNvSpPr/>
           <p:nvPr>
-            <p:ph type="sldImg" idx="2"/>
+            <p:ph idx="2" type="sldImg"/>
           </p:nvPr>
         </p:nvSpPr>
         <p:spPr>
@@ -1479,13 +1427,9 @@
             <a:ext cx="6096000" cy="3429000"/>
           </a:xfrm>
           <a:custGeom>
-            <a:avLst/>
-            <a:gdLst/>
-            <a:ahLst/>
-            <a:cxnLst/>
-            <a:rect l="l" t="t" r="r" b="b"/>
+            <a:rect b="b" l="l" r="r" t="t"/>
             <a:pathLst>
-              <a:path w="120000" h="120000" extrusionOk="0">
+              <a:path extrusionOk="0" h="120000" w="120000">
                 <a:moveTo>
                   <a:pt x="0" y="0"/>
                 </a:moveTo>
@@ -1507,11 +1451,9 @@
       <p:sp>
         <p:nvSpPr>
           <p:cNvPr id="131" name="Google Shape;131;g8cb6e9acb3_0_12:notes"/>
-          <p:cNvSpPr txBox="1">
-            <a:spLocks noGrp="1"/>
-          </p:cNvSpPr>
+          <p:cNvSpPr txBox="1"/>
           <p:nvPr>
-            <p:ph type="body" idx="1"/>
+            <p:ph idx="1" type="body"/>
           </p:nvPr>
         </p:nvSpPr>
         <p:spPr>
@@ -1524,12 +1466,12 @@
           </a:prstGeom>
         </p:spPr>
         <p:txBody>
-          <a:bodyPr spcFirstLastPara="1" wrap="square" lIns="91425" tIns="91425" rIns="91425" bIns="91425" anchor="t" anchorCtr="0">
+          <a:bodyPr anchorCtr="0" anchor="t" bIns="91425" lIns="91425" spcFirstLastPara="1" rIns="91425" wrap="square" tIns="91425">
             <a:noAutofit/>
           </a:bodyPr>
           <a:lstStyle/>
           <a:p>
-            <a:pPr marL="0" lvl="0" indent="0" algn="l" rtl="0">
+            <a:pPr indent="0" lvl="0" marL="0" rtl="0" algn="l">
               <a:spcBef>
                 <a:spcPts val="0"/>
               </a:spcBef>
@@ -1538,6 +1480,108 @@
               </a:spcAft>
               <a:buNone/>
             </a:pPr>
+            <a:r>
+              <a:t/>
+            </a:r>
+            <a:endParaRPr/>
+          </a:p>
+        </p:txBody>
+      </p:sp>
+    </p:spTree>
+  </p:cSld>
+  <p:clrMapOvr>
+    <a:masterClrMapping/>
+  </p:clrMapOvr>
+</p:notes>
+</file>
+
+<file path=ppt/notesSlides/notesSlide9.xml><?xml version="1.0" encoding="utf-8"?>
+<p:notes xmlns:a="http://schemas.openxmlformats.org/drawingml/2006/main" xmlns:r="http://schemas.openxmlformats.org/officeDocument/2006/relationships" xmlns:mc="http://schemas.openxmlformats.org/markup-compatibility/2006" xmlns:mv="urn:schemas-microsoft-com:mac:vml" xmlns:p="http://schemas.openxmlformats.org/presentationml/2006/main" xmlns:c="http://schemas.openxmlformats.org/drawingml/2006/chart" xmlns:dgm="http://schemas.openxmlformats.org/drawingml/2006/diagram" xmlns:o="urn:schemas-microsoft-com:office:office" xmlns:v="urn:schemas-microsoft-com:vml" xmlns:pvml="urn:schemas-microsoft-com:office:powerpoint" xmlns:com="http://schemas.openxmlformats.org/drawingml/2006/compatibility" xmlns:p14="http://schemas.microsoft.com/office/powerpoint/2010/main" xmlns:p15="http://schemas.microsoft.com/office/powerpoint/2012/main" xmlns:ahyp="http://schemas.microsoft.com/office/drawing/2018/hyperlinkcolor" showMasterPhAnim="0" showMasterSp="0">
+  <p:cSld>
+    <p:spTree>
+      <p:nvGrpSpPr>
+        <p:cNvPr id="138" name="Shape 138"/>
+        <p:cNvGrpSpPr/>
+        <p:nvPr/>
+      </p:nvGrpSpPr>
+      <p:grpSpPr>
+        <a:xfrm>
+          <a:off x="0" y="0"/>
+          <a:ext cx="0" cy="0"/>
+          <a:chOff x="0" y="0"/>
+          <a:chExt cx="0" cy="0"/>
+        </a:xfrm>
+      </p:grpSpPr>
+      <p:sp>
+        <p:nvSpPr>
+          <p:cNvPr id="139" name="Google Shape;139;g8ec83433c5_0_0:notes"/>
+          <p:cNvSpPr/>
+          <p:nvPr>
+            <p:ph idx="2" type="sldImg"/>
+          </p:nvPr>
+        </p:nvSpPr>
+        <p:spPr>
+          <a:xfrm>
+            <a:off x="381300" y="685800"/>
+            <a:ext cx="6096000" cy="3429000"/>
+          </a:xfrm>
+          <a:custGeom>
+            <a:rect b="b" l="l" r="r" t="t"/>
+            <a:pathLst>
+              <a:path extrusionOk="0" h="120000" w="120000">
+                <a:moveTo>
+                  <a:pt x="0" y="0"/>
+                </a:moveTo>
+                <a:lnTo>
+                  <a:pt x="120000" y="0"/>
+                </a:lnTo>
+                <a:lnTo>
+                  <a:pt x="120000" y="120000"/>
+                </a:lnTo>
+                <a:lnTo>
+                  <a:pt x="0" y="120000"/>
+                </a:lnTo>
+                <a:close/>
+              </a:path>
+            </a:pathLst>
+          </a:custGeom>
+        </p:spPr>
+      </p:sp>
+      <p:sp>
+        <p:nvSpPr>
+          <p:cNvPr id="140" name="Google Shape;140;g8ec83433c5_0_0:notes"/>
+          <p:cNvSpPr txBox="1"/>
+          <p:nvPr>
+            <p:ph idx="1" type="body"/>
+          </p:nvPr>
+        </p:nvSpPr>
+        <p:spPr>
+          <a:xfrm>
+            <a:off x="685800" y="4343400"/>
+            <a:ext cx="5486400" cy="4114800"/>
+          </a:xfrm>
+          <a:prstGeom prst="rect">
+            <a:avLst/>
+          </a:prstGeom>
+        </p:spPr>
+        <p:txBody>
+          <a:bodyPr anchorCtr="0" anchor="t" bIns="91425" lIns="91425" spcFirstLastPara="1" rIns="91425" wrap="square" tIns="91425">
+            <a:noAutofit/>
+          </a:bodyPr>
+          <a:lstStyle/>
+          <a:p>
+            <a:pPr indent="0" lvl="0" marL="0" rtl="0" algn="l">
+              <a:spcBef>
+                <a:spcPts val="0"/>
+              </a:spcBef>
+              <a:spcAft>
+                <a:spcPts val="0"/>
+              </a:spcAft>
+              <a:buNone/>
+            </a:pPr>
+            <a:r>
+              <a:t/>
+            </a:r>
             <a:endParaRPr/>
           </a:p>
         </p:txBody>
@@ -1551,19 +1595,18 @@
 </file>
 
 <file path=ppt/slideLayouts/slideLayout1.xml><?xml version="1.0" encoding="utf-8"?>
-<p:sldLayout xmlns:a="http://schemas.openxmlformats.org/drawingml/2006/main" xmlns:r="http://schemas.openxmlformats.org/officeDocument/2006/relationships" xmlns:p="http://schemas.openxmlformats.org/presentationml/2006/main" matchingName="Title slide" type="title">
+<p:sldLayout xmlns:a="http://schemas.openxmlformats.org/drawingml/2006/main" xmlns:r="http://schemas.openxmlformats.org/officeDocument/2006/relationships" xmlns:mc="http://schemas.openxmlformats.org/markup-compatibility/2006" xmlns:mv="urn:schemas-microsoft-com:mac:vml" xmlns:p="http://schemas.openxmlformats.org/presentationml/2006/main" xmlns:c="http://schemas.openxmlformats.org/drawingml/2006/chart" xmlns:dgm="http://schemas.openxmlformats.org/drawingml/2006/diagram" xmlns:o="urn:schemas-microsoft-com:office:office" xmlns:v="urn:schemas-microsoft-com:vml" xmlns:pvml="urn:schemas-microsoft-com:office:powerpoint" xmlns:com="http://schemas.openxmlformats.org/drawingml/2006/compatibility" xmlns:p14="http://schemas.microsoft.com/office/powerpoint/2010/main" xmlns:p15="http://schemas.microsoft.com/office/powerpoint/2012/main" xmlns:ahyp="http://schemas.microsoft.com/office/drawing/2018/hyperlinkcolor" matchingName="Title slide" type="title">
   <p:cSld name="TITLE">
     <p:bg>
       <p:bgPr>
         <a:solidFill>
           <a:schemeClr val="dk1"/>
         </a:solidFill>
-        <a:effectLst/>
       </p:bgPr>
     </p:bg>
     <p:spTree>
       <p:nvGrpSpPr>
-        <p:cNvPr id="1" name="Shape 9"/>
+        <p:cNvPr id="9" name="Shape 9"/>
         <p:cNvGrpSpPr/>
         <p:nvPr/>
       </p:nvGrpSpPr>
@@ -1611,12 +1654,12 @@
             </a:ln>
           </p:spPr>
           <p:txBody>
-            <a:bodyPr spcFirstLastPara="1" wrap="square" lIns="91425" tIns="91425" rIns="91425" bIns="91425" anchor="ctr" anchorCtr="0">
+            <a:bodyPr anchorCtr="0" anchor="ctr" bIns="91425" lIns="91425" spcFirstLastPara="1" rIns="91425" wrap="square" tIns="91425">
               <a:noAutofit/>
             </a:bodyPr>
             <a:lstStyle/>
             <a:p>
-              <a:pPr marL="0" lvl="0" indent="0" algn="l" rtl="0">
+              <a:pPr indent="0" lvl="0" marL="0" rtl="0" algn="l">
                 <a:spcBef>
                   <a:spcPts val="0"/>
                 </a:spcBef>
@@ -1625,6 +1668,9 @@
                 </a:spcAft>
                 <a:buNone/>
               </a:pPr>
+              <a:r>
+                <a:t/>
+              </a:r>
               <a:endParaRPr/>
             </a:p>
           </p:txBody>
@@ -1651,12 +1697,12 @@
             </a:ln>
           </p:spPr>
           <p:txBody>
-            <a:bodyPr spcFirstLastPara="1" wrap="square" lIns="91425" tIns="91425" rIns="91425" bIns="91425" anchor="ctr" anchorCtr="0">
+            <a:bodyPr anchorCtr="0" anchor="ctr" bIns="91425" lIns="91425" spcFirstLastPara="1" rIns="91425" wrap="square" tIns="91425">
               <a:noAutofit/>
             </a:bodyPr>
             <a:lstStyle/>
             <a:p>
-              <a:pPr marL="0" lvl="0" indent="0" algn="l" rtl="0">
+              <a:pPr indent="0" lvl="0" marL="0" rtl="0" algn="l">
                 <a:spcBef>
                   <a:spcPts val="0"/>
                 </a:spcBef>
@@ -1665,6 +1711,9 @@
                 </a:spcAft>
                 <a:buNone/>
               </a:pPr>
+              <a:r>
+                <a:t/>
+              </a:r>
               <a:endParaRPr/>
             </a:p>
           </p:txBody>
@@ -1676,7 +1725,7 @@
             <p:nvPr/>
           </p:nvSpPr>
           <p:spPr>
-            <a:xfrm rot="10800000" flipH="1">
+            <a:xfrm flipH="1" rot="10800000">
               <a:off x="7113588" y="107"/>
               <a:ext cx="1015200" cy="1015200"/>
             </a:xfrm>
@@ -1691,12 +1740,12 @@
             </a:ln>
           </p:spPr>
           <p:txBody>
-            <a:bodyPr spcFirstLastPara="1" wrap="square" lIns="91425" tIns="91425" rIns="91425" bIns="91425" anchor="ctr" anchorCtr="0">
+            <a:bodyPr anchorCtr="0" anchor="ctr" bIns="91425" lIns="91425" spcFirstLastPara="1" rIns="91425" wrap="square" tIns="91425">
               <a:noAutofit/>
             </a:bodyPr>
             <a:lstStyle/>
             <a:p>
-              <a:pPr marL="0" lvl="0" indent="0" algn="l" rtl="0">
+              <a:pPr indent="0" lvl="0" marL="0" rtl="0" algn="l">
                 <a:spcBef>
                   <a:spcPts val="0"/>
                 </a:spcBef>
@@ -1705,6 +1754,9 @@
                 </a:spcAft>
                 <a:buNone/>
               </a:pPr>
+              <a:r>
+                <a:t/>
+              </a:r>
               <a:endParaRPr/>
             </a:p>
           </p:txBody>
@@ -1731,12 +1783,12 @@
             </a:ln>
           </p:spPr>
           <p:txBody>
-            <a:bodyPr spcFirstLastPara="1" wrap="square" lIns="91425" tIns="91425" rIns="91425" bIns="91425" anchor="ctr" anchorCtr="0">
+            <a:bodyPr anchorCtr="0" anchor="ctr" bIns="91425" lIns="91425" spcFirstLastPara="1" rIns="91425" wrap="square" tIns="91425">
               <a:noAutofit/>
             </a:bodyPr>
             <a:lstStyle/>
             <a:p>
-              <a:pPr marL="0" lvl="0" indent="0" algn="l" rtl="0">
+              <a:pPr indent="0" lvl="0" marL="0" rtl="0" algn="l">
                 <a:spcBef>
                   <a:spcPts val="0"/>
                 </a:spcBef>
@@ -1745,6 +1797,9 @@
                 </a:spcAft>
                 <a:buNone/>
               </a:pPr>
+              <a:r>
+                <a:t/>
+              </a:r>
               <a:endParaRPr/>
             </a:p>
           </p:txBody>
@@ -1771,12 +1826,12 @@
             </a:ln>
           </p:spPr>
           <p:txBody>
-            <a:bodyPr spcFirstLastPara="1" wrap="square" lIns="91425" tIns="91425" rIns="91425" bIns="91425" anchor="ctr" anchorCtr="0">
+            <a:bodyPr anchorCtr="0" anchor="ctr" bIns="91425" lIns="91425" spcFirstLastPara="1" rIns="91425" wrap="square" tIns="91425">
               <a:noAutofit/>
             </a:bodyPr>
             <a:lstStyle/>
             <a:p>
-              <a:pPr marL="0" lvl="0" indent="0" algn="l" rtl="0">
+              <a:pPr indent="0" lvl="0" marL="0" rtl="0" algn="l">
                 <a:spcBef>
                   <a:spcPts val="0"/>
                 </a:spcBef>
@@ -1785,6 +1840,9 @@
                 </a:spcAft>
                 <a:buNone/>
               </a:pPr>
+              <a:r>
+                <a:t/>
+              </a:r>
               <a:endParaRPr/>
             </a:p>
           </p:txBody>
@@ -1793,9 +1851,7 @@
       <p:sp>
         <p:nvSpPr>
           <p:cNvPr id="16" name="Google Shape;16;p2"/>
-          <p:cNvSpPr txBox="1">
-            <a:spLocks noGrp="1"/>
-          </p:cNvSpPr>
+          <p:cNvSpPr txBox="1"/>
           <p:nvPr>
             <p:ph type="ctrTitle"/>
           </p:nvPr>
@@ -1810,7 +1866,7 @@
           </a:prstGeom>
         </p:spPr>
         <p:txBody>
-          <a:bodyPr spcFirstLastPara="1" wrap="square" lIns="91425" tIns="91425" rIns="91425" bIns="91425" anchor="b" anchorCtr="0">
+          <a:bodyPr anchorCtr="0" anchor="b" bIns="91425" lIns="91425" spcFirstLastPara="1" rIns="91425" wrap="square" tIns="91425">
             <a:noAutofit/>
           </a:bodyPr>
           <a:lstStyle>
@@ -1977,19 +2033,15 @@
               </a:defRPr>
             </a:lvl9pPr>
           </a:lstStyle>
-          <a:p>
-            <a:endParaRPr/>
-          </a:p>
+          <a:p/>
         </p:txBody>
       </p:sp>
       <p:sp>
         <p:nvSpPr>
           <p:cNvPr id="17" name="Google Shape;17;p2"/>
-          <p:cNvSpPr txBox="1">
-            <a:spLocks noGrp="1"/>
-          </p:cNvSpPr>
+          <p:cNvSpPr txBox="1"/>
           <p:nvPr>
-            <p:ph type="subTitle" idx="1"/>
+            <p:ph idx="1" type="subTitle"/>
           </p:nvPr>
         </p:nvSpPr>
         <p:spPr>
@@ -2002,7 +2054,7 @@
           </a:prstGeom>
         </p:spPr>
         <p:txBody>
-          <a:bodyPr spcFirstLastPara="1" wrap="square" lIns="91425" tIns="91425" rIns="91425" bIns="91425" anchor="t" anchorCtr="0">
+          <a:bodyPr anchorCtr="0" anchor="t" bIns="91425" lIns="91425" spcFirstLastPara="1" rIns="91425" wrap="square" tIns="91425">
             <a:noAutofit/>
           </a:bodyPr>
           <a:lstStyle>
@@ -2196,19 +2248,15 @@
               </a:defRPr>
             </a:lvl9pPr>
           </a:lstStyle>
-          <a:p>
-            <a:endParaRPr/>
-          </a:p>
+          <a:p/>
         </p:txBody>
       </p:sp>
       <p:sp>
         <p:nvSpPr>
           <p:cNvPr id="18" name="Google Shape;18;p2"/>
-          <p:cNvSpPr txBox="1">
-            <a:spLocks noGrp="1"/>
-          </p:cNvSpPr>
+          <p:cNvSpPr txBox="1"/>
           <p:nvPr>
-            <p:ph type="sldNum" idx="12"/>
+            <p:ph idx="12" type="sldNum"/>
           </p:nvPr>
         </p:nvSpPr>
         <p:spPr>
@@ -2221,7 +2269,7 @@
           </a:prstGeom>
         </p:spPr>
         <p:txBody>
-          <a:bodyPr spcFirstLastPara="1" wrap="square" lIns="91425" tIns="91425" rIns="91425" bIns="91425" anchor="ctr" anchorCtr="0">
+          <a:bodyPr anchorCtr="0" anchor="ctr" bIns="91425" lIns="91425" spcFirstLastPara="1" rIns="91425" wrap="square" tIns="91425">
             <a:noAutofit/>
           </a:bodyPr>
           <a:lstStyle>
@@ -2263,7 +2311,7 @@
             </a:lvl9pPr>
           </a:lstStyle>
           <a:p>
-            <a:pPr marL="0" lvl="0" indent="0" algn="r" rtl="0">
+            <a:pPr indent="0" lvl="0" marL="0" rtl="0" algn="r">
               <a:spcBef>
                 <a:spcPts val="0"/>
               </a:spcBef>
@@ -2289,19 +2337,18 @@
 </file>
 
 <file path=ppt/slideLayouts/slideLayout10.xml><?xml version="1.0" encoding="utf-8"?>
-<p:sldLayout xmlns:a="http://schemas.openxmlformats.org/drawingml/2006/main" xmlns:r="http://schemas.openxmlformats.org/officeDocument/2006/relationships" xmlns:p="http://schemas.openxmlformats.org/presentationml/2006/main" matchingName="Big number">
+<p:sldLayout xmlns:a="http://schemas.openxmlformats.org/drawingml/2006/main" xmlns:r="http://schemas.openxmlformats.org/officeDocument/2006/relationships" xmlns:mc="http://schemas.openxmlformats.org/markup-compatibility/2006" xmlns:mv="urn:schemas-microsoft-com:mac:vml" xmlns:p="http://schemas.openxmlformats.org/presentationml/2006/main" xmlns:c="http://schemas.openxmlformats.org/drawingml/2006/chart" xmlns:dgm="http://schemas.openxmlformats.org/drawingml/2006/diagram" xmlns:o="urn:schemas-microsoft-com:office:office" xmlns:v="urn:schemas-microsoft-com:vml" xmlns:pvml="urn:schemas-microsoft-com:office:powerpoint" xmlns:com="http://schemas.openxmlformats.org/drawingml/2006/compatibility" xmlns:p14="http://schemas.microsoft.com/office/powerpoint/2010/main" xmlns:p15="http://schemas.microsoft.com/office/powerpoint/2012/main" xmlns:ahyp="http://schemas.microsoft.com/office/drawing/2018/hyperlinkcolor" matchingName="Big number">
   <p:cSld name="BIG_NUMBER">
     <p:bg>
       <p:bgPr>
         <a:solidFill>
           <a:schemeClr val="dk1"/>
         </a:solidFill>
-        <a:effectLst/>
       </p:bgPr>
     </p:bg>
     <p:spTree>
       <p:nvGrpSpPr>
-        <p:cNvPr id="1" name="Shape 69"/>
+        <p:cNvPr id="69" name="Shape 69"/>
         <p:cNvGrpSpPr/>
         <p:nvPr/>
       </p:nvGrpSpPr>
@@ -2349,12 +2396,12 @@
             </a:ln>
           </p:spPr>
           <p:txBody>
-            <a:bodyPr spcFirstLastPara="1" wrap="square" lIns="91425" tIns="91425" rIns="91425" bIns="91425" anchor="ctr" anchorCtr="0">
+            <a:bodyPr anchorCtr="0" anchor="ctr" bIns="91425" lIns="91425" spcFirstLastPara="1" rIns="91425" wrap="square" tIns="91425">
               <a:noAutofit/>
             </a:bodyPr>
             <a:lstStyle/>
             <a:p>
-              <a:pPr marL="0" lvl="0" indent="0" algn="l" rtl="0">
+              <a:pPr indent="0" lvl="0" marL="0" rtl="0" algn="l">
                 <a:spcBef>
                   <a:spcPts val="0"/>
                 </a:spcBef>
@@ -2363,6 +2410,9 @@
                 </a:spcAft>
                 <a:buNone/>
               </a:pPr>
+              <a:r>
+                <a:t/>
+              </a:r>
               <a:endParaRPr/>
             </a:p>
           </p:txBody>
@@ -2389,12 +2439,12 @@
             </a:ln>
           </p:spPr>
           <p:txBody>
-            <a:bodyPr spcFirstLastPara="1" wrap="square" lIns="91425" tIns="91425" rIns="91425" bIns="91425" anchor="ctr" anchorCtr="0">
+            <a:bodyPr anchorCtr="0" anchor="ctr" bIns="91425" lIns="91425" spcFirstLastPara="1" rIns="91425" wrap="square" tIns="91425">
               <a:noAutofit/>
             </a:bodyPr>
             <a:lstStyle/>
             <a:p>
-              <a:pPr marL="0" lvl="0" indent="0" algn="l" rtl="0">
+              <a:pPr indent="0" lvl="0" marL="0" rtl="0" algn="l">
                 <a:spcBef>
                   <a:spcPts val="0"/>
                 </a:spcBef>
@@ -2403,6 +2453,9 @@
                 </a:spcAft>
                 <a:buNone/>
               </a:pPr>
+              <a:r>
+                <a:t/>
+              </a:r>
               <a:endParaRPr/>
             </a:p>
           </p:txBody>
@@ -2414,7 +2467,7 @@
             <p:nvPr/>
           </p:nvSpPr>
           <p:spPr>
-            <a:xfrm rot="10800000" flipH="1">
+            <a:xfrm flipH="1" rot="10800000">
               <a:off x="7113588" y="107"/>
               <a:ext cx="1015200" cy="1015200"/>
             </a:xfrm>
@@ -2429,12 +2482,12 @@
             </a:ln>
           </p:spPr>
           <p:txBody>
-            <a:bodyPr spcFirstLastPara="1" wrap="square" lIns="91425" tIns="91425" rIns="91425" bIns="91425" anchor="ctr" anchorCtr="0">
+            <a:bodyPr anchorCtr="0" anchor="ctr" bIns="91425" lIns="91425" spcFirstLastPara="1" rIns="91425" wrap="square" tIns="91425">
               <a:noAutofit/>
             </a:bodyPr>
             <a:lstStyle/>
             <a:p>
-              <a:pPr marL="0" lvl="0" indent="0" algn="l" rtl="0">
+              <a:pPr indent="0" lvl="0" marL="0" rtl="0" algn="l">
                 <a:spcBef>
                   <a:spcPts val="0"/>
                 </a:spcBef>
@@ -2443,6 +2496,9 @@
                 </a:spcAft>
                 <a:buNone/>
               </a:pPr>
+              <a:r>
+                <a:t/>
+              </a:r>
               <a:endParaRPr/>
             </a:p>
           </p:txBody>
@@ -2469,12 +2525,12 @@
             </a:ln>
           </p:spPr>
           <p:txBody>
-            <a:bodyPr spcFirstLastPara="1" wrap="square" lIns="91425" tIns="91425" rIns="91425" bIns="91425" anchor="ctr" anchorCtr="0">
+            <a:bodyPr anchorCtr="0" anchor="ctr" bIns="91425" lIns="91425" spcFirstLastPara="1" rIns="91425" wrap="square" tIns="91425">
               <a:noAutofit/>
             </a:bodyPr>
             <a:lstStyle/>
             <a:p>
-              <a:pPr marL="0" lvl="0" indent="0" algn="l" rtl="0">
+              <a:pPr indent="0" lvl="0" marL="0" rtl="0" algn="l">
                 <a:spcBef>
                   <a:spcPts val="0"/>
                 </a:spcBef>
@@ -2483,6 +2539,9 @@
                 </a:spcAft>
                 <a:buNone/>
               </a:pPr>
+              <a:r>
+                <a:t/>
+              </a:r>
               <a:endParaRPr/>
             </a:p>
           </p:txBody>
@@ -2509,12 +2568,12 @@
             </a:ln>
           </p:spPr>
           <p:txBody>
-            <a:bodyPr spcFirstLastPara="1" wrap="square" lIns="91425" tIns="91425" rIns="91425" bIns="91425" anchor="ctr" anchorCtr="0">
+            <a:bodyPr anchorCtr="0" anchor="ctr" bIns="91425" lIns="91425" spcFirstLastPara="1" rIns="91425" wrap="square" tIns="91425">
               <a:noAutofit/>
             </a:bodyPr>
             <a:lstStyle/>
             <a:p>
-              <a:pPr marL="0" lvl="0" indent="0" algn="l" rtl="0">
+              <a:pPr indent="0" lvl="0" marL="0" rtl="0" algn="l">
                 <a:spcBef>
                   <a:spcPts val="0"/>
                 </a:spcBef>
@@ -2523,6 +2582,9 @@
                 </a:spcAft>
                 <a:buNone/>
               </a:pPr>
+              <a:r>
+                <a:t/>
+              </a:r>
               <a:endParaRPr/>
             </a:p>
           </p:txBody>
@@ -2531,11 +2593,9 @@
       <p:sp>
         <p:nvSpPr>
           <p:cNvPr id="76" name="Google Shape;76;p11"/>
-          <p:cNvSpPr txBox="1">
-            <a:spLocks noGrp="1"/>
-          </p:cNvSpPr>
+          <p:cNvSpPr txBox="1"/>
           <p:nvPr>
-            <p:ph type="title" hasCustomPrompt="1"/>
+            <p:ph hasCustomPrompt="1" type="title"/>
           </p:nvPr>
         </p:nvSpPr>
         <p:spPr>
@@ -2548,7 +2608,7 @@
           </a:prstGeom>
         </p:spPr>
         <p:txBody>
-          <a:bodyPr spcFirstLastPara="1" wrap="square" lIns="91425" tIns="91425" rIns="91425" bIns="91425" anchor="b" anchorCtr="0">
+          <a:bodyPr anchorCtr="0" anchor="b" bIns="91425" lIns="91425" spcFirstLastPara="1" rIns="91425" wrap="square" tIns="91425">
             <a:noAutofit/>
           </a:bodyPr>
           <a:lstStyle>
@@ -2725,11 +2785,9 @@
       <p:sp>
         <p:nvSpPr>
           <p:cNvPr id="77" name="Google Shape;77;p11"/>
-          <p:cNvSpPr txBox="1">
-            <a:spLocks noGrp="1"/>
-          </p:cNvSpPr>
+          <p:cNvSpPr txBox="1"/>
           <p:nvPr>
-            <p:ph type="body" idx="1"/>
+            <p:ph idx="1" type="body"/>
           </p:nvPr>
         </p:nvSpPr>
         <p:spPr>
@@ -2742,11 +2800,11 @@
           </a:prstGeom>
         </p:spPr>
         <p:txBody>
-          <a:bodyPr spcFirstLastPara="1" wrap="square" lIns="91425" tIns="91425" rIns="91425" bIns="91425" anchor="t" anchorCtr="0">
+          <a:bodyPr anchorCtr="0" anchor="t" bIns="91425" lIns="91425" spcFirstLastPara="1" rIns="91425" wrap="square" tIns="91425">
             <a:noAutofit/>
           </a:bodyPr>
           <a:lstStyle>
-            <a:lvl1pPr marL="457200" lvl="0" indent="-342900" algn="ctr">
+            <a:lvl1pPr indent="-342900" lvl="0" marL="457200" algn="ctr">
               <a:spcBef>
                 <a:spcPts val="0"/>
               </a:spcBef>
@@ -2764,7 +2822,7 @@
                 </a:solidFill>
               </a:defRPr>
             </a:lvl1pPr>
-            <a:lvl2pPr marL="914400" lvl="1" indent="-317500" algn="ctr">
+            <a:lvl2pPr indent="-317500" lvl="1" marL="914400" algn="ctr">
               <a:spcBef>
                 <a:spcPts val="1600"/>
               </a:spcBef>
@@ -2782,7 +2840,7 @@
                 </a:solidFill>
               </a:defRPr>
             </a:lvl2pPr>
-            <a:lvl3pPr marL="1371600" lvl="2" indent="-317500" algn="ctr">
+            <a:lvl3pPr indent="-317500" lvl="2" marL="1371600" algn="ctr">
               <a:spcBef>
                 <a:spcPts val="1600"/>
               </a:spcBef>
@@ -2800,7 +2858,7 @@
                 </a:solidFill>
               </a:defRPr>
             </a:lvl3pPr>
-            <a:lvl4pPr marL="1828800" lvl="3" indent="-317500" algn="ctr">
+            <a:lvl4pPr indent="-317500" lvl="3" marL="1828800" algn="ctr">
               <a:spcBef>
                 <a:spcPts val="1600"/>
               </a:spcBef>
@@ -2818,7 +2876,7 @@
                 </a:solidFill>
               </a:defRPr>
             </a:lvl4pPr>
-            <a:lvl5pPr marL="2286000" lvl="4" indent="-317500" algn="ctr">
+            <a:lvl5pPr indent="-317500" lvl="4" marL="2286000" algn="ctr">
               <a:spcBef>
                 <a:spcPts val="1600"/>
               </a:spcBef>
@@ -2836,7 +2894,7 @@
                 </a:solidFill>
               </a:defRPr>
             </a:lvl5pPr>
-            <a:lvl6pPr marL="2743200" lvl="5" indent="-317500" algn="ctr">
+            <a:lvl6pPr indent="-317500" lvl="5" marL="2743200" algn="ctr">
               <a:spcBef>
                 <a:spcPts val="1600"/>
               </a:spcBef>
@@ -2854,7 +2912,7 @@
                 </a:solidFill>
               </a:defRPr>
             </a:lvl6pPr>
-            <a:lvl7pPr marL="3200400" lvl="6" indent="-317500" algn="ctr">
+            <a:lvl7pPr indent="-317500" lvl="6" marL="3200400" algn="ctr">
               <a:spcBef>
                 <a:spcPts val="1600"/>
               </a:spcBef>
@@ -2872,7 +2930,7 @@
                 </a:solidFill>
               </a:defRPr>
             </a:lvl7pPr>
-            <a:lvl8pPr marL="3657600" lvl="7" indent="-317500" algn="ctr">
+            <a:lvl8pPr indent="-317500" lvl="7" marL="3657600" algn="ctr">
               <a:spcBef>
                 <a:spcPts val="1600"/>
               </a:spcBef>
@@ -2890,7 +2948,7 @@
                 </a:solidFill>
               </a:defRPr>
             </a:lvl8pPr>
-            <a:lvl9pPr marL="4114800" lvl="8" indent="-317500" algn="ctr">
+            <a:lvl9pPr indent="-317500" lvl="8" marL="4114800" algn="ctr">
               <a:spcBef>
                 <a:spcPts val="1600"/>
               </a:spcBef>
@@ -2909,19 +2967,15 @@
               </a:defRPr>
             </a:lvl9pPr>
           </a:lstStyle>
-          <a:p>
-            <a:endParaRPr/>
-          </a:p>
+          <a:p/>
         </p:txBody>
       </p:sp>
       <p:sp>
         <p:nvSpPr>
           <p:cNvPr id="78" name="Google Shape;78;p11"/>
-          <p:cNvSpPr txBox="1">
-            <a:spLocks noGrp="1"/>
-          </p:cNvSpPr>
+          <p:cNvSpPr txBox="1"/>
           <p:nvPr>
-            <p:ph type="sldNum" idx="12"/>
+            <p:ph idx="12" type="sldNum"/>
           </p:nvPr>
         </p:nvSpPr>
         <p:spPr>
@@ -2934,7 +2988,7 @@
           </a:prstGeom>
         </p:spPr>
         <p:txBody>
-          <a:bodyPr spcFirstLastPara="1" wrap="square" lIns="91425" tIns="91425" rIns="91425" bIns="91425" anchor="ctr" anchorCtr="0">
+          <a:bodyPr anchorCtr="0" anchor="ctr" bIns="91425" lIns="91425" spcFirstLastPara="1" rIns="91425" wrap="square" tIns="91425">
             <a:noAutofit/>
           </a:bodyPr>
           <a:lstStyle>
@@ -2976,7 +3030,7 @@
             </a:lvl9pPr>
           </a:lstStyle>
           <a:p>
-            <a:pPr marL="0" lvl="0" indent="0" algn="r" rtl="0">
+            <a:pPr indent="0" lvl="0" marL="0" rtl="0" algn="r">
               <a:spcBef>
                 <a:spcPts val="0"/>
               </a:spcBef>
@@ -3002,11 +3056,11 @@
 </file>
 
 <file path=ppt/slideLayouts/slideLayout11.xml><?xml version="1.0" encoding="utf-8"?>
-<p:sldLayout xmlns:a="http://schemas.openxmlformats.org/drawingml/2006/main" xmlns:r="http://schemas.openxmlformats.org/officeDocument/2006/relationships" xmlns:p="http://schemas.openxmlformats.org/presentationml/2006/main" matchingName="Blank" type="blank">
+<p:sldLayout xmlns:a="http://schemas.openxmlformats.org/drawingml/2006/main" xmlns:r="http://schemas.openxmlformats.org/officeDocument/2006/relationships" xmlns:mc="http://schemas.openxmlformats.org/markup-compatibility/2006" xmlns:mv="urn:schemas-microsoft-com:mac:vml" xmlns:p="http://schemas.openxmlformats.org/presentationml/2006/main" xmlns:c="http://schemas.openxmlformats.org/drawingml/2006/chart" xmlns:dgm="http://schemas.openxmlformats.org/drawingml/2006/diagram" xmlns:o="urn:schemas-microsoft-com:office:office" xmlns:v="urn:schemas-microsoft-com:vml" xmlns:pvml="urn:schemas-microsoft-com:office:powerpoint" xmlns:com="http://schemas.openxmlformats.org/drawingml/2006/compatibility" xmlns:p14="http://schemas.microsoft.com/office/powerpoint/2010/main" xmlns:p15="http://schemas.microsoft.com/office/powerpoint/2012/main" xmlns:ahyp="http://schemas.microsoft.com/office/drawing/2018/hyperlinkcolor" matchingName="Blank" type="blank">
   <p:cSld name="BLANK">
     <p:spTree>
       <p:nvGrpSpPr>
-        <p:cNvPr id="1" name="Shape 79"/>
+        <p:cNvPr id="79" name="Shape 79"/>
         <p:cNvGrpSpPr/>
         <p:nvPr/>
       </p:nvGrpSpPr>
@@ -3021,11 +3075,9 @@
       <p:sp>
         <p:nvSpPr>
           <p:cNvPr id="80" name="Google Shape;80;p12"/>
-          <p:cNvSpPr txBox="1">
-            <a:spLocks noGrp="1"/>
-          </p:cNvSpPr>
+          <p:cNvSpPr txBox="1"/>
           <p:nvPr>
-            <p:ph type="sldNum" idx="12"/>
+            <p:ph idx="12" type="sldNum"/>
           </p:nvPr>
         </p:nvSpPr>
         <p:spPr>
@@ -3038,7 +3090,7 @@
           </a:prstGeom>
         </p:spPr>
         <p:txBody>
-          <a:bodyPr spcFirstLastPara="1" wrap="square" lIns="91425" tIns="91425" rIns="91425" bIns="91425" anchor="ctr" anchorCtr="0">
+          <a:bodyPr anchorCtr="0" anchor="ctr" bIns="91425" lIns="91425" spcFirstLastPara="1" rIns="91425" wrap="square" tIns="91425">
             <a:noAutofit/>
           </a:bodyPr>
           <a:lstStyle>
@@ -3116,7 +3168,7 @@
             </a:lvl9pPr>
           </a:lstStyle>
           <a:p>
-            <a:pPr marL="0" lvl="0" indent="0" algn="r" rtl="0">
+            <a:pPr indent="0" lvl="0" marL="0" rtl="0" algn="r">
               <a:spcBef>
                 <a:spcPts val="0"/>
               </a:spcBef>
@@ -3142,19 +3194,18 @@
 </file>
 
 <file path=ppt/slideLayouts/slideLayout2.xml><?xml version="1.0" encoding="utf-8"?>
-<p:sldLayout xmlns:a="http://schemas.openxmlformats.org/drawingml/2006/main" xmlns:r="http://schemas.openxmlformats.org/officeDocument/2006/relationships" xmlns:p="http://schemas.openxmlformats.org/presentationml/2006/main" matchingName="Section header" type="secHead">
+<p:sldLayout xmlns:a="http://schemas.openxmlformats.org/drawingml/2006/main" xmlns:r="http://schemas.openxmlformats.org/officeDocument/2006/relationships" xmlns:mc="http://schemas.openxmlformats.org/markup-compatibility/2006" xmlns:mv="urn:schemas-microsoft-com:mac:vml" xmlns:p="http://schemas.openxmlformats.org/presentationml/2006/main" xmlns:c="http://schemas.openxmlformats.org/drawingml/2006/chart" xmlns:dgm="http://schemas.openxmlformats.org/drawingml/2006/diagram" xmlns:o="urn:schemas-microsoft-com:office:office" xmlns:v="urn:schemas-microsoft-com:vml" xmlns:pvml="urn:schemas-microsoft-com:office:powerpoint" xmlns:com="http://schemas.openxmlformats.org/drawingml/2006/compatibility" xmlns:p14="http://schemas.microsoft.com/office/powerpoint/2010/main" xmlns:p15="http://schemas.microsoft.com/office/powerpoint/2012/main" xmlns:ahyp="http://schemas.microsoft.com/office/drawing/2018/hyperlinkcolor" matchingName="Section header" type="secHead">
   <p:cSld name="SECTION_HEADER">
     <p:bg>
       <p:bgPr>
         <a:solidFill>
           <a:schemeClr val="dk1"/>
         </a:solidFill>
-        <a:effectLst/>
       </p:bgPr>
     </p:bg>
     <p:spTree>
       <p:nvGrpSpPr>
-        <p:cNvPr id="1" name="Shape 19"/>
+        <p:cNvPr id="19" name="Shape 19"/>
         <p:cNvGrpSpPr/>
         <p:nvPr/>
       </p:nvGrpSpPr>
@@ -3202,12 +3253,12 @@
             </a:ln>
           </p:spPr>
           <p:txBody>
-            <a:bodyPr spcFirstLastPara="1" wrap="square" lIns="91425" tIns="91425" rIns="91425" bIns="91425" anchor="ctr" anchorCtr="0">
+            <a:bodyPr anchorCtr="0" anchor="ctr" bIns="91425" lIns="91425" spcFirstLastPara="1" rIns="91425" wrap="square" tIns="91425">
               <a:noAutofit/>
             </a:bodyPr>
             <a:lstStyle/>
             <a:p>
-              <a:pPr marL="0" lvl="0" indent="0" algn="l" rtl="0">
+              <a:pPr indent="0" lvl="0" marL="0" rtl="0" algn="l">
                 <a:spcBef>
                   <a:spcPts val="0"/>
                 </a:spcBef>
@@ -3216,6 +3267,9 @@
                 </a:spcAft>
                 <a:buNone/>
               </a:pPr>
+              <a:r>
+                <a:t/>
+              </a:r>
               <a:endParaRPr/>
             </a:p>
           </p:txBody>
@@ -3242,12 +3296,12 @@
             </a:ln>
           </p:spPr>
           <p:txBody>
-            <a:bodyPr spcFirstLastPara="1" wrap="square" lIns="91425" tIns="91425" rIns="91425" bIns="91425" anchor="ctr" anchorCtr="0">
+            <a:bodyPr anchorCtr="0" anchor="ctr" bIns="91425" lIns="91425" spcFirstLastPara="1" rIns="91425" wrap="square" tIns="91425">
               <a:noAutofit/>
             </a:bodyPr>
             <a:lstStyle/>
             <a:p>
-              <a:pPr marL="0" lvl="0" indent="0" algn="l" rtl="0">
+              <a:pPr indent="0" lvl="0" marL="0" rtl="0" algn="l">
                 <a:spcBef>
                   <a:spcPts val="0"/>
                 </a:spcBef>
@@ -3256,6 +3310,9 @@
                 </a:spcAft>
                 <a:buNone/>
               </a:pPr>
+              <a:r>
+                <a:t/>
+              </a:r>
               <a:endParaRPr/>
             </a:p>
           </p:txBody>
@@ -3267,7 +3324,7 @@
             <p:nvPr/>
           </p:nvSpPr>
           <p:spPr>
-            <a:xfrm rot="10800000" flipH="1">
+            <a:xfrm flipH="1" rot="10800000">
               <a:off x="7113588" y="107"/>
               <a:ext cx="1015200" cy="1015200"/>
             </a:xfrm>
@@ -3282,12 +3339,12 @@
             </a:ln>
           </p:spPr>
           <p:txBody>
-            <a:bodyPr spcFirstLastPara="1" wrap="square" lIns="91425" tIns="91425" rIns="91425" bIns="91425" anchor="ctr" anchorCtr="0">
+            <a:bodyPr anchorCtr="0" anchor="ctr" bIns="91425" lIns="91425" spcFirstLastPara="1" rIns="91425" wrap="square" tIns="91425">
               <a:noAutofit/>
             </a:bodyPr>
             <a:lstStyle/>
             <a:p>
-              <a:pPr marL="0" lvl="0" indent="0" algn="l" rtl="0">
+              <a:pPr indent="0" lvl="0" marL="0" rtl="0" algn="l">
                 <a:spcBef>
                   <a:spcPts val="0"/>
                 </a:spcBef>
@@ -3296,6 +3353,9 @@
                 </a:spcAft>
                 <a:buNone/>
               </a:pPr>
+              <a:r>
+                <a:t/>
+              </a:r>
               <a:endParaRPr/>
             </a:p>
           </p:txBody>
@@ -3322,12 +3382,12 @@
             </a:ln>
           </p:spPr>
           <p:txBody>
-            <a:bodyPr spcFirstLastPara="1" wrap="square" lIns="91425" tIns="91425" rIns="91425" bIns="91425" anchor="ctr" anchorCtr="0">
+            <a:bodyPr anchorCtr="0" anchor="ctr" bIns="91425" lIns="91425" spcFirstLastPara="1" rIns="91425" wrap="square" tIns="91425">
               <a:noAutofit/>
             </a:bodyPr>
             <a:lstStyle/>
             <a:p>
-              <a:pPr marL="0" lvl="0" indent="0" algn="l" rtl="0">
+              <a:pPr indent="0" lvl="0" marL="0" rtl="0" algn="l">
                 <a:spcBef>
                   <a:spcPts val="0"/>
                 </a:spcBef>
@@ -3336,6 +3396,9 @@
                 </a:spcAft>
                 <a:buNone/>
               </a:pPr>
+              <a:r>
+                <a:t/>
+              </a:r>
               <a:endParaRPr/>
             </a:p>
           </p:txBody>
@@ -3362,12 +3425,12 @@
             </a:ln>
           </p:spPr>
           <p:txBody>
-            <a:bodyPr spcFirstLastPara="1" wrap="square" lIns="91425" tIns="91425" rIns="91425" bIns="91425" anchor="ctr" anchorCtr="0">
+            <a:bodyPr anchorCtr="0" anchor="ctr" bIns="91425" lIns="91425" spcFirstLastPara="1" rIns="91425" wrap="square" tIns="91425">
               <a:noAutofit/>
             </a:bodyPr>
             <a:lstStyle/>
             <a:p>
-              <a:pPr marL="0" lvl="0" indent="0" algn="l" rtl="0">
+              <a:pPr indent="0" lvl="0" marL="0" rtl="0" algn="l">
                 <a:spcBef>
                   <a:spcPts val="0"/>
                 </a:spcBef>
@@ -3376,6 +3439,9 @@
                 </a:spcAft>
                 <a:buNone/>
               </a:pPr>
+              <a:r>
+                <a:t/>
+              </a:r>
               <a:endParaRPr/>
             </a:p>
           </p:txBody>
@@ -3384,9 +3450,7 @@
       <p:sp>
         <p:nvSpPr>
           <p:cNvPr id="26" name="Google Shape;26;p3"/>
-          <p:cNvSpPr txBox="1">
-            <a:spLocks noGrp="1"/>
-          </p:cNvSpPr>
+          <p:cNvSpPr txBox="1"/>
           <p:nvPr>
             <p:ph type="title"/>
           </p:nvPr>
@@ -3401,7 +3465,7 @@
           </a:prstGeom>
         </p:spPr>
         <p:txBody>
-          <a:bodyPr spcFirstLastPara="1" wrap="square" lIns="91425" tIns="91425" rIns="91425" bIns="91425" anchor="ctr" anchorCtr="0">
+          <a:bodyPr anchorCtr="0" anchor="ctr" bIns="91425" lIns="91425" spcFirstLastPara="1" rIns="91425" wrap="square" tIns="91425">
             <a:noAutofit/>
           </a:bodyPr>
           <a:lstStyle>
@@ -3568,19 +3632,15 @@
               </a:defRPr>
             </a:lvl9pPr>
           </a:lstStyle>
-          <a:p>
-            <a:endParaRPr/>
-          </a:p>
+          <a:p/>
         </p:txBody>
       </p:sp>
       <p:sp>
         <p:nvSpPr>
           <p:cNvPr id="27" name="Google Shape;27;p3"/>
-          <p:cNvSpPr txBox="1">
-            <a:spLocks noGrp="1"/>
-          </p:cNvSpPr>
+          <p:cNvSpPr txBox="1"/>
           <p:nvPr>
-            <p:ph type="sldNum" idx="12"/>
+            <p:ph idx="12" type="sldNum"/>
           </p:nvPr>
         </p:nvSpPr>
         <p:spPr>
@@ -3593,7 +3653,7 @@
           </a:prstGeom>
         </p:spPr>
         <p:txBody>
-          <a:bodyPr spcFirstLastPara="1" wrap="square" lIns="91425" tIns="91425" rIns="91425" bIns="91425" anchor="ctr" anchorCtr="0">
+          <a:bodyPr anchorCtr="0" anchor="ctr" bIns="91425" lIns="91425" spcFirstLastPara="1" rIns="91425" wrap="square" tIns="91425">
             <a:noAutofit/>
           </a:bodyPr>
           <a:lstStyle>
@@ -3635,7 +3695,7 @@
             </a:lvl9pPr>
           </a:lstStyle>
           <a:p>
-            <a:pPr marL="0" lvl="0" indent="0" algn="r" rtl="0">
+            <a:pPr indent="0" lvl="0" marL="0" rtl="0" algn="r">
               <a:spcBef>
                 <a:spcPts val="0"/>
               </a:spcBef>
@@ -3661,11 +3721,11 @@
 </file>
 
 <file path=ppt/slideLayouts/slideLayout3.xml><?xml version="1.0" encoding="utf-8"?>
-<p:sldLayout xmlns:a="http://schemas.openxmlformats.org/drawingml/2006/main" xmlns:r="http://schemas.openxmlformats.org/officeDocument/2006/relationships" xmlns:p="http://schemas.openxmlformats.org/presentationml/2006/main" matchingName="Title and body" type="tx">
+<p:sldLayout xmlns:a="http://schemas.openxmlformats.org/drawingml/2006/main" xmlns:r="http://schemas.openxmlformats.org/officeDocument/2006/relationships" xmlns:mc="http://schemas.openxmlformats.org/markup-compatibility/2006" xmlns:mv="urn:schemas-microsoft-com:mac:vml" xmlns:p="http://schemas.openxmlformats.org/presentationml/2006/main" xmlns:c="http://schemas.openxmlformats.org/drawingml/2006/chart" xmlns:dgm="http://schemas.openxmlformats.org/drawingml/2006/diagram" xmlns:o="urn:schemas-microsoft-com:office:office" xmlns:v="urn:schemas-microsoft-com:vml" xmlns:pvml="urn:schemas-microsoft-com:office:powerpoint" xmlns:com="http://schemas.openxmlformats.org/drawingml/2006/compatibility" xmlns:p14="http://schemas.microsoft.com/office/powerpoint/2010/main" xmlns:p15="http://schemas.microsoft.com/office/powerpoint/2012/main" xmlns:ahyp="http://schemas.microsoft.com/office/drawing/2018/hyperlinkcolor" matchingName="Title and body" type="tx">
   <p:cSld name="TITLE_AND_BODY">
     <p:spTree>
       <p:nvGrpSpPr>
-        <p:cNvPr id="1" name="Shape 28"/>
+        <p:cNvPr id="28" name="Shape 28"/>
         <p:cNvGrpSpPr/>
         <p:nvPr/>
       </p:nvGrpSpPr>
@@ -3713,12 +3773,12 @@
             </a:ln>
           </p:spPr>
           <p:txBody>
-            <a:bodyPr spcFirstLastPara="1" wrap="square" lIns="91425" tIns="91425" rIns="91425" bIns="91425" anchor="ctr" anchorCtr="0">
+            <a:bodyPr anchorCtr="0" anchor="ctr" bIns="91425" lIns="91425" spcFirstLastPara="1" rIns="91425" wrap="square" tIns="91425">
               <a:noAutofit/>
             </a:bodyPr>
             <a:lstStyle/>
             <a:p>
-              <a:pPr marL="0" lvl="0" indent="0" algn="l" rtl="0">
+              <a:pPr indent="0" lvl="0" marL="0" rtl="0" algn="l">
                 <a:spcBef>
                   <a:spcPts val="0"/>
                 </a:spcBef>
@@ -3727,6 +3787,9 @@
                 </a:spcAft>
                 <a:buNone/>
               </a:pPr>
+              <a:r>
+                <a:t/>
+              </a:r>
               <a:endParaRPr/>
             </a:p>
           </p:txBody>
@@ -3753,12 +3816,12 @@
             </a:ln>
           </p:spPr>
           <p:txBody>
-            <a:bodyPr spcFirstLastPara="1" wrap="square" lIns="91425" tIns="91425" rIns="91425" bIns="91425" anchor="ctr" anchorCtr="0">
+            <a:bodyPr anchorCtr="0" anchor="ctr" bIns="91425" lIns="91425" spcFirstLastPara="1" rIns="91425" wrap="square" tIns="91425">
               <a:noAutofit/>
             </a:bodyPr>
             <a:lstStyle/>
             <a:p>
-              <a:pPr marL="0" lvl="0" indent="0" algn="l" rtl="0">
+              <a:pPr indent="0" lvl="0" marL="0" rtl="0" algn="l">
                 <a:spcBef>
                   <a:spcPts val="0"/>
                 </a:spcBef>
@@ -3767,6 +3830,9 @@
                 </a:spcAft>
                 <a:buNone/>
               </a:pPr>
+              <a:r>
+                <a:t/>
+              </a:r>
               <a:endParaRPr/>
             </a:p>
           </p:txBody>
@@ -3793,12 +3859,12 @@
             </a:ln>
           </p:spPr>
           <p:txBody>
-            <a:bodyPr spcFirstLastPara="1" wrap="square" lIns="91425" tIns="91425" rIns="91425" bIns="91425" anchor="ctr" anchorCtr="0">
+            <a:bodyPr anchorCtr="0" anchor="ctr" bIns="91425" lIns="91425" spcFirstLastPara="1" rIns="91425" wrap="square" tIns="91425">
               <a:noAutofit/>
             </a:bodyPr>
             <a:lstStyle/>
             <a:p>
-              <a:pPr marL="0" lvl="0" indent="0" algn="l" rtl="0">
+              <a:pPr indent="0" lvl="0" marL="0" rtl="0" algn="l">
                 <a:spcBef>
                   <a:spcPts val="0"/>
                 </a:spcBef>
@@ -3807,6 +3873,9 @@
                 </a:spcAft>
                 <a:buNone/>
               </a:pPr>
+              <a:r>
+                <a:t/>
+              </a:r>
               <a:endParaRPr/>
             </a:p>
           </p:txBody>
@@ -3833,12 +3902,12 @@
             </a:ln>
           </p:spPr>
           <p:txBody>
-            <a:bodyPr spcFirstLastPara="1" wrap="square" lIns="91425" tIns="91425" rIns="91425" bIns="91425" anchor="ctr" anchorCtr="0">
+            <a:bodyPr anchorCtr="0" anchor="ctr" bIns="91425" lIns="91425" spcFirstLastPara="1" rIns="91425" wrap="square" tIns="91425">
               <a:noAutofit/>
             </a:bodyPr>
             <a:lstStyle/>
             <a:p>
-              <a:pPr marL="0" lvl="0" indent="0" algn="l" rtl="0">
+              <a:pPr indent="0" lvl="0" marL="0" rtl="0" algn="l">
                 <a:spcBef>
                   <a:spcPts val="0"/>
                 </a:spcBef>
@@ -3847,6 +3916,9 @@
                 </a:spcAft>
                 <a:buNone/>
               </a:pPr>
+              <a:r>
+                <a:t/>
+              </a:r>
               <a:endParaRPr/>
             </a:p>
           </p:txBody>
@@ -3873,12 +3945,12 @@
             </a:ln>
           </p:spPr>
           <p:txBody>
-            <a:bodyPr spcFirstLastPara="1" wrap="square" lIns="91425" tIns="91425" rIns="91425" bIns="91425" anchor="ctr" anchorCtr="0">
+            <a:bodyPr anchorCtr="0" anchor="ctr" bIns="91425" lIns="91425" spcFirstLastPara="1" rIns="91425" wrap="square" tIns="91425">
               <a:noAutofit/>
             </a:bodyPr>
             <a:lstStyle/>
             <a:p>
-              <a:pPr marL="0" lvl="0" indent="0" algn="l" rtl="0">
+              <a:pPr indent="0" lvl="0" marL="0" rtl="0" algn="l">
                 <a:spcBef>
                   <a:spcPts val="0"/>
                 </a:spcBef>
@@ -3887,6 +3959,9 @@
                 </a:spcAft>
                 <a:buNone/>
               </a:pPr>
+              <a:r>
+                <a:t/>
+              </a:r>
               <a:endParaRPr/>
             </a:p>
           </p:txBody>
@@ -3895,9 +3970,7 @@
       <p:sp>
         <p:nvSpPr>
           <p:cNvPr id="35" name="Google Shape;35;p4"/>
-          <p:cNvSpPr txBox="1">
-            <a:spLocks noGrp="1"/>
-          </p:cNvSpPr>
+          <p:cNvSpPr txBox="1"/>
           <p:nvPr>
             <p:ph type="title"/>
           </p:nvPr>
@@ -3912,7 +3985,7 @@
           </a:prstGeom>
         </p:spPr>
         <p:txBody>
-          <a:bodyPr spcFirstLastPara="1" wrap="square" lIns="91425" tIns="91425" rIns="91425" bIns="91425" anchor="t" anchorCtr="0">
+          <a:bodyPr anchorCtr="0" anchor="t" bIns="91425" lIns="91425" spcFirstLastPara="1" rIns="91425" wrap="square" tIns="91425">
             <a:noAutofit/>
           </a:bodyPr>
           <a:lstStyle>
@@ -4016,19 +4089,15 @@
               <a:defRPr/>
             </a:lvl9pPr>
           </a:lstStyle>
-          <a:p>
-            <a:endParaRPr/>
-          </a:p>
+          <a:p/>
         </p:txBody>
       </p:sp>
       <p:sp>
         <p:nvSpPr>
           <p:cNvPr id="36" name="Google Shape;36;p4"/>
-          <p:cNvSpPr txBox="1">
-            <a:spLocks noGrp="1"/>
-          </p:cNvSpPr>
+          <p:cNvSpPr txBox="1"/>
           <p:nvPr>
-            <p:ph type="body" idx="1"/>
+            <p:ph idx="1" type="body"/>
           </p:nvPr>
         </p:nvSpPr>
         <p:spPr>
@@ -4041,11 +4110,11 @@
           </a:prstGeom>
         </p:spPr>
         <p:txBody>
-          <a:bodyPr spcFirstLastPara="1" wrap="square" lIns="91425" tIns="91425" rIns="91425" bIns="91425" anchor="t" anchorCtr="0">
+          <a:bodyPr anchorCtr="0" anchor="t" bIns="91425" lIns="91425" spcFirstLastPara="1" rIns="91425" wrap="square" tIns="91425">
             <a:noAutofit/>
           </a:bodyPr>
           <a:lstStyle>
-            <a:lvl1pPr marL="457200" lvl="0" indent="-342900">
+            <a:lvl1pPr indent="-342900" lvl="0" marL="457200">
               <a:spcBef>
                 <a:spcPts val="0"/>
               </a:spcBef>
@@ -4056,7 +4125,7 @@
               <a:buChar char="●"/>
               <a:defRPr/>
             </a:lvl1pPr>
-            <a:lvl2pPr marL="914400" lvl="1" indent="-317500">
+            <a:lvl2pPr indent="-317500" lvl="1" marL="914400">
               <a:spcBef>
                 <a:spcPts val="1600"/>
               </a:spcBef>
@@ -4067,7 +4136,7 @@
               <a:buChar char="○"/>
               <a:defRPr/>
             </a:lvl2pPr>
-            <a:lvl3pPr marL="1371600" lvl="2" indent="-317500">
+            <a:lvl3pPr indent="-317500" lvl="2" marL="1371600">
               <a:spcBef>
                 <a:spcPts val="1600"/>
               </a:spcBef>
@@ -4078,7 +4147,7 @@
               <a:buChar char="■"/>
               <a:defRPr/>
             </a:lvl3pPr>
-            <a:lvl4pPr marL="1828800" lvl="3" indent="-317500">
+            <a:lvl4pPr indent="-317500" lvl="3" marL="1828800">
               <a:spcBef>
                 <a:spcPts val="1600"/>
               </a:spcBef>
@@ -4089,7 +4158,7 @@
               <a:buChar char="●"/>
               <a:defRPr/>
             </a:lvl4pPr>
-            <a:lvl5pPr marL="2286000" lvl="4" indent="-317500">
+            <a:lvl5pPr indent="-317500" lvl="4" marL="2286000">
               <a:spcBef>
                 <a:spcPts val="1600"/>
               </a:spcBef>
@@ -4100,7 +4169,7 @@
               <a:buChar char="○"/>
               <a:defRPr/>
             </a:lvl5pPr>
-            <a:lvl6pPr marL="2743200" lvl="5" indent="-317500">
+            <a:lvl6pPr indent="-317500" lvl="5" marL="2743200">
               <a:spcBef>
                 <a:spcPts val="1600"/>
               </a:spcBef>
@@ -4111,7 +4180,7 @@
               <a:buChar char="■"/>
               <a:defRPr/>
             </a:lvl6pPr>
-            <a:lvl7pPr marL="3200400" lvl="6" indent="-317500">
+            <a:lvl7pPr indent="-317500" lvl="6" marL="3200400">
               <a:spcBef>
                 <a:spcPts val="1600"/>
               </a:spcBef>
@@ -4122,7 +4191,7 @@
               <a:buChar char="●"/>
               <a:defRPr/>
             </a:lvl7pPr>
-            <a:lvl8pPr marL="3657600" lvl="7" indent="-317500">
+            <a:lvl8pPr indent="-317500" lvl="7" marL="3657600">
               <a:spcBef>
                 <a:spcPts val="1600"/>
               </a:spcBef>
@@ -4133,7 +4202,7 @@
               <a:buChar char="○"/>
               <a:defRPr/>
             </a:lvl8pPr>
-            <a:lvl9pPr marL="4114800" lvl="8" indent="-317500">
+            <a:lvl9pPr indent="-317500" lvl="8" marL="4114800">
               <a:spcBef>
                 <a:spcPts val="1600"/>
               </a:spcBef>
@@ -4145,19 +4214,15 @@
               <a:defRPr/>
             </a:lvl9pPr>
           </a:lstStyle>
-          <a:p>
-            <a:endParaRPr/>
-          </a:p>
+          <a:p/>
         </p:txBody>
       </p:sp>
       <p:sp>
         <p:nvSpPr>
           <p:cNvPr id="37" name="Google Shape;37;p4"/>
-          <p:cNvSpPr txBox="1">
-            <a:spLocks noGrp="1"/>
-          </p:cNvSpPr>
+          <p:cNvSpPr txBox="1"/>
           <p:nvPr>
-            <p:ph type="sldNum" idx="12"/>
+            <p:ph idx="12" type="sldNum"/>
           </p:nvPr>
         </p:nvSpPr>
         <p:spPr>
@@ -4170,7 +4235,7 @@
           </a:prstGeom>
         </p:spPr>
         <p:txBody>
-          <a:bodyPr spcFirstLastPara="1" wrap="square" lIns="91425" tIns="91425" rIns="91425" bIns="91425" anchor="ctr" anchorCtr="0">
+          <a:bodyPr anchorCtr="0" anchor="ctr" bIns="91425" lIns="91425" spcFirstLastPara="1" rIns="91425" wrap="square" tIns="91425">
             <a:noAutofit/>
           </a:bodyPr>
           <a:lstStyle>
@@ -4212,7 +4277,7 @@
             </a:lvl9pPr>
           </a:lstStyle>
           <a:p>
-            <a:pPr marL="0" lvl="0" indent="0" algn="r" rtl="0">
+            <a:pPr indent="0" lvl="0" marL="0" rtl="0" algn="r">
               <a:spcBef>
                 <a:spcPts val="0"/>
               </a:spcBef>
@@ -4238,11 +4303,11 @@
 </file>
 
 <file path=ppt/slideLayouts/slideLayout4.xml><?xml version="1.0" encoding="utf-8"?>
-<p:sldLayout xmlns:a="http://schemas.openxmlformats.org/drawingml/2006/main" xmlns:r="http://schemas.openxmlformats.org/officeDocument/2006/relationships" xmlns:p="http://schemas.openxmlformats.org/presentationml/2006/main" matchingName="Title and two columns" type="twoColTx">
+<p:sldLayout xmlns:a="http://schemas.openxmlformats.org/drawingml/2006/main" xmlns:r="http://schemas.openxmlformats.org/officeDocument/2006/relationships" xmlns:mc="http://schemas.openxmlformats.org/markup-compatibility/2006" xmlns:mv="urn:schemas-microsoft-com:mac:vml" xmlns:p="http://schemas.openxmlformats.org/presentationml/2006/main" xmlns:c="http://schemas.openxmlformats.org/drawingml/2006/chart" xmlns:dgm="http://schemas.openxmlformats.org/drawingml/2006/diagram" xmlns:o="urn:schemas-microsoft-com:office:office" xmlns:v="urn:schemas-microsoft-com:vml" xmlns:pvml="urn:schemas-microsoft-com:office:powerpoint" xmlns:com="http://schemas.openxmlformats.org/drawingml/2006/compatibility" xmlns:p14="http://schemas.microsoft.com/office/powerpoint/2010/main" xmlns:p15="http://schemas.microsoft.com/office/powerpoint/2012/main" xmlns:ahyp="http://schemas.microsoft.com/office/drawing/2018/hyperlinkcolor" matchingName="Title and two columns" type="twoColTx">
   <p:cSld name="TITLE_AND_TWO_COLUMNS">
     <p:spTree>
       <p:nvGrpSpPr>
-        <p:cNvPr id="1" name="Shape 38"/>
+        <p:cNvPr id="38" name="Shape 38"/>
         <p:cNvGrpSpPr/>
         <p:nvPr/>
       </p:nvGrpSpPr>
@@ -4257,9 +4322,7 @@
       <p:sp>
         <p:nvSpPr>
           <p:cNvPr id="39" name="Google Shape;39;p5"/>
-          <p:cNvSpPr txBox="1">
-            <a:spLocks noGrp="1"/>
-          </p:cNvSpPr>
+          <p:cNvSpPr txBox="1"/>
           <p:nvPr>
             <p:ph type="title"/>
           </p:nvPr>
@@ -4274,7 +4337,7 @@
           </a:prstGeom>
         </p:spPr>
         <p:txBody>
-          <a:bodyPr spcFirstLastPara="1" wrap="square" lIns="91425" tIns="91425" rIns="91425" bIns="91425" anchor="t" anchorCtr="0">
+          <a:bodyPr anchorCtr="0" anchor="t" bIns="91425" lIns="91425" spcFirstLastPara="1" rIns="91425" wrap="square" tIns="91425">
             <a:noAutofit/>
           </a:bodyPr>
           <a:lstStyle>
@@ -4378,19 +4441,15 @@
               <a:defRPr/>
             </a:lvl9pPr>
           </a:lstStyle>
-          <a:p>
-            <a:endParaRPr/>
-          </a:p>
+          <a:p/>
         </p:txBody>
       </p:sp>
       <p:sp>
         <p:nvSpPr>
           <p:cNvPr id="40" name="Google Shape;40;p5"/>
-          <p:cNvSpPr txBox="1">
-            <a:spLocks noGrp="1"/>
-          </p:cNvSpPr>
+          <p:cNvSpPr txBox="1"/>
           <p:nvPr>
-            <p:ph type="body" idx="1"/>
+            <p:ph idx="1" type="body"/>
           </p:nvPr>
         </p:nvSpPr>
         <p:spPr>
@@ -4403,11 +4462,11 @@
           </a:prstGeom>
         </p:spPr>
         <p:txBody>
-          <a:bodyPr spcFirstLastPara="1" wrap="square" lIns="91425" tIns="91425" rIns="91425" bIns="91425" anchor="t" anchorCtr="0">
+          <a:bodyPr anchorCtr="0" anchor="t" bIns="91425" lIns="91425" spcFirstLastPara="1" rIns="91425" wrap="square" tIns="91425">
             <a:noAutofit/>
           </a:bodyPr>
           <a:lstStyle>
-            <a:lvl1pPr marL="457200" lvl="0" indent="-317500">
+            <a:lvl1pPr indent="-317500" lvl="0" marL="457200">
               <a:spcBef>
                 <a:spcPts val="0"/>
               </a:spcBef>
@@ -4418,7 +4477,7 @@
               <a:buChar char="●"/>
               <a:defRPr sz="1400"/>
             </a:lvl1pPr>
-            <a:lvl2pPr marL="914400" lvl="1" indent="-304800">
+            <a:lvl2pPr indent="-304800" lvl="1" marL="914400">
               <a:spcBef>
                 <a:spcPts val="1600"/>
               </a:spcBef>
@@ -4429,7 +4488,7 @@
               <a:buChar char="○"/>
               <a:defRPr sz="1200"/>
             </a:lvl2pPr>
-            <a:lvl3pPr marL="1371600" lvl="2" indent="-304800">
+            <a:lvl3pPr indent="-304800" lvl="2" marL="1371600">
               <a:spcBef>
                 <a:spcPts val="1600"/>
               </a:spcBef>
@@ -4440,7 +4499,7 @@
               <a:buChar char="■"/>
               <a:defRPr sz="1200"/>
             </a:lvl3pPr>
-            <a:lvl4pPr marL="1828800" lvl="3" indent="-304800">
+            <a:lvl4pPr indent="-304800" lvl="3" marL="1828800">
               <a:spcBef>
                 <a:spcPts val="1600"/>
               </a:spcBef>
@@ -4451,7 +4510,7 @@
               <a:buChar char="●"/>
               <a:defRPr sz="1200"/>
             </a:lvl4pPr>
-            <a:lvl5pPr marL="2286000" lvl="4" indent="-304800">
+            <a:lvl5pPr indent="-304800" lvl="4" marL="2286000">
               <a:spcBef>
                 <a:spcPts val="1600"/>
               </a:spcBef>
@@ -4462,7 +4521,7 @@
               <a:buChar char="○"/>
               <a:defRPr sz="1200"/>
             </a:lvl5pPr>
-            <a:lvl6pPr marL="2743200" lvl="5" indent="-304800">
+            <a:lvl6pPr indent="-304800" lvl="5" marL="2743200">
               <a:spcBef>
                 <a:spcPts val="1600"/>
               </a:spcBef>
@@ -4473,7 +4532,7 @@
               <a:buChar char="■"/>
               <a:defRPr sz="1200"/>
             </a:lvl6pPr>
-            <a:lvl7pPr marL="3200400" lvl="6" indent="-304800">
+            <a:lvl7pPr indent="-304800" lvl="6" marL="3200400">
               <a:spcBef>
                 <a:spcPts val="1600"/>
               </a:spcBef>
@@ -4484,7 +4543,7 @@
               <a:buChar char="●"/>
               <a:defRPr sz="1200"/>
             </a:lvl7pPr>
-            <a:lvl8pPr marL="3657600" lvl="7" indent="-304800">
+            <a:lvl8pPr indent="-304800" lvl="7" marL="3657600">
               <a:spcBef>
                 <a:spcPts val="1600"/>
               </a:spcBef>
@@ -4495,7 +4554,7 @@
               <a:buChar char="○"/>
               <a:defRPr sz="1200"/>
             </a:lvl8pPr>
-            <a:lvl9pPr marL="4114800" lvl="8" indent="-304800">
+            <a:lvl9pPr indent="-304800" lvl="8" marL="4114800">
               <a:spcBef>
                 <a:spcPts val="1600"/>
               </a:spcBef>
@@ -4507,19 +4566,15 @@
               <a:defRPr sz="1200"/>
             </a:lvl9pPr>
           </a:lstStyle>
-          <a:p>
-            <a:endParaRPr/>
-          </a:p>
+          <a:p/>
         </p:txBody>
       </p:sp>
       <p:sp>
         <p:nvSpPr>
           <p:cNvPr id="41" name="Google Shape;41;p5"/>
-          <p:cNvSpPr txBox="1">
-            <a:spLocks noGrp="1"/>
-          </p:cNvSpPr>
+          <p:cNvSpPr txBox="1"/>
           <p:nvPr>
-            <p:ph type="body" idx="2"/>
+            <p:ph idx="2" type="body"/>
           </p:nvPr>
         </p:nvSpPr>
         <p:spPr>
@@ -4532,11 +4587,11 @@
           </a:prstGeom>
         </p:spPr>
         <p:txBody>
-          <a:bodyPr spcFirstLastPara="1" wrap="square" lIns="91425" tIns="91425" rIns="91425" bIns="91425" anchor="t" anchorCtr="0">
+          <a:bodyPr anchorCtr="0" anchor="t" bIns="91425" lIns="91425" spcFirstLastPara="1" rIns="91425" wrap="square" tIns="91425">
             <a:noAutofit/>
           </a:bodyPr>
           <a:lstStyle>
-            <a:lvl1pPr marL="457200" lvl="0" indent="-317500">
+            <a:lvl1pPr indent="-317500" lvl="0" marL="457200">
               <a:spcBef>
                 <a:spcPts val="0"/>
               </a:spcBef>
@@ -4547,7 +4602,7 @@
               <a:buChar char="●"/>
               <a:defRPr sz="1400"/>
             </a:lvl1pPr>
-            <a:lvl2pPr marL="914400" lvl="1" indent="-304800">
+            <a:lvl2pPr indent="-304800" lvl="1" marL="914400">
               <a:spcBef>
                 <a:spcPts val="1600"/>
               </a:spcBef>
@@ -4558,7 +4613,7 @@
               <a:buChar char="○"/>
               <a:defRPr sz="1200"/>
             </a:lvl2pPr>
-            <a:lvl3pPr marL="1371600" lvl="2" indent="-304800">
+            <a:lvl3pPr indent="-304800" lvl="2" marL="1371600">
               <a:spcBef>
                 <a:spcPts val="1600"/>
               </a:spcBef>
@@ -4569,7 +4624,7 @@
               <a:buChar char="■"/>
               <a:defRPr sz="1200"/>
             </a:lvl3pPr>
-            <a:lvl4pPr marL="1828800" lvl="3" indent="-304800">
+            <a:lvl4pPr indent="-304800" lvl="3" marL="1828800">
               <a:spcBef>
                 <a:spcPts val="1600"/>
               </a:spcBef>
@@ -4580,7 +4635,7 @@
               <a:buChar char="●"/>
               <a:defRPr sz="1200"/>
             </a:lvl4pPr>
-            <a:lvl5pPr marL="2286000" lvl="4" indent="-304800">
+            <a:lvl5pPr indent="-304800" lvl="4" marL="2286000">
               <a:spcBef>
                 <a:spcPts val="1600"/>
               </a:spcBef>
@@ -4591,7 +4646,7 @@
               <a:buChar char="○"/>
               <a:defRPr sz="1200"/>
             </a:lvl5pPr>
-            <a:lvl6pPr marL="2743200" lvl="5" indent="-304800">
+            <a:lvl6pPr indent="-304800" lvl="5" marL="2743200">
               <a:spcBef>
                 <a:spcPts val="1600"/>
               </a:spcBef>
@@ -4602,7 +4657,7 @@
               <a:buChar char="■"/>
               <a:defRPr sz="1200"/>
             </a:lvl6pPr>
-            <a:lvl7pPr marL="3200400" lvl="6" indent="-304800">
+            <a:lvl7pPr indent="-304800" lvl="6" marL="3200400">
               <a:spcBef>
                 <a:spcPts val="1600"/>
               </a:spcBef>
@@ -4613,7 +4668,7 @@
               <a:buChar char="●"/>
               <a:defRPr sz="1200"/>
             </a:lvl7pPr>
-            <a:lvl8pPr marL="3657600" lvl="7" indent="-304800">
+            <a:lvl8pPr indent="-304800" lvl="7" marL="3657600">
               <a:spcBef>
                 <a:spcPts val="1600"/>
               </a:spcBef>
@@ -4624,7 +4679,7 @@
               <a:buChar char="○"/>
               <a:defRPr sz="1200"/>
             </a:lvl8pPr>
-            <a:lvl9pPr marL="4114800" lvl="8" indent="-304800">
+            <a:lvl9pPr indent="-304800" lvl="8" marL="4114800">
               <a:spcBef>
                 <a:spcPts val="1600"/>
               </a:spcBef>
@@ -4636,19 +4691,15 @@
               <a:defRPr sz="1200"/>
             </a:lvl9pPr>
           </a:lstStyle>
-          <a:p>
-            <a:endParaRPr/>
-          </a:p>
+          <a:p/>
         </p:txBody>
       </p:sp>
       <p:sp>
         <p:nvSpPr>
           <p:cNvPr id="42" name="Google Shape;42;p5"/>
-          <p:cNvSpPr txBox="1">
-            <a:spLocks noGrp="1"/>
-          </p:cNvSpPr>
+          <p:cNvSpPr txBox="1"/>
           <p:nvPr>
-            <p:ph type="sldNum" idx="12"/>
+            <p:ph idx="12" type="sldNum"/>
           </p:nvPr>
         </p:nvSpPr>
         <p:spPr>
@@ -4661,7 +4712,7 @@
           </a:prstGeom>
         </p:spPr>
         <p:txBody>
-          <a:bodyPr spcFirstLastPara="1" wrap="square" lIns="91425" tIns="91425" rIns="91425" bIns="91425" anchor="ctr" anchorCtr="0">
+          <a:bodyPr anchorCtr="0" anchor="ctr" bIns="91425" lIns="91425" spcFirstLastPara="1" rIns="91425" wrap="square" tIns="91425">
             <a:noAutofit/>
           </a:bodyPr>
           <a:lstStyle>
@@ -4739,7 +4790,7 @@
             </a:lvl9pPr>
           </a:lstStyle>
           <a:p>
-            <a:pPr marL="0" lvl="0" indent="0" algn="r" rtl="0">
+            <a:pPr indent="0" lvl="0" marL="0" rtl="0" algn="r">
               <a:spcBef>
                 <a:spcPts val="0"/>
               </a:spcBef>
@@ -4765,11 +4816,11 @@
 </file>
 
 <file path=ppt/slideLayouts/slideLayout5.xml><?xml version="1.0" encoding="utf-8"?>
-<p:sldLayout xmlns:a="http://schemas.openxmlformats.org/drawingml/2006/main" xmlns:r="http://schemas.openxmlformats.org/officeDocument/2006/relationships" xmlns:p="http://schemas.openxmlformats.org/presentationml/2006/main" matchingName="Title only" type="titleOnly">
+<p:sldLayout xmlns:a="http://schemas.openxmlformats.org/drawingml/2006/main" xmlns:r="http://schemas.openxmlformats.org/officeDocument/2006/relationships" xmlns:mc="http://schemas.openxmlformats.org/markup-compatibility/2006" xmlns:mv="urn:schemas-microsoft-com:mac:vml" xmlns:p="http://schemas.openxmlformats.org/presentationml/2006/main" xmlns:c="http://schemas.openxmlformats.org/drawingml/2006/chart" xmlns:dgm="http://schemas.openxmlformats.org/drawingml/2006/diagram" xmlns:o="urn:schemas-microsoft-com:office:office" xmlns:v="urn:schemas-microsoft-com:vml" xmlns:pvml="urn:schemas-microsoft-com:office:powerpoint" xmlns:com="http://schemas.openxmlformats.org/drawingml/2006/compatibility" xmlns:p14="http://schemas.microsoft.com/office/powerpoint/2010/main" xmlns:p15="http://schemas.microsoft.com/office/powerpoint/2012/main" xmlns:ahyp="http://schemas.microsoft.com/office/drawing/2018/hyperlinkcolor" matchingName="Title only" type="titleOnly">
   <p:cSld name="TITLE_ONLY">
     <p:spTree>
       <p:nvGrpSpPr>
-        <p:cNvPr id="1" name="Shape 43"/>
+        <p:cNvPr id="43" name="Shape 43"/>
         <p:cNvGrpSpPr/>
         <p:nvPr/>
       </p:nvGrpSpPr>
@@ -4784,9 +4835,7 @@
       <p:sp>
         <p:nvSpPr>
           <p:cNvPr id="44" name="Google Shape;44;p6"/>
-          <p:cNvSpPr txBox="1">
-            <a:spLocks noGrp="1"/>
-          </p:cNvSpPr>
+          <p:cNvSpPr txBox="1"/>
           <p:nvPr>
             <p:ph type="title"/>
           </p:nvPr>
@@ -4801,7 +4850,7 @@
           </a:prstGeom>
         </p:spPr>
         <p:txBody>
-          <a:bodyPr spcFirstLastPara="1" wrap="square" lIns="91425" tIns="91425" rIns="91425" bIns="91425" anchor="t" anchorCtr="0">
+          <a:bodyPr anchorCtr="0" anchor="t" bIns="91425" lIns="91425" spcFirstLastPara="1" rIns="91425" wrap="square" tIns="91425">
             <a:noAutofit/>
           </a:bodyPr>
           <a:lstStyle>
@@ -4905,19 +4954,15 @@
               <a:defRPr/>
             </a:lvl9pPr>
           </a:lstStyle>
-          <a:p>
-            <a:endParaRPr/>
-          </a:p>
+          <a:p/>
         </p:txBody>
       </p:sp>
       <p:sp>
         <p:nvSpPr>
           <p:cNvPr id="45" name="Google Shape;45;p6"/>
-          <p:cNvSpPr txBox="1">
-            <a:spLocks noGrp="1"/>
-          </p:cNvSpPr>
+          <p:cNvSpPr txBox="1"/>
           <p:nvPr>
-            <p:ph type="sldNum" idx="12"/>
+            <p:ph idx="12" type="sldNum"/>
           </p:nvPr>
         </p:nvSpPr>
         <p:spPr>
@@ -4930,7 +4975,7 @@
           </a:prstGeom>
         </p:spPr>
         <p:txBody>
-          <a:bodyPr spcFirstLastPara="1" wrap="square" lIns="91425" tIns="91425" rIns="91425" bIns="91425" anchor="ctr" anchorCtr="0">
+          <a:bodyPr anchorCtr="0" anchor="ctr" bIns="91425" lIns="91425" spcFirstLastPara="1" rIns="91425" wrap="square" tIns="91425">
             <a:noAutofit/>
           </a:bodyPr>
           <a:lstStyle>
@@ -5008,7 +5053,7 @@
             </a:lvl9pPr>
           </a:lstStyle>
           <a:p>
-            <a:pPr marL="0" lvl="0" indent="0" algn="r" rtl="0">
+            <a:pPr indent="0" lvl="0" marL="0" rtl="0" algn="r">
               <a:spcBef>
                 <a:spcPts val="0"/>
               </a:spcBef>
@@ -5034,11 +5079,11 @@
 </file>
 
 <file path=ppt/slideLayouts/slideLayout6.xml><?xml version="1.0" encoding="utf-8"?>
-<p:sldLayout xmlns:a="http://schemas.openxmlformats.org/drawingml/2006/main" xmlns:r="http://schemas.openxmlformats.org/officeDocument/2006/relationships" xmlns:p="http://schemas.openxmlformats.org/presentationml/2006/main" matchingName="One column text">
+<p:sldLayout xmlns:a="http://schemas.openxmlformats.org/drawingml/2006/main" xmlns:r="http://schemas.openxmlformats.org/officeDocument/2006/relationships" xmlns:mc="http://schemas.openxmlformats.org/markup-compatibility/2006" xmlns:mv="urn:schemas-microsoft-com:mac:vml" xmlns:p="http://schemas.openxmlformats.org/presentationml/2006/main" xmlns:c="http://schemas.openxmlformats.org/drawingml/2006/chart" xmlns:dgm="http://schemas.openxmlformats.org/drawingml/2006/diagram" xmlns:o="urn:schemas-microsoft-com:office:office" xmlns:v="urn:schemas-microsoft-com:vml" xmlns:pvml="urn:schemas-microsoft-com:office:powerpoint" xmlns:com="http://schemas.openxmlformats.org/drawingml/2006/compatibility" xmlns:p14="http://schemas.microsoft.com/office/powerpoint/2010/main" xmlns:p15="http://schemas.microsoft.com/office/powerpoint/2012/main" xmlns:ahyp="http://schemas.microsoft.com/office/drawing/2018/hyperlinkcolor" matchingName="One column text">
   <p:cSld name="ONE_COLUMN_TEXT">
     <p:spTree>
       <p:nvGrpSpPr>
-        <p:cNvPr id="1" name="Shape 46"/>
+        <p:cNvPr id="46" name="Shape 46"/>
         <p:cNvGrpSpPr/>
         <p:nvPr/>
       </p:nvGrpSpPr>
@@ -5053,9 +5098,7 @@
       <p:sp>
         <p:nvSpPr>
           <p:cNvPr id="47" name="Google Shape;47;p7"/>
-          <p:cNvSpPr txBox="1">
-            <a:spLocks noGrp="1"/>
-          </p:cNvSpPr>
+          <p:cNvSpPr txBox="1"/>
           <p:nvPr>
             <p:ph type="title"/>
           </p:nvPr>
@@ -5070,7 +5113,7 @@
           </a:prstGeom>
         </p:spPr>
         <p:txBody>
-          <a:bodyPr spcFirstLastPara="1" wrap="square" lIns="91425" tIns="91425" rIns="91425" bIns="91425" anchor="b" anchorCtr="0">
+          <a:bodyPr anchorCtr="0" anchor="b" bIns="91425" lIns="91425" spcFirstLastPara="1" rIns="91425" wrap="square" tIns="91425">
             <a:noAutofit/>
           </a:bodyPr>
           <a:lstStyle>
@@ -5174,19 +5217,15 @@
               <a:defRPr sz="2400"/>
             </a:lvl9pPr>
           </a:lstStyle>
-          <a:p>
-            <a:endParaRPr/>
-          </a:p>
+          <a:p/>
         </p:txBody>
       </p:sp>
       <p:sp>
         <p:nvSpPr>
           <p:cNvPr id="48" name="Google Shape;48;p7"/>
-          <p:cNvSpPr txBox="1">
-            <a:spLocks noGrp="1"/>
-          </p:cNvSpPr>
+          <p:cNvSpPr txBox="1"/>
           <p:nvPr>
-            <p:ph type="body" idx="1"/>
+            <p:ph idx="1" type="body"/>
           </p:nvPr>
         </p:nvSpPr>
         <p:spPr>
@@ -5199,11 +5238,11 @@
           </a:prstGeom>
         </p:spPr>
         <p:txBody>
-          <a:bodyPr spcFirstLastPara="1" wrap="square" lIns="91425" tIns="91425" rIns="91425" bIns="91425" anchor="t" anchorCtr="0">
+          <a:bodyPr anchorCtr="0" anchor="t" bIns="91425" lIns="91425" spcFirstLastPara="1" rIns="91425" wrap="square" tIns="91425">
             <a:noAutofit/>
           </a:bodyPr>
           <a:lstStyle>
-            <a:lvl1pPr marL="457200" lvl="0" indent="-304800">
+            <a:lvl1pPr indent="-304800" lvl="0" marL="457200">
               <a:spcBef>
                 <a:spcPts val="0"/>
               </a:spcBef>
@@ -5214,7 +5253,7 @@
               <a:buChar char="●"/>
               <a:defRPr sz="1200"/>
             </a:lvl1pPr>
-            <a:lvl2pPr marL="914400" lvl="1" indent="-304800">
+            <a:lvl2pPr indent="-304800" lvl="1" marL="914400">
               <a:spcBef>
                 <a:spcPts val="1600"/>
               </a:spcBef>
@@ -5225,7 +5264,7 @@
               <a:buChar char="○"/>
               <a:defRPr sz="1200"/>
             </a:lvl2pPr>
-            <a:lvl3pPr marL="1371600" lvl="2" indent="-304800">
+            <a:lvl3pPr indent="-304800" lvl="2" marL="1371600">
               <a:spcBef>
                 <a:spcPts val="1600"/>
               </a:spcBef>
@@ -5236,7 +5275,7 @@
               <a:buChar char="■"/>
               <a:defRPr sz="1200"/>
             </a:lvl3pPr>
-            <a:lvl4pPr marL="1828800" lvl="3" indent="-304800">
+            <a:lvl4pPr indent="-304800" lvl="3" marL="1828800">
               <a:spcBef>
                 <a:spcPts val="1600"/>
               </a:spcBef>
@@ -5247,7 +5286,7 @@
               <a:buChar char="●"/>
               <a:defRPr sz="1200"/>
             </a:lvl4pPr>
-            <a:lvl5pPr marL="2286000" lvl="4" indent="-304800">
+            <a:lvl5pPr indent="-304800" lvl="4" marL="2286000">
               <a:spcBef>
                 <a:spcPts val="1600"/>
               </a:spcBef>
@@ -5258,7 +5297,7 @@
               <a:buChar char="○"/>
               <a:defRPr sz="1200"/>
             </a:lvl5pPr>
-            <a:lvl6pPr marL="2743200" lvl="5" indent="-304800">
+            <a:lvl6pPr indent="-304800" lvl="5" marL="2743200">
               <a:spcBef>
                 <a:spcPts val="1600"/>
               </a:spcBef>
@@ -5269,7 +5308,7 @@
               <a:buChar char="■"/>
               <a:defRPr sz="1200"/>
             </a:lvl6pPr>
-            <a:lvl7pPr marL="3200400" lvl="6" indent="-304800">
+            <a:lvl7pPr indent="-304800" lvl="6" marL="3200400">
               <a:spcBef>
                 <a:spcPts val="1600"/>
               </a:spcBef>
@@ -5280,7 +5319,7 @@
               <a:buChar char="●"/>
               <a:defRPr sz="1200"/>
             </a:lvl7pPr>
-            <a:lvl8pPr marL="3657600" lvl="7" indent="-304800">
+            <a:lvl8pPr indent="-304800" lvl="7" marL="3657600">
               <a:spcBef>
                 <a:spcPts val="1600"/>
               </a:spcBef>
@@ -5291,7 +5330,7 @@
               <a:buChar char="○"/>
               <a:defRPr sz="1200"/>
             </a:lvl8pPr>
-            <a:lvl9pPr marL="4114800" lvl="8" indent="-304800">
+            <a:lvl9pPr indent="-304800" lvl="8" marL="4114800">
               <a:spcBef>
                 <a:spcPts val="1600"/>
               </a:spcBef>
@@ -5303,19 +5342,15 @@
               <a:defRPr sz="1200"/>
             </a:lvl9pPr>
           </a:lstStyle>
-          <a:p>
-            <a:endParaRPr/>
-          </a:p>
+          <a:p/>
         </p:txBody>
       </p:sp>
       <p:sp>
         <p:nvSpPr>
           <p:cNvPr id="49" name="Google Shape;49;p7"/>
-          <p:cNvSpPr txBox="1">
-            <a:spLocks noGrp="1"/>
-          </p:cNvSpPr>
+          <p:cNvSpPr txBox="1"/>
           <p:nvPr>
-            <p:ph type="sldNum" idx="12"/>
+            <p:ph idx="12" type="sldNum"/>
           </p:nvPr>
         </p:nvSpPr>
         <p:spPr>
@@ -5328,7 +5363,7 @@
           </a:prstGeom>
         </p:spPr>
         <p:txBody>
-          <a:bodyPr spcFirstLastPara="1" wrap="square" lIns="91425" tIns="91425" rIns="91425" bIns="91425" anchor="ctr" anchorCtr="0">
+          <a:bodyPr anchorCtr="0" anchor="ctr" bIns="91425" lIns="91425" spcFirstLastPara="1" rIns="91425" wrap="square" tIns="91425">
             <a:noAutofit/>
           </a:bodyPr>
           <a:lstStyle>
@@ -5406,7 +5441,7 @@
             </a:lvl9pPr>
           </a:lstStyle>
           <a:p>
-            <a:pPr marL="0" lvl="0" indent="0" algn="r" rtl="0">
+            <a:pPr indent="0" lvl="0" marL="0" rtl="0" algn="r">
               <a:spcBef>
                 <a:spcPts val="0"/>
               </a:spcBef>
@@ -5432,19 +5467,18 @@
 </file>
 
 <file path=ppt/slideLayouts/slideLayout7.xml><?xml version="1.0" encoding="utf-8"?>
-<p:sldLayout xmlns:a="http://schemas.openxmlformats.org/drawingml/2006/main" xmlns:r="http://schemas.openxmlformats.org/officeDocument/2006/relationships" xmlns:p="http://schemas.openxmlformats.org/presentationml/2006/main" matchingName="Main point">
+<p:sldLayout xmlns:a="http://schemas.openxmlformats.org/drawingml/2006/main" xmlns:r="http://schemas.openxmlformats.org/officeDocument/2006/relationships" xmlns:mc="http://schemas.openxmlformats.org/markup-compatibility/2006" xmlns:mv="urn:schemas-microsoft-com:mac:vml" xmlns:p="http://schemas.openxmlformats.org/presentationml/2006/main" xmlns:c="http://schemas.openxmlformats.org/drawingml/2006/chart" xmlns:dgm="http://schemas.openxmlformats.org/drawingml/2006/diagram" xmlns:o="urn:schemas-microsoft-com:office:office" xmlns:v="urn:schemas-microsoft-com:vml" xmlns:pvml="urn:schemas-microsoft-com:office:powerpoint" xmlns:com="http://schemas.openxmlformats.org/drawingml/2006/compatibility" xmlns:p14="http://schemas.microsoft.com/office/powerpoint/2010/main" xmlns:p15="http://schemas.microsoft.com/office/powerpoint/2012/main" xmlns:ahyp="http://schemas.microsoft.com/office/drawing/2018/hyperlinkcolor" matchingName="Main point">
   <p:cSld name="MAIN_POINT">
     <p:bg>
       <p:bgPr>
         <a:solidFill>
           <a:schemeClr val="accent4"/>
         </a:solidFill>
-        <a:effectLst/>
       </p:bgPr>
     </p:bg>
     <p:spTree>
       <p:nvGrpSpPr>
-        <p:cNvPr id="1" name="Shape 50"/>
+        <p:cNvPr id="50" name="Shape 50"/>
         <p:cNvGrpSpPr/>
         <p:nvPr/>
       </p:nvGrpSpPr>
@@ -5492,12 +5526,12 @@
             </a:ln>
           </p:spPr>
           <p:txBody>
-            <a:bodyPr spcFirstLastPara="1" wrap="square" lIns="91425" tIns="91425" rIns="91425" bIns="91425" anchor="ctr" anchorCtr="0">
+            <a:bodyPr anchorCtr="0" anchor="ctr" bIns="91425" lIns="91425" spcFirstLastPara="1" rIns="91425" wrap="square" tIns="91425">
               <a:noAutofit/>
             </a:bodyPr>
             <a:lstStyle/>
             <a:p>
-              <a:pPr marL="0" lvl="0" indent="0" algn="l" rtl="0">
+              <a:pPr indent="0" lvl="0" marL="0" rtl="0" algn="l">
                 <a:spcBef>
                   <a:spcPts val="0"/>
                 </a:spcBef>
@@ -5506,6 +5540,9 @@
                 </a:spcAft>
                 <a:buNone/>
               </a:pPr>
+              <a:r>
+                <a:t/>
+              </a:r>
               <a:endParaRPr/>
             </a:p>
           </p:txBody>
@@ -5532,12 +5569,12 @@
             </a:ln>
           </p:spPr>
           <p:txBody>
-            <a:bodyPr spcFirstLastPara="1" wrap="square" lIns="91425" tIns="91425" rIns="91425" bIns="91425" anchor="ctr" anchorCtr="0">
+            <a:bodyPr anchorCtr="0" anchor="ctr" bIns="91425" lIns="91425" spcFirstLastPara="1" rIns="91425" wrap="square" tIns="91425">
               <a:noAutofit/>
             </a:bodyPr>
             <a:lstStyle/>
             <a:p>
-              <a:pPr marL="0" lvl="0" indent="0" algn="l" rtl="0">
+              <a:pPr indent="0" lvl="0" marL="0" rtl="0" algn="l">
                 <a:spcBef>
                   <a:spcPts val="0"/>
                 </a:spcBef>
@@ -5546,6 +5583,9 @@
                 </a:spcAft>
                 <a:buNone/>
               </a:pPr>
+              <a:r>
+                <a:t/>
+              </a:r>
               <a:endParaRPr/>
             </a:p>
           </p:txBody>
@@ -5557,7 +5597,7 @@
             <p:nvPr/>
           </p:nvSpPr>
           <p:spPr>
-            <a:xfrm rot="10800000" flipH="1">
+            <a:xfrm flipH="1" rot="10800000">
               <a:off x="7113588" y="107"/>
               <a:ext cx="1015200" cy="1015200"/>
             </a:xfrm>
@@ -5572,12 +5612,12 @@
             </a:ln>
           </p:spPr>
           <p:txBody>
-            <a:bodyPr spcFirstLastPara="1" wrap="square" lIns="91425" tIns="91425" rIns="91425" bIns="91425" anchor="ctr" anchorCtr="0">
+            <a:bodyPr anchorCtr="0" anchor="ctr" bIns="91425" lIns="91425" spcFirstLastPara="1" rIns="91425" wrap="square" tIns="91425">
               <a:noAutofit/>
             </a:bodyPr>
             <a:lstStyle/>
             <a:p>
-              <a:pPr marL="0" lvl="0" indent="0" algn="l" rtl="0">
+              <a:pPr indent="0" lvl="0" marL="0" rtl="0" algn="l">
                 <a:spcBef>
                   <a:spcPts val="0"/>
                 </a:spcBef>
@@ -5586,6 +5626,9 @@
                 </a:spcAft>
                 <a:buNone/>
               </a:pPr>
+              <a:r>
+                <a:t/>
+              </a:r>
               <a:endParaRPr/>
             </a:p>
           </p:txBody>
@@ -5612,12 +5655,12 @@
             </a:ln>
           </p:spPr>
           <p:txBody>
-            <a:bodyPr spcFirstLastPara="1" wrap="square" lIns="91425" tIns="91425" rIns="91425" bIns="91425" anchor="ctr" anchorCtr="0">
+            <a:bodyPr anchorCtr="0" anchor="ctr" bIns="91425" lIns="91425" spcFirstLastPara="1" rIns="91425" wrap="square" tIns="91425">
               <a:noAutofit/>
             </a:bodyPr>
             <a:lstStyle/>
             <a:p>
-              <a:pPr marL="0" lvl="0" indent="0" algn="l" rtl="0">
+              <a:pPr indent="0" lvl="0" marL="0" rtl="0" algn="l">
                 <a:spcBef>
                   <a:spcPts val="0"/>
                 </a:spcBef>
@@ -5626,6 +5669,9 @@
                 </a:spcAft>
                 <a:buNone/>
               </a:pPr>
+              <a:r>
+                <a:t/>
+              </a:r>
               <a:endParaRPr/>
             </a:p>
           </p:txBody>
@@ -5652,12 +5698,12 @@
             </a:ln>
           </p:spPr>
           <p:txBody>
-            <a:bodyPr spcFirstLastPara="1" wrap="square" lIns="91425" tIns="91425" rIns="91425" bIns="91425" anchor="ctr" anchorCtr="0">
+            <a:bodyPr anchorCtr="0" anchor="ctr" bIns="91425" lIns="91425" spcFirstLastPara="1" rIns="91425" wrap="square" tIns="91425">
               <a:noAutofit/>
             </a:bodyPr>
             <a:lstStyle/>
             <a:p>
-              <a:pPr marL="0" lvl="0" indent="0" algn="l" rtl="0">
+              <a:pPr indent="0" lvl="0" marL="0" rtl="0" algn="l">
                 <a:spcBef>
                   <a:spcPts val="0"/>
                 </a:spcBef>
@@ -5666,6 +5712,9 @@
                 </a:spcAft>
                 <a:buNone/>
               </a:pPr>
+              <a:r>
+                <a:t/>
+              </a:r>
               <a:endParaRPr/>
             </a:p>
           </p:txBody>
@@ -5674,9 +5723,7 @@
       <p:sp>
         <p:nvSpPr>
           <p:cNvPr id="57" name="Google Shape;57;p8"/>
-          <p:cNvSpPr txBox="1">
-            <a:spLocks noGrp="1"/>
-          </p:cNvSpPr>
+          <p:cNvSpPr txBox="1"/>
           <p:nvPr>
             <p:ph type="title"/>
           </p:nvPr>
@@ -5691,7 +5738,7 @@
           </a:prstGeom>
         </p:spPr>
         <p:txBody>
-          <a:bodyPr spcFirstLastPara="1" wrap="square" lIns="91425" tIns="91425" rIns="91425" bIns="91425" anchor="ctr" anchorCtr="0">
+          <a:bodyPr anchorCtr="0" anchor="ctr" bIns="91425" lIns="91425" spcFirstLastPara="1" rIns="91425" wrap="square" tIns="91425">
             <a:noAutofit/>
           </a:bodyPr>
           <a:lstStyle>
@@ -5858,19 +5905,15 @@
               </a:defRPr>
             </a:lvl9pPr>
           </a:lstStyle>
-          <a:p>
-            <a:endParaRPr/>
-          </a:p>
+          <a:p/>
         </p:txBody>
       </p:sp>
       <p:sp>
         <p:nvSpPr>
           <p:cNvPr id="58" name="Google Shape;58;p8"/>
-          <p:cNvSpPr txBox="1">
-            <a:spLocks noGrp="1"/>
-          </p:cNvSpPr>
+          <p:cNvSpPr txBox="1"/>
           <p:nvPr>
-            <p:ph type="sldNum" idx="12"/>
+            <p:ph idx="12" type="sldNum"/>
           </p:nvPr>
         </p:nvSpPr>
         <p:spPr>
@@ -5883,7 +5926,7 @@
           </a:prstGeom>
         </p:spPr>
         <p:txBody>
-          <a:bodyPr spcFirstLastPara="1" wrap="square" lIns="91425" tIns="91425" rIns="91425" bIns="91425" anchor="ctr" anchorCtr="0">
+          <a:bodyPr anchorCtr="0" anchor="ctr" bIns="91425" lIns="91425" spcFirstLastPara="1" rIns="91425" wrap="square" tIns="91425">
             <a:noAutofit/>
           </a:bodyPr>
           <a:lstStyle>
@@ -5925,7 +5968,7 @@
             </a:lvl9pPr>
           </a:lstStyle>
           <a:p>
-            <a:pPr marL="0" lvl="0" indent="0" algn="r" rtl="0">
+            <a:pPr indent="0" lvl="0" marL="0" rtl="0" algn="r">
               <a:spcBef>
                 <a:spcPts val="0"/>
               </a:spcBef>
@@ -5951,11 +5994,11 @@
 </file>
 
 <file path=ppt/slideLayouts/slideLayout8.xml><?xml version="1.0" encoding="utf-8"?>
-<p:sldLayout xmlns:a="http://schemas.openxmlformats.org/drawingml/2006/main" xmlns:r="http://schemas.openxmlformats.org/officeDocument/2006/relationships" xmlns:p="http://schemas.openxmlformats.org/presentationml/2006/main" matchingName="Section title and description">
+<p:sldLayout xmlns:a="http://schemas.openxmlformats.org/drawingml/2006/main" xmlns:r="http://schemas.openxmlformats.org/officeDocument/2006/relationships" xmlns:mc="http://schemas.openxmlformats.org/markup-compatibility/2006" xmlns:mv="urn:schemas-microsoft-com:mac:vml" xmlns:p="http://schemas.openxmlformats.org/presentationml/2006/main" xmlns:c="http://schemas.openxmlformats.org/drawingml/2006/chart" xmlns:dgm="http://schemas.openxmlformats.org/drawingml/2006/diagram" xmlns:o="urn:schemas-microsoft-com:office:office" xmlns:v="urn:schemas-microsoft-com:vml" xmlns:pvml="urn:schemas-microsoft-com:office:powerpoint" xmlns:com="http://schemas.openxmlformats.org/drawingml/2006/compatibility" xmlns:p14="http://schemas.microsoft.com/office/powerpoint/2010/main" xmlns:p15="http://schemas.microsoft.com/office/powerpoint/2012/main" xmlns:ahyp="http://schemas.microsoft.com/office/drawing/2018/hyperlinkcolor" matchingName="Section title and description">
   <p:cSld name="SECTION_TITLE_AND_DESCRIPTION">
     <p:spTree>
       <p:nvGrpSpPr>
-        <p:cNvPr id="1" name="Shape 59"/>
+        <p:cNvPr id="59" name="Shape 59"/>
         <p:cNvGrpSpPr/>
         <p:nvPr/>
       </p:nvGrpSpPr>
@@ -5989,12 +6032,12 @@
           </a:ln>
         </p:spPr>
         <p:txBody>
-          <a:bodyPr spcFirstLastPara="1" wrap="square" lIns="91425" tIns="91425" rIns="91425" bIns="91425" anchor="ctr" anchorCtr="0">
+          <a:bodyPr anchorCtr="0" anchor="ctr" bIns="91425" lIns="91425" spcFirstLastPara="1" rIns="91425" wrap="square" tIns="91425">
             <a:noAutofit/>
           </a:bodyPr>
           <a:lstStyle/>
           <a:p>
-            <a:pPr marL="0" lvl="0" indent="0" algn="l" rtl="0">
+            <a:pPr indent="0" lvl="0" marL="0" rtl="0" algn="l">
               <a:spcBef>
                 <a:spcPts val="0"/>
               </a:spcBef>
@@ -6003,6 +6046,9 @@
               </a:spcAft>
               <a:buNone/>
             </a:pPr>
+            <a:r>
+              <a:t/>
+            </a:r>
             <a:endParaRPr/>
           </a:p>
         </p:txBody>
@@ -6022,23 +6068,21 @@
             <a:avLst/>
           </a:prstGeom>
           <a:noFill/>
-          <a:ln w="19050" cap="flat" cmpd="sng">
+          <a:ln cap="flat" cmpd="sng" w="19050">
             <a:solidFill>
               <a:schemeClr val="lt1"/>
             </a:solidFill>
             <a:prstDash val="solid"/>
             <a:round/>
-            <a:headEnd type="none" w="sm" len="sm"/>
-            <a:tailEnd type="none" w="sm" len="sm"/>
+            <a:headEnd len="sm" w="sm" type="none"/>
+            <a:tailEnd len="sm" w="sm" type="none"/>
           </a:ln>
         </p:spPr>
       </p:cxnSp>
       <p:sp>
         <p:nvSpPr>
           <p:cNvPr id="62" name="Google Shape;62;p9"/>
-          <p:cNvSpPr txBox="1">
-            <a:spLocks noGrp="1"/>
-          </p:cNvSpPr>
+          <p:cNvSpPr txBox="1"/>
           <p:nvPr>
             <p:ph type="title"/>
           </p:nvPr>
@@ -6053,7 +6097,7 @@
           </a:prstGeom>
         </p:spPr>
         <p:txBody>
-          <a:bodyPr spcFirstLastPara="1" wrap="square" lIns="91425" tIns="91425" rIns="91425" bIns="91425" anchor="b" anchorCtr="0">
+          <a:bodyPr anchorCtr="0" anchor="b" bIns="91425" lIns="91425" spcFirstLastPara="1" rIns="91425" wrap="square" tIns="91425">
             <a:noAutofit/>
           </a:bodyPr>
           <a:lstStyle>
@@ -6157,19 +6201,15 @@
               <a:defRPr sz="4200"/>
             </a:lvl9pPr>
           </a:lstStyle>
-          <a:p>
-            <a:endParaRPr/>
-          </a:p>
+          <a:p/>
         </p:txBody>
       </p:sp>
       <p:sp>
         <p:nvSpPr>
           <p:cNvPr id="63" name="Google Shape;63;p9"/>
-          <p:cNvSpPr txBox="1">
-            <a:spLocks noGrp="1"/>
-          </p:cNvSpPr>
+          <p:cNvSpPr txBox="1"/>
           <p:nvPr>
-            <p:ph type="subTitle" idx="1"/>
+            <p:ph idx="1" type="subTitle"/>
           </p:nvPr>
         </p:nvSpPr>
         <p:spPr>
@@ -6182,7 +6222,7 @@
           </a:prstGeom>
         </p:spPr>
         <p:txBody>
-          <a:bodyPr spcFirstLastPara="1" wrap="square" lIns="91425" tIns="91425" rIns="91425" bIns="91425" anchor="t" anchorCtr="0">
+          <a:bodyPr anchorCtr="0" anchor="t" bIns="91425" lIns="91425" spcFirstLastPara="1" rIns="91425" wrap="square" tIns="91425">
             <a:noAutofit/>
           </a:bodyPr>
           <a:lstStyle>
@@ -6313,19 +6353,15 @@
               <a:defRPr sz="2100"/>
             </a:lvl9pPr>
           </a:lstStyle>
-          <a:p>
-            <a:endParaRPr/>
-          </a:p>
+          <a:p/>
         </p:txBody>
       </p:sp>
       <p:sp>
         <p:nvSpPr>
           <p:cNvPr id="64" name="Google Shape;64;p9"/>
-          <p:cNvSpPr txBox="1">
-            <a:spLocks noGrp="1"/>
-          </p:cNvSpPr>
+          <p:cNvSpPr txBox="1"/>
           <p:nvPr>
-            <p:ph type="body" idx="2"/>
+            <p:ph idx="2" type="body"/>
           </p:nvPr>
         </p:nvSpPr>
         <p:spPr>
@@ -6338,11 +6374,11 @@
           </a:prstGeom>
         </p:spPr>
         <p:txBody>
-          <a:bodyPr spcFirstLastPara="1" wrap="square" lIns="91425" tIns="91425" rIns="91425" bIns="91425" anchor="ctr" anchorCtr="0">
+          <a:bodyPr anchorCtr="0" anchor="ctr" bIns="91425" lIns="91425" spcFirstLastPara="1" rIns="91425" wrap="square" tIns="91425">
             <a:noAutofit/>
           </a:bodyPr>
           <a:lstStyle>
-            <a:lvl1pPr marL="457200" lvl="0" indent="-342900">
+            <a:lvl1pPr indent="-342900" lvl="0" marL="457200">
               <a:spcBef>
                 <a:spcPts val="0"/>
               </a:spcBef>
@@ -6360,7 +6396,7 @@
                 </a:solidFill>
               </a:defRPr>
             </a:lvl1pPr>
-            <a:lvl2pPr marL="914400" lvl="1" indent="-317500">
+            <a:lvl2pPr indent="-317500" lvl="1" marL="914400">
               <a:spcBef>
                 <a:spcPts val="1600"/>
               </a:spcBef>
@@ -6378,7 +6414,7 @@
                 </a:solidFill>
               </a:defRPr>
             </a:lvl2pPr>
-            <a:lvl3pPr marL="1371600" lvl="2" indent="-317500">
+            <a:lvl3pPr indent="-317500" lvl="2" marL="1371600">
               <a:spcBef>
                 <a:spcPts val="1600"/>
               </a:spcBef>
@@ -6396,7 +6432,7 @@
                 </a:solidFill>
               </a:defRPr>
             </a:lvl3pPr>
-            <a:lvl4pPr marL="1828800" lvl="3" indent="-317500">
+            <a:lvl4pPr indent="-317500" lvl="3" marL="1828800">
               <a:spcBef>
                 <a:spcPts val="1600"/>
               </a:spcBef>
@@ -6414,7 +6450,7 @@
                 </a:solidFill>
               </a:defRPr>
             </a:lvl4pPr>
-            <a:lvl5pPr marL="2286000" lvl="4" indent="-317500">
+            <a:lvl5pPr indent="-317500" lvl="4" marL="2286000">
               <a:spcBef>
                 <a:spcPts val="1600"/>
               </a:spcBef>
@@ -6432,7 +6468,7 @@
                 </a:solidFill>
               </a:defRPr>
             </a:lvl5pPr>
-            <a:lvl6pPr marL="2743200" lvl="5" indent="-317500">
+            <a:lvl6pPr indent="-317500" lvl="5" marL="2743200">
               <a:spcBef>
                 <a:spcPts val="1600"/>
               </a:spcBef>
@@ -6450,7 +6486,7 @@
                 </a:solidFill>
               </a:defRPr>
             </a:lvl6pPr>
-            <a:lvl7pPr marL="3200400" lvl="6" indent="-317500">
+            <a:lvl7pPr indent="-317500" lvl="6" marL="3200400">
               <a:spcBef>
                 <a:spcPts val="1600"/>
               </a:spcBef>
@@ -6468,7 +6504,7 @@
                 </a:solidFill>
               </a:defRPr>
             </a:lvl7pPr>
-            <a:lvl8pPr marL="3657600" lvl="7" indent="-317500">
+            <a:lvl8pPr indent="-317500" lvl="7" marL="3657600">
               <a:spcBef>
                 <a:spcPts val="1600"/>
               </a:spcBef>
@@ -6486,7 +6522,7 @@
                 </a:solidFill>
               </a:defRPr>
             </a:lvl8pPr>
-            <a:lvl9pPr marL="4114800" lvl="8" indent="-317500">
+            <a:lvl9pPr indent="-317500" lvl="8" marL="4114800">
               <a:spcBef>
                 <a:spcPts val="1600"/>
               </a:spcBef>
@@ -6505,19 +6541,15 @@
               </a:defRPr>
             </a:lvl9pPr>
           </a:lstStyle>
-          <a:p>
-            <a:endParaRPr/>
-          </a:p>
+          <a:p/>
         </p:txBody>
       </p:sp>
       <p:sp>
         <p:nvSpPr>
           <p:cNvPr id="65" name="Google Shape;65;p9"/>
-          <p:cNvSpPr txBox="1">
-            <a:spLocks noGrp="1"/>
-          </p:cNvSpPr>
+          <p:cNvSpPr txBox="1"/>
           <p:nvPr>
-            <p:ph type="sldNum" idx="12"/>
+            <p:ph idx="12" type="sldNum"/>
           </p:nvPr>
         </p:nvSpPr>
         <p:spPr>
@@ -6530,7 +6562,7 @@
           </a:prstGeom>
         </p:spPr>
         <p:txBody>
-          <a:bodyPr spcFirstLastPara="1" wrap="square" lIns="91425" tIns="91425" rIns="91425" bIns="91425" anchor="ctr" anchorCtr="0">
+          <a:bodyPr anchorCtr="0" anchor="ctr" bIns="91425" lIns="91425" spcFirstLastPara="1" rIns="91425" wrap="square" tIns="91425">
             <a:noAutofit/>
           </a:bodyPr>
           <a:lstStyle>
@@ -6572,7 +6604,7 @@
             </a:lvl9pPr>
           </a:lstStyle>
           <a:p>
-            <a:pPr marL="0" lvl="0" indent="0" algn="r" rtl="0">
+            <a:pPr indent="0" lvl="0" marL="0" rtl="0" algn="r">
               <a:spcBef>
                 <a:spcPts val="0"/>
               </a:spcBef>
@@ -6598,11 +6630,11 @@
 </file>
 
 <file path=ppt/slideLayouts/slideLayout9.xml><?xml version="1.0" encoding="utf-8"?>
-<p:sldLayout xmlns:a="http://schemas.openxmlformats.org/drawingml/2006/main" xmlns:r="http://schemas.openxmlformats.org/officeDocument/2006/relationships" xmlns:p="http://schemas.openxmlformats.org/presentationml/2006/main" matchingName="Caption">
+<p:sldLayout xmlns:a="http://schemas.openxmlformats.org/drawingml/2006/main" xmlns:r="http://schemas.openxmlformats.org/officeDocument/2006/relationships" xmlns:mc="http://schemas.openxmlformats.org/markup-compatibility/2006" xmlns:mv="urn:schemas-microsoft-com:mac:vml" xmlns:p="http://schemas.openxmlformats.org/presentationml/2006/main" xmlns:c="http://schemas.openxmlformats.org/drawingml/2006/chart" xmlns:dgm="http://schemas.openxmlformats.org/drawingml/2006/diagram" xmlns:o="urn:schemas-microsoft-com:office:office" xmlns:v="urn:schemas-microsoft-com:vml" xmlns:pvml="urn:schemas-microsoft-com:office:powerpoint" xmlns:com="http://schemas.openxmlformats.org/drawingml/2006/compatibility" xmlns:p14="http://schemas.microsoft.com/office/powerpoint/2010/main" xmlns:p15="http://schemas.microsoft.com/office/powerpoint/2012/main" xmlns:ahyp="http://schemas.microsoft.com/office/drawing/2018/hyperlinkcolor" matchingName="Caption">
   <p:cSld name="CAPTION_ONLY">
     <p:spTree>
       <p:nvGrpSpPr>
-        <p:cNvPr id="1" name="Shape 66"/>
+        <p:cNvPr id="66" name="Shape 66"/>
         <p:cNvGrpSpPr/>
         <p:nvPr/>
       </p:nvGrpSpPr>
@@ -6617,11 +6649,9 @@
       <p:sp>
         <p:nvSpPr>
           <p:cNvPr id="67" name="Google Shape;67;p10"/>
-          <p:cNvSpPr txBox="1">
-            <a:spLocks noGrp="1"/>
-          </p:cNvSpPr>
+          <p:cNvSpPr txBox="1"/>
           <p:nvPr>
-            <p:ph type="body" idx="1"/>
+            <p:ph idx="1" type="body"/>
           </p:nvPr>
         </p:nvSpPr>
         <p:spPr>
@@ -6634,11 +6664,11 @@
           </a:prstGeom>
         </p:spPr>
         <p:txBody>
-          <a:bodyPr spcFirstLastPara="1" wrap="square" lIns="91425" tIns="91425" rIns="91425" bIns="91425" anchor="ctr" anchorCtr="0">
+          <a:bodyPr anchorCtr="0" anchor="ctr" bIns="91425" lIns="91425" spcFirstLastPara="1" rIns="91425" wrap="square" tIns="91425">
             <a:noAutofit/>
           </a:bodyPr>
           <a:lstStyle>
-            <a:lvl1pPr marL="457200" lvl="0" indent="-228600">
+            <a:lvl1pPr indent="-228600" lvl="0" marL="457200">
               <a:lnSpc>
                 <a:spcPct val="100000"/>
               </a:lnSpc>
@@ -6653,19 +6683,15 @@
               <a:defRPr/>
             </a:lvl1pPr>
           </a:lstStyle>
-          <a:p>
-            <a:endParaRPr/>
-          </a:p>
+          <a:p/>
         </p:txBody>
       </p:sp>
       <p:sp>
         <p:nvSpPr>
           <p:cNvPr id="68" name="Google Shape;68;p10"/>
-          <p:cNvSpPr txBox="1">
-            <a:spLocks noGrp="1"/>
-          </p:cNvSpPr>
+          <p:cNvSpPr txBox="1"/>
           <p:nvPr>
-            <p:ph type="sldNum" idx="12"/>
+            <p:ph idx="12" type="sldNum"/>
           </p:nvPr>
         </p:nvSpPr>
         <p:spPr>
@@ -6678,7 +6704,7 @@
           </a:prstGeom>
         </p:spPr>
         <p:txBody>
-          <a:bodyPr spcFirstLastPara="1" wrap="square" lIns="91425" tIns="91425" rIns="91425" bIns="91425" anchor="ctr" anchorCtr="0">
+          <a:bodyPr anchorCtr="0" anchor="ctr" bIns="91425" lIns="91425" spcFirstLastPara="1" rIns="91425" wrap="square" tIns="91425">
             <a:noAutofit/>
           </a:bodyPr>
           <a:lstStyle>
@@ -6756,7 +6782,7 @@
             </a:lvl9pPr>
           </a:lstStyle>
           <a:p>
-            <a:pPr marL="0" lvl="0" indent="0" algn="r" rtl="0">
+            <a:pPr indent="0" lvl="0" marL="0" rtl="0" algn="r">
               <a:spcBef>
                 <a:spcPts val="0"/>
               </a:spcBef>
@@ -6782,19 +6808,18 @@
 </file>
 
 <file path=ppt/slideMasters/slideMaster1.xml><?xml version="1.0" encoding="utf-8"?>
-<p:sldMaster xmlns:a="http://schemas.openxmlformats.org/drawingml/2006/main" xmlns:r="http://schemas.openxmlformats.org/officeDocument/2006/relationships" xmlns:p="http://schemas.openxmlformats.org/presentationml/2006/main">
+<p:sldMaster xmlns:a="http://schemas.openxmlformats.org/drawingml/2006/main" xmlns:r="http://schemas.openxmlformats.org/officeDocument/2006/relationships" xmlns:mc="http://schemas.openxmlformats.org/markup-compatibility/2006" xmlns:mv="urn:schemas-microsoft-com:mac:vml" xmlns:p="http://schemas.openxmlformats.org/presentationml/2006/main" xmlns:c="http://schemas.openxmlformats.org/drawingml/2006/chart" xmlns:dgm="http://schemas.openxmlformats.org/drawingml/2006/diagram" xmlns:o="urn:schemas-microsoft-com:office:office" xmlns:v="urn:schemas-microsoft-com:vml" xmlns:pvml="urn:schemas-microsoft-com:office:powerpoint" xmlns:com="http://schemas.openxmlformats.org/drawingml/2006/compatibility" xmlns:p14="http://schemas.microsoft.com/office/powerpoint/2010/main" xmlns:p15="http://schemas.microsoft.com/office/powerpoint/2012/main" xmlns:ahyp="http://schemas.microsoft.com/office/drawing/2018/hyperlinkcolor">
   <p:cSld name="geometric">
     <p:bg>
       <p:bgPr>
         <a:solidFill>
           <a:schemeClr val="lt1"/>
         </a:solidFill>
-        <a:effectLst/>
       </p:bgPr>
     </p:bg>
     <p:spTree>
       <p:nvGrpSpPr>
-        <p:cNvPr id="1" name="Shape 5"/>
+        <p:cNvPr id="5" name="Shape 5"/>
         <p:cNvGrpSpPr/>
         <p:nvPr/>
       </p:nvGrpSpPr>
@@ -6809,9 +6834,7 @@
       <p:sp>
         <p:nvSpPr>
           <p:cNvPr id="6" name="Google Shape;6;p1"/>
-          <p:cNvSpPr txBox="1">
-            <a:spLocks noGrp="1"/>
-          </p:cNvSpPr>
+          <p:cNvSpPr txBox="1"/>
           <p:nvPr>
             <p:ph type="title"/>
           </p:nvPr>
@@ -6830,7 +6853,7 @@
           </a:ln>
         </p:spPr>
         <p:txBody>
-          <a:bodyPr spcFirstLastPara="1" wrap="square" lIns="91425" tIns="91425" rIns="91425" bIns="91425" anchor="t" anchorCtr="0">
+          <a:bodyPr anchorCtr="0" anchor="t" bIns="91425" lIns="91425" spcFirstLastPara="1" rIns="91425" wrap="square" tIns="91425">
             <a:noAutofit/>
           </a:bodyPr>
           <a:lstStyle>
@@ -7042,19 +7065,15 @@
               </a:defRPr>
             </a:lvl9pPr>
           </a:lstStyle>
-          <a:p>
-            <a:endParaRPr/>
-          </a:p>
+          <a:p/>
         </p:txBody>
       </p:sp>
       <p:sp>
         <p:nvSpPr>
           <p:cNvPr id="7" name="Google Shape;7;p1"/>
-          <p:cNvSpPr txBox="1">
-            <a:spLocks noGrp="1"/>
-          </p:cNvSpPr>
+          <p:cNvSpPr txBox="1"/>
           <p:nvPr>
-            <p:ph type="body" idx="1"/>
+            <p:ph idx="1" type="body"/>
           </p:nvPr>
         </p:nvSpPr>
         <p:spPr>
@@ -7071,11 +7090,11 @@
           </a:ln>
         </p:spPr>
         <p:txBody>
-          <a:bodyPr spcFirstLastPara="1" wrap="square" lIns="91425" tIns="91425" rIns="91425" bIns="91425" anchor="t" anchorCtr="0">
+          <a:bodyPr anchorCtr="0" anchor="t" bIns="91425" lIns="91425" spcFirstLastPara="1" rIns="91425" wrap="square" tIns="91425">
             <a:noAutofit/>
           </a:bodyPr>
           <a:lstStyle>
-            <a:lvl1pPr marL="457200" lvl="0" indent="-342900">
+            <a:lvl1pPr indent="-342900" lvl="0" marL="457200">
               <a:lnSpc>
                 <a:spcPct val="115000"/>
               </a:lnSpc>
@@ -7101,7 +7120,7 @@
                 <a:sym typeface="Roboto"/>
               </a:defRPr>
             </a:lvl1pPr>
-            <a:lvl2pPr marL="914400" lvl="1" indent="-317500">
+            <a:lvl2pPr indent="-317500" lvl="1" marL="914400">
               <a:lnSpc>
                 <a:spcPct val="115000"/>
               </a:lnSpc>
@@ -7127,7 +7146,7 @@
                 <a:sym typeface="Roboto"/>
               </a:defRPr>
             </a:lvl2pPr>
-            <a:lvl3pPr marL="1371600" lvl="2" indent="-317500">
+            <a:lvl3pPr indent="-317500" lvl="2" marL="1371600">
               <a:lnSpc>
                 <a:spcPct val="115000"/>
               </a:lnSpc>
@@ -7153,7 +7172,7 @@
                 <a:sym typeface="Roboto"/>
               </a:defRPr>
             </a:lvl3pPr>
-            <a:lvl4pPr marL="1828800" lvl="3" indent="-317500">
+            <a:lvl4pPr indent="-317500" lvl="3" marL="1828800">
               <a:lnSpc>
                 <a:spcPct val="115000"/>
               </a:lnSpc>
@@ -7179,7 +7198,7 @@
                 <a:sym typeface="Roboto"/>
               </a:defRPr>
             </a:lvl4pPr>
-            <a:lvl5pPr marL="2286000" lvl="4" indent="-317500">
+            <a:lvl5pPr indent="-317500" lvl="4" marL="2286000">
               <a:lnSpc>
                 <a:spcPct val="115000"/>
               </a:lnSpc>
@@ -7205,7 +7224,7 @@
                 <a:sym typeface="Roboto"/>
               </a:defRPr>
             </a:lvl5pPr>
-            <a:lvl6pPr marL="2743200" lvl="5" indent="-317500">
+            <a:lvl6pPr indent="-317500" lvl="5" marL="2743200">
               <a:lnSpc>
                 <a:spcPct val="115000"/>
               </a:lnSpc>
@@ -7231,7 +7250,7 @@
                 <a:sym typeface="Roboto"/>
               </a:defRPr>
             </a:lvl6pPr>
-            <a:lvl7pPr marL="3200400" lvl="6" indent="-317500">
+            <a:lvl7pPr indent="-317500" lvl="6" marL="3200400">
               <a:lnSpc>
                 <a:spcPct val="115000"/>
               </a:lnSpc>
@@ -7257,7 +7276,7 @@
                 <a:sym typeface="Roboto"/>
               </a:defRPr>
             </a:lvl7pPr>
-            <a:lvl8pPr marL="3657600" lvl="7" indent="-317500">
+            <a:lvl8pPr indent="-317500" lvl="7" marL="3657600">
               <a:lnSpc>
                 <a:spcPct val="115000"/>
               </a:lnSpc>
@@ -7283,7 +7302,7 @@
                 <a:sym typeface="Roboto"/>
               </a:defRPr>
             </a:lvl8pPr>
-            <a:lvl9pPr marL="4114800" lvl="8" indent="-317500">
+            <a:lvl9pPr indent="-317500" lvl="8" marL="4114800">
               <a:lnSpc>
                 <a:spcPct val="115000"/>
               </a:lnSpc>
@@ -7310,19 +7329,15 @@
               </a:defRPr>
             </a:lvl9pPr>
           </a:lstStyle>
-          <a:p>
-            <a:endParaRPr/>
-          </a:p>
+          <a:p/>
         </p:txBody>
       </p:sp>
       <p:sp>
         <p:nvSpPr>
           <p:cNvPr id="8" name="Google Shape;8;p1"/>
-          <p:cNvSpPr txBox="1">
-            <a:spLocks noGrp="1"/>
-          </p:cNvSpPr>
+          <p:cNvSpPr txBox="1"/>
           <p:nvPr>
-            <p:ph type="sldNum" idx="12"/>
+            <p:ph idx="12" type="sldNum"/>
           </p:nvPr>
         </p:nvSpPr>
         <p:spPr>
@@ -7339,7 +7354,7 @@
           </a:ln>
         </p:spPr>
         <p:txBody>
-          <a:bodyPr spcFirstLastPara="1" wrap="square" lIns="91425" tIns="91425" rIns="91425" bIns="91425" anchor="ctr" anchorCtr="0">
+          <a:bodyPr anchorCtr="0" anchor="ctr" bIns="91425" lIns="91425" spcFirstLastPara="1" rIns="91425" wrap="square" tIns="91425">
             <a:noAutofit/>
           </a:bodyPr>
           <a:lstStyle>
@@ -7453,7 +7468,7 @@
             </a:lvl9pPr>
           </a:lstStyle>
           <a:p>
-            <a:pPr marL="0" lvl="0" indent="0" algn="r" rtl="0">
+            <a:pPr indent="0" lvl="0" marL="0" rtl="0" algn="r">
               <a:spcBef>
                 <a:spcPts val="0"/>
               </a:spcBef>
@@ -7472,7 +7487,7 @@
       </p:sp>
     </p:spTree>
   </p:cSld>
-  <p:clrMap bg1="lt1" tx1="dk1" bg2="dk2" tx2="lt2" accent1="accent1" accent2="accent2" accent3="accent3" accent4="accent4" accent5="accent5" accent6="accent6" hlink="hlink" folHlink="folHlink"/>
+  <p:clrMap accent1="accent1" accent2="accent2" accent3="accent3" accent4="accent4" accent5="accent5" accent6="accent6" bg1="lt1" bg2="dk2" tx1="dk1" tx2="lt2" folHlink="folHlink" hlink="hlink"/>
   <p:sldLayoutIdLst>
     <p:sldLayoutId id="2147483648" r:id="rId1"/>
     <p:sldLayoutId id="2147483649" r:id="rId2"/>
@@ -7486,10 +7501,10 @@
     <p:sldLayoutId id="2147483657" r:id="rId10"/>
     <p:sldLayoutId id="2147483658" r:id="rId11"/>
   </p:sldLayoutIdLst>
-  <p:hf sldNum="0" hdr="0" ftr="0" dt="0"/>
+  <p:hf dt="0" ftr="0" hdr="0" sldNum="0"/>
   <p:txStyles>
     <p:titleStyle>
-      <a:defPPr marR="0" lvl="0" algn="l" rtl="0">
+      <a:defPPr lvl="0" marR="0" rtl="0" algn="l">
         <a:lnSpc>
           <a:spcPct val="100000"/>
         </a:lnSpc>
@@ -7500,7 +7515,7 @@
           <a:spcPts val="0"/>
         </a:spcAft>
       </a:defPPr>
-      <a:lvl1pPr marR="0" lvl="0" algn="l" rtl="0">
+      <a:lvl1pPr lvl="0" marR="0" rtl="0" algn="l">
         <a:lnSpc>
           <a:spcPct val="100000"/>
         </a:lnSpc>
@@ -7514,7 +7529,7 @@
           <a:srgbClr val="000000"/>
         </a:buClr>
         <a:buFont typeface="Arial"/>
-        <a:defRPr sz="1400" b="0" i="0" u="none" strike="noStrike" cap="none">
+        <a:defRPr b="0" i="0" sz="1400" u="none" cap="none" strike="noStrike">
           <a:solidFill>
             <a:srgbClr val="000000"/>
           </a:solidFill>
@@ -7524,7 +7539,7 @@
           <a:sym typeface="Arial"/>
         </a:defRPr>
       </a:lvl1pPr>
-      <a:lvl2pPr marR="0" lvl="1" algn="l" rtl="0">
+      <a:lvl2pPr lvl="1" marR="0" rtl="0" algn="l">
         <a:lnSpc>
           <a:spcPct val="100000"/>
         </a:lnSpc>
@@ -7538,7 +7553,7 @@
           <a:srgbClr val="000000"/>
         </a:buClr>
         <a:buFont typeface="Arial"/>
-        <a:defRPr sz="1400" b="0" i="0" u="none" strike="noStrike" cap="none">
+        <a:defRPr b="0" i="0" sz="1400" u="none" cap="none" strike="noStrike">
           <a:solidFill>
             <a:srgbClr val="000000"/>
           </a:solidFill>
@@ -7548,7 +7563,7 @@
           <a:sym typeface="Arial"/>
         </a:defRPr>
       </a:lvl2pPr>
-      <a:lvl3pPr marR="0" lvl="2" algn="l" rtl="0">
+      <a:lvl3pPr lvl="2" marR="0" rtl="0" algn="l">
         <a:lnSpc>
           <a:spcPct val="100000"/>
         </a:lnSpc>
@@ -7562,7 +7577,7 @@
           <a:srgbClr val="000000"/>
         </a:buClr>
         <a:buFont typeface="Arial"/>
-        <a:defRPr sz="1400" b="0" i="0" u="none" strike="noStrike" cap="none">
+        <a:defRPr b="0" i="0" sz="1400" u="none" cap="none" strike="noStrike">
           <a:solidFill>
             <a:srgbClr val="000000"/>
           </a:solidFill>
@@ -7572,7 +7587,7 @@
           <a:sym typeface="Arial"/>
         </a:defRPr>
       </a:lvl3pPr>
-      <a:lvl4pPr marR="0" lvl="3" algn="l" rtl="0">
+      <a:lvl4pPr lvl="3" marR="0" rtl="0" algn="l">
         <a:lnSpc>
           <a:spcPct val="100000"/>
         </a:lnSpc>
@@ -7586,7 +7601,7 @@
           <a:srgbClr val="000000"/>
         </a:buClr>
         <a:buFont typeface="Arial"/>
-        <a:defRPr sz="1400" b="0" i="0" u="none" strike="noStrike" cap="none">
+        <a:defRPr b="0" i="0" sz="1400" u="none" cap="none" strike="noStrike">
           <a:solidFill>
             <a:srgbClr val="000000"/>
           </a:solidFill>
@@ -7596,7 +7611,7 @@
           <a:sym typeface="Arial"/>
         </a:defRPr>
       </a:lvl4pPr>
-      <a:lvl5pPr marR="0" lvl="4" algn="l" rtl="0">
+      <a:lvl5pPr lvl="4" marR="0" rtl="0" algn="l">
         <a:lnSpc>
           <a:spcPct val="100000"/>
         </a:lnSpc>
@@ -7610,7 +7625,7 @@
           <a:srgbClr val="000000"/>
         </a:buClr>
         <a:buFont typeface="Arial"/>
-        <a:defRPr sz="1400" b="0" i="0" u="none" strike="noStrike" cap="none">
+        <a:defRPr b="0" i="0" sz="1400" u="none" cap="none" strike="noStrike">
           <a:solidFill>
             <a:srgbClr val="000000"/>
           </a:solidFill>
@@ -7620,7 +7635,7 @@
           <a:sym typeface="Arial"/>
         </a:defRPr>
       </a:lvl5pPr>
-      <a:lvl6pPr marR="0" lvl="5" algn="l" rtl="0">
+      <a:lvl6pPr lvl="5" marR="0" rtl="0" algn="l">
         <a:lnSpc>
           <a:spcPct val="100000"/>
         </a:lnSpc>
@@ -7634,7 +7649,7 @@
           <a:srgbClr val="000000"/>
         </a:buClr>
         <a:buFont typeface="Arial"/>
-        <a:defRPr sz="1400" b="0" i="0" u="none" strike="noStrike" cap="none">
+        <a:defRPr b="0" i="0" sz="1400" u="none" cap="none" strike="noStrike">
           <a:solidFill>
             <a:srgbClr val="000000"/>
           </a:solidFill>
@@ -7644,7 +7659,7 @@
           <a:sym typeface="Arial"/>
         </a:defRPr>
       </a:lvl6pPr>
-      <a:lvl7pPr marR="0" lvl="6" algn="l" rtl="0">
+      <a:lvl7pPr lvl="6" marR="0" rtl="0" algn="l">
         <a:lnSpc>
           <a:spcPct val="100000"/>
         </a:lnSpc>
@@ -7658,7 +7673,7 @@
           <a:srgbClr val="000000"/>
         </a:buClr>
         <a:buFont typeface="Arial"/>
-        <a:defRPr sz="1400" b="0" i="0" u="none" strike="noStrike" cap="none">
+        <a:defRPr b="0" i="0" sz="1400" u="none" cap="none" strike="noStrike">
           <a:solidFill>
             <a:srgbClr val="000000"/>
           </a:solidFill>
@@ -7668,7 +7683,7 @@
           <a:sym typeface="Arial"/>
         </a:defRPr>
       </a:lvl7pPr>
-      <a:lvl8pPr marR="0" lvl="7" algn="l" rtl="0">
+      <a:lvl8pPr lvl="7" marR="0" rtl="0" algn="l">
         <a:lnSpc>
           <a:spcPct val="100000"/>
         </a:lnSpc>
@@ -7682,7 +7697,7 @@
           <a:srgbClr val="000000"/>
         </a:buClr>
         <a:buFont typeface="Arial"/>
-        <a:defRPr sz="1400" b="0" i="0" u="none" strike="noStrike" cap="none">
+        <a:defRPr b="0" i="0" sz="1400" u="none" cap="none" strike="noStrike">
           <a:solidFill>
             <a:srgbClr val="000000"/>
           </a:solidFill>
@@ -7692,7 +7707,7 @@
           <a:sym typeface="Arial"/>
         </a:defRPr>
       </a:lvl8pPr>
-      <a:lvl9pPr marR="0" lvl="8" algn="l" rtl="0">
+      <a:lvl9pPr lvl="8" marR="0" rtl="0" algn="l">
         <a:lnSpc>
           <a:spcPct val="100000"/>
         </a:lnSpc>
@@ -7706,7 +7721,7 @@
           <a:srgbClr val="000000"/>
         </a:buClr>
         <a:buFont typeface="Arial"/>
-        <a:defRPr sz="1400" b="0" i="0" u="none" strike="noStrike" cap="none">
+        <a:defRPr b="0" i="0" sz="1400" u="none" cap="none" strike="noStrike">
           <a:solidFill>
             <a:srgbClr val="000000"/>
           </a:solidFill>
@@ -7718,7 +7733,7 @@
       </a:lvl9pPr>
     </p:titleStyle>
     <p:bodyStyle>
-      <a:defPPr marR="0" lvl="0" algn="l" rtl="0">
+      <a:defPPr lvl="0" marR="0" rtl="0" algn="l">
         <a:lnSpc>
           <a:spcPct val="100000"/>
         </a:lnSpc>
@@ -7729,7 +7744,7 @@
           <a:spcPts val="0"/>
         </a:spcAft>
       </a:defPPr>
-      <a:lvl1pPr marR="0" lvl="0" algn="l" rtl="0">
+      <a:lvl1pPr lvl="0" marR="0" rtl="0" algn="l">
         <a:lnSpc>
           <a:spcPct val="100000"/>
         </a:lnSpc>
@@ -7743,7 +7758,7 @@
           <a:srgbClr val="000000"/>
         </a:buClr>
         <a:buFont typeface="Arial"/>
-        <a:defRPr sz="1400" b="0" i="0" u="none" strike="noStrike" cap="none">
+        <a:defRPr b="0" i="0" sz="1400" u="none" cap="none" strike="noStrike">
           <a:solidFill>
             <a:srgbClr val="000000"/>
           </a:solidFill>
@@ -7753,7 +7768,7 @@
           <a:sym typeface="Arial"/>
         </a:defRPr>
       </a:lvl1pPr>
-      <a:lvl2pPr marR="0" lvl="1" algn="l" rtl="0">
+      <a:lvl2pPr lvl="1" marR="0" rtl="0" algn="l">
         <a:lnSpc>
           <a:spcPct val="100000"/>
         </a:lnSpc>
@@ -7767,7 +7782,7 @@
           <a:srgbClr val="000000"/>
         </a:buClr>
         <a:buFont typeface="Arial"/>
-        <a:defRPr sz="1400" b="0" i="0" u="none" strike="noStrike" cap="none">
+        <a:defRPr b="0" i="0" sz="1400" u="none" cap="none" strike="noStrike">
           <a:solidFill>
             <a:srgbClr val="000000"/>
           </a:solidFill>
@@ -7777,7 +7792,7 @@
           <a:sym typeface="Arial"/>
         </a:defRPr>
       </a:lvl2pPr>
-      <a:lvl3pPr marR="0" lvl="2" algn="l" rtl="0">
+      <a:lvl3pPr lvl="2" marR="0" rtl="0" algn="l">
         <a:lnSpc>
           <a:spcPct val="100000"/>
         </a:lnSpc>
@@ -7791,7 +7806,7 @@
           <a:srgbClr val="000000"/>
         </a:buClr>
         <a:buFont typeface="Arial"/>
-        <a:defRPr sz="1400" b="0" i="0" u="none" strike="noStrike" cap="none">
+        <a:defRPr b="0" i="0" sz="1400" u="none" cap="none" strike="noStrike">
           <a:solidFill>
             <a:srgbClr val="000000"/>
           </a:solidFill>
@@ -7801,7 +7816,7 @@
           <a:sym typeface="Arial"/>
         </a:defRPr>
       </a:lvl3pPr>
-      <a:lvl4pPr marR="0" lvl="3" algn="l" rtl="0">
+      <a:lvl4pPr lvl="3" marR="0" rtl="0" algn="l">
         <a:lnSpc>
           <a:spcPct val="100000"/>
         </a:lnSpc>
@@ -7815,7 +7830,7 @@
           <a:srgbClr val="000000"/>
         </a:buClr>
         <a:buFont typeface="Arial"/>
-        <a:defRPr sz="1400" b="0" i="0" u="none" strike="noStrike" cap="none">
+        <a:defRPr b="0" i="0" sz="1400" u="none" cap="none" strike="noStrike">
           <a:solidFill>
             <a:srgbClr val="000000"/>
           </a:solidFill>
@@ -7825,7 +7840,7 @@
           <a:sym typeface="Arial"/>
         </a:defRPr>
       </a:lvl4pPr>
-      <a:lvl5pPr marR="0" lvl="4" algn="l" rtl="0">
+      <a:lvl5pPr lvl="4" marR="0" rtl="0" algn="l">
         <a:lnSpc>
           <a:spcPct val="100000"/>
         </a:lnSpc>
@@ -7839,7 +7854,7 @@
           <a:srgbClr val="000000"/>
         </a:buClr>
         <a:buFont typeface="Arial"/>
-        <a:defRPr sz="1400" b="0" i="0" u="none" strike="noStrike" cap="none">
+        <a:defRPr b="0" i="0" sz="1400" u="none" cap="none" strike="noStrike">
           <a:solidFill>
             <a:srgbClr val="000000"/>
           </a:solidFill>
@@ -7849,7 +7864,7 @@
           <a:sym typeface="Arial"/>
         </a:defRPr>
       </a:lvl5pPr>
-      <a:lvl6pPr marR="0" lvl="5" algn="l" rtl="0">
+      <a:lvl6pPr lvl="5" marR="0" rtl="0" algn="l">
         <a:lnSpc>
           <a:spcPct val="100000"/>
         </a:lnSpc>
@@ -7863,7 +7878,7 @@
           <a:srgbClr val="000000"/>
         </a:buClr>
         <a:buFont typeface="Arial"/>
-        <a:defRPr sz="1400" b="0" i="0" u="none" strike="noStrike" cap="none">
+        <a:defRPr b="0" i="0" sz="1400" u="none" cap="none" strike="noStrike">
           <a:solidFill>
             <a:srgbClr val="000000"/>
           </a:solidFill>
@@ -7873,7 +7888,7 @@
           <a:sym typeface="Arial"/>
         </a:defRPr>
       </a:lvl6pPr>
-      <a:lvl7pPr marR="0" lvl="6" algn="l" rtl="0">
+      <a:lvl7pPr lvl="6" marR="0" rtl="0" algn="l">
         <a:lnSpc>
           <a:spcPct val="100000"/>
         </a:lnSpc>
@@ -7887,7 +7902,7 @@
           <a:srgbClr val="000000"/>
         </a:buClr>
         <a:buFont typeface="Arial"/>
-        <a:defRPr sz="1400" b="0" i="0" u="none" strike="noStrike" cap="none">
+        <a:defRPr b="0" i="0" sz="1400" u="none" cap="none" strike="noStrike">
           <a:solidFill>
             <a:srgbClr val="000000"/>
           </a:solidFill>
@@ -7897,7 +7912,7 @@
           <a:sym typeface="Arial"/>
         </a:defRPr>
       </a:lvl7pPr>
-      <a:lvl8pPr marR="0" lvl="7" algn="l" rtl="0">
+      <a:lvl8pPr lvl="7" marR="0" rtl="0" algn="l">
         <a:lnSpc>
           <a:spcPct val="100000"/>
         </a:lnSpc>
@@ -7911,7 +7926,7 @@
           <a:srgbClr val="000000"/>
         </a:buClr>
         <a:buFont typeface="Arial"/>
-        <a:defRPr sz="1400" b="0" i="0" u="none" strike="noStrike" cap="none">
+        <a:defRPr b="0" i="0" sz="1400" u="none" cap="none" strike="noStrike">
           <a:solidFill>
             <a:srgbClr val="000000"/>
           </a:solidFill>
@@ -7921,7 +7936,7 @@
           <a:sym typeface="Arial"/>
         </a:defRPr>
       </a:lvl8pPr>
-      <a:lvl9pPr marR="0" lvl="8" algn="l" rtl="0">
+      <a:lvl9pPr lvl="8" marR="0" rtl="0" algn="l">
         <a:lnSpc>
           <a:spcPct val="100000"/>
         </a:lnSpc>
@@ -7935,7 +7950,7 @@
           <a:srgbClr val="000000"/>
         </a:buClr>
         <a:buFont typeface="Arial"/>
-        <a:defRPr sz="1400" b="0" i="0" u="none" strike="noStrike" cap="none">
+        <a:defRPr b="0" i="0" sz="1400" u="none" cap="none" strike="noStrike">
           <a:solidFill>
             <a:srgbClr val="000000"/>
           </a:solidFill>
@@ -7947,7 +7962,7 @@
       </a:lvl9pPr>
     </p:bodyStyle>
     <p:otherStyle>
-      <a:defPPr marR="0" lvl="0" algn="l" rtl="0">
+      <a:defPPr lvl="0" marR="0" rtl="0" algn="l">
         <a:lnSpc>
           <a:spcPct val="100000"/>
         </a:lnSpc>
@@ -7958,7 +7973,7 @@
           <a:spcPts val="0"/>
         </a:spcAft>
       </a:defPPr>
-      <a:lvl1pPr marR="0" lvl="0" algn="l" rtl="0">
+      <a:lvl1pPr lvl="0" marR="0" rtl="0" algn="l">
         <a:lnSpc>
           <a:spcPct val="100000"/>
         </a:lnSpc>
@@ -7972,7 +7987,7 @@
           <a:srgbClr val="000000"/>
         </a:buClr>
         <a:buFont typeface="Arial"/>
-        <a:defRPr sz="1400" b="0" i="0" u="none" strike="noStrike" cap="none">
+        <a:defRPr b="0" i="0" sz="1400" u="none" cap="none" strike="noStrike">
           <a:solidFill>
             <a:srgbClr val="000000"/>
           </a:solidFill>
@@ -7982,7 +7997,7 @@
           <a:sym typeface="Arial"/>
         </a:defRPr>
       </a:lvl1pPr>
-      <a:lvl2pPr marR="0" lvl="1" algn="l" rtl="0">
+      <a:lvl2pPr lvl="1" marR="0" rtl="0" algn="l">
         <a:lnSpc>
           <a:spcPct val="100000"/>
         </a:lnSpc>
@@ -7996,7 +8011,7 @@
           <a:srgbClr val="000000"/>
         </a:buClr>
         <a:buFont typeface="Arial"/>
-        <a:defRPr sz="1400" b="0" i="0" u="none" strike="noStrike" cap="none">
+        <a:defRPr b="0" i="0" sz="1400" u="none" cap="none" strike="noStrike">
           <a:solidFill>
             <a:srgbClr val="000000"/>
           </a:solidFill>
@@ -8006,7 +8021,7 @@
           <a:sym typeface="Arial"/>
         </a:defRPr>
       </a:lvl2pPr>
-      <a:lvl3pPr marR="0" lvl="2" algn="l" rtl="0">
+      <a:lvl3pPr lvl="2" marR="0" rtl="0" algn="l">
         <a:lnSpc>
           <a:spcPct val="100000"/>
         </a:lnSpc>
@@ -8020,7 +8035,7 @@
           <a:srgbClr val="000000"/>
         </a:buClr>
         <a:buFont typeface="Arial"/>
-        <a:defRPr sz="1400" b="0" i="0" u="none" strike="noStrike" cap="none">
+        <a:defRPr b="0" i="0" sz="1400" u="none" cap="none" strike="noStrike">
           <a:solidFill>
             <a:srgbClr val="000000"/>
           </a:solidFill>
@@ -8030,7 +8045,7 @@
           <a:sym typeface="Arial"/>
         </a:defRPr>
       </a:lvl3pPr>
-      <a:lvl4pPr marR="0" lvl="3" algn="l" rtl="0">
+      <a:lvl4pPr lvl="3" marR="0" rtl="0" algn="l">
         <a:lnSpc>
           <a:spcPct val="100000"/>
         </a:lnSpc>
@@ -8044,7 +8059,7 @@
           <a:srgbClr val="000000"/>
         </a:buClr>
         <a:buFont typeface="Arial"/>
-        <a:defRPr sz="1400" b="0" i="0" u="none" strike="noStrike" cap="none">
+        <a:defRPr b="0" i="0" sz="1400" u="none" cap="none" strike="noStrike">
           <a:solidFill>
             <a:srgbClr val="000000"/>
           </a:solidFill>
@@ -8054,7 +8069,7 @@
           <a:sym typeface="Arial"/>
         </a:defRPr>
       </a:lvl4pPr>
-      <a:lvl5pPr marR="0" lvl="4" algn="l" rtl="0">
+      <a:lvl5pPr lvl="4" marR="0" rtl="0" algn="l">
         <a:lnSpc>
           <a:spcPct val="100000"/>
         </a:lnSpc>
@@ -8068,7 +8083,7 @@
           <a:srgbClr val="000000"/>
         </a:buClr>
         <a:buFont typeface="Arial"/>
-        <a:defRPr sz="1400" b="0" i="0" u="none" strike="noStrike" cap="none">
+        <a:defRPr b="0" i="0" sz="1400" u="none" cap="none" strike="noStrike">
           <a:solidFill>
             <a:srgbClr val="000000"/>
           </a:solidFill>
@@ -8078,7 +8093,7 @@
           <a:sym typeface="Arial"/>
         </a:defRPr>
       </a:lvl5pPr>
-      <a:lvl6pPr marR="0" lvl="5" algn="l" rtl="0">
+      <a:lvl6pPr lvl="5" marR="0" rtl="0" algn="l">
         <a:lnSpc>
           <a:spcPct val="100000"/>
         </a:lnSpc>
@@ -8092,7 +8107,7 @@
           <a:srgbClr val="000000"/>
         </a:buClr>
         <a:buFont typeface="Arial"/>
-        <a:defRPr sz="1400" b="0" i="0" u="none" strike="noStrike" cap="none">
+        <a:defRPr b="0" i="0" sz="1400" u="none" cap="none" strike="noStrike">
           <a:solidFill>
             <a:srgbClr val="000000"/>
           </a:solidFill>
@@ -8102,7 +8117,7 @@
           <a:sym typeface="Arial"/>
         </a:defRPr>
       </a:lvl6pPr>
-      <a:lvl7pPr marR="0" lvl="6" algn="l" rtl="0">
+      <a:lvl7pPr lvl="6" marR="0" rtl="0" algn="l">
         <a:lnSpc>
           <a:spcPct val="100000"/>
         </a:lnSpc>
@@ -8116,7 +8131,7 @@
           <a:srgbClr val="000000"/>
         </a:buClr>
         <a:buFont typeface="Arial"/>
-        <a:defRPr sz="1400" b="0" i="0" u="none" strike="noStrike" cap="none">
+        <a:defRPr b="0" i="0" sz="1400" u="none" cap="none" strike="noStrike">
           <a:solidFill>
             <a:srgbClr val="000000"/>
           </a:solidFill>
@@ -8126,7 +8141,7 @@
           <a:sym typeface="Arial"/>
         </a:defRPr>
       </a:lvl7pPr>
-      <a:lvl8pPr marR="0" lvl="7" algn="l" rtl="0">
+      <a:lvl8pPr lvl="7" marR="0" rtl="0" algn="l">
         <a:lnSpc>
           <a:spcPct val="100000"/>
         </a:lnSpc>
@@ -8140,7 +8155,7 @@
           <a:srgbClr val="000000"/>
         </a:buClr>
         <a:buFont typeface="Arial"/>
-        <a:defRPr sz="1400" b="0" i="0" u="none" strike="noStrike" cap="none">
+        <a:defRPr b="0" i="0" sz="1400" u="none" cap="none" strike="noStrike">
           <a:solidFill>
             <a:srgbClr val="000000"/>
           </a:solidFill>
@@ -8150,7 +8165,7 @@
           <a:sym typeface="Arial"/>
         </a:defRPr>
       </a:lvl8pPr>
-      <a:lvl9pPr marR="0" lvl="8" algn="l" rtl="0">
+      <a:lvl9pPr lvl="8" marR="0" rtl="0" algn="l">
         <a:lnSpc>
           <a:spcPct val="100000"/>
         </a:lnSpc>
@@ -8164,7 +8179,7 @@
           <a:srgbClr val="000000"/>
         </a:buClr>
         <a:buFont typeface="Arial"/>
-        <a:defRPr sz="1400" b="0" i="0" u="none" strike="noStrike" cap="none">
+        <a:defRPr b="0" i="0" sz="1400" u="none" cap="none" strike="noStrike">
           <a:solidFill>
             <a:srgbClr val="000000"/>
           </a:solidFill>
@@ -8180,11 +8195,11 @@
 </file>
 
 <file path=ppt/slides/slide1.xml><?xml version="1.0" encoding="utf-8"?>
-<p:sld xmlns:a="http://schemas.openxmlformats.org/drawingml/2006/main" xmlns:r="http://schemas.openxmlformats.org/officeDocument/2006/relationships" xmlns:p="http://schemas.openxmlformats.org/presentationml/2006/main">
+<p:sld xmlns:a="http://schemas.openxmlformats.org/drawingml/2006/main" xmlns:r="http://schemas.openxmlformats.org/officeDocument/2006/relationships" xmlns:mc="http://schemas.openxmlformats.org/markup-compatibility/2006" xmlns:mv="urn:schemas-microsoft-com:mac:vml" xmlns:p="http://schemas.openxmlformats.org/presentationml/2006/main" xmlns:c="http://schemas.openxmlformats.org/drawingml/2006/chart" xmlns:dgm="http://schemas.openxmlformats.org/drawingml/2006/diagram" xmlns:o="urn:schemas-microsoft-com:office:office" xmlns:v="urn:schemas-microsoft-com:vml" xmlns:pvml="urn:schemas-microsoft-com:office:powerpoint" xmlns:com="http://schemas.openxmlformats.org/drawingml/2006/compatibility" xmlns:p14="http://schemas.microsoft.com/office/powerpoint/2010/main" xmlns:p15="http://schemas.microsoft.com/office/powerpoint/2012/main" xmlns:ahyp="http://schemas.microsoft.com/office/drawing/2018/hyperlinkcolor">
   <p:cSld>
     <p:spTree>
       <p:nvGrpSpPr>
-        <p:cNvPr id="1" name="Shape 84"/>
+        <p:cNvPr id="84" name="Shape 84"/>
         <p:cNvGrpSpPr/>
         <p:nvPr/>
       </p:nvGrpSpPr>
@@ -8199,9 +8214,7 @@
       <p:sp>
         <p:nvSpPr>
           <p:cNvPr id="85" name="Google Shape;85;p13"/>
-          <p:cNvSpPr txBox="1">
-            <a:spLocks noGrp="1"/>
-          </p:cNvSpPr>
+          <p:cNvSpPr txBox="1"/>
           <p:nvPr>
             <p:ph type="ctrTitle"/>
           </p:nvPr>
@@ -8216,12 +8229,12 @@
           </a:prstGeom>
         </p:spPr>
         <p:txBody>
-          <a:bodyPr spcFirstLastPara="1" wrap="square" lIns="91425" tIns="91425" rIns="91425" bIns="91425" anchor="b" anchorCtr="0">
+          <a:bodyPr anchorCtr="0" anchor="b" bIns="91425" lIns="91425" spcFirstLastPara="1" rIns="91425" wrap="square" tIns="91425">
             <a:noAutofit/>
           </a:bodyPr>
           <a:lstStyle/>
           <a:p>
-            <a:pPr marL="0" lvl="0" indent="0" algn="ctr" rtl="0">
+            <a:pPr indent="0" lvl="0" marL="0" rtl="0" algn="ctr">
               <a:spcBef>
                 <a:spcPts val="0"/>
               </a:spcBef>
@@ -8236,7 +8249,7 @@
               <a:buNone/>
             </a:pPr>
             <a:r>
-              <a:rPr lang="en" sz="4000" b="1">
+              <a:rPr b="1" lang="en" sz="4000">
                 <a:latin typeface="Liberation Serif"/>
                 <a:ea typeface="Liberation Serif"/>
                 <a:cs typeface="Liberation Serif"/>
@@ -8251,11 +8264,9 @@
       <p:sp>
         <p:nvSpPr>
           <p:cNvPr id="86" name="Google Shape;86;p13"/>
-          <p:cNvSpPr txBox="1">
-            <a:spLocks noGrp="1"/>
-          </p:cNvSpPr>
+          <p:cNvSpPr txBox="1"/>
           <p:nvPr>
-            <p:ph type="subTitle" idx="1"/>
+            <p:ph idx="1" type="subTitle"/>
           </p:nvPr>
         </p:nvSpPr>
         <p:spPr>
@@ -8268,12 +8279,12 @@
           </a:prstGeom>
         </p:spPr>
         <p:txBody>
-          <a:bodyPr spcFirstLastPara="1" wrap="square" lIns="91425" tIns="91425" rIns="91425" bIns="91425" anchor="t" anchorCtr="0">
+          <a:bodyPr anchorCtr="0" anchor="t" bIns="91425" lIns="91425" spcFirstLastPara="1" rIns="91425" wrap="square" tIns="91425">
             <a:noAutofit/>
           </a:bodyPr>
           <a:lstStyle/>
           <a:p>
-            <a:pPr marL="0" lvl="0" indent="0" algn="l" rtl="0">
+            <a:pPr indent="0" lvl="0" marL="0" rtl="0" algn="l">
               <a:spcBef>
                 <a:spcPts val="0"/>
               </a:spcBef>
@@ -8327,11 +8338,11 @@
 </file>
 
 <file path=ppt/slides/slide2.xml><?xml version="1.0" encoding="utf-8"?>
-<p:sld xmlns:a="http://schemas.openxmlformats.org/drawingml/2006/main" xmlns:r="http://schemas.openxmlformats.org/officeDocument/2006/relationships" xmlns:p="http://schemas.openxmlformats.org/presentationml/2006/main">
+<p:sld xmlns:a="http://schemas.openxmlformats.org/drawingml/2006/main" xmlns:r="http://schemas.openxmlformats.org/officeDocument/2006/relationships" xmlns:mc="http://schemas.openxmlformats.org/markup-compatibility/2006" xmlns:mv="urn:schemas-microsoft-com:mac:vml" xmlns:p="http://schemas.openxmlformats.org/presentationml/2006/main" xmlns:c="http://schemas.openxmlformats.org/drawingml/2006/chart" xmlns:dgm="http://schemas.openxmlformats.org/drawingml/2006/diagram" xmlns:o="urn:schemas-microsoft-com:office:office" xmlns:v="urn:schemas-microsoft-com:vml" xmlns:pvml="urn:schemas-microsoft-com:office:powerpoint" xmlns:com="http://schemas.openxmlformats.org/drawingml/2006/compatibility" xmlns:p14="http://schemas.microsoft.com/office/powerpoint/2010/main" xmlns:p15="http://schemas.microsoft.com/office/powerpoint/2012/main" xmlns:ahyp="http://schemas.microsoft.com/office/drawing/2018/hyperlinkcolor">
   <p:cSld>
     <p:spTree>
       <p:nvGrpSpPr>
-        <p:cNvPr id="1" name="Shape 91"/>
+        <p:cNvPr id="91" name="Shape 91"/>
         <p:cNvGrpSpPr/>
         <p:nvPr/>
       </p:nvGrpSpPr>
@@ -8346,9 +8357,7 @@
       <p:sp>
         <p:nvSpPr>
           <p:cNvPr id="92" name="Google Shape;92;p14"/>
-          <p:cNvSpPr txBox="1">
-            <a:spLocks noGrp="1"/>
-          </p:cNvSpPr>
+          <p:cNvSpPr txBox="1"/>
           <p:nvPr>
             <p:ph type="title"/>
           </p:nvPr>
@@ -8363,12 +8372,12 @@
           </a:prstGeom>
         </p:spPr>
         <p:txBody>
-          <a:bodyPr spcFirstLastPara="1" wrap="square" lIns="91425" tIns="91425" rIns="91425" bIns="91425" anchor="t" anchorCtr="0">
+          <a:bodyPr anchorCtr="0" anchor="t" bIns="91425" lIns="91425" spcFirstLastPara="1" rIns="91425" wrap="square" tIns="91425">
             <a:noAutofit/>
           </a:bodyPr>
           <a:lstStyle/>
           <a:p>
-            <a:pPr marL="0" lvl="0" indent="0" algn="ctr" rtl="0">
+            <a:pPr indent="0" lvl="0" marL="0" rtl="0" algn="ctr">
               <a:spcBef>
                 <a:spcPts val="0"/>
               </a:spcBef>
@@ -8378,7 +8387,7 @@
               <a:buNone/>
             </a:pPr>
             <a:r>
-              <a:rPr lang="en" sz="2600" b="1">
+              <a:rPr b="1" lang="en" sz="2600">
                 <a:solidFill>
                   <a:schemeClr val="accent2"/>
                 </a:solidFill>
@@ -8396,7 +8405,7 @@
             </a:endParaRPr>
           </a:p>
           <a:p>
-            <a:pPr marL="0" lvl="0" indent="0" algn="l" rtl="0">
+            <a:pPr indent="0" lvl="0" marL="0" rtl="0" algn="l">
               <a:spcBef>
                 <a:spcPts val="0"/>
               </a:spcBef>
@@ -8405,6 +8414,9 @@
               </a:spcAft>
               <a:buNone/>
             </a:pPr>
+            <a:r>
+              <a:t/>
+            </a:r>
             <a:endParaRPr/>
           </a:p>
         </p:txBody>
@@ -8412,11 +8424,9 @@
       <p:sp>
         <p:nvSpPr>
           <p:cNvPr id="93" name="Google Shape;93;p14"/>
-          <p:cNvSpPr txBox="1">
-            <a:spLocks noGrp="1"/>
-          </p:cNvSpPr>
+          <p:cNvSpPr txBox="1"/>
           <p:nvPr>
-            <p:ph type="body" idx="1"/>
+            <p:ph idx="1" type="body"/>
           </p:nvPr>
         </p:nvSpPr>
         <p:spPr>
@@ -8429,12 +8439,12 @@
           </a:prstGeom>
         </p:spPr>
         <p:txBody>
-          <a:bodyPr spcFirstLastPara="1" wrap="square" lIns="91425" tIns="91425" rIns="91425" bIns="91425" anchor="t" anchorCtr="0">
+          <a:bodyPr anchorCtr="0" anchor="t" bIns="91425" lIns="91425" spcFirstLastPara="1" rIns="91425" wrap="square" tIns="91425">
             <a:noAutofit/>
           </a:bodyPr>
           <a:lstStyle/>
           <a:p>
-            <a:pPr marL="0" lvl="0" indent="0" algn="l" rtl="0">
+            <a:pPr indent="0" lvl="0" marL="0" rtl="0" algn="l">
               <a:spcBef>
                 <a:spcPts val="0"/>
               </a:spcBef>
@@ -8444,21 +8454,21 @@
               <a:buNone/>
             </a:pPr>
             <a:r>
-              <a:rPr lang="en" sz="2200" b="1" u="sng">
+              <a:rPr b="1" lang="en" sz="2200" u="sng">
                 <a:solidFill>
                   <a:srgbClr val="CC0000"/>
                 </a:solidFill>
               </a:rPr>
               <a:t>Database Vulnerabilities = Hackable!</a:t>
             </a:r>
-            <a:endParaRPr sz="2200" b="1" u="sng">
+            <a:endParaRPr b="1" sz="2200" u="sng">
               <a:solidFill>
                 <a:srgbClr val="CC0000"/>
               </a:solidFill>
             </a:endParaRPr>
           </a:p>
           <a:p>
-            <a:pPr marL="0" lvl="0" indent="0" algn="l" rtl="0">
+            <a:pPr indent="0" lvl="0" marL="0" rtl="0" algn="l">
               <a:spcBef>
                 <a:spcPts val="1600"/>
               </a:spcBef>
@@ -8467,10 +8477,13 @@
               </a:spcAft>
               <a:buNone/>
             </a:pPr>
+            <a:r>
+              <a:t/>
+            </a:r>
             <a:endParaRPr/>
           </a:p>
           <a:p>
-            <a:pPr marL="0" lvl="0" indent="0" algn="l" rtl="0">
+            <a:pPr indent="0" lvl="0" marL="0" rtl="0" algn="l">
               <a:spcBef>
                 <a:spcPts val="1600"/>
               </a:spcBef>
@@ -8480,13 +8493,13 @@
               <a:buNone/>
             </a:pPr>
             <a:r>
-              <a:rPr lang="en" sz="2000" b="1"/>
+              <a:rPr b="1" lang="en" sz="2000"/>
               <a:t>How do you define “to hack a database”?</a:t>
             </a:r>
-            <a:endParaRPr sz="2000" b="1"/>
+            <a:endParaRPr b="1" sz="2000"/>
           </a:p>
           <a:p>
-            <a:pPr marL="0" lvl="0" indent="0" algn="l" rtl="0">
+            <a:pPr indent="0" lvl="0" marL="0" rtl="0" algn="l">
               <a:lnSpc>
                 <a:spcPct val="100000"/>
               </a:lnSpc>
@@ -8499,7 +8512,7 @@
               <a:buNone/>
             </a:pPr>
             <a:r>
-              <a:rPr lang="en" sz="1200" b="1">
+              <a:rPr b="1" lang="en" sz="1200">
                 <a:solidFill>
                   <a:srgbClr val="000000"/>
                 </a:solidFill>
@@ -8534,12 +8547,12 @@
           </a:ln>
         </p:spPr>
         <p:txBody>
-          <a:bodyPr spcFirstLastPara="1" wrap="square" lIns="91425" tIns="91425" rIns="91425" bIns="91425" anchor="t" anchorCtr="0">
+          <a:bodyPr anchorCtr="0" anchor="t" bIns="91425" lIns="91425" spcFirstLastPara="1" rIns="91425" wrap="square" tIns="91425">
             <a:noAutofit/>
           </a:bodyPr>
           <a:lstStyle/>
           <a:p>
-            <a:pPr marL="0" lvl="0" indent="0" algn="l" rtl="0">
+            <a:pPr indent="0" lvl="0" marL="0" rtl="0" algn="l">
               <a:spcBef>
                 <a:spcPts val="0"/>
               </a:spcBef>
@@ -8548,6 +8561,9 @@
               </a:spcAft>
               <a:buNone/>
             </a:pPr>
+            <a:r>
+              <a:t/>
+            </a:r>
             <a:endParaRPr>
               <a:latin typeface="Roboto"/>
               <a:ea typeface="Roboto"/>
@@ -8577,12 +8593,12 @@
           </a:ln>
         </p:spPr>
         <p:txBody>
-          <a:bodyPr spcFirstLastPara="1" wrap="square" lIns="91425" tIns="91425" rIns="91425" bIns="91425" anchor="t" anchorCtr="0">
+          <a:bodyPr anchorCtr="0" anchor="t" bIns="91425" lIns="91425" spcFirstLastPara="1" rIns="91425" wrap="square" tIns="91425">
             <a:noAutofit/>
           </a:bodyPr>
           <a:lstStyle/>
           <a:p>
-            <a:pPr marL="0" lvl="0" indent="0" algn="l" rtl="0">
+            <a:pPr indent="0" lvl="0" marL="0" rtl="0" algn="l">
               <a:spcBef>
                 <a:spcPts val="0"/>
               </a:spcBef>
@@ -8620,7 +8636,7 @@
             </a:endParaRPr>
           </a:p>
           <a:p>
-            <a:pPr marL="0" lvl="0" indent="0" algn="l" rtl="0">
+            <a:pPr indent="0" lvl="0" marL="0" rtl="0" algn="l">
               <a:spcBef>
                 <a:spcPts val="0"/>
               </a:spcBef>
@@ -8629,6 +8645,9 @@
               </a:spcAft>
               <a:buNone/>
             </a:pPr>
+            <a:r>
+              <a:t/>
+            </a:r>
             <a:endParaRPr sz="2400">
               <a:latin typeface="Roboto"/>
               <a:ea typeface="Roboto"/>
@@ -8646,32 +8665,32 @@
   <p:timing>
     <p:tnLst>
       <p:par>
-        <p:cTn id="1" dur="indefinite" restart="never" nodeType="tmRoot">
+        <p:cTn dur="indefinite" nodeType="tmRoot" restart="never">
           <p:childTnLst>
             <p:seq concurrent="1" nextAc="seek">
-              <p:cTn id="2" dur="indefinite" nodeType="mainSeq">
+              <p:cTn dur="indefinite" id="2" nodeType="mainSeq">
                 <p:childTnLst>
                   <p:par>
-                    <p:cTn id="3" fill="hold">
+                    <p:cTn fill="hold">
                       <p:stCondLst>
                         <p:cond delay="indefinite"/>
                       </p:stCondLst>
                       <p:childTnLst>
                         <p:par>
-                          <p:cTn id="4" fill="hold">
+                          <p:cTn fill="hold">
                             <p:stCondLst>
                               <p:cond delay="0"/>
                             </p:stCondLst>
                             <p:childTnLst>
                               <p:par>
-                                <p:cTn id="5" presetID="10" presetClass="entr" presetSubtype="0" fill="hold" nodeType="clickEffect">
+                                <p:cTn fill="hold" nodeType="clickEffect" presetClass="entr" presetID="10" presetSubtype="0">
                                   <p:stCondLst>
                                     <p:cond delay="0"/>
                                   </p:stCondLst>
                                   <p:childTnLst>
                                     <p:set>
                                       <p:cBhvr>
-                                        <p:cTn id="6" dur="1" fill="hold">
+                                        <p:cTn dur="1" fill="hold">
                                           <p:stCondLst>
                                             <p:cond delay="0"/>
                                           </p:stCondLst>
@@ -8687,9 +8706,9 @@
                                         <p:strVal val="visible"/>
                                       </p:to>
                                     </p:set>
-                                    <p:animEffect transition="in" filter="fade">
+                                    <p:animEffect filter="fade" transition="in">
                                       <p:cBhvr>
-                                        <p:cTn id="7" dur="1000"/>
+                                        <p:cTn dur="1000"/>
                                         <p:tgtEl>
                                           <p:spTgt spid="95"/>
                                         </p:tgtEl>
@@ -8707,14 +8726,14 @@
                 </p:childTnLst>
               </p:cTn>
               <p:prevCondLst>
-                <p:cond evt="onPrev" delay="0">
+                <p:cond evt="onPrev">
                   <p:tgtEl>
                     <p:sldTgt/>
                   </p:tgtEl>
                 </p:cond>
               </p:prevCondLst>
               <p:nextCondLst>
-                <p:cond evt="onNext" delay="0">
+                <p:cond evt="onNext">
                   <p:tgtEl>
                     <p:sldTgt/>
                   </p:tgtEl>
@@ -8730,11 +8749,11 @@
 </file>
 
 <file path=ppt/slides/slide3.xml><?xml version="1.0" encoding="utf-8"?>
-<p:sld xmlns:a="http://schemas.openxmlformats.org/drawingml/2006/main" xmlns:r="http://schemas.openxmlformats.org/officeDocument/2006/relationships" xmlns:p="http://schemas.openxmlformats.org/presentationml/2006/main">
+<p:sld xmlns:a="http://schemas.openxmlformats.org/drawingml/2006/main" xmlns:r="http://schemas.openxmlformats.org/officeDocument/2006/relationships" xmlns:mc="http://schemas.openxmlformats.org/markup-compatibility/2006" xmlns:mv="urn:schemas-microsoft-com:mac:vml" xmlns:p="http://schemas.openxmlformats.org/presentationml/2006/main" xmlns:c="http://schemas.openxmlformats.org/drawingml/2006/chart" xmlns:dgm="http://schemas.openxmlformats.org/drawingml/2006/diagram" xmlns:o="urn:schemas-microsoft-com:office:office" xmlns:v="urn:schemas-microsoft-com:vml" xmlns:pvml="urn:schemas-microsoft-com:office:powerpoint" xmlns:com="http://schemas.openxmlformats.org/drawingml/2006/compatibility" xmlns:p14="http://schemas.microsoft.com/office/powerpoint/2010/main" xmlns:p15="http://schemas.microsoft.com/office/powerpoint/2012/main" xmlns:ahyp="http://schemas.microsoft.com/office/drawing/2018/hyperlinkcolor">
   <p:cSld>
     <p:spTree>
       <p:nvGrpSpPr>
-        <p:cNvPr id="1" name="Shape 99"/>
+        <p:cNvPr id="99" name="Shape 99"/>
         <p:cNvGrpSpPr/>
         <p:nvPr/>
       </p:nvGrpSpPr>
@@ -8749,9 +8768,7 @@
       <p:sp>
         <p:nvSpPr>
           <p:cNvPr id="100" name="Google Shape;100;p15"/>
-          <p:cNvSpPr txBox="1">
-            <a:spLocks noGrp="1"/>
-          </p:cNvSpPr>
+          <p:cNvSpPr txBox="1"/>
           <p:nvPr>
             <p:ph type="title"/>
           </p:nvPr>
@@ -8766,12 +8783,12 @@
           </a:prstGeom>
         </p:spPr>
         <p:txBody>
-          <a:bodyPr spcFirstLastPara="1" wrap="square" lIns="91425" tIns="91425" rIns="91425" bIns="91425" anchor="t" anchorCtr="0">
+          <a:bodyPr anchorCtr="0" anchor="t" bIns="91425" lIns="91425" spcFirstLastPara="1" rIns="91425" wrap="square" tIns="91425">
             <a:noAutofit/>
           </a:bodyPr>
           <a:lstStyle/>
           <a:p>
-            <a:pPr marL="0" lvl="0" indent="0" algn="ctr" rtl="0">
+            <a:pPr indent="0" lvl="0" marL="0" rtl="0" algn="ctr">
               <a:spcBef>
                 <a:spcPts val="0"/>
               </a:spcBef>
@@ -8781,7 +8798,7 @@
               <a:buNone/>
             </a:pPr>
             <a:r>
-              <a:rPr lang="en" sz="2600" b="1">
+              <a:rPr b="1" lang="en" sz="2600">
                 <a:solidFill>
                   <a:schemeClr val="accent2"/>
                 </a:solidFill>
@@ -8803,11 +8820,9 @@
       <p:sp>
         <p:nvSpPr>
           <p:cNvPr id="101" name="Google Shape;101;p15"/>
-          <p:cNvSpPr txBox="1">
-            <a:spLocks noGrp="1"/>
-          </p:cNvSpPr>
+          <p:cNvSpPr txBox="1"/>
           <p:nvPr>
-            <p:ph type="body" idx="1"/>
+            <p:ph idx="1" type="body"/>
           </p:nvPr>
         </p:nvSpPr>
         <p:spPr>
@@ -8820,12 +8835,12 @@
           </a:prstGeom>
         </p:spPr>
         <p:txBody>
-          <a:bodyPr spcFirstLastPara="1" wrap="square" lIns="91425" tIns="91425" rIns="91425" bIns="91425" anchor="t" anchorCtr="0">
+          <a:bodyPr anchorCtr="0" anchor="t" bIns="91425" lIns="91425" spcFirstLastPara="1" rIns="91425" wrap="square" tIns="91425">
             <a:noAutofit/>
           </a:bodyPr>
           <a:lstStyle/>
           <a:p>
-            <a:pPr marL="0" lvl="0" indent="0" algn="ctr" rtl="0">
+            <a:pPr indent="0" lvl="0" marL="0" rtl="0" algn="ctr">
               <a:lnSpc>
                 <a:spcPct val="100000"/>
               </a:lnSpc>
@@ -8838,7 +8853,7 @@
               <a:buNone/>
             </a:pPr>
             <a:r>
-              <a:rPr lang="en" sz="2000" b="1" u="sng">
+              <a:rPr b="1" lang="en" sz="2000" u="sng">
                 <a:solidFill>
                   <a:srgbClr val="0000FF"/>
                 </a:solidFill>
@@ -8849,7 +8864,7 @@
               </a:rPr>
               <a:t>DISCLAIMER:</a:t>
             </a:r>
-            <a:endParaRPr sz="2000" b="1" u="sng">
+            <a:endParaRPr b="1" sz="2000" u="sng">
               <a:solidFill>
                 <a:srgbClr val="0000FF"/>
               </a:solidFill>
@@ -8860,7 +8875,7 @@
             </a:endParaRPr>
           </a:p>
           <a:p>
-            <a:pPr marL="0" lvl="0" indent="0" algn="l" rtl="0">
+            <a:pPr indent="0" lvl="0" marL="0" rtl="0" algn="l">
               <a:lnSpc>
                 <a:spcPct val="100000"/>
               </a:lnSpc>
@@ -8885,7 +8900,7 @@
               <a:t>Remember that you are testing a vulnerability in a permitted, contained environment.  Attempting any of these techniques on another website that is not wholly owned by you is considered a </a:t>
             </a:r>
             <a:r>
-              <a:rPr lang="en" sz="2000" b="1">
+              <a:rPr b="1" lang="en" sz="2000">
                 <a:solidFill>
                   <a:srgbClr val="000000"/>
                 </a:solidFill>
@@ -8909,7 +8924,7 @@
               <a:t> and most likely falls under </a:t>
             </a:r>
             <a:r>
-              <a:rPr lang="en" sz="2000" b="1">
+              <a:rPr b="1" lang="en" sz="2000">
                 <a:solidFill>
                   <a:srgbClr val="000000"/>
                 </a:solidFill>
@@ -8943,7 +8958,7 @@
             </a:endParaRPr>
           </a:p>
           <a:p>
-            <a:pPr marL="0" lvl="0" indent="0" algn="l" rtl="0">
+            <a:pPr indent="0" lvl="0" marL="0" rtl="0" algn="l">
               <a:lnSpc>
                 <a:spcPct val="100000"/>
               </a:lnSpc>
@@ -8955,6 +8970,9 @@
               </a:spcAft>
               <a:buNone/>
             </a:pPr>
+            <a:r>
+              <a:t/>
+            </a:r>
             <a:endParaRPr sz="2400">
               <a:solidFill>
                 <a:srgbClr val="000000"/>
@@ -8966,7 +8984,7 @@
             </a:endParaRPr>
           </a:p>
           <a:p>
-            <a:pPr marL="0" lvl="0" indent="0" algn="l" rtl="0">
+            <a:pPr indent="0" lvl="0" marL="0" rtl="0" algn="l">
               <a:lnSpc>
                 <a:spcPct val="100000"/>
               </a:lnSpc>
@@ -8991,7 +9009,7 @@
               <a:t>In other words: </a:t>
             </a:r>
             <a:r>
-              <a:rPr lang="en" sz="2400" b="1" i="1">
+              <a:rPr b="1" i="1" lang="en" sz="2400">
                 <a:solidFill>
                   <a:srgbClr val="CC0000"/>
                 </a:solidFill>
@@ -9002,7 +9020,7 @@
               </a:rPr>
               <a:t>DON’T TRY THIS AT HOME!</a:t>
             </a:r>
-            <a:endParaRPr sz="2400" b="1" i="1">
+            <a:endParaRPr b="1" i="1" sz="2400">
               <a:solidFill>
                 <a:srgbClr val="CC0000"/>
               </a:solidFill>
@@ -9013,7 +9031,7 @@
             </a:endParaRPr>
           </a:p>
           <a:p>
-            <a:pPr marL="0" lvl="0" indent="0" algn="l" rtl="0">
+            <a:pPr indent="0" lvl="0" marL="0" rtl="0" algn="l">
               <a:spcBef>
                 <a:spcPts val="0"/>
               </a:spcBef>
@@ -9022,6 +9040,9 @@
               </a:spcAft>
               <a:buNone/>
             </a:pPr>
+            <a:r>
+              <a:t/>
+            </a:r>
             <a:endParaRPr/>
           </a:p>
         </p:txBody>
@@ -9063,11 +9084,11 @@
 </file>
 
 <file path=ppt/slides/slide4.xml><?xml version="1.0" encoding="utf-8"?>
-<p:sld xmlns:a="http://schemas.openxmlformats.org/drawingml/2006/main" xmlns:r="http://schemas.openxmlformats.org/officeDocument/2006/relationships" xmlns:p="http://schemas.openxmlformats.org/presentationml/2006/main">
+<p:sld xmlns:a="http://schemas.openxmlformats.org/drawingml/2006/main" xmlns:r="http://schemas.openxmlformats.org/officeDocument/2006/relationships" xmlns:mc="http://schemas.openxmlformats.org/markup-compatibility/2006" xmlns:mv="urn:schemas-microsoft-com:mac:vml" xmlns:p="http://schemas.openxmlformats.org/presentationml/2006/main" xmlns:c="http://schemas.openxmlformats.org/drawingml/2006/chart" xmlns:dgm="http://schemas.openxmlformats.org/drawingml/2006/diagram" xmlns:o="urn:schemas-microsoft-com:office:office" xmlns:v="urn:schemas-microsoft-com:vml" xmlns:pvml="urn:schemas-microsoft-com:office:powerpoint" xmlns:com="http://schemas.openxmlformats.org/drawingml/2006/compatibility" xmlns:p14="http://schemas.microsoft.com/office/powerpoint/2010/main" xmlns:p15="http://schemas.microsoft.com/office/powerpoint/2012/main" xmlns:ahyp="http://schemas.microsoft.com/office/drawing/2018/hyperlinkcolor">
   <p:cSld>
     <p:spTree>
       <p:nvGrpSpPr>
-        <p:cNvPr id="1" name="Shape 106"/>
+        <p:cNvPr id="106" name="Shape 106"/>
         <p:cNvGrpSpPr/>
         <p:nvPr/>
       </p:nvGrpSpPr>
@@ -9082,9 +9103,7 @@
       <p:sp>
         <p:nvSpPr>
           <p:cNvPr id="107" name="Google Shape;107;p16"/>
-          <p:cNvSpPr txBox="1">
-            <a:spLocks noGrp="1"/>
-          </p:cNvSpPr>
+          <p:cNvSpPr txBox="1"/>
           <p:nvPr>
             <p:ph type="title"/>
           </p:nvPr>
@@ -9099,12 +9118,12 @@
           </a:prstGeom>
         </p:spPr>
         <p:txBody>
-          <a:bodyPr spcFirstLastPara="1" wrap="square" lIns="91425" tIns="91425" rIns="91425" bIns="91425" anchor="t" anchorCtr="0">
+          <a:bodyPr anchorCtr="0" anchor="t" bIns="91425" lIns="91425" spcFirstLastPara="1" rIns="91425" wrap="square" tIns="91425">
             <a:noAutofit/>
           </a:bodyPr>
           <a:lstStyle/>
           <a:p>
-            <a:pPr marL="0" lvl="0" indent="0" algn="ctr" rtl="0">
+            <a:pPr indent="0" lvl="0" marL="0" rtl="0" algn="ctr">
               <a:spcBef>
                 <a:spcPts val="0"/>
               </a:spcBef>
@@ -9114,7 +9133,7 @@
               <a:buNone/>
             </a:pPr>
             <a:r>
-              <a:rPr lang="en" sz="2600" b="1">
+              <a:rPr b="1" lang="en" sz="2600">
                 <a:solidFill>
                   <a:schemeClr val="accent2"/>
                 </a:solidFill>
@@ -9132,7 +9151,7 @@
             </a:endParaRPr>
           </a:p>
           <a:p>
-            <a:pPr marL="0" lvl="0" indent="0" algn="l" rtl="0">
+            <a:pPr indent="0" lvl="0" marL="0" rtl="0" algn="l">
               <a:spcBef>
                 <a:spcPts val="0"/>
               </a:spcBef>
@@ -9141,6 +9160,9 @@
               </a:spcAft>
               <a:buNone/>
             </a:pPr>
+            <a:r>
+              <a:t/>
+            </a:r>
             <a:endParaRPr/>
           </a:p>
         </p:txBody>
@@ -9148,11 +9170,9 @@
       <p:sp>
         <p:nvSpPr>
           <p:cNvPr id="108" name="Google Shape;108;p16"/>
-          <p:cNvSpPr txBox="1">
-            <a:spLocks noGrp="1"/>
-          </p:cNvSpPr>
+          <p:cNvSpPr txBox="1"/>
           <p:nvPr>
-            <p:ph type="body" idx="1"/>
+            <p:ph idx="1" type="body"/>
           </p:nvPr>
         </p:nvSpPr>
         <p:spPr>
@@ -9165,12 +9185,12 @@
           </a:prstGeom>
         </p:spPr>
         <p:txBody>
-          <a:bodyPr spcFirstLastPara="1" wrap="square" lIns="91425" tIns="91425" rIns="91425" bIns="91425" anchor="t" anchorCtr="0">
+          <a:bodyPr anchorCtr="0" anchor="t" bIns="91425" lIns="91425" spcFirstLastPara="1" rIns="91425" wrap="square" tIns="91425">
             <a:noAutofit/>
           </a:bodyPr>
           <a:lstStyle/>
           <a:p>
-            <a:pPr marL="0" lvl="0" indent="0" algn="l" rtl="0">
+            <a:pPr indent="0" lvl="0" marL="0" rtl="0" algn="l">
               <a:spcBef>
                 <a:spcPts val="0"/>
               </a:spcBef>
@@ -9184,7 +9204,7 @@
               <a:t> </a:t>
             </a:r>
             <a:r>
-              <a:rPr lang="en" b="1" i="1" u="sng">
+              <a:rPr b="1" i="1" lang="en" u="sng">
                 <a:solidFill>
                   <a:srgbClr val="9900FF"/>
                 </a:solidFill>
@@ -9198,7 +9218,7 @@
             </a:endParaRPr>
           </a:p>
           <a:p>
-            <a:pPr marL="0" lvl="0" indent="0" algn="l" rtl="0">
+            <a:pPr indent="0" lvl="0" marL="0" rtl="0" algn="l">
               <a:lnSpc>
                 <a:spcPct val="100000"/>
               </a:lnSpc>
@@ -9211,7 +9231,7 @@
               <a:buNone/>
             </a:pPr>
             <a:r>
-              <a:rPr lang="en" sz="1500" b="1">
+              <a:rPr b="1" lang="en" sz="1500">
                 <a:solidFill>
                   <a:srgbClr val="000000"/>
                 </a:solidFill>
@@ -9245,7 +9265,7 @@
             </a:endParaRPr>
           </a:p>
           <a:p>
-            <a:pPr marL="0" lvl="0" indent="0" algn="l" rtl="0">
+            <a:pPr indent="0" lvl="0" marL="0" rtl="0" algn="l">
               <a:lnSpc>
                 <a:spcPct val="100000"/>
               </a:lnSpc>
@@ -9257,6 +9277,9 @@
               </a:spcAft>
               <a:buNone/>
             </a:pPr>
+            <a:r>
+              <a:t/>
+            </a:r>
             <a:endParaRPr sz="1500">
               <a:solidFill>
                 <a:srgbClr val="000000"/>
@@ -9268,7 +9291,7 @@
             </a:endParaRPr>
           </a:p>
           <a:p>
-            <a:pPr marL="0" lvl="0" indent="0" algn="l" rtl="0">
+            <a:pPr indent="0" lvl="0" marL="0" rtl="0" algn="l">
               <a:lnSpc>
                 <a:spcPct val="100000"/>
               </a:lnSpc>
@@ -9281,7 +9304,7 @@
               <a:buNone/>
             </a:pPr>
             <a:r>
-              <a:rPr lang="en" sz="1500" b="1">
+              <a:rPr b="1" lang="en" sz="1500">
                 <a:solidFill>
                   <a:srgbClr val="000000"/>
                 </a:solidFill>
@@ -9315,7 +9338,7 @@
             </a:endParaRPr>
           </a:p>
           <a:p>
-            <a:pPr marL="0" lvl="0" indent="0" algn="l" rtl="0">
+            <a:pPr indent="0" lvl="0" marL="0" rtl="0" algn="l">
               <a:lnSpc>
                 <a:spcPct val="100000"/>
               </a:lnSpc>
@@ -9327,6 +9350,9 @@
               </a:spcAft>
               <a:buNone/>
             </a:pPr>
+            <a:r>
+              <a:t/>
+            </a:r>
             <a:endParaRPr sz="1500">
               <a:solidFill>
                 <a:srgbClr val="000000"/>
@@ -9338,7 +9364,7 @@
             </a:endParaRPr>
           </a:p>
           <a:p>
-            <a:pPr marL="0" lvl="0" indent="0" algn="l" rtl="0">
+            <a:pPr indent="0" lvl="0" marL="0" rtl="0" algn="l">
               <a:lnSpc>
                 <a:spcPct val="100000"/>
               </a:lnSpc>
@@ -9351,7 +9377,7 @@
               <a:buNone/>
             </a:pPr>
             <a:r>
-              <a:rPr lang="en" sz="1500" b="1">
+              <a:rPr b="1" lang="en" sz="1500">
                 <a:solidFill>
                   <a:srgbClr val="000000"/>
                 </a:solidFill>
@@ -9375,7 +9401,7 @@
               <a:t>E.g. you could send the statement "if the first name of the username is an </a:t>
             </a:r>
             <a:r>
-              <a:rPr lang="en" sz="1500" i="1">
+              <a:rPr i="1" lang="en" sz="1500">
                 <a:solidFill>
                   <a:srgbClr val="000000"/>
                 </a:solidFill>
@@ -9399,7 +9425,7 @@
               <a:t>, wait 10 seconds. If the application takes 10 seconds to perform the query, the username starts with an </a:t>
             </a:r>
             <a:r>
-              <a:rPr lang="en" sz="1500" i="1">
+              <a:rPr i="1" lang="en" sz="1500">
                 <a:solidFill>
                   <a:srgbClr val="000000"/>
                 </a:solidFill>
@@ -9435,11 +9461,11 @@
 </file>
 
 <file path=ppt/slides/slide5.xml><?xml version="1.0" encoding="utf-8"?>
-<p:sld xmlns:a="http://schemas.openxmlformats.org/drawingml/2006/main" xmlns:r="http://schemas.openxmlformats.org/officeDocument/2006/relationships" xmlns:p="http://schemas.openxmlformats.org/presentationml/2006/main">
+<p:sld xmlns:a="http://schemas.openxmlformats.org/drawingml/2006/main" xmlns:r="http://schemas.openxmlformats.org/officeDocument/2006/relationships" xmlns:mc="http://schemas.openxmlformats.org/markup-compatibility/2006" xmlns:mv="urn:schemas-microsoft-com:mac:vml" xmlns:p="http://schemas.openxmlformats.org/presentationml/2006/main" xmlns:c="http://schemas.openxmlformats.org/drawingml/2006/chart" xmlns:dgm="http://schemas.openxmlformats.org/drawingml/2006/diagram" xmlns:o="urn:schemas-microsoft-com:office:office" xmlns:v="urn:schemas-microsoft-com:vml" xmlns:pvml="urn:schemas-microsoft-com:office:powerpoint" xmlns:com="http://schemas.openxmlformats.org/drawingml/2006/compatibility" xmlns:p14="http://schemas.microsoft.com/office/powerpoint/2010/main" xmlns:p15="http://schemas.microsoft.com/office/powerpoint/2012/main" xmlns:ahyp="http://schemas.microsoft.com/office/drawing/2018/hyperlinkcolor">
   <p:cSld>
     <p:spTree>
       <p:nvGrpSpPr>
-        <p:cNvPr id="1" name="Shape 112"/>
+        <p:cNvPr id="112" name="Shape 112"/>
         <p:cNvGrpSpPr/>
         <p:nvPr/>
       </p:nvGrpSpPr>
@@ -9454,9 +9480,7 @@
       <p:sp>
         <p:nvSpPr>
           <p:cNvPr id="113" name="Google Shape;113;p17"/>
-          <p:cNvSpPr txBox="1">
-            <a:spLocks noGrp="1"/>
-          </p:cNvSpPr>
+          <p:cNvSpPr txBox="1"/>
           <p:nvPr>
             <p:ph type="title"/>
           </p:nvPr>
@@ -9471,12 +9495,12 @@
           </a:prstGeom>
         </p:spPr>
         <p:txBody>
-          <a:bodyPr spcFirstLastPara="1" wrap="square" lIns="91425" tIns="91425" rIns="91425" bIns="91425" anchor="t" anchorCtr="0">
+          <a:bodyPr anchorCtr="0" anchor="t" bIns="91425" lIns="91425" spcFirstLastPara="1" rIns="91425" wrap="square" tIns="91425">
             <a:noAutofit/>
           </a:bodyPr>
           <a:lstStyle/>
           <a:p>
-            <a:pPr marL="0" lvl="0" indent="0" algn="ctr" rtl="0">
+            <a:pPr indent="0" lvl="0" marL="0" rtl="0" algn="ctr">
               <a:spcBef>
                 <a:spcPts val="0"/>
               </a:spcBef>
@@ -9486,7 +9510,7 @@
               <a:buNone/>
             </a:pPr>
             <a:r>
-              <a:rPr lang="en" sz="2600" b="1">
+              <a:rPr b="1" lang="en" sz="2600">
                 <a:solidFill>
                   <a:schemeClr val="accent2"/>
                 </a:solidFill>
@@ -9504,7 +9528,7 @@
             </a:endParaRPr>
           </a:p>
           <a:p>
-            <a:pPr marL="0" lvl="0" indent="0" algn="l" rtl="0">
+            <a:pPr indent="0" lvl="0" marL="0" rtl="0" algn="l">
               <a:spcBef>
                 <a:spcPts val="0"/>
               </a:spcBef>
@@ -9513,6 +9537,9 @@
               </a:spcAft>
               <a:buNone/>
             </a:pPr>
+            <a:r>
+              <a:t/>
+            </a:r>
             <a:endParaRPr/>
           </a:p>
         </p:txBody>
@@ -9520,11 +9547,9 @@
       <p:sp>
         <p:nvSpPr>
           <p:cNvPr id="114" name="Google Shape;114;p17"/>
-          <p:cNvSpPr txBox="1">
-            <a:spLocks noGrp="1"/>
-          </p:cNvSpPr>
+          <p:cNvSpPr txBox="1"/>
           <p:nvPr>
-            <p:ph type="body" idx="1"/>
+            <p:ph idx="1" type="body"/>
           </p:nvPr>
         </p:nvSpPr>
         <p:spPr>
@@ -9537,12 +9562,12 @@
           </a:prstGeom>
         </p:spPr>
         <p:txBody>
-          <a:bodyPr spcFirstLastPara="1" wrap="square" lIns="91425" tIns="91425" rIns="91425" bIns="91425" anchor="t" anchorCtr="0">
+          <a:bodyPr anchorCtr="0" anchor="t" bIns="91425" lIns="91425" spcFirstLastPara="1" rIns="91425" wrap="square" tIns="91425">
             <a:noAutofit/>
           </a:bodyPr>
           <a:lstStyle/>
           <a:p>
-            <a:pPr marL="0" lvl="0" indent="0" algn="ctr" rtl="0">
+            <a:pPr indent="0" lvl="0" marL="0" rtl="0" algn="ctr">
               <a:lnSpc>
                 <a:spcPct val="100000"/>
               </a:lnSpc>
@@ -9555,7 +9580,7 @@
               <a:buNone/>
             </a:pPr>
             <a:r>
-              <a:rPr lang="en" sz="2000" b="1" i="1" u="sng" dirty="0">
+              <a:rPr b="1" i="1" lang="en" sz="2000" u="sng">
                 <a:solidFill>
                   <a:srgbClr val="CC0000"/>
                 </a:solidFill>
@@ -9566,7 +9591,7 @@
               </a:rPr>
               <a:t>YOUR TASK:</a:t>
             </a:r>
-            <a:endParaRPr sz="2000" b="1" i="1" u="sng" dirty="0">
+            <a:endParaRPr b="1" i="1" sz="2000" u="sng">
               <a:solidFill>
                 <a:srgbClr val="CC0000"/>
               </a:solidFill>
@@ -9577,7 +9602,7 @@
             </a:endParaRPr>
           </a:p>
           <a:p>
-            <a:pPr marL="0" lvl="0" indent="0" algn="ctr" rtl="0">
+            <a:pPr indent="0" lvl="0" marL="0" rtl="0" algn="ctr">
               <a:spcBef>
                 <a:spcPts val="0"/>
               </a:spcBef>
@@ -9587,14 +9612,22 @@
               <a:buNone/>
             </a:pPr>
             <a:r>
-              <a:rPr lang="en" b="1" i="1" u="sng" dirty="0">
+              <a:rPr b="1" i="1" lang="en" u="sng">
                 <a:solidFill>
                   <a:srgbClr val="9900FF"/>
                 </a:solidFill>
               </a:rPr>
-              <a:t>Test Error Based Vulnerability </a:t>
+              <a:t>Test Error Based </a:t>
             </a:r>
-            <a:endParaRPr sz="2000" b="1" i="1" u="sng" dirty="0">
+            <a:r>
+              <a:rPr b="1" i="1" lang="en" u="sng">
+                <a:solidFill>
+                  <a:srgbClr val="9900FF"/>
+                </a:solidFill>
+              </a:rPr>
+              <a:t>Vulnerability </a:t>
+            </a:r>
+            <a:endParaRPr b="1" i="1" sz="2000" u="sng">
               <a:solidFill>
                 <a:srgbClr val="CC0000"/>
               </a:solidFill>
@@ -9605,7 +9638,7 @@
             </a:endParaRPr>
           </a:p>
           <a:p>
-            <a:pPr marL="0" lvl="0" indent="0" algn="l" rtl="0">
+            <a:pPr indent="0" lvl="0" marL="0" rtl="0" algn="l">
               <a:lnSpc>
                 <a:spcPct val="100000"/>
               </a:lnSpc>
@@ -9618,7 +9651,7 @@
               <a:buNone/>
             </a:pPr>
             <a:r>
-              <a:rPr lang="en" sz="2000" dirty="0">
+              <a:rPr lang="en" sz="2000">
                 <a:solidFill>
                   <a:srgbClr val="000000"/>
                 </a:solidFill>
@@ -9630,7 +9663,7 @@
               <a:t>Log onto the following website: </a:t>
             </a:r>
             <a:r>
-              <a:rPr lang="en" sz="2000" u="sng" dirty="0">
+              <a:rPr lang="en" sz="2000" u="sng">
                 <a:solidFill>
                   <a:srgbClr val="1155CC"/>
                 </a:solidFill>
@@ -9642,7 +9675,7 @@
               </a:rPr>
               <a:t>http://34.197.52.233/DVWA-master/index.php</a:t>
             </a:r>
-            <a:endParaRPr sz="2000" dirty="0">
+            <a:endParaRPr sz="2000">
               <a:solidFill>
                 <a:srgbClr val="000000"/>
               </a:solidFill>
@@ -9653,7 +9686,7 @@
             </a:endParaRPr>
           </a:p>
           <a:p>
-            <a:pPr marL="0" lvl="0" indent="0" algn="l" rtl="0">
+            <a:pPr indent="0" lvl="0" marL="0" rtl="0" algn="l">
               <a:lnSpc>
                 <a:spcPct val="100000"/>
               </a:lnSpc>
@@ -9666,7 +9699,7 @@
               <a:buNone/>
             </a:pPr>
             <a:r>
-              <a:rPr lang="en" sz="2000" dirty="0">
+              <a:rPr lang="en" sz="2000">
                 <a:solidFill>
                   <a:srgbClr val="000000"/>
                 </a:solidFill>
@@ -9677,7 +9710,7 @@
               </a:rPr>
               <a:t>This is a sample web application.</a:t>
             </a:r>
-            <a:endParaRPr sz="2000" dirty="0">
+            <a:endParaRPr sz="2000">
               <a:solidFill>
                 <a:srgbClr val="000000"/>
               </a:solidFill>
@@ -9688,7 +9721,7 @@
             </a:endParaRPr>
           </a:p>
           <a:p>
-            <a:pPr marL="0" lvl="0" indent="0" algn="l" rtl="0">
+            <a:pPr indent="0" lvl="0" marL="0" rtl="0" algn="l">
               <a:lnSpc>
                 <a:spcPct val="100000"/>
               </a:lnSpc>
@@ -9700,7 +9733,10 @@
               </a:spcAft>
               <a:buNone/>
             </a:pPr>
-            <a:endParaRPr sz="2000" dirty="0">
+            <a:r>
+              <a:t/>
+            </a:r>
+            <a:endParaRPr sz="2000">
               <a:solidFill>
                 <a:srgbClr val="000000"/>
               </a:solidFill>
@@ -9711,7 +9747,7 @@
             </a:endParaRPr>
           </a:p>
           <a:p>
-            <a:pPr marL="0" lvl="0" indent="0" algn="l" rtl="0">
+            <a:pPr indent="0" lvl="0" marL="0" rtl="0" algn="l">
               <a:lnSpc>
                 <a:spcPct val="100000"/>
               </a:lnSpc>
@@ -9724,7 +9760,7 @@
               <a:buNone/>
             </a:pPr>
             <a:r>
-              <a:rPr lang="en" sz="2000" dirty="0">
+              <a:rPr lang="en" sz="2000">
                 <a:solidFill>
                   <a:srgbClr val="000000"/>
                 </a:solidFill>
@@ -9736,7 +9772,7 @@
               <a:t>Fill in the table with </a:t>
             </a:r>
             <a:r>
-              <a:rPr lang="en" sz="2000" u="sng" dirty="0">
+              <a:rPr lang="en" sz="2000" u="sng">
                 <a:solidFill>
                   <a:srgbClr val="000000"/>
                 </a:solidFill>
@@ -9748,7 +9784,7 @@
               <a:t>your answers</a:t>
             </a:r>
             <a:r>
-              <a:rPr lang="en" sz="2000" dirty="0">
+              <a:rPr lang="en" sz="2000">
                 <a:solidFill>
                   <a:srgbClr val="000000"/>
                 </a:solidFill>
@@ -9760,7 +9796,7 @@
               <a:t> first, and then </a:t>
             </a:r>
             <a:r>
-              <a:rPr lang="en" sz="2000" u="sng" dirty="0">
+              <a:rPr lang="en" sz="2000" u="sng">
                 <a:solidFill>
                   <a:srgbClr val="000000"/>
                 </a:solidFill>
@@ -9772,7 +9808,7 @@
               <a:t>supporting screenshots</a:t>
             </a:r>
             <a:r>
-              <a:rPr lang="en" sz="2000" dirty="0">
+              <a:rPr lang="en" sz="2000">
                 <a:solidFill>
                   <a:srgbClr val="000000"/>
                 </a:solidFill>
@@ -9783,7 +9819,7 @@
               </a:rPr>
               <a:t> when applicable. Read carefully!</a:t>
             </a:r>
-            <a:endParaRPr sz="2000" dirty="0">
+            <a:endParaRPr sz="2000">
               <a:solidFill>
                 <a:srgbClr val="000000"/>
               </a:solidFill>
@@ -9804,11 +9840,11 @@
 </file>
 
 <file path=ppt/slides/slide6.xml><?xml version="1.0" encoding="utf-8"?>
-<p:sld xmlns:a="http://schemas.openxmlformats.org/drawingml/2006/main" xmlns:r="http://schemas.openxmlformats.org/officeDocument/2006/relationships" xmlns:p="http://schemas.openxmlformats.org/presentationml/2006/main">
+<p:sld xmlns:a="http://schemas.openxmlformats.org/drawingml/2006/main" xmlns:r="http://schemas.openxmlformats.org/officeDocument/2006/relationships" xmlns:mc="http://schemas.openxmlformats.org/markup-compatibility/2006" xmlns:mv="urn:schemas-microsoft-com:mac:vml" xmlns:p="http://schemas.openxmlformats.org/presentationml/2006/main" xmlns:c="http://schemas.openxmlformats.org/drawingml/2006/chart" xmlns:dgm="http://schemas.openxmlformats.org/drawingml/2006/diagram" xmlns:o="urn:schemas-microsoft-com:office:office" xmlns:v="urn:schemas-microsoft-com:vml" xmlns:pvml="urn:schemas-microsoft-com:office:powerpoint" xmlns:com="http://schemas.openxmlformats.org/drawingml/2006/compatibility" xmlns:p14="http://schemas.microsoft.com/office/powerpoint/2010/main" xmlns:p15="http://schemas.microsoft.com/office/powerpoint/2012/main" xmlns:ahyp="http://schemas.microsoft.com/office/drawing/2018/hyperlinkcolor">
   <p:cSld>
     <p:spTree>
       <p:nvGrpSpPr>
-        <p:cNvPr id="1" name="Shape 118"/>
+        <p:cNvPr id="118" name="Shape 118"/>
         <p:cNvGrpSpPr/>
         <p:nvPr/>
       </p:nvGrpSpPr>
@@ -9823,9 +9859,7 @@
       <p:sp>
         <p:nvSpPr>
           <p:cNvPr id="119" name="Google Shape;119;p18"/>
-          <p:cNvSpPr txBox="1">
-            <a:spLocks noGrp="1"/>
-          </p:cNvSpPr>
+          <p:cNvSpPr txBox="1"/>
           <p:nvPr>
             <p:ph type="title"/>
           </p:nvPr>
@@ -9840,12 +9874,12 @@
           </a:prstGeom>
         </p:spPr>
         <p:txBody>
-          <a:bodyPr spcFirstLastPara="1" wrap="square" lIns="91425" tIns="91425" rIns="91425" bIns="91425" anchor="t" anchorCtr="0">
+          <a:bodyPr anchorCtr="0" anchor="t" bIns="91425" lIns="91425" spcFirstLastPara="1" rIns="91425" wrap="square" tIns="91425">
             <a:noAutofit/>
           </a:bodyPr>
           <a:lstStyle/>
           <a:p>
-            <a:pPr marL="0" lvl="0" indent="0" algn="l" rtl="0">
+            <a:pPr indent="0" lvl="0" marL="0" rtl="0" algn="l">
               <a:spcBef>
                 <a:spcPts val="0"/>
               </a:spcBef>
@@ -9865,11 +9899,9 @@
       <p:sp>
         <p:nvSpPr>
           <p:cNvPr id="120" name="Google Shape;120;p18"/>
-          <p:cNvSpPr txBox="1">
-            <a:spLocks noGrp="1"/>
-          </p:cNvSpPr>
+          <p:cNvSpPr txBox="1"/>
           <p:nvPr>
-            <p:ph type="body" idx="1"/>
+            <p:ph idx="1" type="body"/>
           </p:nvPr>
         </p:nvSpPr>
         <p:spPr>
@@ -9882,12 +9914,12 @@
           </a:prstGeom>
         </p:spPr>
         <p:txBody>
-          <a:bodyPr spcFirstLastPara="1" wrap="square" lIns="91425" tIns="91425" rIns="91425" bIns="91425" anchor="t" anchorCtr="0">
+          <a:bodyPr anchorCtr="0" anchor="t" bIns="91425" lIns="91425" spcFirstLastPara="1" rIns="91425" wrap="square" tIns="91425">
             <a:noAutofit/>
           </a:bodyPr>
           <a:lstStyle/>
           <a:p>
-            <a:pPr marL="0" lvl="0" indent="0" algn="l" rtl="0">
+            <a:pPr indent="0" lvl="0" marL="0" rtl="0" algn="l">
               <a:spcBef>
                 <a:spcPts val="0"/>
               </a:spcBef>
@@ -9903,7 +9935,7 @@
             <a:endParaRPr/>
           </a:p>
           <a:p>
-            <a:pPr marL="0" lvl="0" indent="0" algn="l" rtl="0">
+            <a:pPr indent="0" lvl="0" marL="0" rtl="0" algn="l">
               <a:spcBef>
                 <a:spcPts val="1600"/>
               </a:spcBef>
@@ -9929,11 +9961,11 @@
 </file>
 
 <file path=ppt/slides/slide7.xml><?xml version="1.0" encoding="utf-8"?>
-<p:sld xmlns:a="http://schemas.openxmlformats.org/drawingml/2006/main" xmlns:r="http://schemas.openxmlformats.org/officeDocument/2006/relationships" xmlns:p="http://schemas.openxmlformats.org/presentationml/2006/main">
+<p:sld xmlns:a="http://schemas.openxmlformats.org/drawingml/2006/main" xmlns:r="http://schemas.openxmlformats.org/officeDocument/2006/relationships" xmlns:mc="http://schemas.openxmlformats.org/markup-compatibility/2006" xmlns:mv="urn:schemas-microsoft-com:mac:vml" xmlns:p="http://schemas.openxmlformats.org/presentationml/2006/main" xmlns:c="http://schemas.openxmlformats.org/drawingml/2006/chart" xmlns:dgm="http://schemas.openxmlformats.org/drawingml/2006/diagram" xmlns:o="urn:schemas-microsoft-com:office:office" xmlns:v="urn:schemas-microsoft-com:vml" xmlns:pvml="urn:schemas-microsoft-com:office:powerpoint" xmlns:com="http://schemas.openxmlformats.org/drawingml/2006/compatibility" xmlns:p14="http://schemas.microsoft.com/office/powerpoint/2010/main" xmlns:p15="http://schemas.microsoft.com/office/powerpoint/2012/main" xmlns:ahyp="http://schemas.microsoft.com/office/drawing/2018/hyperlinkcolor">
   <p:cSld>
     <p:spTree>
       <p:nvGrpSpPr>
-        <p:cNvPr id="1" name="Shape 124"/>
+        <p:cNvPr id="124" name="Shape 124"/>
         <p:cNvGrpSpPr/>
         <p:nvPr/>
       </p:nvGrpSpPr>
@@ -9948,11 +9980,9 @@
       <p:sp>
         <p:nvSpPr>
           <p:cNvPr id="125" name="Google Shape;125;p19"/>
-          <p:cNvSpPr txBox="1">
-            <a:spLocks noGrp="1"/>
-          </p:cNvSpPr>
+          <p:cNvSpPr txBox="1"/>
           <p:nvPr>
-            <p:ph type="body" idx="1"/>
+            <p:ph idx="1" type="body"/>
           </p:nvPr>
         </p:nvSpPr>
         <p:spPr>
@@ -9965,12 +9995,12 @@
           </a:prstGeom>
         </p:spPr>
         <p:txBody>
-          <a:bodyPr spcFirstLastPara="1" wrap="square" lIns="91425" tIns="91425" rIns="91425" bIns="91425" anchor="t" anchorCtr="0">
+          <a:bodyPr anchorCtr="0" anchor="t" bIns="91425" lIns="91425" spcFirstLastPara="1" rIns="91425" wrap="square" tIns="91425">
             <a:noAutofit/>
           </a:bodyPr>
           <a:lstStyle/>
           <a:p>
-            <a:pPr marL="0" lvl="0" indent="0" algn="l" rtl="0">
+            <a:pPr indent="0" lvl="0" marL="0" rtl="0" algn="l">
               <a:spcBef>
                 <a:spcPts val="0"/>
               </a:spcBef>
@@ -9995,7 +10025,7 @@
             <a:endParaRPr/>
           </a:p>
           <a:p>
-            <a:pPr marL="0" lvl="0" indent="0" algn="l" rtl="0">
+            <a:pPr indent="0" lvl="0" marL="0" rtl="0" algn="l">
               <a:spcBef>
                 <a:spcPts val="1600"/>
               </a:spcBef>
@@ -10015,13 +10045,13 @@
       <p:pic>
         <p:nvPicPr>
           <p:cNvPr id="126" name="Google Shape;126;p19">
-            <a:hlinkClick r:id="rId3"/>
+            <a:hlinkClick r:id="rId4"/>
           </p:cNvPr>
           <p:cNvPicPr preferRelativeResize="0"/>
           <p:nvPr/>
         </p:nvPicPr>
         <p:blipFill>
-          <a:blip r:embed="rId4">
+          <a:blip r:embed="rId5">
             <a:alphaModFix/>
           </a:blip>
           <a:stretch>
@@ -10049,7 +10079,7 @@
           <p:nvPr/>
         </p:nvPicPr>
         <p:blipFill>
-          <a:blip r:embed="rId5">
+          <a:blip r:embed="rId6">
             <a:alphaModFix/>
           </a:blip>
           <a:stretch>
@@ -10085,23 +10115,23 @@
             <a:avLst/>
           </a:prstGeom>
           <a:noFill/>
-          <a:ln w="9525" cap="flat" cmpd="sng">
+          <a:ln cap="flat" cmpd="sng" w="9525">
             <a:solidFill>
               <a:srgbClr val="FF0000"/>
             </a:solidFill>
             <a:prstDash val="solid"/>
             <a:round/>
-            <a:headEnd type="none" w="sm" len="sm"/>
-            <a:tailEnd type="none" w="sm" len="sm"/>
+            <a:headEnd len="sm" w="sm" type="none"/>
+            <a:tailEnd len="sm" w="sm" type="none"/>
           </a:ln>
         </p:spPr>
         <p:txBody>
-          <a:bodyPr spcFirstLastPara="1" wrap="square" lIns="91425" tIns="91425" rIns="91425" bIns="91425" anchor="t" anchorCtr="0">
+          <a:bodyPr anchorCtr="0" anchor="t" bIns="91425" lIns="91425" spcFirstLastPara="1" rIns="91425" wrap="square" tIns="91425">
             <a:noAutofit/>
           </a:bodyPr>
           <a:lstStyle/>
           <a:p>
-            <a:pPr marL="0" lvl="0" indent="0" algn="l" rtl="0">
+            <a:pPr indent="0" lvl="0" marL="0" rtl="0" algn="l">
               <a:spcBef>
                 <a:spcPts val="0"/>
               </a:spcBef>
@@ -10110,6 +10140,9 @@
               </a:spcAft>
               <a:buNone/>
             </a:pPr>
+            <a:r>
+              <a:t/>
+            </a:r>
             <a:endParaRPr>
               <a:latin typeface="Roboto"/>
               <a:ea typeface="Roboto"/>
@@ -10128,11 +10161,11 @@
 </file>
 
 <file path=ppt/slides/slide8.xml><?xml version="1.0" encoding="utf-8"?>
-<p:sld xmlns:a="http://schemas.openxmlformats.org/drawingml/2006/main" xmlns:r="http://schemas.openxmlformats.org/officeDocument/2006/relationships" xmlns:p="http://schemas.openxmlformats.org/presentationml/2006/main">
+<p:sld xmlns:a="http://schemas.openxmlformats.org/drawingml/2006/main" xmlns:r="http://schemas.openxmlformats.org/officeDocument/2006/relationships" xmlns:mc="http://schemas.openxmlformats.org/markup-compatibility/2006" xmlns:mv="urn:schemas-microsoft-com:mac:vml" xmlns:p="http://schemas.openxmlformats.org/presentationml/2006/main" xmlns:c="http://schemas.openxmlformats.org/drawingml/2006/chart" xmlns:dgm="http://schemas.openxmlformats.org/drawingml/2006/diagram" xmlns:o="urn:schemas-microsoft-com:office:office" xmlns:v="urn:schemas-microsoft-com:vml" xmlns:pvml="urn:schemas-microsoft-com:office:powerpoint" xmlns:com="http://schemas.openxmlformats.org/drawingml/2006/compatibility" xmlns:p14="http://schemas.microsoft.com/office/powerpoint/2010/main" xmlns:p15="http://schemas.microsoft.com/office/powerpoint/2012/main" xmlns:ahyp="http://schemas.microsoft.com/office/drawing/2018/hyperlinkcolor">
   <p:cSld>
     <p:spTree>
       <p:nvGrpSpPr>
-        <p:cNvPr id="1" name="Shape 132"/>
+        <p:cNvPr id="132" name="Shape 132"/>
         <p:cNvGrpSpPr/>
         <p:nvPr/>
       </p:nvGrpSpPr>
@@ -10147,9 +10180,7 @@
       <p:sp>
         <p:nvSpPr>
           <p:cNvPr id="133" name="Google Shape;133;p20"/>
-          <p:cNvSpPr txBox="1">
-            <a:spLocks noGrp="1"/>
-          </p:cNvSpPr>
+          <p:cNvSpPr txBox="1"/>
           <p:nvPr>
             <p:ph type="title"/>
           </p:nvPr>
@@ -10164,12 +10195,12 @@
           </a:prstGeom>
         </p:spPr>
         <p:txBody>
-          <a:bodyPr spcFirstLastPara="1" wrap="square" lIns="91425" tIns="91425" rIns="91425" bIns="91425" anchor="t" anchorCtr="0">
+          <a:bodyPr anchorCtr="0" anchor="t" bIns="91425" lIns="91425" spcFirstLastPara="1" rIns="91425" wrap="square" tIns="91425">
             <a:noAutofit/>
           </a:bodyPr>
           <a:lstStyle/>
           <a:p>
-            <a:pPr marL="0" lvl="0" indent="0" algn="l" rtl="0">
+            <a:pPr indent="0" lvl="0" marL="0" rtl="0" algn="l">
               <a:spcBef>
                 <a:spcPts val="0"/>
               </a:spcBef>
@@ -10189,11 +10220,9 @@
       <p:sp>
         <p:nvSpPr>
           <p:cNvPr id="134" name="Google Shape;134;p20"/>
-          <p:cNvSpPr txBox="1">
-            <a:spLocks noGrp="1"/>
-          </p:cNvSpPr>
+          <p:cNvSpPr txBox="1"/>
           <p:nvPr>
-            <p:ph type="body" idx="1"/>
+            <p:ph idx="1" type="body"/>
           </p:nvPr>
         </p:nvSpPr>
         <p:spPr>
@@ -10206,12 +10235,12 @@
           </a:prstGeom>
         </p:spPr>
         <p:txBody>
-          <a:bodyPr spcFirstLastPara="1" wrap="square" lIns="91425" tIns="91425" rIns="91425" bIns="91425" anchor="t" anchorCtr="0">
+          <a:bodyPr anchorCtr="0" anchor="t" bIns="91425" lIns="91425" spcFirstLastPara="1" rIns="91425" wrap="square" tIns="91425">
             <a:noAutofit/>
           </a:bodyPr>
           <a:lstStyle/>
           <a:p>
-            <a:pPr marL="0" lvl="0" indent="0" algn="l" rtl="0">
+            <a:pPr indent="0" lvl="0" marL="0" rtl="0" algn="l">
               <a:spcBef>
                 <a:spcPts val="0"/>
               </a:spcBef>
@@ -10227,7 +10256,7 @@
             <a:endParaRPr/>
           </a:p>
           <a:p>
-            <a:pPr marL="0" lvl="0" indent="0" algn="l" rtl="0">
+            <a:pPr indent="0" lvl="0" marL="0" rtl="0" algn="l">
               <a:spcBef>
                 <a:spcPts val="1600"/>
               </a:spcBef>
@@ -10287,23 +10316,23 @@
             <a:avLst/>
           </a:prstGeom>
           <a:noFill/>
-          <a:ln w="9525" cap="flat" cmpd="sng">
+          <a:ln cap="flat" cmpd="sng" w="9525">
             <a:solidFill>
               <a:srgbClr val="FF0000"/>
             </a:solidFill>
             <a:prstDash val="solid"/>
             <a:round/>
-            <a:headEnd type="none" w="sm" len="sm"/>
-            <a:tailEnd type="none" w="sm" len="sm"/>
+            <a:headEnd len="sm" w="sm" type="none"/>
+            <a:tailEnd len="sm" w="sm" type="none"/>
           </a:ln>
         </p:spPr>
         <p:txBody>
-          <a:bodyPr spcFirstLastPara="1" wrap="square" lIns="91425" tIns="91425" rIns="91425" bIns="91425" anchor="t" anchorCtr="0">
+          <a:bodyPr anchorCtr="0" anchor="t" bIns="91425" lIns="91425" spcFirstLastPara="1" rIns="91425" wrap="square" tIns="91425">
             <a:noAutofit/>
           </a:bodyPr>
           <a:lstStyle/>
           <a:p>
-            <a:pPr marL="0" lvl="0" indent="0" algn="l" rtl="0">
+            <a:pPr indent="0" lvl="0" marL="0" rtl="0" algn="l">
               <a:spcBef>
                 <a:spcPts val="0"/>
               </a:spcBef>
@@ -10312,6 +10341,9 @@
               </a:spcAft>
               <a:buNone/>
             </a:pPr>
+            <a:r>
+              <a:t/>
+            </a:r>
             <a:endParaRPr>
               <a:latin typeface="Roboto"/>
               <a:ea typeface="Roboto"/>
@@ -10336,23 +10368,23 @@
             <a:avLst/>
           </a:prstGeom>
           <a:noFill/>
-          <a:ln w="9525" cap="flat" cmpd="sng">
+          <a:ln cap="flat" cmpd="sng" w="9525">
             <a:solidFill>
               <a:srgbClr val="FF0000"/>
             </a:solidFill>
             <a:prstDash val="solid"/>
             <a:round/>
-            <a:headEnd type="none" w="sm" len="sm"/>
-            <a:tailEnd type="none" w="sm" len="sm"/>
+            <a:headEnd len="sm" w="sm" type="none"/>
+            <a:tailEnd len="sm" w="sm" type="none"/>
           </a:ln>
         </p:spPr>
         <p:txBody>
-          <a:bodyPr spcFirstLastPara="1" wrap="square" lIns="91425" tIns="91425" rIns="91425" bIns="91425" anchor="t" anchorCtr="0">
+          <a:bodyPr anchorCtr="0" anchor="t" bIns="91425" lIns="91425" spcFirstLastPara="1" rIns="91425" wrap="square" tIns="91425">
             <a:noAutofit/>
           </a:bodyPr>
           <a:lstStyle/>
           <a:p>
-            <a:pPr marL="0" lvl="0" indent="0" algn="l" rtl="0">
+            <a:pPr indent="0" lvl="0" marL="0" rtl="0" algn="l">
               <a:spcBef>
                 <a:spcPts val="0"/>
               </a:spcBef>
@@ -10361,6 +10393,9 @@
               </a:spcAft>
               <a:buNone/>
             </a:pPr>
+            <a:r>
+              <a:t/>
+            </a:r>
             <a:endParaRPr>
               <a:latin typeface="Roboto"/>
               <a:ea typeface="Roboto"/>
@@ -10379,11 +10414,11 @@
 </file>
 
 <file path=ppt/slides/slide9.xml><?xml version="1.0" encoding="utf-8"?>
-<p:sld xmlns:a="http://schemas.openxmlformats.org/drawingml/2006/main" xmlns:r="http://schemas.openxmlformats.org/officeDocument/2006/relationships" xmlns:p="http://schemas.openxmlformats.org/presentationml/2006/main">
+<p:sld xmlns:a="http://schemas.openxmlformats.org/drawingml/2006/main" xmlns:r="http://schemas.openxmlformats.org/officeDocument/2006/relationships" xmlns:mc="http://schemas.openxmlformats.org/markup-compatibility/2006" xmlns:mv="urn:schemas-microsoft-com:mac:vml" xmlns:p="http://schemas.openxmlformats.org/presentationml/2006/main" xmlns:c="http://schemas.openxmlformats.org/drawingml/2006/chart" xmlns:dgm="http://schemas.openxmlformats.org/drawingml/2006/diagram" xmlns:o="urn:schemas-microsoft-com:office:office" xmlns:v="urn:schemas-microsoft-com:vml" xmlns:pvml="urn:schemas-microsoft-com:office:powerpoint" xmlns:com="http://schemas.openxmlformats.org/drawingml/2006/compatibility" xmlns:p14="http://schemas.microsoft.com/office/powerpoint/2010/main" xmlns:p15="http://schemas.microsoft.com/office/powerpoint/2012/main" xmlns:ahyp="http://schemas.microsoft.com/office/drawing/2018/hyperlinkcolor">
   <p:cSld>
     <p:spTree>
       <p:nvGrpSpPr>
-        <p:cNvPr id="1" name=""/>
+        <p:cNvPr id="141" name="Shape 141"/>
         <p:cNvGrpSpPr/>
         <p:nvPr/>
       </p:nvGrpSpPr>
@@ -10397,90 +10432,77 @@
       </p:grpSpPr>
       <p:sp>
         <p:nvSpPr>
-          <p:cNvPr id="2" name="Title 1">
-            <a:extLst>
-              <a:ext uri="{FF2B5EF4-FFF2-40B4-BE49-F238E27FC236}">
-                <a16:creationId xmlns:a16="http://schemas.microsoft.com/office/drawing/2014/main" id="{6DCBE655-6E0F-4AE0-B428-7FEEF478FE8B}"/>
-              </a:ext>
-            </a:extLst>
-          </p:cNvPr>
-          <p:cNvSpPr>
-            <a:spLocks noGrp="1"/>
-          </p:cNvSpPr>
+          <p:cNvPr id="142" name="Google Shape;142;p21"/>
+          <p:cNvSpPr txBox="1"/>
           <p:nvPr>
             <p:ph type="title"/>
           </p:nvPr>
         </p:nvSpPr>
-        <p:spPr/>
+        <p:spPr>
+          <a:xfrm>
+            <a:off x="311700" y="410000"/>
+            <a:ext cx="8520600" cy="607800"/>
+          </a:xfrm>
+          <a:prstGeom prst="rect">
+            <a:avLst/>
+          </a:prstGeom>
+        </p:spPr>
         <p:txBody>
-          <a:bodyPr/>
+          <a:bodyPr anchorCtr="0" anchor="t" bIns="91425" lIns="91425" spcFirstLastPara="1" rIns="91425" wrap="square" tIns="91425">
+            <a:noAutofit/>
+          </a:bodyPr>
           <a:lstStyle/>
           <a:p>
-            <a:endParaRPr lang="en-US"/>
+            <a:pPr indent="0" lvl="0" marL="0" rtl="0" algn="l">
+              <a:spcBef>
+                <a:spcPts val="0"/>
+              </a:spcBef>
+              <a:spcAft>
+                <a:spcPts val="0"/>
+              </a:spcAft>
+              <a:buNone/>
+            </a:pPr>
+            <a:r>
+              <a:rPr lang="en">
+                <a:solidFill>
+                  <a:srgbClr val="2A3990"/>
+                </a:solidFill>
+              </a:rPr>
+              <a:t>SQL Server not needed for small tasks</a:t>
+            </a:r>
+            <a:endParaRPr/>
           </a:p>
         </p:txBody>
       </p:sp>
       <p:pic>
         <p:nvPicPr>
-          <p:cNvPr id="4" name="Picture 3">
-            <a:extLst>
-              <a:ext uri="{FF2B5EF4-FFF2-40B4-BE49-F238E27FC236}">
-                <a16:creationId xmlns:a16="http://schemas.microsoft.com/office/drawing/2014/main" id="{99C17A92-321D-4419-A546-B3A32BEB84FF}"/>
-              </a:ext>
-            </a:extLst>
-          </p:cNvPr>
-          <p:cNvPicPr>
-            <a:picLocks noChangeAspect="1"/>
-          </p:cNvPicPr>
+          <p:cNvPr id="143" name="Google Shape;143;p21"/>
+          <p:cNvPicPr preferRelativeResize="0"/>
           <p:nvPr/>
         </p:nvPicPr>
         <p:blipFill>
-          <a:blip r:embed="rId2"/>
+          <a:blip r:embed="rId3">
+            <a:alphaModFix/>
+          </a:blip>
           <a:stretch>
             <a:fillRect/>
           </a:stretch>
         </p:blipFill>
         <p:spPr>
           <a:xfrm>
-            <a:off x="416104" y="410000"/>
-            <a:ext cx="8513993" cy="3956060"/>
+            <a:off x="314325" y="1017788"/>
+            <a:ext cx="8515350" cy="3952875"/>
           </a:xfrm>
           <a:prstGeom prst="rect">
             <a:avLst/>
           </a:prstGeom>
+          <a:noFill/>
+          <a:ln>
+            <a:noFill/>
+          </a:ln>
         </p:spPr>
       </p:pic>
-      <p:sp>
-        <p:nvSpPr>
-          <p:cNvPr id="3" name="Text Placeholder 2">
-            <a:extLst>
-              <a:ext uri="{FF2B5EF4-FFF2-40B4-BE49-F238E27FC236}">
-                <a16:creationId xmlns:a16="http://schemas.microsoft.com/office/drawing/2014/main" id="{5AA12CCA-260E-4FB2-A4E0-C8FBF938611E}"/>
-              </a:ext>
-            </a:extLst>
-          </p:cNvPr>
-          <p:cNvSpPr>
-            <a:spLocks noGrp="1"/>
-          </p:cNvSpPr>
-          <p:nvPr>
-            <p:ph type="body" idx="1"/>
-          </p:nvPr>
-        </p:nvSpPr>
-        <p:spPr/>
-        <p:txBody>
-          <a:bodyPr/>
-          <a:lstStyle/>
-          <a:p>
-            <a:endParaRPr lang="en-US" dirty="0"/>
-          </a:p>
-        </p:txBody>
-      </p:sp>
     </p:spTree>
-    <p:extLst>
-      <p:ext uri="{BB962C8B-B14F-4D97-AF65-F5344CB8AC3E}">
-        <p14:creationId xmlns:p14="http://schemas.microsoft.com/office/powerpoint/2010/main" val="2080863002"/>
-      </p:ext>
-    </p:extLst>
   </p:cSld>
   <p:clrMapOvr>
     <a:masterClrMapping/>
@@ -10489,7 +10511,286 @@
 </file>
 
 <file path=ppt/theme/theme1.xml><?xml version="1.0" encoding="utf-8"?>
-<a:theme xmlns:a="http://schemas.openxmlformats.org/drawingml/2006/main" name="Geometric">
+<a:theme xmlns:a="http://schemas.openxmlformats.org/drawingml/2006/main" xmlns:r="http://schemas.openxmlformats.org/officeDocument/2006/relationships">
+  <a:themeElements>
+    <a:clrScheme name="Default">
+      <a:dk1>
+        <a:srgbClr val="000000"/>
+      </a:dk1>
+      <a:lt1>
+        <a:srgbClr val="FFFFFF"/>
+      </a:lt1>
+      <a:dk2>
+        <a:srgbClr val="158158"/>
+      </a:dk2>
+      <a:lt2>
+        <a:srgbClr val="F3F3F3"/>
+      </a:lt2>
+      <a:accent1>
+        <a:srgbClr val="058DC7"/>
+      </a:accent1>
+      <a:accent2>
+        <a:srgbClr val="50B432"/>
+      </a:accent2>
+      <a:accent3>
+        <a:srgbClr val="ED561B"/>
+      </a:accent3>
+      <a:accent4>
+        <a:srgbClr val="EDEF00"/>
+      </a:accent4>
+      <a:accent5>
+        <a:srgbClr val="24CBE5"/>
+      </a:accent5>
+      <a:accent6>
+        <a:srgbClr val="64E572"/>
+      </a:accent6>
+      <a:hlink>
+        <a:srgbClr val="2200CC"/>
+      </a:hlink>
+      <a:folHlink>
+        <a:srgbClr val="551A8B"/>
+      </a:folHlink>
+    </a:clrScheme>
+    <a:fontScheme name="Office">
+      <a:majorFont>
+        <a:latin typeface="Arial"/>
+        <a:ea typeface=""/>
+        <a:cs typeface=""/>
+        <a:font script="Jpan" typeface="ＭＳ Ｐゴシック"/>
+        <a:font script="Hang" typeface="맑은 고딕"/>
+        <a:font script="Hans" typeface="宋体"/>
+        <a:font script="Hant" typeface="新細明體"/>
+        <a:font script="Arab" typeface="Times New Roman"/>
+        <a:font script="Hebr" typeface="Times New Roman"/>
+        <a:font script="Thai" typeface="Angsana New"/>
+        <a:font script="Ethi" typeface="Nyala"/>
+        <a:font script="Beng" typeface="Vrinda"/>
+        <a:font script="Gujr" typeface="Shruti"/>
+        <a:font script="Khmr" typeface="MoolBoran"/>
+        <a:font script="Knda" typeface="Tunga"/>
+        <a:font script="Guru" typeface="Raavi"/>
+        <a:font script="Cans" typeface="Euphemia"/>
+        <a:font script="Cher" typeface="Plantagenet Cherokee"/>
+        <a:font script="Yiii" typeface="Microsoft Yi Baiti"/>
+        <a:font script="Tibt" typeface="Microsoft Himalaya"/>
+        <a:font script="Thaa" typeface="MV Boli"/>
+        <a:font script="Deva" typeface="Mangal"/>
+        <a:font script="Telu" typeface="Gautami"/>
+        <a:font script="Taml" typeface="Latha"/>
+        <a:font script="Syrc" typeface="Estrangelo Edessa"/>
+        <a:font script="Orya" typeface="Kalinga"/>
+        <a:font script="Mlym" typeface="Kartika"/>
+        <a:font script="Laoo" typeface="DokChampa"/>
+        <a:font script="Sinh" typeface="Iskoola Pota"/>
+        <a:font script="Mong" typeface="Mongolian Baiti"/>
+        <a:font script="Viet" typeface="Times New Roman"/>
+        <a:font script="Uigh" typeface="Microsoft Uighur"/>
+        <a:font script="Geor" typeface="Sylfaen"/>
+      </a:majorFont>
+      <a:minorFont>
+        <a:latin typeface="Arial"/>
+        <a:ea typeface=""/>
+        <a:cs typeface=""/>
+        <a:font script="Jpan" typeface="ＭＳ Ｐゴシック"/>
+        <a:font script="Hang" typeface="맑은 고딕"/>
+        <a:font script="Hans" typeface="宋体"/>
+        <a:font script="Hant" typeface="新細明體"/>
+        <a:font script="Arab" typeface="Arial"/>
+        <a:font script="Hebr" typeface="Arial"/>
+        <a:font script="Thai" typeface="Cordia New"/>
+        <a:font script="Ethi" typeface="Nyala"/>
+        <a:font script="Beng" typeface="Vrinda"/>
+        <a:font script="Gujr" typeface="Shruti"/>
+        <a:font script="Khmr" typeface="DaunPenh"/>
+        <a:font script="Knda" typeface="Tunga"/>
+        <a:font script="Guru" typeface="Raavi"/>
+        <a:font script="Cans" typeface="Euphemia"/>
+        <a:font script="Cher" typeface="Plantagenet Cherokee"/>
+        <a:font script="Yiii" typeface="Microsoft Yi Baiti"/>
+        <a:font script="Tibt" typeface="Microsoft Himalaya"/>
+        <a:font script="Thaa" typeface="MV Boli"/>
+        <a:font script="Deva" typeface="Mangal"/>
+        <a:font script="Telu" typeface="Gautami"/>
+        <a:font script="Taml" typeface="Latha"/>
+        <a:font script="Syrc" typeface="Estrangelo Edessa"/>
+        <a:font script="Orya" typeface="Kalinga"/>
+        <a:font script="Mlym" typeface="Kartika"/>
+        <a:font script="Laoo" typeface="DokChampa"/>
+        <a:font script="Sinh" typeface="Iskoola Pota"/>
+        <a:font script="Mong" typeface="Mongolian Baiti"/>
+        <a:font script="Viet" typeface="Arial"/>
+        <a:font script="Uigh" typeface="Microsoft Uighur"/>
+        <a:font script="Geor" typeface="Sylfaen"/>
+      </a:minorFont>
+    </a:fontScheme>
+    <a:fmtScheme name="Office">
+      <a:fillStyleLst>
+        <a:solidFill>
+          <a:schemeClr val="phClr"/>
+        </a:solidFill>
+        <a:gradFill rotWithShape="1">
+          <a:gsLst>
+            <a:gs pos="0">
+              <a:schemeClr val="phClr">
+                <a:tint val="50000"/>
+                <a:satMod val="300000"/>
+              </a:schemeClr>
+            </a:gs>
+            <a:gs pos="35000">
+              <a:schemeClr val="phClr">
+                <a:tint val="37000"/>
+                <a:satMod val="300000"/>
+              </a:schemeClr>
+            </a:gs>
+            <a:gs pos="100000">
+              <a:schemeClr val="phClr">
+                <a:tint val="15000"/>
+                <a:satMod val="350000"/>
+              </a:schemeClr>
+            </a:gs>
+          </a:gsLst>
+          <a:lin ang="16200000" scaled="1"/>
+        </a:gradFill>
+        <a:gradFill rotWithShape="1">
+          <a:gsLst>
+            <a:gs pos="0">
+              <a:schemeClr val="phClr">
+                <a:tint val="100000"/>
+                <a:shade val="100000"/>
+                <a:satMod val="130000"/>
+              </a:schemeClr>
+            </a:gs>
+            <a:gs pos="100000">
+              <a:schemeClr val="phClr">
+                <a:tint val="50000"/>
+                <a:shade val="100000"/>
+                <a:satMod val="350000"/>
+              </a:schemeClr>
+            </a:gs>
+          </a:gsLst>
+          <a:lin ang="16200000" scaled="0"/>
+        </a:gradFill>
+      </a:fillStyleLst>
+      <a:lnStyleLst>
+        <a:ln w="9525" cap="flat" cmpd="sng" algn="ctr">
+          <a:solidFill>
+            <a:schemeClr val="phClr">
+              <a:shade val="95000"/>
+              <a:satMod val="105000"/>
+            </a:schemeClr>
+          </a:solidFill>
+          <a:prstDash val="solid"/>
+        </a:ln>
+        <a:ln w="25400" cap="flat" cmpd="sng" algn="ctr">
+          <a:solidFill>
+            <a:schemeClr val="phClr"/>
+          </a:solidFill>
+          <a:prstDash val="solid"/>
+        </a:ln>
+        <a:ln w="38100" cap="flat" cmpd="sng" algn="ctr">
+          <a:solidFill>
+            <a:schemeClr val="phClr"/>
+          </a:solidFill>
+          <a:prstDash val="solid"/>
+        </a:ln>
+      </a:lnStyleLst>
+      <a:effectStyleLst>
+        <a:effectStyle>
+          <a:effectLst>
+            <a:outerShdw blurRad="40000" dist="20000" dir="5400000" rotWithShape="0">
+              <a:srgbClr val="000000">
+                <a:alpha val="38000"/>
+              </a:srgbClr>
+            </a:outerShdw>
+          </a:effectLst>
+        </a:effectStyle>
+        <a:effectStyle>
+          <a:effectLst>
+            <a:outerShdw blurRad="40000" dist="23000" dir="5400000" rotWithShape="0">
+              <a:srgbClr val="000000">
+                <a:alpha val="35000"/>
+              </a:srgbClr>
+            </a:outerShdw>
+          </a:effectLst>
+        </a:effectStyle>
+        <a:effectStyle>
+          <a:effectLst>
+            <a:outerShdw blurRad="40000" dist="23000" dir="5400000" rotWithShape="0">
+              <a:srgbClr val="000000">
+                <a:alpha val="35000"/>
+              </a:srgbClr>
+            </a:outerShdw>
+          </a:effectLst>
+          <a:scene3d>
+            <a:camera prst="orthographicFront">
+              <a:rot lat="0" lon="0" rev="0"/>
+            </a:camera>
+            <a:lightRig rig="threePt" dir="t">
+              <a:rot lat="0" lon="0" rev="1200000"/>
+            </a:lightRig>
+          </a:scene3d>
+          <a:sp3d>
+            <a:bevelT w="63500" h="25400"/>
+          </a:sp3d>
+        </a:effectStyle>
+      </a:effectStyleLst>
+      <a:bgFillStyleLst>
+        <a:solidFill>
+          <a:schemeClr val="phClr"/>
+        </a:solidFill>
+        <a:gradFill rotWithShape="1">
+          <a:gsLst>
+            <a:gs pos="0">
+              <a:schemeClr val="phClr">
+                <a:tint val="40000"/>
+                <a:satMod val="350000"/>
+              </a:schemeClr>
+            </a:gs>
+            <a:gs pos="40000">
+              <a:schemeClr val="phClr">
+                <a:tint val="45000"/>
+                <a:shade val="99000"/>
+                <a:satMod val="350000"/>
+              </a:schemeClr>
+            </a:gs>
+            <a:gs pos="100000">
+              <a:schemeClr val="phClr">
+                <a:shade val="20000"/>
+                <a:satMod val="255000"/>
+              </a:schemeClr>
+            </a:gs>
+          </a:gsLst>
+          <a:path path="circle">
+            <a:fillToRect l="50000" t="-80000" r="50000" b="180000"/>
+          </a:path>
+        </a:gradFill>
+        <a:gradFill rotWithShape="1">
+          <a:gsLst>
+            <a:gs pos="0">
+              <a:schemeClr val="phClr">
+                <a:tint val="80000"/>
+                <a:satMod val="300000"/>
+              </a:schemeClr>
+            </a:gs>
+            <a:gs pos="100000">
+              <a:schemeClr val="phClr">
+                <a:shade val="30000"/>
+                <a:satMod val="200000"/>
+              </a:schemeClr>
+            </a:gs>
+          </a:gsLst>
+          <a:path path="circle">
+            <a:fillToRect l="50000" t="50000" r="50000" b="50000"/>
+          </a:path>
+        </a:gradFill>
+      </a:bgFillStyleLst>
+    </a:fmtScheme>
+  </a:themeElements>
+</a:theme>
+</file>
+
+<file path=ppt/theme/theme2.xml><?xml version="1.0" encoding="utf-8"?>
+<a:theme xmlns:a="http://schemas.openxmlformats.org/drawingml/2006/main" xmlns:r="http://schemas.openxmlformats.org/officeDocument/2006/relationships" name="Geometric">
   <a:themeElements>
     <a:clrScheme name="Geometric">
       <a:dk1>
@@ -10764,288 +11065,5 @@
       </a:bgFillStyleLst>
     </a:fmtScheme>
   </a:themeElements>
-  <a:objectDefaults/>
-  <a:extraClrSchemeLst/>
-</a:theme>
-</file>
-
-<file path=ppt/theme/theme2.xml><?xml version="1.0" encoding="utf-8"?>
-<a:theme xmlns:a="http://schemas.openxmlformats.org/drawingml/2006/main">
-  <a:themeElements>
-    <a:clrScheme name="Default">
-      <a:dk1>
-        <a:srgbClr val="000000"/>
-      </a:dk1>
-      <a:lt1>
-        <a:srgbClr val="FFFFFF"/>
-      </a:lt1>
-      <a:dk2>
-        <a:srgbClr val="158158"/>
-      </a:dk2>
-      <a:lt2>
-        <a:srgbClr val="F3F3F3"/>
-      </a:lt2>
-      <a:accent1>
-        <a:srgbClr val="058DC7"/>
-      </a:accent1>
-      <a:accent2>
-        <a:srgbClr val="50B432"/>
-      </a:accent2>
-      <a:accent3>
-        <a:srgbClr val="ED561B"/>
-      </a:accent3>
-      <a:accent4>
-        <a:srgbClr val="EDEF00"/>
-      </a:accent4>
-      <a:accent5>
-        <a:srgbClr val="24CBE5"/>
-      </a:accent5>
-      <a:accent6>
-        <a:srgbClr val="64E572"/>
-      </a:accent6>
-      <a:hlink>
-        <a:srgbClr val="2200CC"/>
-      </a:hlink>
-      <a:folHlink>
-        <a:srgbClr val="551A8B"/>
-      </a:folHlink>
-    </a:clrScheme>
-    <a:fontScheme name="Office">
-      <a:majorFont>
-        <a:latin typeface="Arial"/>
-        <a:ea typeface=""/>
-        <a:cs typeface=""/>
-        <a:font script="Jpan" typeface="ＭＳ Ｐゴシック"/>
-        <a:font script="Hang" typeface="맑은 고딕"/>
-        <a:font script="Hans" typeface="宋体"/>
-        <a:font script="Hant" typeface="新細明體"/>
-        <a:font script="Arab" typeface="Times New Roman"/>
-        <a:font script="Hebr" typeface="Times New Roman"/>
-        <a:font script="Thai" typeface="Angsana New"/>
-        <a:font script="Ethi" typeface="Nyala"/>
-        <a:font script="Beng" typeface="Vrinda"/>
-        <a:font script="Gujr" typeface="Shruti"/>
-        <a:font script="Khmr" typeface="MoolBoran"/>
-        <a:font script="Knda" typeface="Tunga"/>
-        <a:font script="Guru" typeface="Raavi"/>
-        <a:font script="Cans" typeface="Euphemia"/>
-        <a:font script="Cher" typeface="Plantagenet Cherokee"/>
-        <a:font script="Yiii" typeface="Microsoft Yi Baiti"/>
-        <a:font script="Tibt" typeface="Microsoft Himalaya"/>
-        <a:font script="Thaa" typeface="MV Boli"/>
-        <a:font script="Deva" typeface="Mangal"/>
-        <a:font script="Telu" typeface="Gautami"/>
-        <a:font script="Taml" typeface="Latha"/>
-        <a:font script="Syrc" typeface="Estrangelo Edessa"/>
-        <a:font script="Orya" typeface="Kalinga"/>
-        <a:font script="Mlym" typeface="Kartika"/>
-        <a:font script="Laoo" typeface="DokChampa"/>
-        <a:font script="Sinh" typeface="Iskoola Pota"/>
-        <a:font script="Mong" typeface="Mongolian Baiti"/>
-        <a:font script="Viet" typeface="Times New Roman"/>
-        <a:font script="Uigh" typeface="Microsoft Uighur"/>
-        <a:font script="Geor" typeface="Sylfaen"/>
-      </a:majorFont>
-      <a:minorFont>
-        <a:latin typeface="Arial"/>
-        <a:ea typeface=""/>
-        <a:cs typeface=""/>
-        <a:font script="Jpan" typeface="ＭＳ Ｐゴシック"/>
-        <a:font script="Hang" typeface="맑은 고딕"/>
-        <a:font script="Hans" typeface="宋体"/>
-        <a:font script="Hant" typeface="新細明體"/>
-        <a:font script="Arab" typeface="Arial"/>
-        <a:font script="Hebr" typeface="Arial"/>
-        <a:font script="Thai" typeface="Cordia New"/>
-        <a:font script="Ethi" typeface="Nyala"/>
-        <a:font script="Beng" typeface="Vrinda"/>
-        <a:font script="Gujr" typeface="Shruti"/>
-        <a:font script="Khmr" typeface="DaunPenh"/>
-        <a:font script="Knda" typeface="Tunga"/>
-        <a:font script="Guru" typeface="Raavi"/>
-        <a:font script="Cans" typeface="Euphemia"/>
-        <a:font script="Cher" typeface="Plantagenet Cherokee"/>
-        <a:font script="Yiii" typeface="Microsoft Yi Baiti"/>
-        <a:font script="Tibt" typeface="Microsoft Himalaya"/>
-        <a:font script="Thaa" typeface="MV Boli"/>
-        <a:font script="Deva" typeface="Mangal"/>
-        <a:font script="Telu" typeface="Gautami"/>
-        <a:font script="Taml" typeface="Latha"/>
-        <a:font script="Syrc" typeface="Estrangelo Edessa"/>
-        <a:font script="Orya" typeface="Kalinga"/>
-        <a:font script="Mlym" typeface="Kartika"/>
-        <a:font script="Laoo" typeface="DokChampa"/>
-        <a:font script="Sinh" typeface="Iskoola Pota"/>
-        <a:font script="Mong" typeface="Mongolian Baiti"/>
-        <a:font script="Viet" typeface="Arial"/>
-        <a:font script="Uigh" typeface="Microsoft Uighur"/>
-        <a:font script="Geor" typeface="Sylfaen"/>
-      </a:minorFont>
-    </a:fontScheme>
-    <a:fmtScheme name="Office">
-      <a:fillStyleLst>
-        <a:solidFill>
-          <a:schemeClr val="phClr"/>
-        </a:solidFill>
-        <a:gradFill rotWithShape="1">
-          <a:gsLst>
-            <a:gs pos="0">
-              <a:schemeClr val="phClr">
-                <a:tint val="50000"/>
-                <a:satMod val="300000"/>
-              </a:schemeClr>
-            </a:gs>
-            <a:gs pos="35000">
-              <a:schemeClr val="phClr">
-                <a:tint val="37000"/>
-                <a:satMod val="300000"/>
-              </a:schemeClr>
-            </a:gs>
-            <a:gs pos="100000">
-              <a:schemeClr val="phClr">
-                <a:tint val="15000"/>
-                <a:satMod val="350000"/>
-              </a:schemeClr>
-            </a:gs>
-          </a:gsLst>
-          <a:lin ang="16200000" scaled="1"/>
-        </a:gradFill>
-        <a:gradFill rotWithShape="1">
-          <a:gsLst>
-            <a:gs pos="0">
-              <a:schemeClr val="phClr">
-                <a:tint val="100000"/>
-                <a:shade val="100000"/>
-                <a:satMod val="130000"/>
-              </a:schemeClr>
-            </a:gs>
-            <a:gs pos="100000">
-              <a:schemeClr val="phClr">
-                <a:tint val="50000"/>
-                <a:shade val="100000"/>
-                <a:satMod val="350000"/>
-              </a:schemeClr>
-            </a:gs>
-          </a:gsLst>
-          <a:lin ang="16200000" scaled="0"/>
-        </a:gradFill>
-      </a:fillStyleLst>
-      <a:lnStyleLst>
-        <a:ln w="9525" cap="flat" cmpd="sng" algn="ctr">
-          <a:solidFill>
-            <a:schemeClr val="phClr">
-              <a:shade val="95000"/>
-              <a:satMod val="105000"/>
-            </a:schemeClr>
-          </a:solidFill>
-          <a:prstDash val="solid"/>
-        </a:ln>
-        <a:ln w="25400" cap="flat" cmpd="sng" algn="ctr">
-          <a:solidFill>
-            <a:schemeClr val="phClr"/>
-          </a:solidFill>
-          <a:prstDash val="solid"/>
-        </a:ln>
-        <a:ln w="38100" cap="flat" cmpd="sng" algn="ctr">
-          <a:solidFill>
-            <a:schemeClr val="phClr"/>
-          </a:solidFill>
-          <a:prstDash val="solid"/>
-        </a:ln>
-      </a:lnStyleLst>
-      <a:effectStyleLst>
-        <a:effectStyle>
-          <a:effectLst>
-            <a:outerShdw blurRad="40000" dist="20000" dir="5400000" rotWithShape="0">
-              <a:srgbClr val="000000">
-                <a:alpha val="38000"/>
-              </a:srgbClr>
-            </a:outerShdw>
-          </a:effectLst>
-        </a:effectStyle>
-        <a:effectStyle>
-          <a:effectLst>
-            <a:outerShdw blurRad="40000" dist="23000" dir="5400000" rotWithShape="0">
-              <a:srgbClr val="000000">
-                <a:alpha val="35000"/>
-              </a:srgbClr>
-            </a:outerShdw>
-          </a:effectLst>
-        </a:effectStyle>
-        <a:effectStyle>
-          <a:effectLst>
-            <a:outerShdw blurRad="40000" dist="23000" dir="5400000" rotWithShape="0">
-              <a:srgbClr val="000000">
-                <a:alpha val="35000"/>
-              </a:srgbClr>
-            </a:outerShdw>
-          </a:effectLst>
-          <a:scene3d>
-            <a:camera prst="orthographicFront">
-              <a:rot lat="0" lon="0" rev="0"/>
-            </a:camera>
-            <a:lightRig rig="threePt" dir="t">
-              <a:rot lat="0" lon="0" rev="1200000"/>
-            </a:lightRig>
-          </a:scene3d>
-          <a:sp3d>
-            <a:bevelT w="63500" h="25400"/>
-          </a:sp3d>
-        </a:effectStyle>
-      </a:effectStyleLst>
-      <a:bgFillStyleLst>
-        <a:solidFill>
-          <a:schemeClr val="phClr"/>
-        </a:solidFill>
-        <a:gradFill rotWithShape="1">
-          <a:gsLst>
-            <a:gs pos="0">
-              <a:schemeClr val="phClr">
-                <a:tint val="40000"/>
-                <a:satMod val="350000"/>
-              </a:schemeClr>
-            </a:gs>
-            <a:gs pos="40000">
-              <a:schemeClr val="phClr">
-                <a:tint val="45000"/>
-                <a:shade val="99000"/>
-                <a:satMod val="350000"/>
-              </a:schemeClr>
-            </a:gs>
-            <a:gs pos="100000">
-              <a:schemeClr val="phClr">
-                <a:shade val="20000"/>
-                <a:satMod val="255000"/>
-              </a:schemeClr>
-            </a:gs>
-          </a:gsLst>
-          <a:path path="circle">
-            <a:fillToRect l="50000" t="-80000" r="50000" b="180000"/>
-          </a:path>
-        </a:gradFill>
-        <a:gradFill rotWithShape="1">
-          <a:gsLst>
-            <a:gs pos="0">
-              <a:schemeClr val="phClr">
-                <a:tint val="80000"/>
-                <a:satMod val="300000"/>
-              </a:schemeClr>
-            </a:gs>
-            <a:gs pos="100000">
-              <a:schemeClr val="phClr">
-                <a:shade val="30000"/>
-                <a:satMod val="200000"/>
-              </a:schemeClr>
-            </a:gs>
-          </a:gsLst>
-          <a:path path="circle">
-            <a:fillToRect l="50000" t="50000" r="50000" b="50000"/>
-          </a:path>
-        </a:gradFill>
-      </a:bgFillStyleLst>
-    </a:fmtScheme>
-  </a:themeElements>
-  <a:objectDefaults/>
-  <a:extraClrSchemeLst/>
 </a:theme>
 </file>